--- a/presentation/Project_Presentation_EDA_v1.1.pptx
+++ b/presentation/Project_Presentation_EDA_v1.1.pptx
@@ -1514,6 +1514,95 @@
       </p:grpSpPr>
       <p:sp>
         <p:nvSpPr>
+          <p:cNvPr id="2" name="幻灯片图像占位符 1"/>
+          <p:cNvSpPr>
+            <a:spLocks noGrp="1" noRot="1" noChangeAspect="1"/>
+          </p:cNvSpPr>
+          <p:nvPr>
+            <p:ph type="sldImg"/>
+          </p:nvPr>
+        </p:nvSpPr>
+        <p:spPr/>
+      </p:sp>
+      <p:sp>
+        <p:nvSpPr>
+          <p:cNvPr id="3" name="备注占位符 2"/>
+          <p:cNvSpPr>
+            <a:spLocks noGrp="1"/>
+          </p:cNvSpPr>
+          <p:nvPr>
+            <p:ph type="body" idx="1"/>
+          </p:nvPr>
+        </p:nvSpPr>
+        <p:spPr/>
+        <p:txBody>
+          <a:bodyPr/>
+          <a:lstStyle/>
+          <a:p>
+            <a:r>
+              <a:rPr lang="en-US" dirty="0" smtClean="0"/>
+              <a:t>Finally</a:t>
+            </a:r>
+            <a:r>
+              <a:rPr lang="en-US" smtClean="0"/>
+              <a:t>, for </a:t>
+            </a:r>
+            <a:r>
+              <a:rPr lang="en-US" dirty="0" smtClean="0"/>
+              <a:t>recommendation system integration and deployment. I would like to develop a user interface for better using experience. I will develop a Flask website and use </a:t>
+            </a:r>
+            <a:r>
+              <a:rPr lang="en-US" dirty="0" err="1" smtClean="0"/>
+              <a:t>PythonAnywhere</a:t>
+            </a:r>
+            <a:r>
+              <a:rPr lang="en-US" dirty="0" smtClean="0"/>
+              <a:t> web hosting service to host our recommender system. Next, I will develop a Chabot using </a:t>
+            </a:r>
+            <a:r>
+              <a:rPr lang="en-US" dirty="0" err="1" smtClean="0"/>
+              <a:t>DialogFlow</a:t>
+            </a:r>
+            <a:r>
+              <a:rPr lang="en-US" dirty="0" smtClean="0"/>
+              <a:t> platform to assist users for product recommendation and integrate it with the Flask website.</a:t>
+            </a:r>
+            <a:endParaRPr lang="en-US" dirty="0"/>
+          </a:p>
+        </p:txBody>
+      </p:sp>
+    </p:spTree>
+    <p:extLst>
+      <p:ext uri="{BB962C8B-B14F-4D97-AF65-F5344CB8AC3E}">
+        <p14:creationId xmlns:p14="http://schemas.microsoft.com/office/powerpoint/2010/main" val="2987799234"/>
+      </p:ext>
+    </p:extLst>
+  </p:cSld>
+  <p:clrMapOvr>
+    <a:masterClrMapping/>
+  </p:clrMapOvr>
+</p:notes>
+</file>
+
+<file path=ppt/notesSlides/notesSlide14.xml><?xml version="1.0" encoding="utf-8"?>
+<p:notes xmlns:a="http://schemas.openxmlformats.org/drawingml/2006/main" xmlns:r="http://schemas.openxmlformats.org/officeDocument/2006/relationships" xmlns:p="http://schemas.openxmlformats.org/presentationml/2006/main">
+  <p:cSld>
+    <p:spTree>
+      <p:nvGrpSpPr>
+        <p:cNvPr id="1" name=""/>
+        <p:cNvGrpSpPr/>
+        <p:nvPr/>
+      </p:nvGrpSpPr>
+      <p:grpSpPr>
+        <a:xfrm>
+          <a:off x="0" y="0"/>
+          <a:ext cx="0" cy="0"/>
+          <a:chOff x="0" y="0"/>
+          <a:chExt cx="0" cy="0"/>
+        </a:xfrm>
+      </p:grpSpPr>
+      <p:sp>
+        <p:nvSpPr>
           <p:cNvPr id="33793" name="幻灯片图像占位符 1"/>
           <p:cNvSpPr>
             <a:spLocks noGrp="1" noRot="1" noChangeAspect="1"/>
@@ -1605,7 +1694,7 @@
 </p:notes>
 </file>
 
-<file path=ppt/notesSlides/notesSlide14.xml><?xml version="1.0" encoding="utf-8"?>
+<file path=ppt/notesSlides/notesSlide15.xml><?xml version="1.0" encoding="utf-8"?>
 <p:notes xmlns:a="http://schemas.openxmlformats.org/drawingml/2006/main" xmlns:r="http://schemas.openxmlformats.org/officeDocument/2006/relationships" xmlns:p="http://schemas.openxmlformats.org/presentationml/2006/main">
   <p:cSld>
     <p:spTree>
@@ -1649,6 +1738,23 @@
           <a:bodyPr/>
           <a:lstStyle/>
           <a:p>
+            <a:pPr marL="0" marR="0" lvl="0" indent="0" algn="l" defTabSz="914400" rtl="0" eaLnBrk="1" fontAlgn="auto" latinLnBrk="0" hangingPunct="1">
+              <a:lnSpc>
+                <a:spcPct val="100000"/>
+              </a:lnSpc>
+              <a:spcBef>
+                <a:spcPts val="0"/>
+              </a:spcBef>
+              <a:spcAft>
+                <a:spcPts val="0"/>
+              </a:spcAft>
+              <a:buClrTx/>
+              <a:buSzTx/>
+              <a:buFontTx/>
+              <a:buNone/>
+              <a:tabLst/>
+              <a:defRPr/>
+            </a:pPr>
             <a:r>
               <a:rPr lang="en-US" sz="1200" b="0" i="0" kern="1200" dirty="0" smtClean="0">
                 <a:solidFill>
@@ -1660,7 +1766,61 @@
                 <a:cs typeface="+mn-cs"/>
                 <a:sym typeface="Arial" panose="020B0604020202020204" pitchFamily="34" charset="0"/>
               </a:rPr>
-              <a:t>I intend to achieve through this project is to develop product recommender systems/models that can accurately predict customers' preferences, identify the most useful characteristics to promote certain products to customers, understand the role of text data in recommender systems, and provide a comprehensive report of recommender systems for the business owners.</a:t>
+              <a:t>I intend to achieve through this project is to develop product recommender systems/models that can accurately predict customers' preferences, identify the most useful characteristics to promote certain products to customers, understand the role of text data in recommender systems, </a:t>
+            </a:r>
+            <a:r>
+              <a:rPr lang="en-US" sz="1200" dirty="0" smtClean="0">
+                <a:latin typeface="Arial" panose="020B0604020202020204" pitchFamily="34" charset="0"/>
+                <a:cs typeface="Arial" panose="020B0604020202020204" pitchFamily="34" charset="0"/>
+              </a:rPr>
+              <a:t>provide a website and </a:t>
+            </a:r>
+            <a:r>
+              <a:rPr lang="en-US" sz="1200" dirty="0" err="1" smtClean="0">
+                <a:latin typeface="Arial" panose="020B0604020202020204" pitchFamily="34" charset="0"/>
+                <a:cs typeface="Arial" panose="020B0604020202020204" pitchFamily="34" charset="0"/>
+              </a:rPr>
+              <a:t>Chatbot</a:t>
+            </a:r>
+            <a:r>
+              <a:rPr lang="en-US" sz="1200" dirty="0" smtClean="0">
+                <a:latin typeface="Arial" panose="020B0604020202020204" pitchFamily="34" charset="0"/>
+                <a:cs typeface="Arial" panose="020B0604020202020204" pitchFamily="34" charset="0"/>
+              </a:rPr>
+              <a:t> to assist amazon users to make purchase decisions,</a:t>
+            </a:r>
+            <a:r>
+              <a:rPr lang="en-US" sz="1200" baseline="0" dirty="0" smtClean="0">
+                <a:latin typeface="Arial" panose="020B0604020202020204" pitchFamily="34" charset="0"/>
+                <a:cs typeface="Arial" panose="020B0604020202020204" pitchFamily="34" charset="0"/>
+              </a:rPr>
+              <a:t> </a:t>
+            </a:r>
+            <a:r>
+              <a:rPr lang="en-US" sz="1200" b="0" i="0" kern="1200" dirty="0" smtClean="0">
+                <a:solidFill>
+                  <a:schemeClr val="tx1"/>
+                </a:solidFill>
+                <a:effectLst/>
+                <a:latin typeface="+mn-lt"/>
+                <a:ea typeface="Arial" panose="020B0604020202020204" pitchFamily="34" charset="0"/>
+                <a:cs typeface="+mn-cs"/>
+                <a:sym typeface="Arial" panose="020B0604020202020204" pitchFamily="34" charset="0"/>
+              </a:rPr>
+              <a:t>and </a:t>
+            </a:r>
+            <a:r>
+              <a:rPr lang="en-US" sz="1200" b="0" i="0" kern="1200" dirty="0" smtClean="0">
+                <a:solidFill>
+                  <a:schemeClr val="tx1"/>
+                </a:solidFill>
+                <a:effectLst/>
+                <a:latin typeface="+mn-lt"/>
+                <a:ea typeface="Arial" panose="020B0604020202020204" pitchFamily="34" charset="0"/>
+                <a:cs typeface="+mn-cs"/>
+                <a:sym typeface="Arial" panose="020B0604020202020204" pitchFamily="34" charset="0"/>
+              </a:rPr>
+              <a:t>provide a comprehensive report of recommender systems for the business owners.</a:t>
             </a:r>
             <a:endParaRPr lang="en-US" dirty="0"/>
           </a:p>
@@ -1679,7 +1839,7 @@
 </p:notes>
 </file>
 
-<file path=ppt/notesSlides/notesSlide15.xml><?xml version="1.0" encoding="utf-8"?>
+<file path=ppt/notesSlides/notesSlide16.xml><?xml version="1.0" encoding="utf-8"?>
 <p:notes xmlns:a="http://schemas.openxmlformats.org/drawingml/2006/main" xmlns:r="http://schemas.openxmlformats.org/officeDocument/2006/relationships" xmlns:p="http://schemas.openxmlformats.org/presentationml/2006/main">
   <p:cSld>
     <p:spTree>
@@ -27337,7 +27497,7 @@
           <p:nvPr/>
         </p:nvPicPr>
         <p:blipFill>
-          <a:blip r:embed="rId2"/>
+          <a:blip r:embed="rId3"/>
           <a:stretch>
             <a:fillRect/>
           </a:stretch>
@@ -28588,10 +28748,6 @@
               </a:rPr>
               <a:t>Provide a comprehensive report of recommender systems for the business owners.</a:t>
             </a:r>
-            <a:endParaRPr lang="en-US" sz="1400" dirty="0">
-              <a:latin typeface="Arial" panose="020B0604020202020204" pitchFamily="34" charset="0"/>
-              <a:cs typeface="Arial" panose="020B0604020202020204" pitchFamily="34" charset="0"/>
-            </a:endParaRPr>
           </a:p>
         </p:txBody>
       </p:sp>

--- a/presentation/Project_Presentation_EDA_v1.1.pptx
+++ b/presentation/Project_Presentation_EDA_v1.1.pptx
@@ -5,10 +5,10 @@
     <p:sldMasterId id="2147483648" r:id="rId1"/>
   </p:sldMasterIdLst>
   <p:notesMasterIdLst>
-    <p:notesMasterId r:id="rId34"/>
+    <p:notesMasterId r:id="rId35"/>
   </p:notesMasterIdLst>
   <p:handoutMasterIdLst>
-    <p:handoutMasterId r:id="rId35"/>
+    <p:handoutMasterId r:id="rId36"/>
   </p:handoutMasterIdLst>
   <p:sldIdLst>
     <p:sldId id="422" r:id="rId2"/>
@@ -28,21 +28,22 @@
     <p:sldId id="441" r:id="rId16"/>
     <p:sldId id="442" r:id="rId17"/>
     <p:sldId id="443" r:id="rId18"/>
-    <p:sldId id="444" r:id="rId19"/>
-    <p:sldId id="445" r:id="rId20"/>
-    <p:sldId id="446" r:id="rId21"/>
-    <p:sldId id="447" r:id="rId22"/>
-    <p:sldId id="448" r:id="rId23"/>
-    <p:sldId id="449" r:id="rId24"/>
-    <p:sldId id="450" r:id="rId25"/>
-    <p:sldId id="433" r:id="rId26"/>
-    <p:sldId id="451" r:id="rId27"/>
-    <p:sldId id="452" r:id="rId28"/>
-    <p:sldId id="454" r:id="rId29"/>
-    <p:sldId id="434" r:id="rId30"/>
-    <p:sldId id="342" r:id="rId31"/>
-    <p:sldId id="440" r:id="rId32"/>
-    <p:sldId id="387" r:id="rId33"/>
+    <p:sldId id="455" r:id="rId19"/>
+    <p:sldId id="444" r:id="rId20"/>
+    <p:sldId id="445" r:id="rId21"/>
+    <p:sldId id="446" r:id="rId22"/>
+    <p:sldId id="447" r:id="rId23"/>
+    <p:sldId id="448" r:id="rId24"/>
+    <p:sldId id="449" r:id="rId25"/>
+    <p:sldId id="450" r:id="rId26"/>
+    <p:sldId id="433" r:id="rId27"/>
+    <p:sldId id="451" r:id="rId28"/>
+    <p:sldId id="452" r:id="rId29"/>
+    <p:sldId id="454" r:id="rId30"/>
+    <p:sldId id="434" r:id="rId31"/>
+    <p:sldId id="342" r:id="rId32"/>
+    <p:sldId id="440" r:id="rId33"/>
+    <p:sldId id="387" r:id="rId34"/>
   </p:sldIdLst>
   <p:sldSz cx="12192000" cy="6858000"/>
   <p:notesSz cx="6858000" cy="9144000"/>
@@ -356,7 +357,7 @@
                 <a:ea typeface="+mn-ea"/>
                 <a:cs typeface="+mn-cs"/>
               </a:rPr>
-              <a:t>2022/2/27</a:t>
+              <a:t>2022/3/5</a:t>
             </a:fld>
             <a:endParaRPr lang="zh-CN" altLang="en-US" strike="noStrike" noProof="1"/>
           </a:p>
@@ -537,7 +538,7 @@
                 <a:ea typeface="Arial" panose="020B0604020202020204" pitchFamily="34" charset="0"/>
                 <a:cs typeface="+mn-cs"/>
               </a:rPr>
-              <a:t>2022/2/27</a:t>
+              <a:t>2022/3/5</a:t>
             </a:fld>
             <a:endParaRPr lang="zh-CN" altLang="en-US" strike="noStrike" noProof="1"/>
           </a:p>
@@ -1191,7 +1192,7 @@
                 <a:latin typeface="Calibri" panose="020F0502020204030204" charset="0"/>
                 <a:ea typeface="宋体" panose="02010600030101010101" pitchFamily="2" charset="-122"/>
               </a:rPr>
-              <a:t>25</a:t>
+              <a:t>26</a:t>
             </a:fld>
             <a:endParaRPr lang="zh-CN" altLang="en-US" sz="1200">
               <a:latin typeface="Calibri" panose="020F0502020204030204" charset="0"/>
@@ -1672,7 +1673,7 @@
                 <a:latin typeface="Calibri" panose="020F0502020204030204" charset="0"/>
                 <a:ea typeface="宋体" panose="02010600030101010101" pitchFamily="2" charset="-122"/>
               </a:rPr>
-              <a:t>29</a:t>
+              <a:t>30</a:t>
             </a:fld>
             <a:endParaRPr lang="zh-CN" altLang="en-US" sz="1200">
               <a:latin typeface="Calibri" panose="020F0502020204030204" charset="0"/>
@@ -1807,20 +1808,7 @@
                 <a:cs typeface="+mn-cs"/>
                 <a:sym typeface="Arial" panose="020B0604020202020204" pitchFamily="34" charset="0"/>
               </a:rPr>
-              <a:t>and </a:t>
-            </a:r>
-            <a:r>
-              <a:rPr lang="en-US" sz="1200" b="0" i="0" kern="1200" dirty="0" smtClean="0">
-                <a:solidFill>
-                  <a:schemeClr val="tx1"/>
-                </a:solidFill>
-                <a:effectLst/>
-                <a:latin typeface="+mn-lt"/>
-                <a:ea typeface="Arial" panose="020B0604020202020204" pitchFamily="34" charset="0"/>
-                <a:cs typeface="+mn-cs"/>
-                <a:sym typeface="Arial" panose="020B0604020202020204" pitchFamily="34" charset="0"/>
-              </a:rPr>
-              <a:t>provide a comprehensive report of recommender systems for the business owners.</a:t>
+              <a:t>and provide a comprehensive report of recommender systems for the business owners.</a:t>
             </a:r>
             <a:endParaRPr lang="en-US" dirty="0"/>
           </a:p>
@@ -1921,7 +1909,7 @@
                 <a:latin typeface="Calibri" panose="020F0502020204030204" charset="0"/>
                 <a:ea typeface="宋体" panose="02010600030101010101" pitchFamily="2" charset="-122"/>
               </a:rPr>
-              <a:t>32</a:t>
+              <a:t>33</a:t>
             </a:fld>
             <a:endParaRPr lang="zh-CN" altLang="en-US" sz="1200">
               <a:latin typeface="Calibri" panose="020F0502020204030204" charset="0"/>
@@ -13445,8 +13433,8 @@
         </p:blipFill>
         <p:spPr>
           <a:xfrm>
-            <a:off x="1448692" y="1301678"/>
-            <a:ext cx="8716762" cy="3364102"/>
+            <a:off x="266303" y="1126131"/>
+            <a:ext cx="11327737" cy="4371768"/>
           </a:xfrm>
           <a:prstGeom prst="rect">
             <a:avLst/>
@@ -13461,8 +13449,8 @@
         </p:nvGrpSpPr>
         <p:grpSpPr>
           <a:xfrm>
-            <a:off x="1448692" y="4665780"/>
-            <a:ext cx="8716761" cy="1601670"/>
+            <a:off x="1448693" y="5580181"/>
+            <a:ext cx="8716761" cy="1035224"/>
             <a:chOff x="0" y="6227623"/>
             <a:chExt cx="12192000" cy="630377"/>
           </a:xfrm>
@@ -13571,8 +13559,8 @@
         </p:nvSpPr>
         <p:spPr>
           <a:xfrm>
-            <a:off x="1913530" y="4975588"/>
-            <a:ext cx="7787084" cy="830997"/>
+            <a:off x="1913530" y="5709368"/>
+            <a:ext cx="7787084" cy="738664"/>
           </a:xfrm>
           <a:prstGeom prst="rect">
             <a:avLst/>
@@ -13594,7 +13582,7 @@
               </a:lnSpc>
             </a:pPr>
             <a:r>
-              <a:rPr lang="en-US" altLang="zh-CN" sz="1600" dirty="0">
+              <a:rPr lang="en-US" altLang="zh-CN" sz="1400" dirty="0">
                 <a:solidFill>
                   <a:srgbClr val="262626"/>
                 </a:solidFill>
@@ -13678,8 +13666,8 @@
         </p:blipFill>
         <p:spPr bwMode="auto">
           <a:xfrm>
-            <a:off x="1136650" y="1722437"/>
-            <a:ext cx="2905125" cy="3562351"/>
+            <a:off x="851144" y="1151061"/>
+            <a:ext cx="4429983" cy="5432177"/>
           </a:xfrm>
           <a:prstGeom prst="rect">
             <a:avLst/>
@@ -13744,8 +13732,8 @@
         </p:nvGrpSpPr>
         <p:grpSpPr>
           <a:xfrm>
-            <a:off x="4705349" y="1884480"/>
-            <a:ext cx="6356350" cy="1982670"/>
+            <a:off x="5803640" y="2127076"/>
+            <a:ext cx="5416679" cy="1982670"/>
             <a:chOff x="0" y="6227623"/>
             <a:chExt cx="12192000" cy="630377"/>
           </a:xfrm>
@@ -13854,8 +13842,8 @@
         </p:nvSpPr>
         <p:spPr>
           <a:xfrm>
-            <a:off x="4964111" y="2123777"/>
-            <a:ext cx="5838825" cy="1200329"/>
+            <a:off x="6086976" y="2578605"/>
+            <a:ext cx="4850005" cy="1061829"/>
           </a:xfrm>
           <a:prstGeom prst="rect">
             <a:avLst/>
@@ -13877,7 +13865,7 @@
               </a:lnSpc>
             </a:pPr>
             <a:r>
-              <a:rPr lang="en-US" altLang="zh-CN" sz="1600" dirty="0">
+              <a:rPr lang="en-US" altLang="zh-CN" sz="1400" dirty="0">
                 <a:solidFill>
                   <a:srgbClr val="262626"/>
                 </a:solidFill>
@@ -13886,7 +13874,7 @@
               </a:rPr>
               <a:t>There are a total of 515,650 distinct reviewers in this dataset, and the most active reviewer had reviewed 208 products with an average 4.98 rating score.</a:t>
             </a:r>
-            <a:endParaRPr lang="zh-CN" altLang="en-US" sz="1600" dirty="0">
+            <a:endParaRPr lang="zh-CN" altLang="en-US" sz="1400" dirty="0">
               <a:solidFill>
                 <a:srgbClr val="262626"/>
               </a:solidFill>
@@ -14001,32 +13989,8 @@
         </p:blipFill>
         <p:spPr>
           <a:xfrm>
-            <a:off x="629841" y="1055504"/>
-            <a:ext cx="4334272" cy="2798556"/>
-          </a:xfrm>
-          <a:prstGeom prst="rect">
-            <a:avLst/>
-          </a:prstGeom>
-        </p:spPr>
-      </p:pic>
-      <p:pic>
-        <p:nvPicPr>
-          <p:cNvPr id="4" name="图片 3"/>
-          <p:cNvPicPr>
-            <a:picLocks noChangeAspect="1"/>
-          </p:cNvPicPr>
-          <p:nvPr/>
-        </p:nvPicPr>
-        <p:blipFill>
-          <a:blip r:embed="rId3"/>
-          <a:stretch>
-            <a:fillRect/>
-          </a:stretch>
-        </p:blipFill>
-        <p:spPr>
-          <a:xfrm>
-            <a:off x="629841" y="3854060"/>
-            <a:ext cx="4334272" cy="2829227"/>
+            <a:off x="266303" y="1255698"/>
+            <a:ext cx="7506063" cy="4846521"/>
           </a:xfrm>
           <a:prstGeom prst="rect">
             <a:avLst/>
@@ -14041,8 +14005,8 @@
         </p:nvGrpSpPr>
         <p:grpSpPr>
           <a:xfrm>
-            <a:off x="5106988" y="1255698"/>
-            <a:ext cx="6356350" cy="2106627"/>
+            <a:off x="7772366" y="2067461"/>
+            <a:ext cx="3653616" cy="2803119"/>
             <a:chOff x="0" y="6227623"/>
             <a:chExt cx="12192000" cy="630377"/>
           </a:xfrm>
@@ -14151,8 +14115,8 @@
         </p:nvSpPr>
         <p:spPr>
           <a:xfrm>
-            <a:off x="5327651" y="1569590"/>
-            <a:ext cx="5838825" cy="1569660"/>
+            <a:off x="8000107" y="2448026"/>
+            <a:ext cx="3198133" cy="2031325"/>
           </a:xfrm>
           <a:prstGeom prst="rect">
             <a:avLst/>
@@ -14174,7 +14138,7 @@
               </a:lnSpc>
             </a:pPr>
             <a:r>
-              <a:rPr lang="en-US" altLang="zh-CN" sz="1600" dirty="0">
+              <a:rPr lang="en-US" altLang="zh-CN" sz="1400" dirty="0">
                 <a:solidFill>
                   <a:srgbClr val="262626"/>
                 </a:solidFill>
@@ -14183,189 +14147,9 @@
               </a:rPr>
               <a:t>The review year distribution graphs show that the reviews in this dataset are heavily collected after the year 2013, which can quite well represent the current generation customers' preferences.</a:t>
             </a:r>
-            <a:endParaRPr lang="zh-CN" altLang="en-US" sz="1600" dirty="0">
+            <a:endParaRPr lang="zh-CN" altLang="en-US" sz="1400" dirty="0">
               <a:solidFill>
                 <a:srgbClr val="262626"/>
-              </a:solidFill>
-              <a:latin typeface="Arial" panose="020B0604020202020204" pitchFamily="34" charset="0"/>
-              <a:ea typeface="Arial" panose="020B0604020202020204" pitchFamily="34" charset="0"/>
-            </a:endParaRPr>
-          </a:p>
-        </p:txBody>
-      </p:sp>
-      <p:grpSp>
-        <p:nvGrpSpPr>
-          <p:cNvPr id="10" name="组合 8"/>
-          <p:cNvGrpSpPr/>
-          <p:nvPr/>
-        </p:nvGrpSpPr>
-        <p:grpSpPr>
-          <a:xfrm>
-            <a:off x="5109369" y="3994783"/>
-            <a:ext cx="6356350" cy="2329817"/>
-            <a:chOff x="0" y="6227623"/>
-            <a:chExt cx="12192000" cy="630377"/>
-          </a:xfrm>
-        </p:grpSpPr>
-        <p:sp>
-          <p:nvSpPr>
-            <p:cNvPr id="11" name="矩形 10"/>
-            <p:cNvSpPr/>
-            <p:nvPr/>
-          </p:nvSpPr>
-          <p:spPr>
-            <a:xfrm>
-              <a:off x="0" y="6256185"/>
-              <a:ext cx="12192000" cy="601815"/>
-            </a:xfrm>
-            <a:prstGeom prst="rect">
-              <a:avLst/>
-            </a:prstGeom>
-            <a:solidFill>
-              <a:schemeClr val="tx1">
-                <a:lumMod val="75000"/>
-                <a:lumOff val="25000"/>
-              </a:schemeClr>
-            </a:solidFill>
-            <a:ln>
-              <a:noFill/>
-            </a:ln>
-          </p:spPr>
-          <p:style>
-            <a:lnRef idx="2">
-              <a:schemeClr val="accent1">
-                <a:shade val="50000"/>
-              </a:schemeClr>
-            </a:lnRef>
-            <a:fillRef idx="1">
-              <a:schemeClr val="accent1"/>
-            </a:fillRef>
-            <a:effectRef idx="0">
-              <a:schemeClr val="accent1"/>
-            </a:effectRef>
-            <a:fontRef idx="minor">
-              <a:schemeClr val="lt1"/>
-            </a:fontRef>
-          </p:style>
-          <p:txBody>
-            <a:bodyPr rtlCol="0" anchor="ctr"/>
-            <a:lstStyle/>
-            <a:p>
-              <a:pPr algn="ctr" fontAlgn="auto"/>
-              <a:endParaRPr lang="zh-CN" altLang="en-US" strike="noStrike" noProof="1"/>
-            </a:p>
-          </p:txBody>
-        </p:sp>
-        <p:sp>
-          <p:nvSpPr>
-            <p:cNvPr id="12" name="矩形 11"/>
-            <p:cNvSpPr/>
-            <p:nvPr/>
-          </p:nvSpPr>
-          <p:spPr>
-            <a:xfrm>
-              <a:off x="0" y="6227623"/>
-              <a:ext cx="12192000" cy="28562"/>
-            </a:xfrm>
-            <a:prstGeom prst="rect">
-              <a:avLst/>
-            </a:prstGeom>
-            <a:solidFill>
-              <a:srgbClr val="F5A61C"/>
-            </a:solidFill>
-            <a:ln>
-              <a:noFill/>
-            </a:ln>
-          </p:spPr>
-          <p:style>
-            <a:lnRef idx="2">
-              <a:schemeClr val="accent1">
-                <a:shade val="50000"/>
-              </a:schemeClr>
-            </a:lnRef>
-            <a:fillRef idx="1">
-              <a:schemeClr val="accent1"/>
-            </a:fillRef>
-            <a:effectRef idx="0">
-              <a:schemeClr val="accent1"/>
-            </a:effectRef>
-            <a:fontRef idx="minor">
-              <a:schemeClr val="lt1"/>
-            </a:fontRef>
-          </p:style>
-          <p:txBody>
-            <a:bodyPr rtlCol="0" anchor="ctr"/>
-            <a:lstStyle/>
-            <a:p>
-              <a:pPr algn="ctr" fontAlgn="auto"/>
-              <a:endParaRPr lang="zh-CN" altLang="en-US" strike="noStrike" noProof="1"/>
-            </a:p>
-          </p:txBody>
-        </p:sp>
-      </p:grpSp>
-      <p:sp>
-        <p:nvSpPr>
-          <p:cNvPr id="13" name="TextBox 15"/>
-          <p:cNvSpPr txBox="1"/>
-          <p:nvPr/>
-        </p:nvSpPr>
-        <p:spPr>
-          <a:xfrm>
-            <a:off x="5327651" y="4303999"/>
-            <a:ext cx="5838824" cy="1569660"/>
-          </a:xfrm>
-          <a:prstGeom prst="rect">
-            <a:avLst/>
-          </a:prstGeom>
-          <a:noFill/>
-          <a:ln w="9525">
-            <a:noFill/>
-          </a:ln>
-        </p:spPr>
-        <p:txBody>
-          <a:bodyPr wrap="square" anchor="t" anchorCtr="0">
-            <a:spAutoFit/>
-          </a:bodyPr>
-          <a:lstStyle/>
-          <a:p>
-            <a:pPr>
-              <a:lnSpc>
-                <a:spcPct val="150000"/>
-              </a:lnSpc>
-            </a:pPr>
-            <a:r>
-              <a:rPr lang="en-US" altLang="zh-CN" sz="1600" dirty="0">
-                <a:solidFill>
-                  <a:schemeClr val="bg1"/>
-                </a:solidFill>
-                <a:latin typeface="Arial" panose="020B0604020202020204" pitchFamily="34" charset="0"/>
-                <a:cs typeface="Arial" panose="020B0604020202020204" pitchFamily="34" charset="0"/>
-              </a:rPr>
-              <a:t>T</a:t>
-            </a:r>
-            <a:r>
-              <a:rPr lang="en-US" altLang="zh-CN" sz="1600" dirty="0" smtClean="0">
-                <a:solidFill>
-                  <a:schemeClr val="bg1"/>
-                </a:solidFill>
-                <a:latin typeface="Arial" panose="020B0604020202020204" pitchFamily="34" charset="0"/>
-                <a:cs typeface="Arial" panose="020B0604020202020204" pitchFamily="34" charset="0"/>
-              </a:rPr>
-              <a:t>he </a:t>
-            </a:r>
-            <a:r>
-              <a:rPr lang="en-US" altLang="zh-CN" sz="1600" dirty="0">
-                <a:solidFill>
-                  <a:schemeClr val="bg1"/>
-                </a:solidFill>
-                <a:latin typeface="Arial" panose="020B0604020202020204" pitchFamily="34" charset="0"/>
-                <a:cs typeface="Arial" panose="020B0604020202020204" pitchFamily="34" charset="0"/>
-              </a:rPr>
-              <a:t>review month distribution graphs show that the months are quite evenly distributed in the dataset, which we can conclude that the season doesn't play a significant role in the influence of the purchase of the appliances.</a:t>
-            </a:r>
-            <a:endParaRPr lang="zh-CN" altLang="en-US" sz="1600" dirty="0">
-              <a:solidFill>
-                <a:schemeClr val="bg1"/>
               </a:solidFill>
               <a:latin typeface="Arial" panose="020B0604020202020204" pitchFamily="34" charset="0"/>
               <a:ea typeface="Arial" panose="020B0604020202020204" pitchFamily="34" charset="0"/>
@@ -14464,6 +14248,292 @@
       </p:sp>
       <p:pic>
         <p:nvPicPr>
+          <p:cNvPr id="3" name="图片 2"/>
+          <p:cNvPicPr>
+            <a:picLocks noChangeAspect="1"/>
+          </p:cNvPicPr>
+          <p:nvPr/>
+        </p:nvPicPr>
+        <p:blipFill>
+          <a:blip r:embed="rId2"/>
+          <a:stretch>
+            <a:fillRect/>
+          </a:stretch>
+        </p:blipFill>
+        <p:spPr>
+          <a:xfrm>
+            <a:off x="266303" y="1234466"/>
+            <a:ext cx="7226534" cy="4717172"/>
+          </a:xfrm>
+          <a:prstGeom prst="rect">
+            <a:avLst/>
+          </a:prstGeom>
+        </p:spPr>
+      </p:pic>
+      <p:grpSp>
+        <p:nvGrpSpPr>
+          <p:cNvPr id="4" name="组合 8"/>
+          <p:cNvGrpSpPr/>
+          <p:nvPr/>
+        </p:nvGrpSpPr>
+        <p:grpSpPr>
+          <a:xfrm>
+            <a:off x="7492837" y="2268620"/>
+            <a:ext cx="4122527" cy="2611290"/>
+            <a:chOff x="0" y="6227623"/>
+            <a:chExt cx="12192000" cy="630377"/>
+          </a:xfrm>
+        </p:grpSpPr>
+        <p:sp>
+          <p:nvSpPr>
+            <p:cNvPr id="5" name="矩形 4"/>
+            <p:cNvSpPr/>
+            <p:nvPr/>
+          </p:nvSpPr>
+          <p:spPr>
+            <a:xfrm>
+              <a:off x="0" y="6256185"/>
+              <a:ext cx="12192000" cy="601815"/>
+            </a:xfrm>
+            <a:prstGeom prst="rect">
+              <a:avLst/>
+            </a:prstGeom>
+            <a:solidFill>
+              <a:schemeClr val="tx1">
+                <a:lumMod val="75000"/>
+                <a:lumOff val="25000"/>
+              </a:schemeClr>
+            </a:solidFill>
+            <a:ln>
+              <a:noFill/>
+            </a:ln>
+          </p:spPr>
+          <p:style>
+            <a:lnRef idx="2">
+              <a:schemeClr val="accent1">
+                <a:shade val="50000"/>
+              </a:schemeClr>
+            </a:lnRef>
+            <a:fillRef idx="1">
+              <a:schemeClr val="accent1"/>
+            </a:fillRef>
+            <a:effectRef idx="0">
+              <a:schemeClr val="accent1"/>
+            </a:effectRef>
+            <a:fontRef idx="minor">
+              <a:schemeClr val="lt1"/>
+            </a:fontRef>
+          </p:style>
+          <p:txBody>
+            <a:bodyPr rtlCol="0" anchor="ctr"/>
+            <a:lstStyle/>
+            <a:p>
+              <a:pPr algn="ctr" fontAlgn="auto"/>
+              <a:endParaRPr lang="zh-CN" altLang="en-US" strike="noStrike" noProof="1"/>
+            </a:p>
+          </p:txBody>
+        </p:sp>
+        <p:sp>
+          <p:nvSpPr>
+            <p:cNvPr id="6" name="矩形 5"/>
+            <p:cNvSpPr/>
+            <p:nvPr/>
+          </p:nvSpPr>
+          <p:spPr>
+            <a:xfrm>
+              <a:off x="0" y="6227623"/>
+              <a:ext cx="12192000" cy="28562"/>
+            </a:xfrm>
+            <a:prstGeom prst="rect">
+              <a:avLst/>
+            </a:prstGeom>
+            <a:solidFill>
+              <a:srgbClr val="F5A61C"/>
+            </a:solidFill>
+            <a:ln>
+              <a:noFill/>
+            </a:ln>
+          </p:spPr>
+          <p:style>
+            <a:lnRef idx="2">
+              <a:schemeClr val="accent1">
+                <a:shade val="50000"/>
+              </a:schemeClr>
+            </a:lnRef>
+            <a:fillRef idx="1">
+              <a:schemeClr val="accent1"/>
+            </a:fillRef>
+            <a:effectRef idx="0">
+              <a:schemeClr val="accent1"/>
+            </a:effectRef>
+            <a:fontRef idx="minor">
+              <a:schemeClr val="lt1"/>
+            </a:fontRef>
+          </p:style>
+          <p:txBody>
+            <a:bodyPr rtlCol="0" anchor="ctr"/>
+            <a:lstStyle/>
+            <a:p>
+              <a:pPr algn="ctr" fontAlgn="auto"/>
+              <a:endParaRPr lang="zh-CN" altLang="en-US" strike="noStrike" noProof="1"/>
+            </a:p>
+          </p:txBody>
+        </p:sp>
+      </p:grpSp>
+      <p:sp>
+        <p:nvSpPr>
+          <p:cNvPr id="7" name="TextBox 15"/>
+          <p:cNvSpPr txBox="1"/>
+          <p:nvPr/>
+        </p:nvSpPr>
+        <p:spPr>
+          <a:xfrm>
+            <a:off x="7726103" y="2577836"/>
+            <a:ext cx="3590018" cy="2031325"/>
+          </a:xfrm>
+          <a:prstGeom prst="rect">
+            <a:avLst/>
+          </a:prstGeom>
+          <a:noFill/>
+          <a:ln w="9525">
+            <a:noFill/>
+          </a:ln>
+        </p:spPr>
+        <p:txBody>
+          <a:bodyPr wrap="square" anchor="t" anchorCtr="0">
+            <a:spAutoFit/>
+          </a:bodyPr>
+          <a:lstStyle/>
+          <a:p>
+            <a:pPr>
+              <a:lnSpc>
+                <a:spcPct val="150000"/>
+              </a:lnSpc>
+            </a:pPr>
+            <a:r>
+              <a:rPr lang="en-US" altLang="zh-CN" sz="1400" dirty="0">
+                <a:solidFill>
+                  <a:schemeClr val="bg1"/>
+                </a:solidFill>
+                <a:latin typeface="Arial" panose="020B0604020202020204" pitchFamily="34" charset="0"/>
+                <a:cs typeface="Arial" panose="020B0604020202020204" pitchFamily="34" charset="0"/>
+              </a:rPr>
+              <a:t>T</a:t>
+            </a:r>
+            <a:r>
+              <a:rPr lang="en-US" altLang="zh-CN" sz="1400" dirty="0" smtClean="0">
+                <a:solidFill>
+                  <a:schemeClr val="bg1"/>
+                </a:solidFill>
+                <a:latin typeface="Arial" panose="020B0604020202020204" pitchFamily="34" charset="0"/>
+                <a:cs typeface="Arial" panose="020B0604020202020204" pitchFamily="34" charset="0"/>
+              </a:rPr>
+              <a:t>he </a:t>
+            </a:r>
+            <a:r>
+              <a:rPr lang="en-US" altLang="zh-CN" sz="1400" dirty="0">
+                <a:solidFill>
+                  <a:schemeClr val="bg1"/>
+                </a:solidFill>
+                <a:latin typeface="Arial" panose="020B0604020202020204" pitchFamily="34" charset="0"/>
+                <a:cs typeface="Arial" panose="020B0604020202020204" pitchFamily="34" charset="0"/>
+              </a:rPr>
+              <a:t>review month distribution graphs show that the months are quite evenly distributed in the dataset, which we can conclude that the season doesn't play a significant role in the influence of the purchase of the appliances.</a:t>
+            </a:r>
+            <a:endParaRPr lang="zh-CN" altLang="en-US" sz="1400" dirty="0">
+              <a:solidFill>
+                <a:schemeClr val="bg1"/>
+              </a:solidFill>
+              <a:latin typeface="Arial" panose="020B0604020202020204" pitchFamily="34" charset="0"/>
+              <a:ea typeface="Arial" panose="020B0604020202020204" pitchFamily="34" charset="0"/>
+            </a:endParaRPr>
+          </a:p>
+        </p:txBody>
+      </p:sp>
+    </p:spTree>
+    <p:extLst>
+      <p:ext uri="{BB962C8B-B14F-4D97-AF65-F5344CB8AC3E}">
+        <p14:creationId xmlns:p14="http://schemas.microsoft.com/office/powerpoint/2010/main" val="1915448914"/>
+      </p:ext>
+    </p:extLst>
+  </p:cSld>
+  <p:clrMapOvr>
+    <a:masterClrMapping/>
+  </p:clrMapOvr>
+  <mc:AlternateContent xmlns:mc="http://schemas.openxmlformats.org/markup-compatibility/2006" xmlns:p14="http://schemas.microsoft.com/office/powerpoint/2010/main">
+    <mc:Choice Requires="p14">
+      <p:transition spd="med" p14:dur="700">
+        <p:fade/>
+      </p:transition>
+    </mc:Choice>
+    <mc:Fallback xmlns="">
+      <p:transition spd="med">
+        <p:fade/>
+      </p:transition>
+    </mc:Fallback>
+  </mc:AlternateContent>
+</p:sld>
+</file>
+
+<file path=ppt/slides/slide19.xml><?xml version="1.0" encoding="utf-8"?>
+<p:sld xmlns:a="http://schemas.openxmlformats.org/drawingml/2006/main" xmlns:r="http://schemas.openxmlformats.org/officeDocument/2006/relationships" xmlns:p="http://schemas.openxmlformats.org/presentationml/2006/main">
+  <p:cSld>
+    <p:spTree>
+      <p:nvGrpSpPr>
+        <p:cNvPr id="1" name=""/>
+        <p:cNvGrpSpPr/>
+        <p:nvPr/>
+      </p:nvGrpSpPr>
+      <p:grpSpPr>
+        <a:xfrm>
+          <a:off x="0" y="0"/>
+          <a:ext cx="0" cy="0"/>
+          <a:chOff x="0" y="0"/>
+          <a:chExt cx="0" cy="0"/>
+        </a:xfrm>
+      </p:grpSpPr>
+      <p:sp>
+        <p:nvSpPr>
+          <p:cNvPr id="2" name="文本框 48"/>
+          <p:cNvSpPr txBox="1"/>
+          <p:nvPr/>
+        </p:nvSpPr>
+        <p:spPr>
+          <a:xfrm>
+            <a:off x="266303" y="283984"/>
+            <a:ext cx="9473407" cy="707886"/>
+          </a:xfrm>
+          <a:prstGeom prst="rect">
+            <a:avLst/>
+          </a:prstGeom>
+          <a:solidFill>
+            <a:schemeClr val="bg1"/>
+          </a:solidFill>
+          <a:ln w="9525">
+            <a:noFill/>
+          </a:ln>
+        </p:spPr>
+        <p:txBody>
+          <a:bodyPr wrap="square" anchor="t" anchorCtr="0">
+            <a:spAutoFit/>
+          </a:bodyPr>
+          <a:lstStyle/>
+          <a:p>
+            <a:r>
+              <a:rPr lang="en-US" altLang="zh-CN" sz="4000" dirty="0" smtClean="0">
+                <a:solidFill>
+                  <a:srgbClr val="141214"/>
+                </a:solidFill>
+                <a:latin typeface="Arial" panose="020B0604020202020204" pitchFamily="34" charset="0"/>
+                <a:cs typeface="Arial" panose="020B0604020202020204" pitchFamily="34" charset="0"/>
+              </a:rPr>
+              <a:t>EDA – Review Data</a:t>
+            </a:r>
+          </a:p>
+        </p:txBody>
+      </p:sp>
+      <p:pic>
+        <p:nvPicPr>
           <p:cNvPr id="2052" name="Picture 4" descr="review_word_distrubution.png"/>
           <p:cNvPicPr>
             <a:picLocks noChangeAspect="1" noChangeArrowheads="1"/>
@@ -14485,8 +14555,8 @@
         </p:blipFill>
         <p:spPr bwMode="auto">
           <a:xfrm>
-            <a:off x="750094" y="991870"/>
-            <a:ext cx="5743972" cy="2991171"/>
+            <a:off x="314071" y="956573"/>
+            <a:ext cx="7030155" cy="3660950"/>
           </a:xfrm>
           <a:prstGeom prst="rect">
             <a:avLst/>
@@ -14552,8 +14622,8 @@
         </p:nvGrpSpPr>
         <p:grpSpPr>
           <a:xfrm>
-            <a:off x="508199" y="3983041"/>
-            <a:ext cx="6698059" cy="2665409"/>
+            <a:off x="508199" y="4617523"/>
+            <a:ext cx="6698059" cy="2066605"/>
             <a:chOff x="0" y="6227623"/>
             <a:chExt cx="12192000" cy="630377"/>
           </a:xfrm>
@@ -14662,8 +14732,8 @@
         </p:nvSpPr>
         <p:spPr>
           <a:xfrm>
-            <a:off x="752794" y="4192028"/>
-            <a:ext cx="6152711" cy="2308324"/>
+            <a:off x="752794" y="4826510"/>
+            <a:ext cx="6152711" cy="1708160"/>
           </a:xfrm>
           <a:prstGeom prst="rect">
             <a:avLst/>
@@ -14687,7 +14757,7 @@
               <a:buChar char="•"/>
             </a:pPr>
             <a:r>
-              <a:rPr lang="en-US" altLang="zh-CN" sz="1600" dirty="0">
+              <a:rPr lang="en-US" altLang="zh-CN" sz="1400" dirty="0">
                 <a:solidFill>
                   <a:schemeClr val="bg1"/>
                 </a:solidFill>
@@ -14696,7 +14766,7 @@
               </a:rPr>
               <a:t>Most of the reviews contain less than 100 words. </a:t>
             </a:r>
-            <a:endParaRPr lang="en-US" altLang="zh-CN" sz="1600" dirty="0" smtClean="0">
+            <a:endParaRPr lang="en-US" altLang="zh-CN" sz="1400" dirty="0" smtClean="0">
               <a:solidFill>
                 <a:schemeClr val="bg1"/>
               </a:solidFill>
@@ -14713,7 +14783,7 @@
               <a:buChar char="•"/>
             </a:pPr>
             <a:r>
-              <a:rPr lang="en-US" altLang="zh-CN" sz="1600" dirty="0" smtClean="0">
+              <a:rPr lang="en-US" altLang="zh-CN" sz="1400" dirty="0" smtClean="0">
                 <a:solidFill>
                   <a:schemeClr val="bg1"/>
                 </a:solidFill>
@@ -14723,7 +14793,7 @@
               <a:t>The </a:t>
             </a:r>
             <a:r>
-              <a:rPr lang="en-US" altLang="zh-CN" sz="1600" dirty="0">
+              <a:rPr lang="en-US" altLang="zh-CN" sz="1400" dirty="0">
                 <a:solidFill>
                   <a:schemeClr val="bg1"/>
                 </a:solidFill>
@@ -14733,7 +14803,7 @@
               <a:t>word counts distributions for each star rating review are </a:t>
             </a:r>
             <a:r>
-              <a:rPr lang="en-US" altLang="zh-CN" sz="1600" dirty="0" smtClean="0">
+              <a:rPr lang="en-US" altLang="zh-CN" sz="1400" dirty="0" smtClean="0">
                 <a:solidFill>
                   <a:schemeClr val="bg1"/>
                 </a:solidFill>
@@ -14743,7 +14813,7 @@
               <a:t>similar</a:t>
             </a:r>
             <a:r>
-              <a:rPr lang="en-US" altLang="zh-CN" sz="1600" dirty="0">
+              <a:rPr lang="en-US" altLang="zh-CN" sz="1400" dirty="0">
                 <a:solidFill>
                   <a:schemeClr val="bg1"/>
                 </a:solidFill>
@@ -14752,7 +14822,7 @@
               </a:rPr>
               <a:t>. The box plot shows that the 5 stars rating reviews have the lowest interquartile range (IQR) compared to the other 4 ratings, which implies that it has average the shortest review text.</a:t>
             </a:r>
-            <a:endParaRPr lang="zh-CN" altLang="en-US" sz="1600" dirty="0">
+            <a:endParaRPr lang="zh-CN" altLang="en-US" sz="1400" dirty="0">
               <a:solidFill>
                 <a:schemeClr val="bg1"/>
               </a:solidFill>
@@ -14766,354 +14836,6 @@
     <p:extLst>
       <p:ext uri="{BB962C8B-B14F-4D97-AF65-F5344CB8AC3E}">
         <p14:creationId xmlns:p14="http://schemas.microsoft.com/office/powerpoint/2010/main" val="1810450552"/>
-      </p:ext>
-    </p:extLst>
-  </p:cSld>
-  <p:clrMapOvr>
-    <a:masterClrMapping/>
-  </p:clrMapOvr>
-  <mc:AlternateContent xmlns:mc="http://schemas.openxmlformats.org/markup-compatibility/2006" xmlns:p14="http://schemas.microsoft.com/office/powerpoint/2010/main">
-    <mc:Choice Requires="p14">
-      <p:transition spd="med" p14:dur="700">
-        <p:fade/>
-      </p:transition>
-    </mc:Choice>
-    <mc:Fallback xmlns="">
-      <p:transition spd="med">
-        <p:fade/>
-      </p:transition>
-    </mc:Fallback>
-  </mc:AlternateContent>
-  <p:timing>
-    <p:tnLst>
-      <p:par>
-        <p:cTn id="1" dur="indefinite" restart="never" nodeType="tmRoot"/>
-      </p:par>
-    </p:tnLst>
-  </p:timing>
-</p:sld>
-</file>
-
-<file path=ppt/slides/slide19.xml><?xml version="1.0" encoding="utf-8"?>
-<p:sld xmlns:a="http://schemas.openxmlformats.org/drawingml/2006/main" xmlns:r="http://schemas.openxmlformats.org/officeDocument/2006/relationships" xmlns:p="http://schemas.openxmlformats.org/presentationml/2006/main">
-  <p:cSld>
-    <p:spTree>
-      <p:nvGrpSpPr>
-        <p:cNvPr id="1" name=""/>
-        <p:cNvGrpSpPr/>
-        <p:nvPr/>
-      </p:nvGrpSpPr>
-      <p:grpSpPr>
-        <a:xfrm>
-          <a:off x="0" y="0"/>
-          <a:ext cx="0" cy="0"/>
-          <a:chOff x="0" y="0"/>
-          <a:chExt cx="0" cy="0"/>
-        </a:xfrm>
-      </p:grpSpPr>
-      <p:sp>
-        <p:nvSpPr>
-          <p:cNvPr id="2" name="文本框 48"/>
-          <p:cNvSpPr txBox="1"/>
-          <p:nvPr/>
-        </p:nvSpPr>
-        <p:spPr>
-          <a:xfrm>
-            <a:off x="266303" y="283984"/>
-            <a:ext cx="9473407" cy="707886"/>
-          </a:xfrm>
-          <a:prstGeom prst="rect">
-            <a:avLst/>
-          </a:prstGeom>
-          <a:solidFill>
-            <a:schemeClr val="bg1"/>
-          </a:solidFill>
-          <a:ln w="9525">
-            <a:noFill/>
-          </a:ln>
-        </p:spPr>
-        <p:txBody>
-          <a:bodyPr wrap="square" anchor="t" anchorCtr="0">
-            <a:spAutoFit/>
-          </a:bodyPr>
-          <a:lstStyle/>
-          <a:p>
-            <a:r>
-              <a:rPr lang="en-US" altLang="zh-CN" sz="4000" dirty="0" smtClean="0">
-                <a:solidFill>
-                  <a:srgbClr val="141214"/>
-                </a:solidFill>
-                <a:latin typeface="Arial" panose="020B0604020202020204" pitchFamily="34" charset="0"/>
-                <a:cs typeface="Arial" panose="020B0604020202020204" pitchFamily="34" charset="0"/>
-              </a:rPr>
-              <a:t>EDA – Product Data</a:t>
-            </a:r>
-          </a:p>
-        </p:txBody>
-      </p:sp>
-      <p:pic>
-        <p:nvPicPr>
-          <p:cNvPr id="3" name="图片 2"/>
-          <p:cNvPicPr>
-            <a:picLocks noChangeAspect="1"/>
-          </p:cNvPicPr>
-          <p:nvPr/>
-        </p:nvPicPr>
-        <p:blipFill>
-          <a:blip r:embed="rId2"/>
-          <a:stretch>
-            <a:fillRect/>
-          </a:stretch>
-        </p:blipFill>
-        <p:spPr>
-          <a:xfrm>
-            <a:off x="266303" y="991870"/>
-            <a:ext cx="5801902" cy="4256405"/>
-          </a:xfrm>
-          <a:prstGeom prst="rect">
-            <a:avLst/>
-          </a:prstGeom>
-        </p:spPr>
-      </p:pic>
-      <p:pic>
-        <p:nvPicPr>
-          <p:cNvPr id="4" name="图片 3"/>
-          <p:cNvPicPr>
-            <a:picLocks noChangeAspect="1"/>
-          </p:cNvPicPr>
-          <p:nvPr/>
-        </p:nvPicPr>
-        <p:blipFill>
-          <a:blip r:embed="rId3"/>
-          <a:stretch>
-            <a:fillRect/>
-          </a:stretch>
-        </p:blipFill>
-        <p:spPr>
-          <a:xfrm>
-            <a:off x="7362261" y="930617"/>
-            <a:ext cx="3188961" cy="3046730"/>
-          </a:xfrm>
-          <a:prstGeom prst="rect">
-            <a:avLst/>
-          </a:prstGeom>
-        </p:spPr>
-      </p:pic>
-      <p:grpSp>
-        <p:nvGrpSpPr>
-          <p:cNvPr id="5" name="组合 1"/>
-          <p:cNvGrpSpPr/>
-          <p:nvPr/>
-        </p:nvGrpSpPr>
-        <p:grpSpPr>
-          <a:xfrm>
-            <a:off x="6248401" y="4038600"/>
-            <a:ext cx="5448300" cy="2546197"/>
-            <a:chOff x="0" y="6227623"/>
-            <a:chExt cx="12192000" cy="630377"/>
-          </a:xfrm>
-        </p:grpSpPr>
-        <p:sp>
-          <p:nvSpPr>
-            <p:cNvPr id="6" name="矩形 5"/>
-            <p:cNvSpPr/>
-            <p:nvPr/>
-          </p:nvSpPr>
-          <p:spPr>
-            <a:xfrm>
-              <a:off x="0" y="6256185"/>
-              <a:ext cx="12192000" cy="601815"/>
-            </a:xfrm>
-            <a:prstGeom prst="rect">
-              <a:avLst/>
-            </a:prstGeom>
-            <a:solidFill>
-              <a:srgbClr val="F5A61C"/>
-            </a:solidFill>
-            <a:ln>
-              <a:noFill/>
-            </a:ln>
-          </p:spPr>
-          <p:style>
-            <a:lnRef idx="2">
-              <a:schemeClr val="accent1">
-                <a:shade val="50000"/>
-              </a:schemeClr>
-            </a:lnRef>
-            <a:fillRef idx="1">
-              <a:schemeClr val="accent1"/>
-            </a:fillRef>
-            <a:effectRef idx="0">
-              <a:schemeClr val="accent1"/>
-            </a:effectRef>
-            <a:fontRef idx="minor">
-              <a:schemeClr val="lt1"/>
-            </a:fontRef>
-          </p:style>
-          <p:txBody>
-            <a:bodyPr rtlCol="0" anchor="ctr"/>
-            <a:lstStyle/>
-            <a:p>
-              <a:pPr algn="ctr" fontAlgn="auto"/>
-              <a:endParaRPr lang="zh-CN" altLang="en-US" strike="noStrike" noProof="1"/>
-            </a:p>
-          </p:txBody>
-        </p:sp>
-        <p:sp>
-          <p:nvSpPr>
-            <p:cNvPr id="7" name="矩形 6"/>
-            <p:cNvSpPr/>
-            <p:nvPr/>
-          </p:nvSpPr>
-          <p:spPr>
-            <a:xfrm>
-              <a:off x="0" y="6227623"/>
-              <a:ext cx="12192000" cy="28562"/>
-            </a:xfrm>
-            <a:prstGeom prst="rect">
-              <a:avLst/>
-            </a:prstGeom>
-            <a:solidFill>
-              <a:schemeClr val="tx1">
-                <a:lumMod val="75000"/>
-                <a:lumOff val="25000"/>
-              </a:schemeClr>
-            </a:solidFill>
-            <a:ln>
-              <a:noFill/>
-            </a:ln>
-          </p:spPr>
-          <p:style>
-            <a:lnRef idx="2">
-              <a:schemeClr val="accent1">
-                <a:shade val="50000"/>
-              </a:schemeClr>
-            </a:lnRef>
-            <a:fillRef idx="1">
-              <a:schemeClr val="accent1"/>
-            </a:fillRef>
-            <a:effectRef idx="0">
-              <a:schemeClr val="accent1"/>
-            </a:effectRef>
-            <a:fontRef idx="minor">
-              <a:schemeClr val="lt1"/>
-            </a:fontRef>
-          </p:style>
-          <p:txBody>
-            <a:bodyPr rtlCol="0" anchor="ctr"/>
-            <a:lstStyle/>
-            <a:p>
-              <a:pPr algn="ctr" fontAlgn="auto"/>
-              <a:endParaRPr lang="zh-CN" altLang="en-US" strike="noStrike" noProof="1"/>
-            </a:p>
-          </p:txBody>
-        </p:sp>
-      </p:grpSp>
-      <p:sp>
-        <p:nvSpPr>
-          <p:cNvPr id="8" name="TextBox 15"/>
-          <p:cNvSpPr txBox="1"/>
-          <p:nvPr/>
-        </p:nvSpPr>
-        <p:spPr>
-          <a:xfrm>
-            <a:off x="6410325" y="4215220"/>
-            <a:ext cx="5092835" cy="1938992"/>
-          </a:xfrm>
-          <a:prstGeom prst="rect">
-            <a:avLst/>
-          </a:prstGeom>
-          <a:noFill/>
-          <a:ln w="9525">
-            <a:noFill/>
-          </a:ln>
-        </p:spPr>
-        <p:txBody>
-          <a:bodyPr wrap="square" anchor="t" anchorCtr="0">
-            <a:spAutoFit/>
-          </a:bodyPr>
-          <a:lstStyle/>
-          <a:p>
-            <a:pPr marL="285750" indent="-285750">
-              <a:lnSpc>
-                <a:spcPct val="150000"/>
-              </a:lnSpc>
-              <a:buFont typeface="Arial" panose="020B0604020202020204" pitchFamily="34" charset="0"/>
-              <a:buChar char="•"/>
-            </a:pPr>
-            <a:r>
-              <a:rPr lang="en-US" altLang="zh-CN" sz="1600" dirty="0" smtClean="0">
-                <a:solidFill>
-                  <a:srgbClr val="262626"/>
-                </a:solidFill>
-                <a:latin typeface="Arial" panose="020B0604020202020204" pitchFamily="34" charset="0"/>
-                <a:cs typeface="Arial" panose="020B0604020202020204" pitchFamily="34" charset="0"/>
-              </a:rPr>
-              <a:t>The majority </a:t>
-            </a:r>
-            <a:r>
-              <a:rPr lang="en-US" altLang="zh-CN" sz="1600" dirty="0">
-                <a:solidFill>
-                  <a:srgbClr val="262626"/>
-                </a:solidFill>
-                <a:latin typeface="Arial" panose="020B0604020202020204" pitchFamily="34" charset="0"/>
-                <a:cs typeface="Arial" panose="020B0604020202020204" pitchFamily="34" charset="0"/>
-              </a:rPr>
-              <a:t>of the products (64.6%) are in the Tools &amp; Home Improvement category, and the Appliances category also holds </a:t>
-            </a:r>
-            <a:r>
-              <a:rPr lang="en-US" altLang="zh-CN" sz="1600" dirty="0" smtClean="0">
-                <a:solidFill>
-                  <a:srgbClr val="262626"/>
-                </a:solidFill>
-                <a:latin typeface="Arial" panose="020B0604020202020204" pitchFamily="34" charset="0"/>
-                <a:cs typeface="Arial" panose="020B0604020202020204" pitchFamily="34" charset="0"/>
-              </a:rPr>
-              <a:t>21.5%.</a:t>
-            </a:r>
-          </a:p>
-          <a:p>
-            <a:pPr marL="285750" indent="-285750">
-              <a:lnSpc>
-                <a:spcPct val="150000"/>
-              </a:lnSpc>
-              <a:buFont typeface="Arial" panose="020B0604020202020204" pitchFamily="34" charset="0"/>
-              <a:buChar char="•"/>
-            </a:pPr>
-            <a:r>
-              <a:rPr lang="en-US" altLang="zh-CN" sz="1600" dirty="0" smtClean="0">
-                <a:solidFill>
-                  <a:srgbClr val="262626"/>
-                </a:solidFill>
-                <a:latin typeface="Arial" panose="020B0604020202020204" pitchFamily="34" charset="0"/>
-                <a:cs typeface="Arial" panose="020B0604020202020204" pitchFamily="34" charset="0"/>
-              </a:rPr>
-              <a:t>There </a:t>
-            </a:r>
-            <a:r>
-              <a:rPr lang="en-US" altLang="zh-CN" sz="1600" dirty="0">
-                <a:solidFill>
-                  <a:srgbClr val="262626"/>
-                </a:solidFill>
-                <a:latin typeface="Arial" panose="020B0604020202020204" pitchFamily="34" charset="0"/>
-                <a:cs typeface="Arial" panose="020B0604020202020204" pitchFamily="34" charset="0"/>
-              </a:rPr>
-              <a:t>are a total of 2,762 brands, and Whirlpool is at the rank 1 position of amount of products.</a:t>
-            </a:r>
-            <a:endParaRPr lang="zh-CN" altLang="en-US" sz="1600" dirty="0">
-              <a:solidFill>
-                <a:srgbClr val="262626"/>
-              </a:solidFill>
-              <a:latin typeface="Arial" panose="020B0604020202020204" pitchFamily="34" charset="0"/>
-              <a:ea typeface="Arial" panose="020B0604020202020204" pitchFamily="34" charset="0"/>
-            </a:endParaRPr>
-          </a:p>
-        </p:txBody>
-      </p:sp>
-    </p:spTree>
-    <p:extLst>
-      <p:ext uri="{BB962C8B-B14F-4D97-AF65-F5344CB8AC3E}">
-        <p14:creationId xmlns:p14="http://schemas.microsoft.com/office/powerpoint/2010/main" val="679486799"/>
       </p:ext>
     </p:extLst>
   </p:cSld>
@@ -16234,6 +15956,354 @@
       </p:sp>
       <p:pic>
         <p:nvPicPr>
+          <p:cNvPr id="3" name="图片 2"/>
+          <p:cNvPicPr>
+            <a:picLocks noChangeAspect="1"/>
+          </p:cNvPicPr>
+          <p:nvPr/>
+        </p:nvPicPr>
+        <p:blipFill>
+          <a:blip r:embed="rId2"/>
+          <a:stretch>
+            <a:fillRect/>
+          </a:stretch>
+        </p:blipFill>
+        <p:spPr>
+          <a:xfrm>
+            <a:off x="216958" y="991870"/>
+            <a:ext cx="6149275" cy="4511246"/>
+          </a:xfrm>
+          <a:prstGeom prst="rect">
+            <a:avLst/>
+          </a:prstGeom>
+        </p:spPr>
+      </p:pic>
+      <p:pic>
+        <p:nvPicPr>
+          <p:cNvPr id="4" name="图片 3"/>
+          <p:cNvPicPr>
+            <a:picLocks noChangeAspect="1"/>
+          </p:cNvPicPr>
+          <p:nvPr/>
+        </p:nvPicPr>
+        <p:blipFill>
+          <a:blip r:embed="rId3"/>
+          <a:stretch>
+            <a:fillRect/>
+          </a:stretch>
+        </p:blipFill>
+        <p:spPr>
+          <a:xfrm>
+            <a:off x="7240759" y="991870"/>
+            <a:ext cx="3861173" cy="3688961"/>
+          </a:xfrm>
+          <a:prstGeom prst="rect">
+            <a:avLst/>
+          </a:prstGeom>
+        </p:spPr>
+      </p:pic>
+      <p:grpSp>
+        <p:nvGrpSpPr>
+          <p:cNvPr id="5" name="组合 1"/>
+          <p:cNvGrpSpPr/>
+          <p:nvPr/>
+        </p:nvGrpSpPr>
+        <p:grpSpPr>
+          <a:xfrm>
+            <a:off x="6447195" y="4680831"/>
+            <a:ext cx="5448300" cy="2016967"/>
+            <a:chOff x="0" y="6227623"/>
+            <a:chExt cx="12192000" cy="630377"/>
+          </a:xfrm>
+        </p:grpSpPr>
+        <p:sp>
+          <p:nvSpPr>
+            <p:cNvPr id="6" name="矩形 5"/>
+            <p:cNvSpPr/>
+            <p:nvPr/>
+          </p:nvSpPr>
+          <p:spPr>
+            <a:xfrm>
+              <a:off x="0" y="6256185"/>
+              <a:ext cx="12192000" cy="601815"/>
+            </a:xfrm>
+            <a:prstGeom prst="rect">
+              <a:avLst/>
+            </a:prstGeom>
+            <a:solidFill>
+              <a:srgbClr val="F5A61C"/>
+            </a:solidFill>
+            <a:ln>
+              <a:noFill/>
+            </a:ln>
+          </p:spPr>
+          <p:style>
+            <a:lnRef idx="2">
+              <a:schemeClr val="accent1">
+                <a:shade val="50000"/>
+              </a:schemeClr>
+            </a:lnRef>
+            <a:fillRef idx="1">
+              <a:schemeClr val="accent1"/>
+            </a:fillRef>
+            <a:effectRef idx="0">
+              <a:schemeClr val="accent1"/>
+            </a:effectRef>
+            <a:fontRef idx="minor">
+              <a:schemeClr val="lt1"/>
+            </a:fontRef>
+          </p:style>
+          <p:txBody>
+            <a:bodyPr rtlCol="0" anchor="ctr"/>
+            <a:lstStyle/>
+            <a:p>
+              <a:pPr algn="ctr" fontAlgn="auto"/>
+              <a:endParaRPr lang="zh-CN" altLang="en-US" strike="noStrike" noProof="1"/>
+            </a:p>
+          </p:txBody>
+        </p:sp>
+        <p:sp>
+          <p:nvSpPr>
+            <p:cNvPr id="7" name="矩形 6"/>
+            <p:cNvSpPr/>
+            <p:nvPr/>
+          </p:nvSpPr>
+          <p:spPr>
+            <a:xfrm>
+              <a:off x="0" y="6227623"/>
+              <a:ext cx="12192000" cy="28562"/>
+            </a:xfrm>
+            <a:prstGeom prst="rect">
+              <a:avLst/>
+            </a:prstGeom>
+            <a:solidFill>
+              <a:schemeClr val="tx1">
+                <a:lumMod val="75000"/>
+                <a:lumOff val="25000"/>
+              </a:schemeClr>
+            </a:solidFill>
+            <a:ln>
+              <a:noFill/>
+            </a:ln>
+          </p:spPr>
+          <p:style>
+            <a:lnRef idx="2">
+              <a:schemeClr val="accent1">
+                <a:shade val="50000"/>
+              </a:schemeClr>
+            </a:lnRef>
+            <a:fillRef idx="1">
+              <a:schemeClr val="accent1"/>
+            </a:fillRef>
+            <a:effectRef idx="0">
+              <a:schemeClr val="accent1"/>
+            </a:effectRef>
+            <a:fontRef idx="minor">
+              <a:schemeClr val="lt1"/>
+            </a:fontRef>
+          </p:style>
+          <p:txBody>
+            <a:bodyPr rtlCol="0" anchor="ctr"/>
+            <a:lstStyle/>
+            <a:p>
+              <a:pPr algn="ctr" fontAlgn="auto"/>
+              <a:endParaRPr lang="zh-CN" altLang="en-US" strike="noStrike" noProof="1"/>
+            </a:p>
+          </p:txBody>
+        </p:sp>
+      </p:grpSp>
+      <p:sp>
+        <p:nvSpPr>
+          <p:cNvPr id="8" name="TextBox 15"/>
+          <p:cNvSpPr txBox="1"/>
+          <p:nvPr/>
+        </p:nvSpPr>
+        <p:spPr>
+          <a:xfrm>
+            <a:off x="6609119" y="4857451"/>
+            <a:ext cx="5092835" cy="1708160"/>
+          </a:xfrm>
+          <a:prstGeom prst="rect">
+            <a:avLst/>
+          </a:prstGeom>
+          <a:noFill/>
+          <a:ln w="9525">
+            <a:noFill/>
+          </a:ln>
+        </p:spPr>
+        <p:txBody>
+          <a:bodyPr wrap="square" anchor="t" anchorCtr="0">
+            <a:spAutoFit/>
+          </a:bodyPr>
+          <a:lstStyle/>
+          <a:p>
+            <a:pPr marL="285750" indent="-285750">
+              <a:lnSpc>
+                <a:spcPct val="150000"/>
+              </a:lnSpc>
+              <a:buFont typeface="Arial" panose="020B0604020202020204" pitchFamily="34" charset="0"/>
+              <a:buChar char="•"/>
+            </a:pPr>
+            <a:r>
+              <a:rPr lang="en-US" altLang="zh-CN" sz="1400" dirty="0" smtClean="0">
+                <a:solidFill>
+                  <a:srgbClr val="262626"/>
+                </a:solidFill>
+                <a:latin typeface="Arial" panose="020B0604020202020204" pitchFamily="34" charset="0"/>
+                <a:cs typeface="Arial" panose="020B0604020202020204" pitchFamily="34" charset="0"/>
+              </a:rPr>
+              <a:t>The majority </a:t>
+            </a:r>
+            <a:r>
+              <a:rPr lang="en-US" altLang="zh-CN" sz="1400" dirty="0">
+                <a:solidFill>
+                  <a:srgbClr val="262626"/>
+                </a:solidFill>
+                <a:latin typeface="Arial" panose="020B0604020202020204" pitchFamily="34" charset="0"/>
+                <a:cs typeface="Arial" panose="020B0604020202020204" pitchFamily="34" charset="0"/>
+              </a:rPr>
+              <a:t>of the products (64.6%) are in the Tools &amp; Home Improvement category, and the Appliances category also holds </a:t>
+            </a:r>
+            <a:r>
+              <a:rPr lang="en-US" altLang="zh-CN" sz="1400" dirty="0" smtClean="0">
+                <a:solidFill>
+                  <a:srgbClr val="262626"/>
+                </a:solidFill>
+                <a:latin typeface="Arial" panose="020B0604020202020204" pitchFamily="34" charset="0"/>
+                <a:cs typeface="Arial" panose="020B0604020202020204" pitchFamily="34" charset="0"/>
+              </a:rPr>
+              <a:t>21.5%.</a:t>
+            </a:r>
+          </a:p>
+          <a:p>
+            <a:pPr marL="285750" indent="-285750">
+              <a:lnSpc>
+                <a:spcPct val="150000"/>
+              </a:lnSpc>
+              <a:buFont typeface="Arial" panose="020B0604020202020204" pitchFamily="34" charset="0"/>
+              <a:buChar char="•"/>
+            </a:pPr>
+            <a:r>
+              <a:rPr lang="en-US" altLang="zh-CN" sz="1400" dirty="0" smtClean="0">
+                <a:solidFill>
+                  <a:srgbClr val="262626"/>
+                </a:solidFill>
+                <a:latin typeface="Arial" panose="020B0604020202020204" pitchFamily="34" charset="0"/>
+                <a:cs typeface="Arial" panose="020B0604020202020204" pitchFamily="34" charset="0"/>
+              </a:rPr>
+              <a:t>There </a:t>
+            </a:r>
+            <a:r>
+              <a:rPr lang="en-US" altLang="zh-CN" sz="1400" dirty="0">
+                <a:solidFill>
+                  <a:srgbClr val="262626"/>
+                </a:solidFill>
+                <a:latin typeface="Arial" panose="020B0604020202020204" pitchFamily="34" charset="0"/>
+                <a:cs typeface="Arial" panose="020B0604020202020204" pitchFamily="34" charset="0"/>
+              </a:rPr>
+              <a:t>are a total of 2,762 brands, and Whirlpool is at the rank 1 position of amount of products.</a:t>
+            </a:r>
+            <a:endParaRPr lang="zh-CN" altLang="en-US" sz="1400" dirty="0">
+              <a:solidFill>
+                <a:srgbClr val="262626"/>
+              </a:solidFill>
+              <a:latin typeface="Arial" panose="020B0604020202020204" pitchFamily="34" charset="0"/>
+              <a:ea typeface="Arial" panose="020B0604020202020204" pitchFamily="34" charset="0"/>
+            </a:endParaRPr>
+          </a:p>
+        </p:txBody>
+      </p:sp>
+    </p:spTree>
+    <p:extLst>
+      <p:ext uri="{BB962C8B-B14F-4D97-AF65-F5344CB8AC3E}">
+        <p14:creationId xmlns:p14="http://schemas.microsoft.com/office/powerpoint/2010/main" val="679486799"/>
+      </p:ext>
+    </p:extLst>
+  </p:cSld>
+  <p:clrMapOvr>
+    <a:masterClrMapping/>
+  </p:clrMapOvr>
+  <mc:AlternateContent xmlns:mc="http://schemas.openxmlformats.org/markup-compatibility/2006" xmlns:p14="http://schemas.microsoft.com/office/powerpoint/2010/main">
+    <mc:Choice Requires="p14">
+      <p:transition spd="med" p14:dur="700">
+        <p:fade/>
+      </p:transition>
+    </mc:Choice>
+    <mc:Fallback xmlns="">
+      <p:transition spd="med">
+        <p:fade/>
+      </p:transition>
+    </mc:Fallback>
+  </mc:AlternateContent>
+  <p:timing>
+    <p:tnLst>
+      <p:par>
+        <p:cTn id="1" dur="indefinite" restart="never" nodeType="tmRoot"/>
+      </p:par>
+    </p:tnLst>
+  </p:timing>
+</p:sld>
+</file>
+
+<file path=ppt/slides/slide21.xml><?xml version="1.0" encoding="utf-8"?>
+<p:sld xmlns:a="http://schemas.openxmlformats.org/drawingml/2006/main" xmlns:r="http://schemas.openxmlformats.org/officeDocument/2006/relationships" xmlns:p="http://schemas.openxmlformats.org/presentationml/2006/main">
+  <p:cSld>
+    <p:spTree>
+      <p:nvGrpSpPr>
+        <p:cNvPr id="1" name=""/>
+        <p:cNvGrpSpPr/>
+        <p:nvPr/>
+      </p:nvGrpSpPr>
+      <p:grpSpPr>
+        <a:xfrm>
+          <a:off x="0" y="0"/>
+          <a:ext cx="0" cy="0"/>
+          <a:chOff x="0" y="0"/>
+          <a:chExt cx="0" cy="0"/>
+        </a:xfrm>
+      </p:grpSpPr>
+      <p:sp>
+        <p:nvSpPr>
+          <p:cNvPr id="2" name="文本框 48"/>
+          <p:cNvSpPr txBox="1"/>
+          <p:nvPr/>
+        </p:nvSpPr>
+        <p:spPr>
+          <a:xfrm>
+            <a:off x="266303" y="283984"/>
+            <a:ext cx="9473407" cy="707886"/>
+          </a:xfrm>
+          <a:prstGeom prst="rect">
+            <a:avLst/>
+          </a:prstGeom>
+          <a:solidFill>
+            <a:schemeClr val="bg1"/>
+          </a:solidFill>
+          <a:ln w="9525">
+            <a:noFill/>
+          </a:ln>
+        </p:spPr>
+        <p:txBody>
+          <a:bodyPr wrap="square" anchor="t" anchorCtr="0">
+            <a:spAutoFit/>
+          </a:bodyPr>
+          <a:lstStyle/>
+          <a:p>
+            <a:r>
+              <a:rPr lang="en-US" altLang="zh-CN" sz="4000" dirty="0" smtClean="0">
+                <a:solidFill>
+                  <a:srgbClr val="141214"/>
+                </a:solidFill>
+                <a:latin typeface="Arial" panose="020B0604020202020204" pitchFamily="34" charset="0"/>
+                <a:cs typeface="Arial" panose="020B0604020202020204" pitchFamily="34" charset="0"/>
+              </a:rPr>
+              <a:t>EDA – Product Data</a:t>
+            </a:r>
+          </a:p>
+        </p:txBody>
+      </p:sp>
+      <p:pic>
+        <p:nvPicPr>
           <p:cNvPr id="3074" name="Picture 2" descr="https://github.com/JinHuiXu1991/Jin_DATA606/raw/07e65b0c76686b1e612ef3aa0f26c56e47026c69/images/product_counts.png"/>
           <p:cNvPicPr>
             <a:picLocks noChangeAspect="1" noChangeArrowheads="1"/>
@@ -16255,8 +16325,8 @@
         </p:blipFill>
         <p:spPr bwMode="auto">
           <a:xfrm>
-            <a:off x="1173219" y="970171"/>
-            <a:ext cx="2459243" cy="3335017"/>
+            <a:off x="844063" y="896483"/>
+            <a:ext cx="2893877" cy="3924431"/>
           </a:xfrm>
           <a:prstGeom prst="rect">
             <a:avLst/>
@@ -16363,8 +16433,8 @@
         </p:nvGrpSpPr>
         <p:grpSpPr>
           <a:xfrm>
-            <a:off x="3632462" y="1219728"/>
-            <a:ext cx="7597514" cy="1961622"/>
+            <a:off x="3843418" y="1219728"/>
+            <a:ext cx="7386558" cy="1117541"/>
             <a:chOff x="0" y="6227623"/>
             <a:chExt cx="12192000" cy="630377"/>
           </a:xfrm>
@@ -16473,8 +16543,8 @@
         </p:nvSpPr>
         <p:spPr>
           <a:xfrm>
-            <a:off x="3853125" y="1533620"/>
-            <a:ext cx="6978935" cy="1200329"/>
+            <a:off x="4146359" y="1375802"/>
+            <a:ext cx="6714473" cy="738664"/>
           </a:xfrm>
           <a:prstGeom prst="rect">
             <a:avLst/>
@@ -16496,7 +16566,7 @@
               </a:lnSpc>
             </a:pPr>
             <a:r>
-              <a:rPr lang="en-US" altLang="zh-CN" sz="1600" dirty="0" smtClean="0">
+              <a:rPr lang="en-US" altLang="zh-CN" sz="1400" dirty="0" smtClean="0">
                 <a:solidFill>
                   <a:srgbClr val="262626"/>
                 </a:solidFill>
@@ -16506,7 +16576,7 @@
               <a:t>This </a:t>
             </a:r>
             <a:r>
-              <a:rPr lang="en-US" altLang="zh-CN" sz="1600" dirty="0">
+              <a:rPr lang="en-US" altLang="zh-CN" sz="1400" dirty="0">
                 <a:solidFill>
                   <a:srgbClr val="262626"/>
                 </a:solidFill>
@@ -16515,7 +16585,7 @@
               </a:rPr>
               <a:t>is the list of the ranking of most reviewed products and their average ratings. Among 30,445 Appliances products, there are only 30,252 products were reviewed.</a:t>
             </a:r>
-            <a:endParaRPr lang="zh-CN" altLang="en-US" sz="1600" dirty="0">
+            <a:endParaRPr lang="zh-CN" altLang="en-US" sz="1400" dirty="0">
               <a:solidFill>
                 <a:srgbClr val="262626"/>
               </a:solidFill>
@@ -16533,8 +16603,8 @@
         </p:nvGrpSpPr>
         <p:grpSpPr>
           <a:xfrm>
-            <a:off x="738585" y="4326887"/>
-            <a:ext cx="6138068" cy="2329817"/>
+            <a:off x="738585" y="4771744"/>
+            <a:ext cx="6138068" cy="1821985"/>
             <a:chOff x="0" y="6227623"/>
             <a:chExt cx="12192000" cy="630377"/>
           </a:xfrm>
@@ -16643,8 +16713,8 @@
         </p:nvSpPr>
         <p:spPr>
           <a:xfrm>
-            <a:off x="933713" y="4597907"/>
-            <a:ext cx="5838824" cy="1893339"/>
+            <a:off x="933713" y="4915147"/>
+            <a:ext cx="5838824" cy="1384995"/>
           </a:xfrm>
           <a:prstGeom prst="rect">
             <a:avLst/>
@@ -16666,7 +16736,7 @@
               </a:lnSpc>
             </a:pPr>
             <a:r>
-              <a:rPr lang="en-US" altLang="zh-CN" sz="1600" dirty="0">
+              <a:rPr lang="en-US" altLang="zh-CN" sz="1400" dirty="0">
                 <a:solidFill>
                   <a:schemeClr val="bg1"/>
                 </a:solidFill>
@@ -16675,7 +16745,7 @@
               </a:rPr>
               <a:t>Within this list, the most reviewed product is General Electric MWF Refrigerator Water Filter, and the second most reviewed product is Samsung Genuine DA29-00020B Refrigerator Water Filter, 3 Pack. Both of them are Refrigerator Water Filters.</a:t>
             </a:r>
-            <a:endParaRPr lang="zh-CN" altLang="en-US" sz="1600" dirty="0">
+            <a:endParaRPr lang="zh-CN" altLang="en-US" sz="1400" dirty="0">
               <a:solidFill>
                 <a:schemeClr val="bg1"/>
               </a:solidFill>
@@ -16717,7 +16787,7 @@
 </p:sld>
 </file>
 
-<file path=ppt/slides/slide21.xml><?xml version="1.0" encoding="utf-8"?>
+<file path=ppt/slides/slide22.xml><?xml version="1.0" encoding="utf-8"?>
 <p:sld xmlns:a="http://schemas.openxmlformats.org/drawingml/2006/main" xmlns:r="http://schemas.openxmlformats.org/officeDocument/2006/relationships" xmlns:p="http://schemas.openxmlformats.org/presentationml/2006/main">
   <p:cSld>
     <p:spTree>
@@ -16797,8 +16867,8 @@
         </p:blipFill>
         <p:spPr bwMode="auto">
           <a:xfrm>
-            <a:off x="1015961" y="1020353"/>
-            <a:ext cx="5562281" cy="2874469"/>
+            <a:off x="305654" y="1122172"/>
+            <a:ext cx="6840478" cy="3535014"/>
           </a:xfrm>
           <a:prstGeom prst="rect">
             <a:avLst/>
@@ -16864,8 +16934,8 @@
         </p:nvGrpSpPr>
         <p:grpSpPr>
           <a:xfrm>
-            <a:off x="508199" y="3983041"/>
-            <a:ext cx="6698059" cy="2474909"/>
+            <a:off x="448072" y="4748152"/>
+            <a:ext cx="6698059" cy="1736624"/>
             <a:chOff x="0" y="6227623"/>
             <a:chExt cx="12192000" cy="630377"/>
           </a:xfrm>
@@ -16974,8 +17044,8 @@
         </p:nvSpPr>
         <p:spPr>
           <a:xfrm>
-            <a:off x="752794" y="4192028"/>
-            <a:ext cx="6152711" cy="1893339"/>
+            <a:off x="692667" y="4957138"/>
+            <a:ext cx="6152711" cy="1384995"/>
           </a:xfrm>
           <a:prstGeom prst="rect">
             <a:avLst/>
@@ -16997,7 +17067,7 @@
               </a:lnSpc>
             </a:pPr>
             <a:r>
-              <a:rPr lang="en-US" altLang="zh-CN" sz="1600" dirty="0">
+              <a:rPr lang="en-US" altLang="zh-CN" sz="1400" dirty="0">
                 <a:solidFill>
                   <a:schemeClr val="bg1"/>
                 </a:solidFill>
@@ -17007,7 +17077,7 @@
               <a:t>The product text distribution histogram and box plot show that majority of the product text is less than 1000 words. There are only a few outliers that are greater than 2000 words, so for future NLP model development, in order to reduce the padding size, we can </a:t>
             </a:r>
             <a:r>
-              <a:rPr lang="en-US" altLang="zh-CN" sz="1600" dirty="0" smtClean="0">
+              <a:rPr lang="en-US" altLang="zh-CN" sz="1400" dirty="0" smtClean="0">
                 <a:solidFill>
                   <a:schemeClr val="bg1"/>
                 </a:solidFill>
@@ -17017,7 +17087,7 @@
               <a:t>consider a </a:t>
             </a:r>
             <a:r>
-              <a:rPr lang="en-US" altLang="zh-CN" sz="1600" dirty="0">
+              <a:rPr lang="en-US" altLang="zh-CN" sz="1400" dirty="0">
                 <a:solidFill>
                   <a:schemeClr val="bg1"/>
                 </a:solidFill>
@@ -17026,7 +17096,7 @@
               </a:rPr>
               <a:t>smaller number instead.</a:t>
             </a:r>
-            <a:endParaRPr lang="zh-CN" altLang="en-US" sz="1600" dirty="0">
+            <a:endParaRPr lang="zh-CN" altLang="en-US" sz="1400" dirty="0">
               <a:solidFill>
                 <a:schemeClr val="bg1"/>
               </a:solidFill>
@@ -17068,7 +17138,7 @@
 </p:sld>
 </file>
 
-<file path=ppt/slides/slide22.xml><?xml version="1.0" encoding="utf-8"?>
+<file path=ppt/slides/slide23.xml><?xml version="1.0" encoding="utf-8"?>
 <p:sld xmlns:a="http://schemas.openxmlformats.org/drawingml/2006/main" xmlns:r="http://schemas.openxmlformats.org/officeDocument/2006/relationships" xmlns:p="http://schemas.openxmlformats.org/presentationml/2006/main">
   <p:cSld>
     <p:spTree>
@@ -17148,8 +17218,8 @@
         </p:blipFill>
         <p:spPr bwMode="auto">
           <a:xfrm>
-            <a:off x="1679575" y="1247775"/>
-            <a:ext cx="8305800" cy="4133850"/>
+            <a:off x="1234668" y="1119822"/>
+            <a:ext cx="9195612" cy="4576715"/>
           </a:xfrm>
           <a:prstGeom prst="rect">
             <a:avLst/>
@@ -17174,8 +17244,8 @@
         </p:nvGrpSpPr>
         <p:grpSpPr>
           <a:xfrm>
-            <a:off x="1496317" y="5498691"/>
-            <a:ext cx="8716761" cy="1019175"/>
+            <a:off x="1474094" y="5787941"/>
+            <a:ext cx="8716761" cy="806658"/>
             <a:chOff x="0" y="6227623"/>
             <a:chExt cx="12192000" cy="630377"/>
           </a:xfrm>
@@ -17284,8 +17354,8 @@
         </p:nvSpPr>
         <p:spPr>
           <a:xfrm>
-            <a:off x="1856380" y="5566685"/>
-            <a:ext cx="7787084" cy="785343"/>
+            <a:off x="1815496" y="5824490"/>
+            <a:ext cx="7787084" cy="738664"/>
           </a:xfrm>
           <a:prstGeom prst="rect">
             <a:avLst/>
@@ -17307,7 +17377,7 @@
               </a:lnSpc>
             </a:pPr>
             <a:r>
-              <a:rPr lang="en-US" altLang="zh-CN" sz="1600" dirty="0" smtClean="0">
+              <a:rPr lang="en-US" altLang="zh-CN" sz="1400" dirty="0" smtClean="0">
                 <a:solidFill>
                   <a:srgbClr val="262626"/>
                 </a:solidFill>
@@ -17317,7 +17387,7 @@
               <a:t>The </a:t>
             </a:r>
             <a:r>
-              <a:rPr lang="en-US" altLang="zh-CN" sz="1600" dirty="0">
+              <a:rPr lang="en-US" altLang="zh-CN" sz="1400" dirty="0">
                 <a:solidFill>
                   <a:srgbClr val="262626"/>
                 </a:solidFill>
@@ -17333,371 +17403,6 @@
     <p:extLst>
       <p:ext uri="{BB962C8B-B14F-4D97-AF65-F5344CB8AC3E}">
         <p14:creationId xmlns:p14="http://schemas.microsoft.com/office/powerpoint/2010/main" val="3382355892"/>
-      </p:ext>
-    </p:extLst>
-  </p:cSld>
-  <p:clrMapOvr>
-    <a:masterClrMapping/>
-  </p:clrMapOvr>
-  <mc:AlternateContent xmlns:mc="http://schemas.openxmlformats.org/markup-compatibility/2006" xmlns:p14="http://schemas.microsoft.com/office/powerpoint/2010/main">
-    <mc:Choice Requires="p14">
-      <p:transition spd="med" p14:dur="700">
-        <p:fade/>
-      </p:transition>
-    </mc:Choice>
-    <mc:Fallback xmlns="">
-      <p:transition spd="med">
-        <p:fade/>
-      </p:transition>
-    </mc:Fallback>
-  </mc:AlternateContent>
-  <p:timing>
-    <p:tnLst>
-      <p:par>
-        <p:cTn id="1" dur="indefinite" restart="never" nodeType="tmRoot"/>
-      </p:par>
-    </p:tnLst>
-  </p:timing>
-</p:sld>
-</file>
-
-<file path=ppt/slides/slide23.xml><?xml version="1.0" encoding="utf-8"?>
-<p:sld xmlns:a="http://schemas.openxmlformats.org/drawingml/2006/main" xmlns:r="http://schemas.openxmlformats.org/officeDocument/2006/relationships" xmlns:p="http://schemas.openxmlformats.org/presentationml/2006/main">
-  <p:cSld>
-    <p:spTree>
-      <p:nvGrpSpPr>
-        <p:cNvPr id="1" name=""/>
-        <p:cNvGrpSpPr/>
-        <p:nvPr/>
-      </p:nvGrpSpPr>
-      <p:grpSpPr>
-        <a:xfrm>
-          <a:off x="0" y="0"/>
-          <a:ext cx="0" cy="0"/>
-          <a:chOff x="0" y="0"/>
-          <a:chExt cx="0" cy="0"/>
-        </a:xfrm>
-      </p:grpSpPr>
-      <p:sp>
-        <p:nvSpPr>
-          <p:cNvPr id="2" name="文本框 48"/>
-          <p:cNvSpPr txBox="1"/>
-          <p:nvPr/>
-        </p:nvSpPr>
-        <p:spPr>
-          <a:xfrm>
-            <a:off x="266303" y="283984"/>
-            <a:ext cx="9473407" cy="707886"/>
-          </a:xfrm>
-          <a:prstGeom prst="rect">
-            <a:avLst/>
-          </a:prstGeom>
-          <a:solidFill>
-            <a:schemeClr val="bg1"/>
-          </a:solidFill>
-          <a:ln w="9525">
-            <a:noFill/>
-          </a:ln>
-        </p:spPr>
-        <p:txBody>
-          <a:bodyPr wrap="square" anchor="t" anchorCtr="0">
-            <a:spAutoFit/>
-          </a:bodyPr>
-          <a:lstStyle/>
-          <a:p>
-            <a:r>
-              <a:rPr lang="en-US" altLang="zh-CN" sz="4000" dirty="0" smtClean="0">
-                <a:solidFill>
-                  <a:srgbClr val="141214"/>
-                </a:solidFill>
-                <a:latin typeface="Arial" panose="020B0604020202020204" pitchFamily="34" charset="0"/>
-                <a:cs typeface="Arial" panose="020B0604020202020204" pitchFamily="34" charset="0"/>
-              </a:rPr>
-              <a:t>EDA </a:t>
-            </a:r>
-            <a:r>
-              <a:rPr lang="en-US" altLang="zh-CN" sz="4000" dirty="0">
-                <a:solidFill>
-                  <a:srgbClr val="141214"/>
-                </a:solidFill>
-                <a:latin typeface="Arial" panose="020B0604020202020204" pitchFamily="34" charset="0"/>
-                <a:cs typeface="Arial" panose="020B0604020202020204" pitchFamily="34" charset="0"/>
-              </a:rPr>
-              <a:t>– Merged Data</a:t>
-            </a:r>
-            <a:endParaRPr lang="en-US" altLang="zh-CN" sz="4000" dirty="0" smtClean="0">
-              <a:solidFill>
-                <a:srgbClr val="141214"/>
-              </a:solidFill>
-              <a:latin typeface="Arial" panose="020B0604020202020204" pitchFamily="34" charset="0"/>
-              <a:cs typeface="Arial" panose="020B0604020202020204" pitchFamily="34" charset="0"/>
-            </a:endParaRPr>
-          </a:p>
-        </p:txBody>
-      </p:sp>
-      <p:pic>
-        <p:nvPicPr>
-          <p:cNvPr id="7170" name="Picture 2" descr="most_reviewed_brand.png"/>
-          <p:cNvPicPr>
-            <a:picLocks noChangeAspect="1" noChangeArrowheads="1"/>
-          </p:cNvPicPr>
-          <p:nvPr/>
-        </p:nvPicPr>
-        <p:blipFill>
-          <a:blip r:embed="rId3">
-            <a:extLst>
-              <a:ext uri="{28A0092B-C50C-407E-A947-70E740481C1C}">
-                <a14:useLocalDpi xmlns:a14="http://schemas.microsoft.com/office/drawing/2010/main" val="0"/>
-              </a:ext>
-            </a:extLst>
-          </a:blip>
-          <a:srcRect/>
-          <a:stretch>
-            <a:fillRect/>
-          </a:stretch>
-        </p:blipFill>
-        <p:spPr bwMode="auto">
-          <a:xfrm>
-            <a:off x="1552178" y="1271588"/>
-            <a:ext cx="8795806" cy="3462337"/>
-          </a:xfrm>
-          <a:prstGeom prst="rect">
-            <a:avLst/>
-          </a:prstGeom>
-          <a:noFill/>
-          <a:extLst>
-            <a:ext uri="{909E8E84-426E-40DD-AFC4-6F175D3DCCD1}">
-              <a14:hiddenFill xmlns:a14="http://schemas.microsoft.com/office/drawing/2010/main">
-                <a:solidFill>
-                  <a:srgbClr val="FFFFFF"/>
-                </a:solidFill>
-              </a14:hiddenFill>
-            </a:ext>
-          </a:extLst>
-        </p:spPr>
-      </p:pic>
-      <p:grpSp>
-        <p:nvGrpSpPr>
-          <p:cNvPr id="4" name="组合 8"/>
-          <p:cNvGrpSpPr/>
-          <p:nvPr/>
-        </p:nvGrpSpPr>
-        <p:grpSpPr>
-          <a:xfrm>
-            <a:off x="1552178" y="4629150"/>
-            <a:ext cx="8544322" cy="2019300"/>
-            <a:chOff x="0" y="6227623"/>
-            <a:chExt cx="12192000" cy="630377"/>
-          </a:xfrm>
-        </p:grpSpPr>
-        <p:sp>
-          <p:nvSpPr>
-            <p:cNvPr id="5" name="矩形 4"/>
-            <p:cNvSpPr/>
-            <p:nvPr/>
-          </p:nvSpPr>
-          <p:spPr>
-            <a:xfrm>
-              <a:off x="0" y="6256185"/>
-              <a:ext cx="12192000" cy="601815"/>
-            </a:xfrm>
-            <a:prstGeom prst="rect">
-              <a:avLst/>
-            </a:prstGeom>
-            <a:solidFill>
-              <a:schemeClr val="tx1">
-                <a:lumMod val="75000"/>
-                <a:lumOff val="25000"/>
-              </a:schemeClr>
-            </a:solidFill>
-            <a:ln>
-              <a:noFill/>
-            </a:ln>
-          </p:spPr>
-          <p:style>
-            <a:lnRef idx="2">
-              <a:schemeClr val="accent1">
-                <a:shade val="50000"/>
-              </a:schemeClr>
-            </a:lnRef>
-            <a:fillRef idx="1">
-              <a:schemeClr val="accent1"/>
-            </a:fillRef>
-            <a:effectRef idx="0">
-              <a:schemeClr val="accent1"/>
-            </a:effectRef>
-            <a:fontRef idx="minor">
-              <a:schemeClr val="lt1"/>
-            </a:fontRef>
-          </p:style>
-          <p:txBody>
-            <a:bodyPr rtlCol="0" anchor="ctr"/>
-            <a:lstStyle/>
-            <a:p>
-              <a:pPr algn="ctr" fontAlgn="auto"/>
-              <a:endParaRPr lang="zh-CN" altLang="en-US" strike="noStrike" noProof="1"/>
-            </a:p>
-          </p:txBody>
-        </p:sp>
-        <p:sp>
-          <p:nvSpPr>
-            <p:cNvPr id="6" name="矩形 5"/>
-            <p:cNvSpPr/>
-            <p:nvPr/>
-          </p:nvSpPr>
-          <p:spPr>
-            <a:xfrm>
-              <a:off x="0" y="6227623"/>
-              <a:ext cx="12192000" cy="28562"/>
-            </a:xfrm>
-            <a:prstGeom prst="rect">
-              <a:avLst/>
-            </a:prstGeom>
-            <a:solidFill>
-              <a:srgbClr val="F5A61C"/>
-            </a:solidFill>
-            <a:ln>
-              <a:noFill/>
-            </a:ln>
-          </p:spPr>
-          <p:style>
-            <a:lnRef idx="2">
-              <a:schemeClr val="accent1">
-                <a:shade val="50000"/>
-              </a:schemeClr>
-            </a:lnRef>
-            <a:fillRef idx="1">
-              <a:schemeClr val="accent1"/>
-            </a:fillRef>
-            <a:effectRef idx="0">
-              <a:schemeClr val="accent1"/>
-            </a:effectRef>
-            <a:fontRef idx="minor">
-              <a:schemeClr val="lt1"/>
-            </a:fontRef>
-          </p:style>
-          <p:txBody>
-            <a:bodyPr rtlCol="0" anchor="ctr"/>
-            <a:lstStyle/>
-            <a:p>
-              <a:pPr algn="ctr" fontAlgn="auto"/>
-              <a:endParaRPr lang="zh-CN" altLang="en-US" strike="noStrike" noProof="1"/>
-            </a:p>
-          </p:txBody>
-        </p:sp>
-      </p:grpSp>
-      <p:sp>
-        <p:nvSpPr>
-          <p:cNvPr id="7" name="TextBox 15"/>
-          <p:cNvSpPr txBox="1"/>
-          <p:nvPr/>
-        </p:nvSpPr>
-        <p:spPr>
-          <a:xfrm>
-            <a:off x="1892696" y="4733925"/>
-            <a:ext cx="7863285" cy="1938992"/>
-          </a:xfrm>
-          <a:prstGeom prst="rect">
-            <a:avLst/>
-          </a:prstGeom>
-          <a:noFill/>
-          <a:ln w="9525">
-            <a:noFill/>
-          </a:ln>
-        </p:spPr>
-        <p:txBody>
-          <a:bodyPr wrap="square" anchor="t" anchorCtr="0">
-            <a:spAutoFit/>
-          </a:bodyPr>
-          <a:lstStyle/>
-          <a:p>
-            <a:pPr marL="285750" indent="-285750">
-              <a:lnSpc>
-                <a:spcPct val="150000"/>
-              </a:lnSpc>
-              <a:buFont typeface="Arial" panose="020B0604020202020204" pitchFamily="34" charset="0"/>
-              <a:buChar char="•"/>
-            </a:pPr>
-            <a:r>
-              <a:rPr lang="en-US" altLang="zh-CN" sz="1600" dirty="0">
-                <a:solidFill>
-                  <a:schemeClr val="bg1"/>
-                </a:solidFill>
-                <a:latin typeface="Arial" panose="020B0604020202020204" pitchFamily="34" charset="0"/>
-                <a:ea typeface="Arial" panose="020B0604020202020204" pitchFamily="34" charset="0"/>
-              </a:rPr>
-              <a:t>Most Reviewed Brands Distributions (top 10) graphs show that Whirlpool products have the rank 1 position of amount of reviews. </a:t>
-            </a:r>
-            <a:endParaRPr lang="en-US" altLang="zh-CN" sz="1600" dirty="0" smtClean="0">
-              <a:solidFill>
-                <a:schemeClr val="bg1"/>
-              </a:solidFill>
-              <a:latin typeface="Arial" panose="020B0604020202020204" pitchFamily="34" charset="0"/>
-              <a:ea typeface="Arial" panose="020B0604020202020204" pitchFamily="34" charset="0"/>
-            </a:endParaRPr>
-          </a:p>
-          <a:p>
-            <a:pPr marL="285750" indent="-285750">
-              <a:lnSpc>
-                <a:spcPct val="150000"/>
-              </a:lnSpc>
-              <a:buFont typeface="Arial" panose="020B0604020202020204" pitchFamily="34" charset="0"/>
-              <a:buChar char="•"/>
-            </a:pPr>
-            <a:r>
-              <a:rPr lang="en-US" altLang="zh-CN" sz="1600" dirty="0" smtClean="0">
-                <a:solidFill>
-                  <a:schemeClr val="bg1"/>
-                </a:solidFill>
-                <a:latin typeface="Arial" panose="020B0604020202020204" pitchFamily="34" charset="0"/>
-                <a:ea typeface="Arial" panose="020B0604020202020204" pitchFamily="34" charset="0"/>
-              </a:rPr>
-              <a:t>There </a:t>
-            </a:r>
-            <a:r>
-              <a:rPr lang="en-US" altLang="zh-CN" sz="1600" dirty="0">
-                <a:solidFill>
-                  <a:schemeClr val="bg1"/>
-                </a:solidFill>
-                <a:latin typeface="Arial" panose="020B0604020202020204" pitchFamily="34" charset="0"/>
-                <a:ea typeface="Arial" panose="020B0604020202020204" pitchFamily="34" charset="0"/>
-              </a:rPr>
-              <a:t>are some other brands in the list that are not in the list of top 10 product numbers, which means offering more products doesn't imply more </a:t>
-            </a:r>
-            <a:r>
-              <a:rPr lang="en-US" altLang="zh-CN" sz="1600" dirty="0" smtClean="0">
-                <a:solidFill>
-                  <a:schemeClr val="bg1"/>
-                </a:solidFill>
-                <a:latin typeface="Arial" panose="020B0604020202020204" pitchFamily="34" charset="0"/>
-                <a:ea typeface="Arial" panose="020B0604020202020204" pitchFamily="34" charset="0"/>
-              </a:rPr>
-              <a:t>sales and </a:t>
-            </a:r>
-            <a:r>
-              <a:rPr lang="en-US" altLang="zh-CN" sz="1600" dirty="0">
-                <a:solidFill>
-                  <a:schemeClr val="bg1"/>
-                </a:solidFill>
-                <a:latin typeface="Arial" panose="020B0604020202020204" pitchFamily="34" charset="0"/>
-                <a:ea typeface="Arial" panose="020B0604020202020204" pitchFamily="34" charset="0"/>
-              </a:rPr>
-              <a:t>revenue.</a:t>
-            </a:r>
-            <a:endParaRPr lang="zh-CN" altLang="en-US" sz="1600" dirty="0">
-              <a:solidFill>
-                <a:schemeClr val="bg1"/>
-              </a:solidFill>
-              <a:latin typeface="Arial" panose="020B0604020202020204" pitchFamily="34" charset="0"/>
-              <a:ea typeface="Arial" panose="020B0604020202020204" pitchFamily="34" charset="0"/>
-            </a:endParaRPr>
-          </a:p>
-        </p:txBody>
-      </p:sp>
-    </p:spTree>
-    <p:extLst>
-      <p:ext uri="{BB962C8B-B14F-4D97-AF65-F5344CB8AC3E}">
-        <p14:creationId xmlns:p14="http://schemas.microsoft.com/office/powerpoint/2010/main" val="2662000003"/>
       </p:ext>
     </p:extLst>
   </p:cSld>
@@ -17802,6 +17507,371 @@
       </p:sp>
       <p:pic>
         <p:nvPicPr>
+          <p:cNvPr id="7170" name="Picture 2" descr="most_reviewed_brand.png"/>
+          <p:cNvPicPr>
+            <a:picLocks noChangeAspect="1" noChangeArrowheads="1"/>
+          </p:cNvPicPr>
+          <p:nvPr/>
+        </p:nvPicPr>
+        <p:blipFill>
+          <a:blip r:embed="rId3">
+            <a:extLst>
+              <a:ext uri="{28A0092B-C50C-407E-A947-70E740481C1C}">
+                <a14:useLocalDpi xmlns:a14="http://schemas.microsoft.com/office/drawing/2010/main" val="0"/>
+              </a:ext>
+            </a:extLst>
+          </a:blip>
+          <a:srcRect/>
+          <a:stretch>
+            <a:fillRect/>
+          </a:stretch>
+        </p:blipFill>
+        <p:spPr bwMode="auto">
+          <a:xfrm>
+            <a:off x="743089" y="1036816"/>
+            <a:ext cx="10556282" cy="4155322"/>
+          </a:xfrm>
+          <a:prstGeom prst="rect">
+            <a:avLst/>
+          </a:prstGeom>
+          <a:noFill/>
+          <a:extLst>
+            <a:ext uri="{909E8E84-426E-40DD-AFC4-6F175D3DCCD1}">
+              <a14:hiddenFill xmlns:a14="http://schemas.microsoft.com/office/drawing/2010/main">
+                <a:solidFill>
+                  <a:srgbClr val="FFFFFF"/>
+                </a:solidFill>
+              </a14:hiddenFill>
+            </a:ext>
+          </a:extLst>
+        </p:spPr>
+      </p:pic>
+      <p:grpSp>
+        <p:nvGrpSpPr>
+          <p:cNvPr id="4" name="组合 8"/>
+          <p:cNvGrpSpPr/>
+          <p:nvPr/>
+        </p:nvGrpSpPr>
+        <p:grpSpPr>
+          <a:xfrm>
+            <a:off x="1552178" y="5086340"/>
+            <a:ext cx="8544322" cy="1566385"/>
+            <a:chOff x="0" y="6227622"/>
+            <a:chExt cx="12192000" cy="488988"/>
+          </a:xfrm>
+        </p:grpSpPr>
+        <p:sp>
+          <p:nvSpPr>
+            <p:cNvPr id="5" name="矩形 4"/>
+            <p:cNvSpPr/>
+            <p:nvPr/>
+          </p:nvSpPr>
+          <p:spPr>
+            <a:xfrm>
+              <a:off x="0" y="6256185"/>
+              <a:ext cx="12192000" cy="460425"/>
+            </a:xfrm>
+            <a:prstGeom prst="rect">
+              <a:avLst/>
+            </a:prstGeom>
+            <a:solidFill>
+              <a:schemeClr val="tx1">
+                <a:lumMod val="75000"/>
+                <a:lumOff val="25000"/>
+              </a:schemeClr>
+            </a:solidFill>
+            <a:ln>
+              <a:noFill/>
+            </a:ln>
+          </p:spPr>
+          <p:style>
+            <a:lnRef idx="2">
+              <a:schemeClr val="accent1">
+                <a:shade val="50000"/>
+              </a:schemeClr>
+            </a:lnRef>
+            <a:fillRef idx="1">
+              <a:schemeClr val="accent1"/>
+            </a:fillRef>
+            <a:effectRef idx="0">
+              <a:schemeClr val="accent1"/>
+            </a:effectRef>
+            <a:fontRef idx="minor">
+              <a:schemeClr val="lt1"/>
+            </a:fontRef>
+          </p:style>
+          <p:txBody>
+            <a:bodyPr rtlCol="0" anchor="ctr"/>
+            <a:lstStyle/>
+            <a:p>
+              <a:pPr algn="ctr" fontAlgn="auto"/>
+              <a:endParaRPr lang="zh-CN" altLang="en-US" strike="noStrike" noProof="1"/>
+            </a:p>
+          </p:txBody>
+        </p:sp>
+        <p:sp>
+          <p:nvSpPr>
+            <p:cNvPr id="6" name="矩形 5"/>
+            <p:cNvSpPr/>
+            <p:nvPr/>
+          </p:nvSpPr>
+          <p:spPr>
+            <a:xfrm>
+              <a:off x="0" y="6227622"/>
+              <a:ext cx="12192000" cy="28562"/>
+            </a:xfrm>
+            <a:prstGeom prst="rect">
+              <a:avLst/>
+            </a:prstGeom>
+            <a:solidFill>
+              <a:srgbClr val="F5A61C"/>
+            </a:solidFill>
+            <a:ln>
+              <a:noFill/>
+            </a:ln>
+          </p:spPr>
+          <p:style>
+            <a:lnRef idx="2">
+              <a:schemeClr val="accent1">
+                <a:shade val="50000"/>
+              </a:schemeClr>
+            </a:lnRef>
+            <a:fillRef idx="1">
+              <a:schemeClr val="accent1"/>
+            </a:fillRef>
+            <a:effectRef idx="0">
+              <a:schemeClr val="accent1"/>
+            </a:effectRef>
+            <a:fontRef idx="minor">
+              <a:schemeClr val="lt1"/>
+            </a:fontRef>
+          </p:style>
+          <p:txBody>
+            <a:bodyPr rtlCol="0" anchor="ctr"/>
+            <a:lstStyle/>
+            <a:p>
+              <a:pPr algn="ctr" fontAlgn="auto"/>
+              <a:endParaRPr lang="zh-CN" altLang="en-US" strike="noStrike" noProof="1"/>
+            </a:p>
+          </p:txBody>
+        </p:sp>
+      </p:grpSp>
+      <p:sp>
+        <p:nvSpPr>
+          <p:cNvPr id="7" name="TextBox 15"/>
+          <p:cNvSpPr txBox="1"/>
+          <p:nvPr/>
+        </p:nvSpPr>
+        <p:spPr>
+          <a:xfrm>
+            <a:off x="1771398" y="5222782"/>
+            <a:ext cx="7863285" cy="1384995"/>
+          </a:xfrm>
+          <a:prstGeom prst="rect">
+            <a:avLst/>
+          </a:prstGeom>
+          <a:noFill/>
+          <a:ln w="9525">
+            <a:noFill/>
+          </a:ln>
+        </p:spPr>
+        <p:txBody>
+          <a:bodyPr wrap="square" anchor="t" anchorCtr="0">
+            <a:spAutoFit/>
+          </a:bodyPr>
+          <a:lstStyle/>
+          <a:p>
+            <a:pPr marL="285750" indent="-285750">
+              <a:lnSpc>
+                <a:spcPct val="150000"/>
+              </a:lnSpc>
+              <a:buFont typeface="Arial" panose="020B0604020202020204" pitchFamily="34" charset="0"/>
+              <a:buChar char="•"/>
+            </a:pPr>
+            <a:r>
+              <a:rPr lang="en-US" altLang="zh-CN" sz="1400" dirty="0">
+                <a:solidFill>
+                  <a:schemeClr val="bg1"/>
+                </a:solidFill>
+                <a:latin typeface="Arial" panose="020B0604020202020204" pitchFamily="34" charset="0"/>
+                <a:ea typeface="Arial" panose="020B0604020202020204" pitchFamily="34" charset="0"/>
+              </a:rPr>
+              <a:t>Most Reviewed Brands Distributions (top 10) graphs show that Whirlpool products have the rank 1 position of amount of reviews. </a:t>
+            </a:r>
+            <a:endParaRPr lang="en-US" altLang="zh-CN" sz="1400" dirty="0" smtClean="0">
+              <a:solidFill>
+                <a:schemeClr val="bg1"/>
+              </a:solidFill>
+              <a:latin typeface="Arial" panose="020B0604020202020204" pitchFamily="34" charset="0"/>
+              <a:ea typeface="Arial" panose="020B0604020202020204" pitchFamily="34" charset="0"/>
+            </a:endParaRPr>
+          </a:p>
+          <a:p>
+            <a:pPr marL="285750" indent="-285750">
+              <a:lnSpc>
+                <a:spcPct val="150000"/>
+              </a:lnSpc>
+              <a:buFont typeface="Arial" panose="020B0604020202020204" pitchFamily="34" charset="0"/>
+              <a:buChar char="•"/>
+            </a:pPr>
+            <a:r>
+              <a:rPr lang="en-US" altLang="zh-CN" sz="1400" dirty="0" smtClean="0">
+                <a:solidFill>
+                  <a:schemeClr val="bg1"/>
+                </a:solidFill>
+                <a:latin typeface="Arial" panose="020B0604020202020204" pitchFamily="34" charset="0"/>
+                <a:ea typeface="Arial" panose="020B0604020202020204" pitchFamily="34" charset="0"/>
+              </a:rPr>
+              <a:t>There </a:t>
+            </a:r>
+            <a:r>
+              <a:rPr lang="en-US" altLang="zh-CN" sz="1400" dirty="0">
+                <a:solidFill>
+                  <a:schemeClr val="bg1"/>
+                </a:solidFill>
+                <a:latin typeface="Arial" panose="020B0604020202020204" pitchFamily="34" charset="0"/>
+                <a:ea typeface="Arial" panose="020B0604020202020204" pitchFamily="34" charset="0"/>
+              </a:rPr>
+              <a:t>are some other brands in the list that are not in the list of top 10 product numbers, which means offering more products doesn't imply more </a:t>
+            </a:r>
+            <a:r>
+              <a:rPr lang="en-US" altLang="zh-CN" sz="1400" dirty="0" smtClean="0">
+                <a:solidFill>
+                  <a:schemeClr val="bg1"/>
+                </a:solidFill>
+                <a:latin typeface="Arial" panose="020B0604020202020204" pitchFamily="34" charset="0"/>
+                <a:ea typeface="Arial" panose="020B0604020202020204" pitchFamily="34" charset="0"/>
+              </a:rPr>
+              <a:t>sales and </a:t>
+            </a:r>
+            <a:r>
+              <a:rPr lang="en-US" altLang="zh-CN" sz="1400" dirty="0">
+                <a:solidFill>
+                  <a:schemeClr val="bg1"/>
+                </a:solidFill>
+                <a:latin typeface="Arial" panose="020B0604020202020204" pitchFamily="34" charset="0"/>
+                <a:ea typeface="Arial" panose="020B0604020202020204" pitchFamily="34" charset="0"/>
+              </a:rPr>
+              <a:t>revenue.</a:t>
+            </a:r>
+            <a:endParaRPr lang="zh-CN" altLang="en-US" sz="1400" dirty="0">
+              <a:solidFill>
+                <a:schemeClr val="bg1"/>
+              </a:solidFill>
+              <a:latin typeface="Arial" panose="020B0604020202020204" pitchFamily="34" charset="0"/>
+              <a:ea typeface="Arial" panose="020B0604020202020204" pitchFamily="34" charset="0"/>
+            </a:endParaRPr>
+          </a:p>
+        </p:txBody>
+      </p:sp>
+    </p:spTree>
+    <p:extLst>
+      <p:ext uri="{BB962C8B-B14F-4D97-AF65-F5344CB8AC3E}">
+        <p14:creationId xmlns:p14="http://schemas.microsoft.com/office/powerpoint/2010/main" val="2662000003"/>
+      </p:ext>
+    </p:extLst>
+  </p:cSld>
+  <p:clrMapOvr>
+    <a:masterClrMapping/>
+  </p:clrMapOvr>
+  <mc:AlternateContent xmlns:mc="http://schemas.openxmlformats.org/markup-compatibility/2006" xmlns:p14="http://schemas.microsoft.com/office/powerpoint/2010/main">
+    <mc:Choice Requires="p14">
+      <p:transition spd="med" p14:dur="700">
+        <p:fade/>
+      </p:transition>
+    </mc:Choice>
+    <mc:Fallback xmlns="">
+      <p:transition spd="med">
+        <p:fade/>
+      </p:transition>
+    </mc:Fallback>
+  </mc:AlternateContent>
+  <p:timing>
+    <p:tnLst>
+      <p:par>
+        <p:cTn id="1" dur="indefinite" restart="never" nodeType="tmRoot"/>
+      </p:par>
+    </p:tnLst>
+  </p:timing>
+</p:sld>
+</file>
+
+<file path=ppt/slides/slide25.xml><?xml version="1.0" encoding="utf-8"?>
+<p:sld xmlns:a="http://schemas.openxmlformats.org/drawingml/2006/main" xmlns:r="http://schemas.openxmlformats.org/officeDocument/2006/relationships" xmlns:p="http://schemas.openxmlformats.org/presentationml/2006/main">
+  <p:cSld>
+    <p:spTree>
+      <p:nvGrpSpPr>
+        <p:cNvPr id="1" name=""/>
+        <p:cNvGrpSpPr/>
+        <p:nvPr/>
+      </p:nvGrpSpPr>
+      <p:grpSpPr>
+        <a:xfrm>
+          <a:off x="0" y="0"/>
+          <a:ext cx="0" cy="0"/>
+          <a:chOff x="0" y="0"/>
+          <a:chExt cx="0" cy="0"/>
+        </a:xfrm>
+      </p:grpSpPr>
+      <p:sp>
+        <p:nvSpPr>
+          <p:cNvPr id="2" name="文本框 48"/>
+          <p:cNvSpPr txBox="1"/>
+          <p:nvPr/>
+        </p:nvSpPr>
+        <p:spPr>
+          <a:xfrm>
+            <a:off x="266303" y="283984"/>
+            <a:ext cx="9473407" cy="707886"/>
+          </a:xfrm>
+          <a:prstGeom prst="rect">
+            <a:avLst/>
+          </a:prstGeom>
+          <a:solidFill>
+            <a:schemeClr val="bg1"/>
+          </a:solidFill>
+          <a:ln w="9525">
+            <a:noFill/>
+          </a:ln>
+        </p:spPr>
+        <p:txBody>
+          <a:bodyPr wrap="square" anchor="t" anchorCtr="0">
+            <a:spAutoFit/>
+          </a:bodyPr>
+          <a:lstStyle/>
+          <a:p>
+            <a:r>
+              <a:rPr lang="en-US" altLang="zh-CN" sz="4000" dirty="0" smtClean="0">
+                <a:solidFill>
+                  <a:srgbClr val="141214"/>
+                </a:solidFill>
+                <a:latin typeface="Arial" panose="020B0604020202020204" pitchFamily="34" charset="0"/>
+                <a:cs typeface="Arial" panose="020B0604020202020204" pitchFamily="34" charset="0"/>
+              </a:rPr>
+              <a:t>EDA </a:t>
+            </a:r>
+            <a:r>
+              <a:rPr lang="en-US" altLang="zh-CN" sz="4000" dirty="0">
+                <a:solidFill>
+                  <a:srgbClr val="141214"/>
+                </a:solidFill>
+                <a:latin typeface="Arial" panose="020B0604020202020204" pitchFamily="34" charset="0"/>
+                <a:cs typeface="Arial" panose="020B0604020202020204" pitchFamily="34" charset="0"/>
+              </a:rPr>
+              <a:t>– Merged Data</a:t>
+            </a:r>
+            <a:endParaRPr lang="en-US" altLang="zh-CN" sz="4000" dirty="0" smtClean="0">
+              <a:solidFill>
+                <a:srgbClr val="141214"/>
+              </a:solidFill>
+              <a:latin typeface="Arial" panose="020B0604020202020204" pitchFamily="34" charset="0"/>
+              <a:cs typeface="Arial" panose="020B0604020202020204" pitchFamily="34" charset="0"/>
+            </a:endParaRPr>
+          </a:p>
+        </p:txBody>
+      </p:sp>
+      <p:pic>
+        <p:nvPicPr>
           <p:cNvPr id="8194" name="Picture 2" descr="https://github.com/JinHuiXu1991/Jin_DATA606/raw/d1cad2dbfd4938c5db634e5c8ad83e92b0783edc/images/highest_rating_brand.png"/>
           <p:cNvPicPr>
             <a:picLocks noChangeAspect="1" noChangeArrowheads="1"/>
@@ -17823,8 +17893,8 @@
         </p:blipFill>
         <p:spPr bwMode="auto">
           <a:xfrm>
-            <a:off x="1142603" y="1569590"/>
-            <a:ext cx="3343275" cy="3362326"/>
+            <a:off x="526944" y="1490901"/>
+            <a:ext cx="4580044" cy="4606143"/>
           </a:xfrm>
           <a:prstGeom prst="rect">
             <a:avLst/>
@@ -17849,8 +17919,8 @@
         </p:nvGrpSpPr>
         <p:grpSpPr>
           <a:xfrm>
-            <a:off x="5106988" y="1490901"/>
-            <a:ext cx="4179887" cy="1563702"/>
+            <a:off x="5106988" y="1739509"/>
+            <a:ext cx="4179887" cy="1128318"/>
             <a:chOff x="0" y="6227623"/>
             <a:chExt cx="12192000" cy="630377"/>
           </a:xfrm>
@@ -17959,8 +18029,8 @@
         </p:nvSpPr>
         <p:spPr>
           <a:xfrm>
-            <a:off x="5365751" y="1695594"/>
-            <a:ext cx="3578224" cy="1200329"/>
+            <a:off x="5300437" y="1955759"/>
+            <a:ext cx="3578224" cy="738664"/>
           </a:xfrm>
           <a:prstGeom prst="rect">
             <a:avLst/>
@@ -17982,7 +18052,7 @@
               </a:lnSpc>
             </a:pPr>
             <a:r>
-              <a:rPr lang="en-US" altLang="zh-CN" sz="1600" dirty="0" smtClean="0">
+              <a:rPr lang="en-US" altLang="zh-CN" sz="1400" dirty="0" smtClean="0">
                 <a:solidFill>
                   <a:srgbClr val="262626"/>
                 </a:solidFill>
@@ -17992,7 +18062,7 @@
               <a:t>This table </a:t>
             </a:r>
             <a:r>
-              <a:rPr lang="en-US" altLang="zh-CN" sz="1600" dirty="0">
+              <a:rPr lang="en-US" altLang="zh-CN" sz="1400" dirty="0">
                 <a:solidFill>
                   <a:srgbClr val="262626"/>
                 </a:solidFill>
@@ -18001,7 +18071,7 @@
               </a:rPr>
               <a:t>shows the top 10 average rating brand (reviews &gt; 5000) in the dataset. </a:t>
             </a:r>
-            <a:endParaRPr lang="zh-CN" altLang="en-US" sz="1600" dirty="0">
+            <a:endParaRPr lang="zh-CN" altLang="en-US" sz="1400" dirty="0">
               <a:solidFill>
                 <a:srgbClr val="262626"/>
               </a:solidFill>
@@ -18020,7 +18090,7 @@
         <p:grpSpPr>
           <a:xfrm>
             <a:off x="5106988" y="3139090"/>
-            <a:ext cx="6356350" cy="1792826"/>
+            <a:ext cx="6356350" cy="1423579"/>
             <a:chOff x="0" y="6227623"/>
             <a:chExt cx="12192000" cy="630377"/>
           </a:xfrm>
@@ -18130,7 +18200,7 @@
         <p:spPr>
           <a:xfrm>
             <a:off x="5365751" y="3350216"/>
-            <a:ext cx="5838824" cy="1200329"/>
+            <a:ext cx="5838824" cy="1061829"/>
           </a:xfrm>
           <a:prstGeom prst="rect">
             <a:avLst/>
@@ -18152,7 +18222,7 @@
               </a:lnSpc>
             </a:pPr>
             <a:r>
-              <a:rPr lang="en-US" altLang="zh-CN" sz="1600" dirty="0">
+              <a:rPr lang="en-US" altLang="zh-CN" sz="1400" dirty="0">
                 <a:solidFill>
                   <a:schemeClr val="bg1"/>
                 </a:solidFill>
@@ -18162,7 +18232,7 @@
               <a:t>The result show that brand </a:t>
             </a:r>
             <a:r>
-              <a:rPr lang="en-US" altLang="zh-CN" sz="1600" dirty="0" err="1">
+              <a:rPr lang="en-US" altLang="zh-CN" sz="1400" dirty="0" err="1">
                 <a:solidFill>
                   <a:schemeClr val="bg1"/>
                 </a:solidFill>
@@ -18172,7 +18242,7 @@
               <a:t>LintEater</a:t>
             </a:r>
             <a:r>
-              <a:rPr lang="en-US" altLang="zh-CN" sz="1600" dirty="0">
+              <a:rPr lang="en-US" altLang="zh-CN" sz="1400" dirty="0">
                 <a:solidFill>
                   <a:schemeClr val="bg1"/>
                 </a:solidFill>
@@ -18182,7 +18252,7 @@
               <a:t> has the highest average rating 4.62 with over 6,000 reviews. Whereas Whirlpool has the rank 4 in this </a:t>
             </a:r>
             <a:r>
-              <a:rPr lang="en-US" altLang="zh-CN" sz="1600" dirty="0" smtClean="0">
+              <a:rPr lang="en-US" altLang="zh-CN" sz="1400" dirty="0" smtClean="0">
                 <a:solidFill>
                   <a:schemeClr val="bg1"/>
                 </a:solidFill>
@@ -18191,7 +18261,7 @@
               </a:rPr>
               <a:t>list.</a:t>
             </a:r>
-            <a:endParaRPr lang="zh-CN" altLang="en-US" sz="1600" dirty="0">
+            <a:endParaRPr lang="zh-CN" altLang="en-US" sz="1400" dirty="0">
               <a:solidFill>
                 <a:schemeClr val="bg1"/>
               </a:solidFill>
@@ -18233,7 +18303,7 @@
 </p:sld>
 </file>
 
-<file path=ppt/slides/slide25.xml><?xml version="1.0" encoding="utf-8"?>
+<file path=ppt/slides/slide26.xml><?xml version="1.0" encoding="utf-8"?>
 <p:sld xmlns:a="http://schemas.openxmlformats.org/drawingml/2006/main" xmlns:r="http://schemas.openxmlformats.org/officeDocument/2006/relationships" xmlns:p="http://schemas.openxmlformats.org/presentationml/2006/main">
   <p:cSld>
     <p:spTree>
@@ -18361,7 +18431,7 @@
 </p:sld>
 </file>
 
-<file path=ppt/slides/slide26.xml><?xml version="1.0" encoding="utf-8"?>
+<file path=ppt/slides/slide27.xml><?xml version="1.0" encoding="utf-8"?>
 <p:sld xmlns:a="http://schemas.openxmlformats.org/drawingml/2006/main" xmlns:r="http://schemas.openxmlformats.org/officeDocument/2006/relationships" xmlns:p="http://schemas.openxmlformats.org/presentationml/2006/main">
   <p:cSld>
     <p:spTree>
@@ -18711,7 +18781,7 @@
 </p:sld>
 </file>
 
-<file path=ppt/slides/slide27.xml><?xml version="1.0" encoding="utf-8"?>
+<file path=ppt/slides/slide28.xml><?xml version="1.0" encoding="utf-8"?>
 <p:sld xmlns:a="http://schemas.openxmlformats.org/drawingml/2006/main" xmlns:r="http://schemas.openxmlformats.org/officeDocument/2006/relationships" xmlns:p="http://schemas.openxmlformats.org/presentationml/2006/main">
   <p:cSld>
     <p:spTree>
@@ -27325,7 +27395,7 @@
 </p:sld>
 </file>
 
-<file path=ppt/slides/slide28.xml><?xml version="1.0" encoding="utf-8"?>
+<file path=ppt/slides/slide29.xml><?xml version="1.0" encoding="utf-8"?>
 <p:sld xmlns:a="http://schemas.openxmlformats.org/drawingml/2006/main" xmlns:r="http://schemas.openxmlformats.org/officeDocument/2006/relationships" xmlns:p="http://schemas.openxmlformats.org/presentationml/2006/main">
   <p:cSld>
     <p:spTree>
@@ -27924,134 +27994,6 @@
 </p:sld>
 </file>
 
-<file path=ppt/slides/slide29.xml><?xml version="1.0" encoding="utf-8"?>
-<p:sld xmlns:a="http://schemas.openxmlformats.org/drawingml/2006/main" xmlns:r="http://schemas.openxmlformats.org/officeDocument/2006/relationships" xmlns:p="http://schemas.openxmlformats.org/presentationml/2006/main">
-  <p:cSld>
-    <p:spTree>
-      <p:nvGrpSpPr>
-        <p:cNvPr id="1" name=""/>
-        <p:cNvGrpSpPr/>
-        <p:nvPr/>
-      </p:nvGrpSpPr>
-      <p:grpSpPr>
-        <a:xfrm>
-          <a:off x="0" y="0"/>
-          <a:ext cx="0" cy="0"/>
-          <a:chOff x="0" y="0"/>
-          <a:chExt cx="0" cy="0"/>
-        </a:xfrm>
-      </p:grpSpPr>
-      <p:sp>
-        <p:nvSpPr>
-          <p:cNvPr id="32769" name="矩形 11"/>
-          <p:cNvSpPr/>
-          <p:nvPr/>
-        </p:nvSpPr>
-        <p:spPr>
-          <a:xfrm>
-            <a:off x="3300109" y="4916488"/>
-            <a:ext cx="5612434" cy="769441"/>
-          </a:xfrm>
-          <a:prstGeom prst="rect">
-            <a:avLst/>
-          </a:prstGeom>
-          <a:noFill/>
-          <a:ln w="9525">
-            <a:noFill/>
-          </a:ln>
-        </p:spPr>
-        <p:txBody>
-          <a:bodyPr wrap="none" anchor="t" anchorCtr="0">
-            <a:spAutoFit/>
-          </a:bodyPr>
-          <a:lstStyle/>
-          <a:p>
-            <a:pPr algn="ctr"/>
-            <a:r>
-              <a:rPr lang="en-US" altLang="zh-CN" sz="4400" b="1" dirty="0" smtClean="0">
-                <a:solidFill>
-                  <a:srgbClr val="262626"/>
-                </a:solidFill>
-                <a:latin typeface="Arial" panose="020B0604020202020204" pitchFamily="34" charset="0"/>
-                <a:ea typeface="宋体" panose="02010600030101010101" pitchFamily="2" charset="-122"/>
-                <a:cs typeface="Arial" panose="020B0604020202020204" pitchFamily="34" charset="0"/>
-              </a:rPr>
-              <a:t>Expected Outcomes</a:t>
-            </a:r>
-            <a:endParaRPr lang="en-US" altLang="zh-CN" sz="4400" b="1" dirty="0">
-              <a:solidFill>
-                <a:srgbClr val="262626"/>
-              </a:solidFill>
-              <a:latin typeface="Arial" panose="020B0604020202020204" pitchFamily="34" charset="0"/>
-              <a:ea typeface="Arial" panose="020B0604020202020204" pitchFamily="34" charset="0"/>
-            </a:endParaRPr>
-          </a:p>
-        </p:txBody>
-      </p:sp>
-      <p:sp>
-        <p:nvSpPr>
-          <p:cNvPr id="32771" name="矩形 1"/>
-          <p:cNvSpPr/>
-          <p:nvPr/>
-        </p:nvSpPr>
-        <p:spPr>
-          <a:xfrm>
-            <a:off x="5294338" y="869950"/>
-            <a:ext cx="1603324" cy="3154710"/>
-          </a:xfrm>
-          <a:prstGeom prst="rect">
-            <a:avLst/>
-          </a:prstGeom>
-          <a:noFill/>
-          <a:ln w="9525">
-            <a:noFill/>
-          </a:ln>
-        </p:spPr>
-        <p:txBody>
-          <a:bodyPr wrap="none" anchor="t" anchorCtr="0">
-            <a:spAutoFit/>
-          </a:bodyPr>
-          <a:lstStyle/>
-          <a:p>
-            <a:pPr algn="ctr"/>
-            <a:r>
-              <a:rPr lang="en-US" altLang="zh-CN" sz="19900" b="1" dirty="0">
-                <a:solidFill>
-                  <a:srgbClr val="262626"/>
-                </a:solidFill>
-                <a:latin typeface="Arial" panose="020B0604020202020204" pitchFamily="34" charset="0"/>
-                <a:cs typeface="Arial" panose="020B0604020202020204" pitchFamily="34" charset="0"/>
-              </a:rPr>
-              <a:t>7</a:t>
-            </a:r>
-            <a:endParaRPr lang="zh-CN" altLang="en-US" sz="19900" b="1" dirty="0">
-              <a:solidFill>
-                <a:srgbClr val="262626"/>
-              </a:solidFill>
-              <a:latin typeface="Arial" panose="020B0604020202020204" pitchFamily="34" charset="0"/>
-              <a:ea typeface="Arial" panose="020B0604020202020204" pitchFamily="34" charset="0"/>
-            </a:endParaRPr>
-          </a:p>
-        </p:txBody>
-      </p:sp>
-    </p:spTree>
-  </p:cSld>
-  <p:clrMapOvr>
-    <a:masterClrMapping/>
-  </p:clrMapOvr>
-  <p:transition spd="med">
-    <p:fade/>
-  </p:transition>
-  <p:timing>
-    <p:tnLst>
-      <p:par>
-        <p:cTn id="1" dur="indefinite" restart="never" nodeType="tmRoot"/>
-      </p:par>
-    </p:tnLst>
-  </p:timing>
-</p:sld>
-</file>
-
 <file path=ppt/slides/slide3.xml><?xml version="1.0" encoding="utf-8"?>
 <p:sld xmlns:a="http://schemas.openxmlformats.org/drawingml/2006/main" xmlns:r="http://schemas.openxmlformats.org/officeDocument/2006/relationships" xmlns:p="http://schemas.openxmlformats.org/presentationml/2006/main">
   <p:cSld>
@@ -28182,6 +28124,134 @@
 </file>
 
 <file path=ppt/slides/slide30.xml><?xml version="1.0" encoding="utf-8"?>
+<p:sld xmlns:a="http://schemas.openxmlformats.org/drawingml/2006/main" xmlns:r="http://schemas.openxmlformats.org/officeDocument/2006/relationships" xmlns:p="http://schemas.openxmlformats.org/presentationml/2006/main">
+  <p:cSld>
+    <p:spTree>
+      <p:nvGrpSpPr>
+        <p:cNvPr id="1" name=""/>
+        <p:cNvGrpSpPr/>
+        <p:nvPr/>
+      </p:nvGrpSpPr>
+      <p:grpSpPr>
+        <a:xfrm>
+          <a:off x="0" y="0"/>
+          <a:ext cx="0" cy="0"/>
+          <a:chOff x="0" y="0"/>
+          <a:chExt cx="0" cy="0"/>
+        </a:xfrm>
+      </p:grpSpPr>
+      <p:sp>
+        <p:nvSpPr>
+          <p:cNvPr id="32769" name="矩形 11"/>
+          <p:cNvSpPr/>
+          <p:nvPr/>
+        </p:nvSpPr>
+        <p:spPr>
+          <a:xfrm>
+            <a:off x="3300109" y="4916488"/>
+            <a:ext cx="5612434" cy="769441"/>
+          </a:xfrm>
+          <a:prstGeom prst="rect">
+            <a:avLst/>
+          </a:prstGeom>
+          <a:noFill/>
+          <a:ln w="9525">
+            <a:noFill/>
+          </a:ln>
+        </p:spPr>
+        <p:txBody>
+          <a:bodyPr wrap="none" anchor="t" anchorCtr="0">
+            <a:spAutoFit/>
+          </a:bodyPr>
+          <a:lstStyle/>
+          <a:p>
+            <a:pPr algn="ctr"/>
+            <a:r>
+              <a:rPr lang="en-US" altLang="zh-CN" sz="4400" b="1" dirty="0" smtClean="0">
+                <a:solidFill>
+                  <a:srgbClr val="262626"/>
+                </a:solidFill>
+                <a:latin typeface="Arial" panose="020B0604020202020204" pitchFamily="34" charset="0"/>
+                <a:ea typeface="宋体" panose="02010600030101010101" pitchFamily="2" charset="-122"/>
+                <a:cs typeface="Arial" panose="020B0604020202020204" pitchFamily="34" charset="0"/>
+              </a:rPr>
+              <a:t>Expected Outcomes</a:t>
+            </a:r>
+            <a:endParaRPr lang="en-US" altLang="zh-CN" sz="4400" b="1" dirty="0">
+              <a:solidFill>
+                <a:srgbClr val="262626"/>
+              </a:solidFill>
+              <a:latin typeface="Arial" panose="020B0604020202020204" pitchFamily="34" charset="0"/>
+              <a:ea typeface="Arial" panose="020B0604020202020204" pitchFamily="34" charset="0"/>
+            </a:endParaRPr>
+          </a:p>
+        </p:txBody>
+      </p:sp>
+      <p:sp>
+        <p:nvSpPr>
+          <p:cNvPr id="32771" name="矩形 1"/>
+          <p:cNvSpPr/>
+          <p:nvPr/>
+        </p:nvSpPr>
+        <p:spPr>
+          <a:xfrm>
+            <a:off x="5294338" y="869950"/>
+            <a:ext cx="1603324" cy="3154710"/>
+          </a:xfrm>
+          <a:prstGeom prst="rect">
+            <a:avLst/>
+          </a:prstGeom>
+          <a:noFill/>
+          <a:ln w="9525">
+            <a:noFill/>
+          </a:ln>
+        </p:spPr>
+        <p:txBody>
+          <a:bodyPr wrap="none" anchor="t" anchorCtr="0">
+            <a:spAutoFit/>
+          </a:bodyPr>
+          <a:lstStyle/>
+          <a:p>
+            <a:pPr algn="ctr"/>
+            <a:r>
+              <a:rPr lang="en-US" altLang="zh-CN" sz="19900" b="1" dirty="0">
+                <a:solidFill>
+                  <a:srgbClr val="262626"/>
+                </a:solidFill>
+                <a:latin typeface="Arial" panose="020B0604020202020204" pitchFamily="34" charset="0"/>
+                <a:cs typeface="Arial" panose="020B0604020202020204" pitchFamily="34" charset="0"/>
+              </a:rPr>
+              <a:t>7</a:t>
+            </a:r>
+            <a:endParaRPr lang="zh-CN" altLang="en-US" sz="19900" b="1" dirty="0">
+              <a:solidFill>
+                <a:srgbClr val="262626"/>
+              </a:solidFill>
+              <a:latin typeface="Arial" panose="020B0604020202020204" pitchFamily="34" charset="0"/>
+              <a:ea typeface="Arial" panose="020B0604020202020204" pitchFamily="34" charset="0"/>
+            </a:endParaRPr>
+          </a:p>
+        </p:txBody>
+      </p:sp>
+    </p:spTree>
+  </p:cSld>
+  <p:clrMapOvr>
+    <a:masterClrMapping/>
+  </p:clrMapOvr>
+  <p:transition spd="med">
+    <p:fade/>
+  </p:transition>
+  <p:timing>
+    <p:tnLst>
+      <p:par>
+        <p:cTn id="1" dur="indefinite" restart="never" nodeType="tmRoot"/>
+      </p:par>
+    </p:tnLst>
+  </p:timing>
+</p:sld>
+</file>
+
+<file path=ppt/slides/slide31.xml><?xml version="1.0" encoding="utf-8"?>
 <p:sld xmlns:a="http://schemas.openxmlformats.org/drawingml/2006/main" xmlns:r="http://schemas.openxmlformats.org/officeDocument/2006/relationships" xmlns:p="http://schemas.openxmlformats.org/presentationml/2006/main">
   <p:cSld>
     <p:spTree>
@@ -28769,7 +28839,7 @@
 </p:sld>
 </file>
 
-<file path=ppt/slides/slide31.xml><?xml version="1.0" encoding="utf-8"?>
+<file path=ppt/slides/slide32.xml><?xml version="1.0" encoding="utf-8"?>
 <p:sld xmlns:a="http://schemas.openxmlformats.org/drawingml/2006/main" xmlns:r="http://schemas.openxmlformats.org/officeDocument/2006/relationships" xmlns:p="http://schemas.openxmlformats.org/presentationml/2006/main">
   <p:cSld>
     <p:spTree>
@@ -28980,7 +29050,7 @@
 </p:sld>
 </file>
 
-<file path=ppt/slides/slide32.xml><?xml version="1.0" encoding="utf-8"?>
+<file path=ppt/slides/slide33.xml><?xml version="1.0" encoding="utf-8"?>
 <p:sld xmlns:a="http://schemas.openxmlformats.org/drawingml/2006/main" xmlns:r="http://schemas.openxmlformats.org/officeDocument/2006/relationships" xmlns:p="http://schemas.openxmlformats.org/presentationml/2006/main">
   <p:cSld>
     <p:spTree>

--- a/presentation/Project_Presentation_EDA_v1.1.pptx
+++ b/presentation/Project_Presentation_EDA_v1.1.pptx
@@ -14472,6 +14472,13 @@
       </p:transition>
     </mc:Fallback>
   </mc:AlternateContent>
+  <p:timing>
+    <p:tnLst>
+      <p:par>
+        <p:cTn id="1" dur="indefinite" restart="never" nodeType="tmRoot"/>
+      </p:par>
+    </p:tnLst>
+  </p:timing>
 </p:sld>
 </file>
 
@@ -33532,7 +33539,7 @@
                 <a:latin typeface="Arial" panose="020B0604020202020204" pitchFamily="34" charset="0"/>
                 <a:ea typeface="Arial" panose="020B0604020202020204" pitchFamily="34" charset="0"/>
               </a:rPr>
-              <a:t>different. </a:t>
+              <a:t>different features. </a:t>
             </a:r>
             <a:endParaRPr lang="zh-CN" altLang="en-US" dirty="0">
               <a:solidFill>

--- a/presentation/Project_Presentation_EDA_v1.1.pptx
+++ b/presentation/Project_Presentation_EDA_v1.1.pptx
@@ -1123,1476 +1123,6 @@
       </p:grpSpPr>
       <p:sp>
         <p:nvSpPr>
-          <p:cNvPr id="33793" name="幻灯片图像占位符 1"/>
-          <p:cNvSpPr>
-            <a:spLocks noGrp="1" noRot="1" noChangeAspect="1"/>
-          </p:cNvSpPr>
-          <p:nvPr>
-            <p:ph type="sldImg"/>
-          </p:nvPr>
-        </p:nvSpPr>
-        <p:spPr/>
-      </p:sp>
-      <p:sp>
-        <p:nvSpPr>
-          <p:cNvPr id="33794" name="备注占位符 2"/>
-          <p:cNvSpPr>
-            <a:spLocks noGrp="1"/>
-          </p:cNvSpPr>
-          <p:nvPr>
-            <p:ph type="body"/>
-          </p:nvPr>
-        </p:nvSpPr>
-        <p:spPr/>
-        <p:txBody>
-          <a:bodyPr lIns="91440" tIns="45720" rIns="91440" bIns="45720" anchor="t" anchorCtr="0"/>
-          <a:lstStyle/>
-          <a:p>
-            <a:pPr lvl="0"/>
-            <a:endParaRPr lang="en-US" altLang="zh-CN" dirty="0">
-              <a:solidFill>
-                <a:srgbClr val="00B0F0"/>
-              </a:solidFill>
-              <a:latin typeface="微软雅黑" panose="020B0503020204020204" pitchFamily="34" charset="-122"/>
-              <a:ea typeface="微软雅黑" panose="020B0503020204020204" pitchFamily="34" charset="-122"/>
-            </a:endParaRPr>
-          </a:p>
-        </p:txBody>
-      </p:sp>
-      <p:sp>
-        <p:nvSpPr>
-          <p:cNvPr id="33795" name="灯片编号占位符 3"/>
-          <p:cNvSpPr>
-            <a:spLocks noGrp="1"/>
-          </p:cNvSpPr>
-          <p:nvPr>
-            <p:ph type="sldNum" sz="quarter"/>
-          </p:nvPr>
-        </p:nvSpPr>
-        <p:spPr>
-          <a:xfrm>
-            <a:off x="3884613" y="8685213"/>
-            <a:ext cx="2971800" cy="458787"/>
-          </a:xfrm>
-          <a:prstGeom prst="rect">
-            <a:avLst/>
-          </a:prstGeom>
-          <a:noFill/>
-          <a:ln w="9525">
-            <a:noFill/>
-          </a:ln>
-        </p:spPr>
-        <p:txBody>
-          <a:bodyPr vert="horz" lIns="91440" tIns="45720" rIns="91440" bIns="45720" anchor="b" anchorCtr="0"/>
-          <a:lstStyle/>
-          <a:p>
-            <a:pPr lvl="0" algn="r"/>
-            <a:fld id="{9A0DB2DC-4C9A-4742-B13C-FB6460FD3503}" type="slidenum">
-              <a:rPr lang="zh-CN" altLang="en-US" sz="1200">
-                <a:latin typeface="Calibri" panose="020F0502020204030204" charset="0"/>
-                <a:ea typeface="宋体" panose="02010600030101010101" pitchFamily="2" charset="-122"/>
-              </a:rPr>
-              <a:t>26</a:t>
-            </a:fld>
-            <a:endParaRPr lang="zh-CN" altLang="en-US" sz="1200">
-              <a:latin typeface="Calibri" panose="020F0502020204030204" charset="0"/>
-              <a:ea typeface="宋体" panose="02010600030101010101" pitchFamily="2" charset="-122"/>
-            </a:endParaRPr>
-          </a:p>
-        </p:txBody>
-      </p:sp>
-    </p:spTree>
-    <p:extLst>
-      <p:ext uri="{BB962C8B-B14F-4D97-AF65-F5344CB8AC3E}">
-        <p14:creationId xmlns:p14="http://schemas.microsoft.com/office/powerpoint/2010/main" val="479516997"/>
-      </p:ext>
-    </p:extLst>
-  </p:cSld>
-  <p:clrMapOvr>
-    <a:masterClrMapping/>
-  </p:clrMapOvr>
-</p:notes>
-</file>
-
-<file path=ppt/notesSlides/notesSlide11.xml><?xml version="1.0" encoding="utf-8"?>
-<p:notes xmlns:a="http://schemas.openxmlformats.org/drawingml/2006/main" xmlns:r="http://schemas.openxmlformats.org/officeDocument/2006/relationships" xmlns:p="http://schemas.openxmlformats.org/presentationml/2006/main">
-  <p:cSld>
-    <p:spTree>
-      <p:nvGrpSpPr>
-        <p:cNvPr id="1" name=""/>
-        <p:cNvGrpSpPr/>
-        <p:nvPr/>
-      </p:nvGrpSpPr>
-      <p:grpSpPr>
-        <a:xfrm>
-          <a:off x="0" y="0"/>
-          <a:ext cx="0" cy="0"/>
-          <a:chOff x="0" y="0"/>
-          <a:chExt cx="0" cy="0"/>
-        </a:xfrm>
-      </p:grpSpPr>
-      <p:sp>
-        <p:nvSpPr>
-          <p:cNvPr id="2" name="幻灯片图像占位符 1"/>
-          <p:cNvSpPr>
-            <a:spLocks noGrp="1" noRot="1" noChangeAspect="1"/>
-          </p:cNvSpPr>
-          <p:nvPr>
-            <p:ph type="sldImg"/>
-          </p:nvPr>
-        </p:nvSpPr>
-        <p:spPr/>
-      </p:sp>
-      <p:sp>
-        <p:nvSpPr>
-          <p:cNvPr id="3" name="备注占位符 2"/>
-          <p:cNvSpPr>
-            <a:spLocks noGrp="1"/>
-          </p:cNvSpPr>
-          <p:nvPr>
-            <p:ph type="body" idx="1"/>
-          </p:nvPr>
-        </p:nvSpPr>
-        <p:spPr/>
-        <p:txBody>
-          <a:bodyPr/>
-          <a:lstStyle/>
-          <a:p>
-            <a:r>
-              <a:rPr lang="en-US" sz="1200" b="0" i="0" kern="1200" dirty="0" smtClean="0">
-                <a:solidFill>
-                  <a:schemeClr val="tx1"/>
-                </a:solidFill>
-                <a:effectLst/>
-                <a:latin typeface="+mn-lt"/>
-                <a:ea typeface="Arial" panose="020B0604020202020204" pitchFamily="34" charset="0"/>
-                <a:cs typeface="+mn-cs"/>
-                <a:sym typeface="Arial" panose="020B0604020202020204" pitchFamily="34" charset="0"/>
-              </a:rPr>
-              <a:t>I plan to use the Cosine similarity model, Matrix Factorization, KNN. Besides, NLP models like TF-IDF, Naive Bayes, LSTM could be used against the text data. For evaluate/compare the performance of the models, I plan to apply Root Mean Squared Error (RMSE) and Decision support metrics (Precision, Recall, F1).</a:t>
-            </a:r>
-          </a:p>
-          <a:p>
-            <a:endParaRPr lang="en-US" sz="1200" b="0" i="0" kern="1200" dirty="0" smtClean="0">
-              <a:solidFill>
-                <a:schemeClr val="tx1"/>
-              </a:solidFill>
-              <a:effectLst/>
-              <a:latin typeface="+mn-lt"/>
-              <a:ea typeface="Arial" panose="020B0604020202020204" pitchFamily="34" charset="0"/>
-              <a:cs typeface="+mn-cs"/>
-              <a:sym typeface="Arial" panose="020B0604020202020204" pitchFamily="34" charset="0"/>
-            </a:endParaRPr>
-          </a:p>
-          <a:p>
-            <a:r>
-              <a:rPr lang="en-US" sz="1200" b="0" i="0" kern="1200" dirty="0" smtClean="0">
-                <a:solidFill>
-                  <a:schemeClr val="tx1"/>
-                </a:solidFill>
-                <a:effectLst/>
-                <a:latin typeface="+mn-lt"/>
-                <a:ea typeface="Arial" panose="020B0604020202020204" pitchFamily="34" charset="0"/>
-                <a:cs typeface="+mn-cs"/>
-                <a:sym typeface="Arial" panose="020B0604020202020204" pitchFamily="34" charset="0"/>
-              </a:rPr>
-              <a:t>For Content-based Filtering, I will apply the cosine similarity method against the product metadata to identify the similar products for the given one. The main feature that will be used for this model is from the product metadata like description, price, </a:t>
-            </a:r>
-            <a:r>
-              <a:rPr lang="en-US" sz="1200" b="0" i="0" kern="1200" dirty="0" err="1" smtClean="0">
-                <a:solidFill>
-                  <a:schemeClr val="tx1"/>
-                </a:solidFill>
-                <a:effectLst/>
-                <a:latin typeface="+mn-lt"/>
-                <a:ea typeface="Arial" panose="020B0604020202020204" pitchFamily="34" charset="0"/>
-                <a:cs typeface="+mn-cs"/>
-                <a:sym typeface="Arial" panose="020B0604020202020204" pitchFamily="34" charset="0"/>
-              </a:rPr>
-              <a:t>salesRank</a:t>
-            </a:r>
-            <a:r>
-              <a:rPr lang="en-US" sz="1200" b="0" i="0" kern="1200" dirty="0" smtClean="0">
-                <a:solidFill>
-                  <a:schemeClr val="tx1"/>
-                </a:solidFill>
-                <a:effectLst/>
-                <a:latin typeface="+mn-lt"/>
-                <a:ea typeface="Arial" panose="020B0604020202020204" pitchFamily="34" charset="0"/>
-                <a:cs typeface="+mn-cs"/>
-                <a:sym typeface="Arial" panose="020B0604020202020204" pitchFamily="34" charset="0"/>
-              </a:rPr>
-              <a:t>, brand, categories, and product features. Since some of them are textual data, NLP techniques like tokenization and TF-IDF </a:t>
-            </a:r>
-            <a:r>
-              <a:rPr lang="en-US" sz="1200" b="0" i="0" kern="1200" dirty="0" err="1" smtClean="0">
-                <a:solidFill>
-                  <a:schemeClr val="tx1"/>
-                </a:solidFill>
-                <a:effectLst/>
-                <a:latin typeface="+mn-lt"/>
-                <a:ea typeface="Arial" panose="020B0604020202020204" pitchFamily="34" charset="0"/>
-                <a:cs typeface="+mn-cs"/>
-                <a:sym typeface="Arial" panose="020B0604020202020204" pitchFamily="34" charset="0"/>
-              </a:rPr>
-              <a:t>vectorization</a:t>
-            </a:r>
-            <a:r>
-              <a:rPr lang="en-US" sz="1200" b="0" i="0" kern="1200" dirty="0" smtClean="0">
-                <a:solidFill>
-                  <a:schemeClr val="tx1"/>
-                </a:solidFill>
-                <a:effectLst/>
-                <a:latin typeface="+mn-lt"/>
-                <a:ea typeface="Arial" panose="020B0604020202020204" pitchFamily="34" charset="0"/>
-                <a:cs typeface="+mn-cs"/>
-                <a:sym typeface="Arial" panose="020B0604020202020204" pitchFamily="34" charset="0"/>
-              </a:rPr>
-              <a:t> will be applied.</a:t>
-            </a:r>
-          </a:p>
-          <a:p>
-            <a:endParaRPr lang="en-US" sz="1200" b="0" i="0" kern="1200" dirty="0" smtClean="0">
-              <a:solidFill>
-                <a:schemeClr val="tx1"/>
-              </a:solidFill>
-              <a:effectLst/>
-              <a:latin typeface="+mn-lt"/>
-              <a:ea typeface="Arial" panose="020B0604020202020204" pitchFamily="34" charset="0"/>
-              <a:cs typeface="+mn-cs"/>
-              <a:sym typeface="Arial" panose="020B0604020202020204" pitchFamily="34" charset="0"/>
-            </a:endParaRPr>
-          </a:p>
-          <a:p>
-            <a:r>
-              <a:rPr lang="en-US" sz="1200" b="0" i="0" kern="1200" dirty="0" smtClean="0">
-                <a:solidFill>
-                  <a:schemeClr val="tx1"/>
-                </a:solidFill>
-                <a:effectLst/>
-                <a:latin typeface="+mn-lt"/>
-                <a:ea typeface="Arial" panose="020B0604020202020204" pitchFamily="34" charset="0"/>
-                <a:cs typeface="+mn-cs"/>
-                <a:sym typeface="Arial" panose="020B0604020202020204" pitchFamily="34" charset="0"/>
-              </a:rPr>
-              <a:t>For Collaborative Filtering, I will apply the matrix factorization method against the review data. The main feature that will be used for this approach is from the review data like user id, product id, and the rating score. To perform matrix analysis, the cosine similarity method could be applied again, and several machine learning algorithms will be used such as KNN and Singular value decomposition (SVD). KNN can group users into a cluster and only consider the same cluster user for product recommendation. SVD can break down a matrix into the product of a few smaller matrices to reveal the user connections and to discover relationships between items. Moreover, deep learning techniques could also be applied for </a:t>
-            </a:r>
-            <a:r>
-              <a:rPr lang="en-US" sz="1200" b="0" i="0" kern="1200" dirty="0" err="1" smtClean="0">
-                <a:solidFill>
-                  <a:schemeClr val="tx1"/>
-                </a:solidFill>
-                <a:effectLst/>
-                <a:latin typeface="+mn-lt"/>
-                <a:ea typeface="Arial" panose="020B0604020202020204" pitchFamily="34" charset="0"/>
-                <a:cs typeface="+mn-cs"/>
-                <a:sym typeface="Arial" panose="020B0604020202020204" pitchFamily="34" charset="0"/>
-              </a:rPr>
-              <a:t>Collborative</a:t>
-            </a:r>
-            <a:r>
-              <a:rPr lang="en-US" sz="1200" b="0" i="0" kern="1200" dirty="0" smtClean="0">
-                <a:solidFill>
-                  <a:schemeClr val="tx1"/>
-                </a:solidFill>
-                <a:effectLst/>
-                <a:latin typeface="+mn-lt"/>
-                <a:ea typeface="Arial" panose="020B0604020202020204" pitchFamily="34" charset="0"/>
-                <a:cs typeface="+mn-cs"/>
-                <a:sym typeface="Arial" panose="020B0604020202020204" pitchFamily="34" charset="0"/>
-              </a:rPr>
-              <a:t> Filtering, Neural Network method can take the user-item matrix or review textual data for predicting a score for recommending.</a:t>
-            </a:r>
-          </a:p>
-          <a:p>
-            <a:endParaRPr lang="en-US" dirty="0"/>
-          </a:p>
-        </p:txBody>
-      </p:sp>
-    </p:spTree>
-    <p:extLst>
-      <p:ext uri="{BB962C8B-B14F-4D97-AF65-F5344CB8AC3E}">
-        <p14:creationId xmlns:p14="http://schemas.microsoft.com/office/powerpoint/2010/main" val="981174303"/>
-      </p:ext>
-    </p:extLst>
-  </p:cSld>
-  <p:clrMapOvr>
-    <a:masterClrMapping/>
-  </p:clrMapOvr>
-</p:notes>
-</file>
-
-<file path=ppt/notesSlides/notesSlide12.xml><?xml version="1.0" encoding="utf-8"?>
-<p:notes xmlns:a="http://schemas.openxmlformats.org/drawingml/2006/main" xmlns:r="http://schemas.openxmlformats.org/officeDocument/2006/relationships" xmlns:p="http://schemas.openxmlformats.org/presentationml/2006/main">
-  <p:cSld>
-    <p:spTree>
-      <p:nvGrpSpPr>
-        <p:cNvPr id="1" name=""/>
-        <p:cNvGrpSpPr/>
-        <p:nvPr/>
-      </p:nvGrpSpPr>
-      <p:grpSpPr>
-        <a:xfrm>
-          <a:off x="0" y="0"/>
-          <a:ext cx="0" cy="0"/>
-          <a:chOff x="0" y="0"/>
-          <a:chExt cx="0" cy="0"/>
-        </a:xfrm>
-      </p:grpSpPr>
-      <p:sp>
-        <p:nvSpPr>
-          <p:cNvPr id="2" name="幻灯片图像占位符 1"/>
-          <p:cNvSpPr>
-            <a:spLocks noGrp="1" noRot="1" noChangeAspect="1"/>
-          </p:cNvSpPr>
-          <p:nvPr>
-            <p:ph type="sldImg"/>
-          </p:nvPr>
-        </p:nvSpPr>
-        <p:spPr/>
-      </p:sp>
-      <p:sp>
-        <p:nvSpPr>
-          <p:cNvPr id="3" name="备注占位符 2"/>
-          <p:cNvSpPr>
-            <a:spLocks noGrp="1"/>
-          </p:cNvSpPr>
-          <p:nvPr>
-            <p:ph type="body" idx="1"/>
-          </p:nvPr>
-        </p:nvSpPr>
-        <p:spPr/>
-        <p:txBody>
-          <a:bodyPr/>
-          <a:lstStyle/>
-          <a:p>
-            <a:r>
-              <a:rPr lang="en-US" sz="1200" b="0" i="0" kern="1200" dirty="0" smtClean="0">
-                <a:solidFill>
-                  <a:schemeClr val="tx1"/>
-                </a:solidFill>
-                <a:effectLst/>
-                <a:latin typeface="+mn-lt"/>
-                <a:ea typeface="Arial" panose="020B0604020202020204" pitchFamily="34" charset="0"/>
-                <a:cs typeface="+mn-cs"/>
-                <a:sym typeface="Arial" panose="020B0604020202020204" pitchFamily="34" charset="0"/>
-              </a:rPr>
-              <a:t>The above two types of filtering have their own drawbacks such as the novelty problem of Content-based Filtering and the cold start problem of Collaborative Filtering, so in reality, more robust recommender systems like hybrid recommenders are often used. I plan to build a hybrid recommender that combines Content-based Filtering and Collaborative Filtering to overcome the drawbacks and improve overall performance.</a:t>
-            </a:r>
-            <a:endParaRPr lang="en-US" dirty="0"/>
-          </a:p>
-        </p:txBody>
-      </p:sp>
-    </p:spTree>
-    <p:extLst>
-      <p:ext uri="{BB962C8B-B14F-4D97-AF65-F5344CB8AC3E}">
-        <p14:creationId xmlns:p14="http://schemas.microsoft.com/office/powerpoint/2010/main" val="1521752473"/>
-      </p:ext>
-    </p:extLst>
-  </p:cSld>
-  <p:clrMapOvr>
-    <a:masterClrMapping/>
-  </p:clrMapOvr>
-</p:notes>
-</file>
-
-<file path=ppt/notesSlides/notesSlide13.xml><?xml version="1.0" encoding="utf-8"?>
-<p:notes xmlns:a="http://schemas.openxmlformats.org/drawingml/2006/main" xmlns:r="http://schemas.openxmlformats.org/officeDocument/2006/relationships" xmlns:p="http://schemas.openxmlformats.org/presentationml/2006/main">
-  <p:cSld>
-    <p:spTree>
-      <p:nvGrpSpPr>
-        <p:cNvPr id="1" name=""/>
-        <p:cNvGrpSpPr/>
-        <p:nvPr/>
-      </p:nvGrpSpPr>
-      <p:grpSpPr>
-        <a:xfrm>
-          <a:off x="0" y="0"/>
-          <a:ext cx="0" cy="0"/>
-          <a:chOff x="0" y="0"/>
-          <a:chExt cx="0" cy="0"/>
-        </a:xfrm>
-      </p:grpSpPr>
-      <p:sp>
-        <p:nvSpPr>
-          <p:cNvPr id="2" name="幻灯片图像占位符 1"/>
-          <p:cNvSpPr>
-            <a:spLocks noGrp="1" noRot="1" noChangeAspect="1"/>
-          </p:cNvSpPr>
-          <p:nvPr>
-            <p:ph type="sldImg"/>
-          </p:nvPr>
-        </p:nvSpPr>
-        <p:spPr/>
-      </p:sp>
-      <p:sp>
-        <p:nvSpPr>
-          <p:cNvPr id="3" name="备注占位符 2"/>
-          <p:cNvSpPr>
-            <a:spLocks noGrp="1"/>
-          </p:cNvSpPr>
-          <p:nvPr>
-            <p:ph type="body" idx="1"/>
-          </p:nvPr>
-        </p:nvSpPr>
-        <p:spPr/>
-        <p:txBody>
-          <a:bodyPr/>
-          <a:lstStyle/>
-          <a:p>
-            <a:r>
-              <a:rPr lang="en-US" dirty="0" smtClean="0"/>
-              <a:t>Finally</a:t>
-            </a:r>
-            <a:r>
-              <a:rPr lang="en-US" smtClean="0"/>
-              <a:t>, for </a:t>
-            </a:r>
-            <a:r>
-              <a:rPr lang="en-US" dirty="0" smtClean="0"/>
-              <a:t>recommendation system integration and deployment. I would like to develop a user interface for better using experience. I will develop a Flask website and use </a:t>
-            </a:r>
-            <a:r>
-              <a:rPr lang="en-US" dirty="0" err="1" smtClean="0"/>
-              <a:t>PythonAnywhere</a:t>
-            </a:r>
-            <a:r>
-              <a:rPr lang="en-US" dirty="0" smtClean="0"/>
-              <a:t> web hosting service to host our recommender system. Next, I will develop a Chabot using </a:t>
-            </a:r>
-            <a:r>
-              <a:rPr lang="en-US" dirty="0" err="1" smtClean="0"/>
-              <a:t>DialogFlow</a:t>
-            </a:r>
-            <a:r>
-              <a:rPr lang="en-US" dirty="0" smtClean="0"/>
-              <a:t> platform to assist users for product recommendation and integrate it with the Flask website.</a:t>
-            </a:r>
-            <a:endParaRPr lang="en-US" dirty="0"/>
-          </a:p>
-        </p:txBody>
-      </p:sp>
-    </p:spTree>
-    <p:extLst>
-      <p:ext uri="{BB962C8B-B14F-4D97-AF65-F5344CB8AC3E}">
-        <p14:creationId xmlns:p14="http://schemas.microsoft.com/office/powerpoint/2010/main" val="2987799234"/>
-      </p:ext>
-    </p:extLst>
-  </p:cSld>
-  <p:clrMapOvr>
-    <a:masterClrMapping/>
-  </p:clrMapOvr>
-</p:notes>
-</file>
-
-<file path=ppt/notesSlides/notesSlide14.xml><?xml version="1.0" encoding="utf-8"?>
-<p:notes xmlns:a="http://schemas.openxmlformats.org/drawingml/2006/main" xmlns:r="http://schemas.openxmlformats.org/officeDocument/2006/relationships" xmlns:p="http://schemas.openxmlformats.org/presentationml/2006/main">
-  <p:cSld>
-    <p:spTree>
-      <p:nvGrpSpPr>
-        <p:cNvPr id="1" name=""/>
-        <p:cNvGrpSpPr/>
-        <p:nvPr/>
-      </p:nvGrpSpPr>
-      <p:grpSpPr>
-        <a:xfrm>
-          <a:off x="0" y="0"/>
-          <a:ext cx="0" cy="0"/>
-          <a:chOff x="0" y="0"/>
-          <a:chExt cx="0" cy="0"/>
-        </a:xfrm>
-      </p:grpSpPr>
-      <p:sp>
-        <p:nvSpPr>
-          <p:cNvPr id="33793" name="幻灯片图像占位符 1"/>
-          <p:cNvSpPr>
-            <a:spLocks noGrp="1" noRot="1" noChangeAspect="1"/>
-          </p:cNvSpPr>
-          <p:nvPr>
-            <p:ph type="sldImg"/>
-          </p:nvPr>
-        </p:nvSpPr>
-        <p:spPr/>
-      </p:sp>
-      <p:sp>
-        <p:nvSpPr>
-          <p:cNvPr id="33794" name="备注占位符 2"/>
-          <p:cNvSpPr>
-            <a:spLocks noGrp="1"/>
-          </p:cNvSpPr>
-          <p:nvPr>
-            <p:ph type="body"/>
-          </p:nvPr>
-        </p:nvSpPr>
-        <p:spPr/>
-        <p:txBody>
-          <a:bodyPr lIns="91440" tIns="45720" rIns="91440" bIns="45720" anchor="t" anchorCtr="0"/>
-          <a:lstStyle/>
-          <a:p>
-            <a:pPr lvl="0"/>
-            <a:endParaRPr lang="en-US" altLang="zh-CN" dirty="0">
-              <a:solidFill>
-                <a:srgbClr val="00B0F0"/>
-              </a:solidFill>
-              <a:latin typeface="微软雅黑" panose="020B0503020204020204" pitchFamily="34" charset="-122"/>
-              <a:ea typeface="微软雅黑" panose="020B0503020204020204" pitchFamily="34" charset="-122"/>
-            </a:endParaRPr>
-          </a:p>
-        </p:txBody>
-      </p:sp>
-      <p:sp>
-        <p:nvSpPr>
-          <p:cNvPr id="33795" name="灯片编号占位符 3"/>
-          <p:cNvSpPr>
-            <a:spLocks noGrp="1"/>
-          </p:cNvSpPr>
-          <p:nvPr>
-            <p:ph type="sldNum" sz="quarter"/>
-          </p:nvPr>
-        </p:nvSpPr>
-        <p:spPr>
-          <a:xfrm>
-            <a:off x="3884613" y="8685213"/>
-            <a:ext cx="2971800" cy="458787"/>
-          </a:xfrm>
-          <a:prstGeom prst="rect">
-            <a:avLst/>
-          </a:prstGeom>
-          <a:noFill/>
-          <a:ln w="9525">
-            <a:noFill/>
-          </a:ln>
-        </p:spPr>
-        <p:txBody>
-          <a:bodyPr vert="horz" lIns="91440" tIns="45720" rIns="91440" bIns="45720" anchor="b" anchorCtr="0"/>
-          <a:lstStyle/>
-          <a:p>
-            <a:pPr lvl="0" algn="r"/>
-            <a:fld id="{9A0DB2DC-4C9A-4742-B13C-FB6460FD3503}" type="slidenum">
-              <a:rPr lang="zh-CN" altLang="en-US" sz="1200">
-                <a:latin typeface="Calibri" panose="020F0502020204030204" charset="0"/>
-                <a:ea typeface="宋体" panose="02010600030101010101" pitchFamily="2" charset="-122"/>
-              </a:rPr>
-              <a:t>30</a:t>
-            </a:fld>
-            <a:endParaRPr lang="zh-CN" altLang="en-US" sz="1200">
-              <a:latin typeface="Calibri" panose="020F0502020204030204" charset="0"/>
-              <a:ea typeface="宋体" panose="02010600030101010101" pitchFamily="2" charset="-122"/>
-            </a:endParaRPr>
-          </a:p>
-        </p:txBody>
-      </p:sp>
-    </p:spTree>
-    <p:extLst>
-      <p:ext uri="{BB962C8B-B14F-4D97-AF65-F5344CB8AC3E}">
-        <p14:creationId xmlns:p14="http://schemas.microsoft.com/office/powerpoint/2010/main" val="2968576964"/>
-      </p:ext>
-    </p:extLst>
-  </p:cSld>
-  <p:clrMapOvr>
-    <a:masterClrMapping/>
-  </p:clrMapOvr>
-</p:notes>
-</file>
-
-<file path=ppt/notesSlides/notesSlide15.xml><?xml version="1.0" encoding="utf-8"?>
-<p:notes xmlns:a="http://schemas.openxmlformats.org/drawingml/2006/main" xmlns:r="http://schemas.openxmlformats.org/officeDocument/2006/relationships" xmlns:p="http://schemas.openxmlformats.org/presentationml/2006/main">
-  <p:cSld>
-    <p:spTree>
-      <p:nvGrpSpPr>
-        <p:cNvPr id="1" name=""/>
-        <p:cNvGrpSpPr/>
-        <p:nvPr/>
-      </p:nvGrpSpPr>
-      <p:grpSpPr>
-        <a:xfrm>
-          <a:off x="0" y="0"/>
-          <a:ext cx="0" cy="0"/>
-          <a:chOff x="0" y="0"/>
-          <a:chExt cx="0" cy="0"/>
-        </a:xfrm>
-      </p:grpSpPr>
-      <p:sp>
-        <p:nvSpPr>
-          <p:cNvPr id="2" name="幻灯片图像占位符 1"/>
-          <p:cNvSpPr>
-            <a:spLocks noGrp="1" noRot="1" noChangeAspect="1"/>
-          </p:cNvSpPr>
-          <p:nvPr>
-            <p:ph type="sldImg"/>
-          </p:nvPr>
-        </p:nvSpPr>
-        <p:spPr/>
-      </p:sp>
-      <p:sp>
-        <p:nvSpPr>
-          <p:cNvPr id="3" name="备注占位符 2"/>
-          <p:cNvSpPr>
-            <a:spLocks noGrp="1"/>
-          </p:cNvSpPr>
-          <p:nvPr>
-            <p:ph type="body" idx="1"/>
-          </p:nvPr>
-        </p:nvSpPr>
-        <p:spPr/>
-        <p:txBody>
-          <a:bodyPr/>
-          <a:lstStyle/>
-          <a:p>
-            <a:pPr marL="0" marR="0" lvl="0" indent="0" algn="l" defTabSz="914400" rtl="0" eaLnBrk="1" fontAlgn="auto" latinLnBrk="0" hangingPunct="1">
-              <a:lnSpc>
-                <a:spcPct val="100000"/>
-              </a:lnSpc>
-              <a:spcBef>
-                <a:spcPts val="0"/>
-              </a:spcBef>
-              <a:spcAft>
-                <a:spcPts val="0"/>
-              </a:spcAft>
-              <a:buClrTx/>
-              <a:buSzTx/>
-              <a:buFontTx/>
-              <a:buNone/>
-              <a:tabLst/>
-              <a:defRPr/>
-            </a:pPr>
-            <a:r>
-              <a:rPr lang="en-US" sz="1200" b="0" i="0" kern="1200" dirty="0" smtClean="0">
-                <a:solidFill>
-                  <a:schemeClr val="tx1"/>
-                </a:solidFill>
-                <a:effectLst/>
-                <a:latin typeface="+mn-lt"/>
-                <a:ea typeface="Arial" panose="020B0604020202020204" pitchFamily="34" charset="0"/>
-                <a:cs typeface="+mn-cs"/>
-                <a:sym typeface="Arial" panose="020B0604020202020204" pitchFamily="34" charset="0"/>
-              </a:rPr>
-              <a:t>I intend to achieve through this project is to develop product recommender systems/models that can accurately predict customers' preferences, identify the most useful characteristics to promote certain products to customers, understand the role of text data in recommender systems, </a:t>
-            </a:r>
-            <a:r>
-              <a:rPr lang="en-US" sz="1200" dirty="0" smtClean="0">
-                <a:latin typeface="Arial" panose="020B0604020202020204" pitchFamily="34" charset="0"/>
-                <a:cs typeface="Arial" panose="020B0604020202020204" pitchFamily="34" charset="0"/>
-              </a:rPr>
-              <a:t>provide a website and </a:t>
-            </a:r>
-            <a:r>
-              <a:rPr lang="en-US" sz="1200" dirty="0" err="1" smtClean="0">
-                <a:latin typeface="Arial" panose="020B0604020202020204" pitchFamily="34" charset="0"/>
-                <a:cs typeface="Arial" panose="020B0604020202020204" pitchFamily="34" charset="0"/>
-              </a:rPr>
-              <a:t>Chatbot</a:t>
-            </a:r>
-            <a:r>
-              <a:rPr lang="en-US" sz="1200" dirty="0" smtClean="0">
-                <a:latin typeface="Arial" panose="020B0604020202020204" pitchFamily="34" charset="0"/>
-                <a:cs typeface="Arial" panose="020B0604020202020204" pitchFamily="34" charset="0"/>
-              </a:rPr>
-              <a:t> to assist amazon users to make purchase decisions,</a:t>
-            </a:r>
-            <a:r>
-              <a:rPr lang="en-US" sz="1200" baseline="0" dirty="0" smtClean="0">
-                <a:latin typeface="Arial" panose="020B0604020202020204" pitchFamily="34" charset="0"/>
-                <a:cs typeface="Arial" panose="020B0604020202020204" pitchFamily="34" charset="0"/>
-              </a:rPr>
-              <a:t> </a:t>
-            </a:r>
-            <a:r>
-              <a:rPr lang="en-US" sz="1200" b="0" i="0" kern="1200" dirty="0" smtClean="0">
-                <a:solidFill>
-                  <a:schemeClr val="tx1"/>
-                </a:solidFill>
-                <a:effectLst/>
-                <a:latin typeface="+mn-lt"/>
-                <a:ea typeface="Arial" panose="020B0604020202020204" pitchFamily="34" charset="0"/>
-                <a:cs typeface="+mn-cs"/>
-                <a:sym typeface="Arial" panose="020B0604020202020204" pitchFamily="34" charset="0"/>
-              </a:rPr>
-              <a:t>and provide a comprehensive report of recommender systems for the business owners.</a:t>
-            </a:r>
-            <a:endParaRPr lang="en-US" dirty="0"/>
-          </a:p>
-        </p:txBody>
-      </p:sp>
-    </p:spTree>
-    <p:extLst>
-      <p:ext uri="{BB962C8B-B14F-4D97-AF65-F5344CB8AC3E}">
-        <p14:creationId xmlns:p14="http://schemas.microsoft.com/office/powerpoint/2010/main" val="2193615407"/>
-      </p:ext>
-    </p:extLst>
-  </p:cSld>
-  <p:clrMapOvr>
-    <a:masterClrMapping/>
-  </p:clrMapOvr>
-</p:notes>
-</file>
-
-<file path=ppt/notesSlides/notesSlide16.xml><?xml version="1.0" encoding="utf-8"?>
-<p:notes xmlns:a="http://schemas.openxmlformats.org/drawingml/2006/main" xmlns:r="http://schemas.openxmlformats.org/officeDocument/2006/relationships" xmlns:p="http://schemas.openxmlformats.org/presentationml/2006/main">
-  <p:cSld>
-    <p:spTree>
-      <p:nvGrpSpPr>
-        <p:cNvPr id="1" name=""/>
-        <p:cNvGrpSpPr/>
-        <p:nvPr/>
-      </p:nvGrpSpPr>
-      <p:grpSpPr>
-        <a:xfrm>
-          <a:off x="0" y="0"/>
-          <a:ext cx="0" cy="0"/>
-          <a:chOff x="0" y="0"/>
-          <a:chExt cx="0" cy="0"/>
-        </a:xfrm>
-      </p:grpSpPr>
-      <p:sp>
-        <p:nvSpPr>
-          <p:cNvPr id="40961" name="幻灯片图像占位符 1"/>
-          <p:cNvSpPr>
-            <a:spLocks noGrp="1" noRot="1" noChangeAspect="1"/>
-          </p:cNvSpPr>
-          <p:nvPr>
-            <p:ph type="sldImg"/>
-          </p:nvPr>
-        </p:nvSpPr>
-        <p:spPr/>
-      </p:sp>
-      <p:sp>
-        <p:nvSpPr>
-          <p:cNvPr id="40962" name="备注占位符 2"/>
-          <p:cNvSpPr>
-            <a:spLocks noGrp="1"/>
-          </p:cNvSpPr>
-          <p:nvPr>
-            <p:ph type="body"/>
-          </p:nvPr>
-        </p:nvSpPr>
-        <p:spPr/>
-        <p:txBody>
-          <a:bodyPr lIns="91440" tIns="45720" rIns="91440" bIns="45720" anchor="t" anchorCtr="0"/>
-          <a:lstStyle/>
-          <a:p>
-            <a:pPr lvl="0"/>
-            <a:endParaRPr lang="zh-CN" altLang="en-US" dirty="0"/>
-          </a:p>
-        </p:txBody>
-      </p:sp>
-      <p:sp>
-        <p:nvSpPr>
-          <p:cNvPr id="40963" name="灯片编号占位符 3"/>
-          <p:cNvSpPr>
-            <a:spLocks noGrp="1"/>
-          </p:cNvSpPr>
-          <p:nvPr>
-            <p:ph type="sldNum" sz="quarter"/>
-          </p:nvPr>
-        </p:nvSpPr>
-        <p:spPr>
-          <a:xfrm>
-            <a:off x="3884613" y="8685213"/>
-            <a:ext cx="2971800" cy="458787"/>
-          </a:xfrm>
-          <a:prstGeom prst="rect">
-            <a:avLst/>
-          </a:prstGeom>
-          <a:noFill/>
-          <a:ln w="9525">
-            <a:noFill/>
-          </a:ln>
-        </p:spPr>
-        <p:txBody>
-          <a:bodyPr vert="horz" lIns="91440" tIns="45720" rIns="91440" bIns="45720" anchor="b" anchorCtr="0"/>
-          <a:lstStyle/>
-          <a:p>
-            <a:pPr lvl="0" algn="r"/>
-            <a:fld id="{9A0DB2DC-4C9A-4742-B13C-FB6460FD3503}" type="slidenum">
-              <a:rPr lang="zh-CN" altLang="en-US" sz="1200">
-                <a:latin typeface="Calibri" panose="020F0502020204030204" charset="0"/>
-                <a:ea typeface="宋体" panose="02010600030101010101" pitchFamily="2" charset="-122"/>
-              </a:rPr>
-              <a:t>33</a:t>
-            </a:fld>
-            <a:endParaRPr lang="zh-CN" altLang="en-US" sz="1200">
-              <a:latin typeface="Calibri" panose="020F0502020204030204" charset="0"/>
-              <a:ea typeface="宋体" panose="02010600030101010101" pitchFamily="2" charset="-122"/>
-            </a:endParaRPr>
-          </a:p>
-        </p:txBody>
-      </p:sp>
-    </p:spTree>
-    <p:extLst>
-      <p:ext uri="{BB962C8B-B14F-4D97-AF65-F5344CB8AC3E}">
-        <p14:creationId xmlns:p14="http://schemas.microsoft.com/office/powerpoint/2010/main" val="797695086"/>
-      </p:ext>
-    </p:extLst>
-  </p:cSld>
-  <p:clrMapOvr>
-    <a:masterClrMapping/>
-  </p:clrMapOvr>
-</p:notes>
-</file>
-
-<file path=ppt/notesSlides/notesSlide2.xml><?xml version="1.0" encoding="utf-8"?>
-<p:notes xmlns:a="http://schemas.openxmlformats.org/drawingml/2006/main" xmlns:r="http://schemas.openxmlformats.org/officeDocument/2006/relationships" xmlns:p="http://schemas.openxmlformats.org/presentationml/2006/main">
-  <p:cSld>
-    <p:spTree>
-      <p:nvGrpSpPr>
-        <p:cNvPr id="1" name=""/>
-        <p:cNvGrpSpPr/>
-        <p:nvPr/>
-      </p:nvGrpSpPr>
-      <p:grpSpPr>
-        <a:xfrm>
-          <a:off x="0" y="0"/>
-          <a:ext cx="0" cy="0"/>
-          <a:chOff x="0" y="0"/>
-          <a:chExt cx="0" cy="0"/>
-        </a:xfrm>
-      </p:grpSpPr>
-      <p:sp>
-        <p:nvSpPr>
-          <p:cNvPr id="19457" name="幻灯片图像占位符 1"/>
-          <p:cNvSpPr>
-            <a:spLocks noGrp="1" noRot="1" noChangeAspect="1"/>
-          </p:cNvSpPr>
-          <p:nvPr>
-            <p:ph type="sldImg"/>
-          </p:nvPr>
-        </p:nvSpPr>
-        <p:spPr/>
-      </p:sp>
-      <p:sp>
-        <p:nvSpPr>
-          <p:cNvPr id="19458" name="备注占位符 2"/>
-          <p:cNvSpPr>
-            <a:spLocks noGrp="1"/>
-          </p:cNvSpPr>
-          <p:nvPr>
-            <p:ph type="body"/>
-          </p:nvPr>
-        </p:nvSpPr>
-        <p:spPr/>
-        <p:txBody>
-          <a:bodyPr lIns="91440" tIns="45720" rIns="91440" bIns="45720" anchor="t" anchorCtr="0"/>
-          <a:lstStyle/>
-          <a:p>
-            <a:pPr lvl="0"/>
-            <a:endParaRPr lang="en-US" altLang="zh-CN" dirty="0">
-              <a:solidFill>
-                <a:srgbClr val="00B0F0"/>
-              </a:solidFill>
-              <a:latin typeface="微软雅黑" panose="020B0503020204020204" pitchFamily="34" charset="-122"/>
-              <a:ea typeface="微软雅黑" panose="020B0503020204020204" pitchFamily="34" charset="-122"/>
-            </a:endParaRPr>
-          </a:p>
-        </p:txBody>
-      </p:sp>
-      <p:sp>
-        <p:nvSpPr>
-          <p:cNvPr id="19459" name="灯片编号占位符 3"/>
-          <p:cNvSpPr>
-            <a:spLocks noGrp="1"/>
-          </p:cNvSpPr>
-          <p:nvPr>
-            <p:ph type="sldNum" sz="quarter"/>
-          </p:nvPr>
-        </p:nvSpPr>
-        <p:spPr>
-          <a:xfrm>
-            <a:off x="3884613" y="8685213"/>
-            <a:ext cx="2971800" cy="458787"/>
-          </a:xfrm>
-          <a:prstGeom prst="rect">
-            <a:avLst/>
-          </a:prstGeom>
-          <a:noFill/>
-          <a:ln w="9525">
-            <a:noFill/>
-          </a:ln>
-        </p:spPr>
-        <p:txBody>
-          <a:bodyPr vert="horz" lIns="91440" tIns="45720" rIns="91440" bIns="45720" anchor="b" anchorCtr="0"/>
-          <a:lstStyle/>
-          <a:p>
-            <a:pPr lvl="0" algn="r"/>
-            <a:fld id="{9A0DB2DC-4C9A-4742-B13C-FB6460FD3503}" type="slidenum">
-              <a:rPr lang="zh-CN" altLang="en-US" sz="1200">
-                <a:latin typeface="Calibri" panose="020F0502020204030204" charset="0"/>
-                <a:ea typeface="宋体" panose="02010600030101010101" pitchFamily="2" charset="-122"/>
-              </a:rPr>
-              <a:t>5</a:t>
-            </a:fld>
-            <a:endParaRPr lang="zh-CN" altLang="en-US" sz="1200">
-              <a:latin typeface="Calibri" panose="020F0502020204030204" charset="0"/>
-              <a:ea typeface="宋体" panose="02010600030101010101" pitchFamily="2" charset="-122"/>
-            </a:endParaRPr>
-          </a:p>
-        </p:txBody>
-      </p:sp>
-    </p:spTree>
-    <p:extLst>
-      <p:ext uri="{BB962C8B-B14F-4D97-AF65-F5344CB8AC3E}">
-        <p14:creationId xmlns:p14="http://schemas.microsoft.com/office/powerpoint/2010/main" val="1918271829"/>
-      </p:ext>
-    </p:extLst>
-  </p:cSld>
-  <p:clrMapOvr>
-    <a:masterClrMapping/>
-  </p:clrMapOvr>
-</p:notes>
-</file>
-
-<file path=ppt/notesSlides/notesSlide3.xml><?xml version="1.0" encoding="utf-8"?>
-<p:notes xmlns:a="http://schemas.openxmlformats.org/drawingml/2006/main" xmlns:r="http://schemas.openxmlformats.org/officeDocument/2006/relationships" xmlns:p="http://schemas.openxmlformats.org/presentationml/2006/main">
-  <p:cSld>
-    <p:spTree>
-      <p:nvGrpSpPr>
-        <p:cNvPr id="1" name=""/>
-        <p:cNvGrpSpPr/>
-        <p:nvPr/>
-      </p:nvGrpSpPr>
-      <p:grpSpPr>
-        <a:xfrm>
-          <a:off x="0" y="0"/>
-          <a:ext cx="0" cy="0"/>
-          <a:chOff x="0" y="0"/>
-          <a:chExt cx="0" cy="0"/>
-        </a:xfrm>
-      </p:grpSpPr>
-      <p:sp>
-        <p:nvSpPr>
-          <p:cNvPr id="26625" name="幻灯片图像占位符 1"/>
-          <p:cNvSpPr>
-            <a:spLocks noGrp="1" noRot="1" noChangeAspect="1"/>
-          </p:cNvSpPr>
-          <p:nvPr>
-            <p:ph type="sldImg"/>
-          </p:nvPr>
-        </p:nvSpPr>
-        <p:spPr/>
-      </p:sp>
-      <p:sp>
-        <p:nvSpPr>
-          <p:cNvPr id="26626" name="备注占位符 2"/>
-          <p:cNvSpPr>
-            <a:spLocks noGrp="1"/>
-          </p:cNvSpPr>
-          <p:nvPr>
-            <p:ph type="body"/>
-          </p:nvPr>
-        </p:nvSpPr>
-        <p:spPr/>
-        <p:txBody>
-          <a:bodyPr lIns="91440" tIns="45720" rIns="91440" bIns="45720" anchor="t" anchorCtr="0"/>
-          <a:lstStyle/>
-          <a:p>
-            <a:pPr lvl="0"/>
-            <a:endParaRPr lang="en-US" altLang="zh-CN" dirty="0">
-              <a:solidFill>
-                <a:srgbClr val="00B0F0"/>
-              </a:solidFill>
-              <a:latin typeface="微软雅黑" panose="020B0503020204020204" pitchFamily="34" charset="-122"/>
-              <a:ea typeface="微软雅黑" panose="020B0503020204020204" pitchFamily="34" charset="-122"/>
-            </a:endParaRPr>
-          </a:p>
-        </p:txBody>
-      </p:sp>
-      <p:sp>
-        <p:nvSpPr>
-          <p:cNvPr id="26627" name="灯片编号占位符 3"/>
-          <p:cNvSpPr>
-            <a:spLocks noGrp="1"/>
-          </p:cNvSpPr>
-          <p:nvPr>
-            <p:ph type="sldNum" sz="quarter"/>
-          </p:nvPr>
-        </p:nvSpPr>
-        <p:spPr>
-          <a:xfrm>
-            <a:off x="3884613" y="8685213"/>
-            <a:ext cx="2971800" cy="458787"/>
-          </a:xfrm>
-          <a:prstGeom prst="rect">
-            <a:avLst/>
-          </a:prstGeom>
-          <a:noFill/>
-          <a:ln w="9525">
-            <a:noFill/>
-          </a:ln>
-        </p:spPr>
-        <p:txBody>
-          <a:bodyPr vert="horz" lIns="91440" tIns="45720" rIns="91440" bIns="45720" anchor="b" anchorCtr="0"/>
-          <a:lstStyle/>
-          <a:p>
-            <a:pPr lvl="0" algn="r"/>
-            <a:fld id="{9A0DB2DC-4C9A-4742-B13C-FB6460FD3503}" type="slidenum">
-              <a:rPr lang="zh-CN" altLang="en-US" sz="1200">
-                <a:latin typeface="Calibri" panose="020F0502020204030204" charset="0"/>
-                <a:ea typeface="宋体" panose="02010600030101010101" pitchFamily="2" charset="-122"/>
-              </a:rPr>
-              <a:t>7</a:t>
-            </a:fld>
-            <a:endParaRPr lang="zh-CN" altLang="en-US" sz="1200">
-              <a:latin typeface="Calibri" panose="020F0502020204030204" charset="0"/>
-              <a:ea typeface="宋体" panose="02010600030101010101" pitchFamily="2" charset="-122"/>
-            </a:endParaRPr>
-          </a:p>
-        </p:txBody>
-      </p:sp>
-    </p:spTree>
-    <p:extLst>
-      <p:ext uri="{BB962C8B-B14F-4D97-AF65-F5344CB8AC3E}">
-        <p14:creationId xmlns:p14="http://schemas.microsoft.com/office/powerpoint/2010/main" val="4261230104"/>
-      </p:ext>
-    </p:extLst>
-  </p:cSld>
-  <p:clrMapOvr>
-    <a:masterClrMapping/>
-  </p:clrMapOvr>
-</p:notes>
-</file>
-
-<file path=ppt/notesSlides/notesSlide4.xml><?xml version="1.0" encoding="utf-8"?>
-<p:notes xmlns:a="http://schemas.openxmlformats.org/drawingml/2006/main" xmlns:r="http://schemas.openxmlformats.org/officeDocument/2006/relationships" xmlns:p="http://schemas.openxmlformats.org/presentationml/2006/main">
-  <p:cSld>
-    <p:spTree>
-      <p:nvGrpSpPr>
-        <p:cNvPr id="1" name=""/>
-        <p:cNvGrpSpPr/>
-        <p:nvPr/>
-      </p:nvGrpSpPr>
-      <p:grpSpPr>
-        <a:xfrm>
-          <a:off x="0" y="0"/>
-          <a:ext cx="0" cy="0"/>
-          <a:chOff x="0" y="0"/>
-          <a:chExt cx="0" cy="0"/>
-        </a:xfrm>
-      </p:grpSpPr>
-      <p:sp>
-        <p:nvSpPr>
-          <p:cNvPr id="33793" name="幻灯片图像占位符 1"/>
-          <p:cNvSpPr>
-            <a:spLocks noGrp="1" noRot="1" noChangeAspect="1"/>
-          </p:cNvSpPr>
-          <p:nvPr>
-            <p:ph type="sldImg"/>
-          </p:nvPr>
-        </p:nvSpPr>
-        <p:spPr/>
-      </p:sp>
-      <p:sp>
-        <p:nvSpPr>
-          <p:cNvPr id="33794" name="备注占位符 2"/>
-          <p:cNvSpPr>
-            <a:spLocks noGrp="1"/>
-          </p:cNvSpPr>
-          <p:nvPr>
-            <p:ph type="body"/>
-          </p:nvPr>
-        </p:nvSpPr>
-        <p:spPr/>
-        <p:txBody>
-          <a:bodyPr lIns="91440" tIns="45720" rIns="91440" bIns="45720" anchor="t" anchorCtr="0"/>
-          <a:lstStyle/>
-          <a:p>
-            <a:pPr lvl="0"/>
-            <a:endParaRPr lang="en-US" altLang="zh-CN" dirty="0">
-              <a:solidFill>
-                <a:srgbClr val="00B0F0"/>
-              </a:solidFill>
-              <a:latin typeface="微软雅黑" panose="020B0503020204020204" pitchFamily="34" charset="-122"/>
-              <a:ea typeface="微软雅黑" panose="020B0503020204020204" pitchFamily="34" charset="-122"/>
-            </a:endParaRPr>
-          </a:p>
-        </p:txBody>
-      </p:sp>
-      <p:sp>
-        <p:nvSpPr>
-          <p:cNvPr id="33795" name="灯片编号占位符 3"/>
-          <p:cNvSpPr>
-            <a:spLocks noGrp="1"/>
-          </p:cNvSpPr>
-          <p:nvPr>
-            <p:ph type="sldNum" sz="quarter"/>
-          </p:nvPr>
-        </p:nvSpPr>
-        <p:spPr>
-          <a:xfrm>
-            <a:off x="3884613" y="8685213"/>
-            <a:ext cx="2971800" cy="458787"/>
-          </a:xfrm>
-          <a:prstGeom prst="rect">
-            <a:avLst/>
-          </a:prstGeom>
-          <a:noFill/>
-          <a:ln w="9525">
-            <a:noFill/>
-          </a:ln>
-        </p:spPr>
-        <p:txBody>
-          <a:bodyPr vert="horz" lIns="91440" tIns="45720" rIns="91440" bIns="45720" anchor="b" anchorCtr="0"/>
-          <a:lstStyle/>
-          <a:p>
-            <a:pPr lvl="0" algn="r"/>
-            <a:fld id="{9A0DB2DC-4C9A-4742-B13C-FB6460FD3503}" type="slidenum">
-              <a:rPr lang="zh-CN" altLang="en-US" sz="1200">
-                <a:latin typeface="Calibri" panose="020F0502020204030204" charset="0"/>
-                <a:ea typeface="宋体" panose="02010600030101010101" pitchFamily="2" charset="-122"/>
-              </a:rPr>
-              <a:t>11</a:t>
-            </a:fld>
-            <a:endParaRPr lang="zh-CN" altLang="en-US" sz="1200">
-              <a:latin typeface="Calibri" panose="020F0502020204030204" charset="0"/>
-              <a:ea typeface="宋体" panose="02010600030101010101" pitchFamily="2" charset="-122"/>
-            </a:endParaRPr>
-          </a:p>
-        </p:txBody>
-      </p:sp>
-    </p:spTree>
-    <p:extLst>
-      <p:ext uri="{BB962C8B-B14F-4D97-AF65-F5344CB8AC3E}">
-        <p14:creationId xmlns:p14="http://schemas.microsoft.com/office/powerpoint/2010/main" val="1420932129"/>
-      </p:ext>
-    </p:extLst>
-  </p:cSld>
-  <p:clrMapOvr>
-    <a:masterClrMapping/>
-  </p:clrMapOvr>
-</p:notes>
-</file>
-
-<file path=ppt/notesSlides/notesSlide5.xml><?xml version="1.0" encoding="utf-8"?>
-<p:notes xmlns:a="http://schemas.openxmlformats.org/drawingml/2006/main" xmlns:r="http://schemas.openxmlformats.org/officeDocument/2006/relationships" xmlns:p="http://schemas.openxmlformats.org/presentationml/2006/main">
-  <p:cSld>
-    <p:spTree>
-      <p:nvGrpSpPr>
-        <p:cNvPr id="1" name=""/>
-        <p:cNvGrpSpPr/>
-        <p:nvPr/>
-      </p:nvGrpSpPr>
-      <p:grpSpPr>
-        <a:xfrm>
-          <a:off x="0" y="0"/>
-          <a:ext cx="0" cy="0"/>
-          <a:chOff x="0" y="0"/>
-          <a:chExt cx="0" cy="0"/>
-        </a:xfrm>
-      </p:grpSpPr>
-      <p:sp>
-        <p:nvSpPr>
-          <p:cNvPr id="33793" name="幻灯片图像占位符 1"/>
-          <p:cNvSpPr>
-            <a:spLocks noGrp="1" noRot="1" noChangeAspect="1"/>
-          </p:cNvSpPr>
-          <p:nvPr>
-            <p:ph type="sldImg"/>
-          </p:nvPr>
-        </p:nvSpPr>
-        <p:spPr/>
-      </p:sp>
-      <p:sp>
-        <p:nvSpPr>
-          <p:cNvPr id="33794" name="备注占位符 2"/>
-          <p:cNvSpPr>
-            <a:spLocks noGrp="1"/>
-          </p:cNvSpPr>
-          <p:nvPr>
-            <p:ph type="body"/>
-          </p:nvPr>
-        </p:nvSpPr>
-        <p:spPr/>
-        <p:txBody>
-          <a:bodyPr lIns="91440" tIns="45720" rIns="91440" bIns="45720" anchor="t" anchorCtr="0"/>
-          <a:lstStyle/>
-          <a:p>
-            <a:pPr lvl="0"/>
-            <a:endParaRPr lang="en-US" altLang="zh-CN" dirty="0">
-              <a:solidFill>
-                <a:srgbClr val="00B0F0"/>
-              </a:solidFill>
-              <a:latin typeface="微软雅黑" panose="020B0503020204020204" pitchFamily="34" charset="-122"/>
-              <a:ea typeface="微软雅黑" panose="020B0503020204020204" pitchFamily="34" charset="-122"/>
-            </a:endParaRPr>
-          </a:p>
-        </p:txBody>
-      </p:sp>
-      <p:sp>
-        <p:nvSpPr>
-          <p:cNvPr id="33795" name="灯片编号占位符 3"/>
-          <p:cNvSpPr>
-            <a:spLocks noGrp="1"/>
-          </p:cNvSpPr>
-          <p:nvPr>
-            <p:ph type="sldNum" sz="quarter"/>
-          </p:nvPr>
-        </p:nvSpPr>
-        <p:spPr>
-          <a:xfrm>
-            <a:off x="3884613" y="8685213"/>
-            <a:ext cx="2971800" cy="458787"/>
-          </a:xfrm>
-          <a:prstGeom prst="rect">
-            <a:avLst/>
-          </a:prstGeom>
-          <a:noFill/>
-          <a:ln w="9525">
-            <a:noFill/>
-          </a:ln>
-        </p:spPr>
-        <p:txBody>
-          <a:bodyPr vert="horz" lIns="91440" tIns="45720" rIns="91440" bIns="45720" anchor="b" anchorCtr="0"/>
-          <a:lstStyle/>
-          <a:p>
-            <a:pPr lvl="0" algn="r"/>
-            <a:fld id="{9A0DB2DC-4C9A-4742-B13C-FB6460FD3503}" type="slidenum">
-              <a:rPr lang="zh-CN" altLang="en-US" sz="1200">
-                <a:latin typeface="Calibri" panose="020F0502020204030204" charset="0"/>
-                <a:ea typeface="宋体" panose="02010600030101010101" pitchFamily="2" charset="-122"/>
-              </a:rPr>
-              <a:t>14</a:t>
-            </a:fld>
-            <a:endParaRPr lang="zh-CN" altLang="en-US" sz="1200">
-              <a:latin typeface="Calibri" panose="020F0502020204030204" charset="0"/>
-              <a:ea typeface="宋体" panose="02010600030101010101" pitchFamily="2" charset="-122"/>
-            </a:endParaRPr>
-          </a:p>
-        </p:txBody>
-      </p:sp>
-    </p:spTree>
-    <p:extLst>
-      <p:ext uri="{BB962C8B-B14F-4D97-AF65-F5344CB8AC3E}">
-        <p14:creationId xmlns:p14="http://schemas.microsoft.com/office/powerpoint/2010/main" val="767974414"/>
-      </p:ext>
-    </p:extLst>
-  </p:cSld>
-  <p:clrMapOvr>
-    <a:masterClrMapping/>
-  </p:clrMapOvr>
-</p:notes>
-</file>
-
-<file path=ppt/notesSlides/notesSlide6.xml><?xml version="1.0" encoding="utf-8"?>
-<p:notes xmlns:a="http://schemas.openxmlformats.org/drawingml/2006/main" xmlns:r="http://schemas.openxmlformats.org/officeDocument/2006/relationships" xmlns:p="http://schemas.openxmlformats.org/presentationml/2006/main">
-  <p:cSld>
-    <p:spTree>
-      <p:nvGrpSpPr>
-        <p:cNvPr id="1" name=""/>
-        <p:cNvGrpSpPr/>
-        <p:nvPr/>
-      </p:nvGrpSpPr>
-      <p:grpSpPr>
-        <a:xfrm>
-          <a:off x="0" y="0"/>
-          <a:ext cx="0" cy="0"/>
-          <a:chOff x="0" y="0"/>
-          <a:chExt cx="0" cy="0"/>
-        </a:xfrm>
-      </p:grpSpPr>
-      <p:sp>
-        <p:nvSpPr>
-          <p:cNvPr id="2" name="幻灯片图像占位符 1"/>
-          <p:cNvSpPr>
-            <a:spLocks noGrp="1" noRot="1" noChangeAspect="1"/>
-          </p:cNvSpPr>
-          <p:nvPr>
-            <p:ph type="sldImg"/>
-          </p:nvPr>
-        </p:nvSpPr>
-        <p:spPr/>
-      </p:sp>
-      <p:sp>
-        <p:nvSpPr>
-          <p:cNvPr id="3" name="备注占位符 2"/>
-          <p:cNvSpPr>
-            <a:spLocks noGrp="1"/>
-          </p:cNvSpPr>
-          <p:nvPr>
-            <p:ph type="body" idx="1"/>
-          </p:nvPr>
-        </p:nvSpPr>
-        <p:spPr/>
-        <p:txBody>
-          <a:bodyPr/>
-          <a:lstStyle/>
-          <a:p>
-            <a:endParaRPr lang="en-US" sz="1200" b="0" i="0" kern="1200" dirty="0" smtClean="0">
-              <a:solidFill>
-                <a:schemeClr val="tx1"/>
-              </a:solidFill>
-              <a:effectLst/>
-              <a:latin typeface="+mn-lt"/>
-              <a:ea typeface="Arial" panose="020B0604020202020204" pitchFamily="34" charset="0"/>
-              <a:cs typeface="+mn-cs"/>
-              <a:sym typeface="Arial" panose="020B0604020202020204" pitchFamily="34" charset="0"/>
-            </a:endParaRPr>
-          </a:p>
-          <a:p>
-            <a:pPr marL="0" marR="0" lvl="0" indent="0" algn="l" defTabSz="914400" rtl="0" eaLnBrk="1" fontAlgn="auto" latinLnBrk="0" hangingPunct="1">
-              <a:lnSpc>
-                <a:spcPct val="100000"/>
-              </a:lnSpc>
-              <a:spcBef>
-                <a:spcPts val="0"/>
-              </a:spcBef>
-              <a:spcAft>
-                <a:spcPts val="0"/>
-              </a:spcAft>
-              <a:buClrTx/>
-              <a:buSzTx/>
-              <a:buFontTx/>
-              <a:buNone/>
-              <a:tabLst/>
-              <a:defRPr/>
-            </a:pPr>
-            <a:r>
-              <a:rPr lang="en-US" altLang="zh-CN" sz="1200" dirty="0" smtClean="0">
-                <a:solidFill>
-                  <a:srgbClr val="262626"/>
-                </a:solidFill>
-                <a:latin typeface="Arial" panose="020B0604020202020204" pitchFamily="34" charset="0"/>
-                <a:cs typeface="Arial" panose="020B0604020202020204" pitchFamily="34" charset="0"/>
-              </a:rPr>
-              <a:t>The rating distribution graphs show that the overall ratings in this review data set are highly imbalanced, which contains more than 69% of 5 stars rating.</a:t>
-            </a:r>
-          </a:p>
-          <a:p>
-            <a:endParaRPr lang="en-US" sz="1200" b="0" i="0" kern="1200" dirty="0" smtClean="0">
-              <a:solidFill>
-                <a:schemeClr val="tx1"/>
-              </a:solidFill>
-              <a:effectLst/>
-              <a:latin typeface="+mn-lt"/>
-              <a:ea typeface="Arial" panose="020B0604020202020204" pitchFamily="34" charset="0"/>
-              <a:cs typeface="+mn-cs"/>
-              <a:sym typeface="Arial" panose="020B0604020202020204" pitchFamily="34" charset="0"/>
-            </a:endParaRPr>
-          </a:p>
-          <a:p>
-            <a:r>
-              <a:rPr lang="en-US" sz="1200" b="0" i="0" kern="1200" dirty="0" smtClean="0">
-                <a:solidFill>
-                  <a:schemeClr val="tx1"/>
-                </a:solidFill>
-                <a:effectLst/>
-                <a:latin typeface="+mn-lt"/>
-                <a:ea typeface="Arial" panose="020B0604020202020204" pitchFamily="34" charset="0"/>
-                <a:cs typeface="+mn-cs"/>
-                <a:sym typeface="Arial" panose="020B0604020202020204" pitchFamily="34" charset="0"/>
-              </a:rPr>
-              <a:t>Thus, in the following model development, we need to keep in mind that the accuracy metric may not be useful for evaluating the machine learning models; instead, precision, recall, and F1 score values could be suitable for model evaluation.</a:t>
-            </a:r>
-          </a:p>
-          <a:p>
-            <a:endParaRPr lang="en-US" dirty="0"/>
-          </a:p>
-        </p:txBody>
-      </p:sp>
-    </p:spTree>
-    <p:extLst>
-      <p:ext uri="{BB962C8B-B14F-4D97-AF65-F5344CB8AC3E}">
-        <p14:creationId xmlns:p14="http://schemas.microsoft.com/office/powerpoint/2010/main" val="3178850148"/>
-      </p:ext>
-    </p:extLst>
-  </p:cSld>
-  <p:clrMapOvr>
-    <a:masterClrMapping/>
-  </p:clrMapOvr>
-</p:notes>
-</file>
-
-<file path=ppt/notesSlides/notesSlide7.xml><?xml version="1.0" encoding="utf-8"?>
-<p:notes xmlns:a="http://schemas.openxmlformats.org/drawingml/2006/main" xmlns:r="http://schemas.openxmlformats.org/officeDocument/2006/relationships" xmlns:p="http://schemas.openxmlformats.org/presentationml/2006/main">
-  <p:cSld>
-    <p:spTree>
-      <p:nvGrpSpPr>
-        <p:cNvPr id="1" name=""/>
-        <p:cNvGrpSpPr/>
-        <p:nvPr/>
-      </p:nvGrpSpPr>
-      <p:grpSpPr>
-        <a:xfrm>
-          <a:off x="0" y="0"/>
-          <a:ext cx="0" cy="0"/>
-          <a:chOff x="0" y="0"/>
-          <a:chExt cx="0" cy="0"/>
-        </a:xfrm>
-      </p:grpSpPr>
-      <p:sp>
-        <p:nvSpPr>
-          <p:cNvPr id="2" name="幻灯片图像占位符 1"/>
-          <p:cNvSpPr>
-            <a:spLocks noGrp="1" noRot="1" noChangeAspect="1"/>
-          </p:cNvSpPr>
-          <p:nvPr>
-            <p:ph type="sldImg"/>
-          </p:nvPr>
-        </p:nvSpPr>
-        <p:spPr/>
-      </p:sp>
-      <p:sp>
-        <p:nvSpPr>
-          <p:cNvPr id="3" name="备注占位符 2"/>
-          <p:cNvSpPr>
-            <a:spLocks noGrp="1"/>
-          </p:cNvSpPr>
-          <p:nvPr>
-            <p:ph type="body" idx="1"/>
-          </p:nvPr>
-        </p:nvSpPr>
-        <p:spPr/>
-        <p:txBody>
-          <a:bodyPr/>
-          <a:lstStyle/>
-          <a:p>
-            <a:r>
-              <a:rPr lang="en-US" sz="1200" b="0" i="0" kern="1200" dirty="0" smtClean="0">
-                <a:solidFill>
-                  <a:schemeClr val="tx1"/>
-                </a:solidFill>
-                <a:effectLst/>
-                <a:latin typeface="+mn-lt"/>
-                <a:ea typeface="Arial" panose="020B0604020202020204" pitchFamily="34" charset="0"/>
-                <a:cs typeface="+mn-cs"/>
-                <a:sym typeface="Arial" panose="020B0604020202020204" pitchFamily="34" charset="0"/>
-              </a:rPr>
-              <a:t>Most of the reviews contain less than 100 words. The word counts distributions for each star rating review are similar, but if we look in to the detail of the box plot graph, we could see that negative or low star rating reviews have more texts entered. The box plot shows that the 5 stars rating reviews have the lowest interquartile range (IQR) compared to the other 4 ratings, which implies that it has average the shortest review text.</a:t>
-            </a:r>
-            <a:endParaRPr lang="en-US" dirty="0"/>
-          </a:p>
-        </p:txBody>
-      </p:sp>
-    </p:spTree>
-    <p:extLst>
-      <p:ext uri="{BB962C8B-B14F-4D97-AF65-F5344CB8AC3E}">
-        <p14:creationId xmlns:p14="http://schemas.microsoft.com/office/powerpoint/2010/main" val="4252803668"/>
-      </p:ext>
-    </p:extLst>
-  </p:cSld>
-  <p:clrMapOvr>
-    <a:masterClrMapping/>
-  </p:clrMapOvr>
-</p:notes>
-</file>
-
-<file path=ppt/notesSlides/notesSlide8.xml><?xml version="1.0" encoding="utf-8"?>
-<p:notes xmlns:a="http://schemas.openxmlformats.org/drawingml/2006/main" xmlns:r="http://schemas.openxmlformats.org/officeDocument/2006/relationships" xmlns:p="http://schemas.openxmlformats.org/presentationml/2006/main">
-  <p:cSld>
-    <p:spTree>
-      <p:nvGrpSpPr>
-        <p:cNvPr id="1" name=""/>
-        <p:cNvGrpSpPr/>
-        <p:nvPr/>
-      </p:nvGrpSpPr>
-      <p:grpSpPr>
-        <a:xfrm>
-          <a:off x="0" y="0"/>
-          <a:ext cx="0" cy="0"/>
-          <a:chOff x="0" y="0"/>
-          <a:chExt cx="0" cy="0"/>
-        </a:xfrm>
-      </p:grpSpPr>
-      <p:sp>
-        <p:nvSpPr>
           <p:cNvPr id="2" name="幻灯片图像占位符 1"/>
           <p:cNvSpPr>
             <a:spLocks noGrp="1" noRot="1" noChangeAspect="1"/>
@@ -2674,7 +1204,7 @@
 </p:notes>
 </file>
 
-<file path=ppt/notesSlides/notesSlide9.xml><?xml version="1.0" encoding="utf-8"?>
+<file path=ppt/notesSlides/notesSlide11.xml><?xml version="1.0" encoding="utf-8"?>
 <p:notes xmlns:a="http://schemas.openxmlformats.org/drawingml/2006/main" xmlns:r="http://schemas.openxmlformats.org/officeDocument/2006/relationships" xmlns:p="http://schemas.openxmlformats.org/presentationml/2006/main">
   <p:cSld>
     <p:spTree>
@@ -2894,6 +1424,1679 @@
     <p:extLst>
       <p:ext uri="{BB962C8B-B14F-4D97-AF65-F5344CB8AC3E}">
         <p14:creationId xmlns:p14="http://schemas.microsoft.com/office/powerpoint/2010/main" val="2005752904"/>
+      </p:ext>
+    </p:extLst>
+  </p:cSld>
+  <p:clrMapOvr>
+    <a:masterClrMapping/>
+  </p:clrMapOvr>
+</p:notes>
+</file>
+
+<file path=ppt/notesSlides/notesSlide12.xml><?xml version="1.0" encoding="utf-8"?>
+<p:notes xmlns:a="http://schemas.openxmlformats.org/drawingml/2006/main" xmlns:r="http://schemas.openxmlformats.org/officeDocument/2006/relationships" xmlns:p="http://schemas.openxmlformats.org/presentationml/2006/main">
+  <p:cSld>
+    <p:spTree>
+      <p:nvGrpSpPr>
+        <p:cNvPr id="1" name=""/>
+        <p:cNvGrpSpPr/>
+        <p:nvPr/>
+      </p:nvGrpSpPr>
+      <p:grpSpPr>
+        <a:xfrm>
+          <a:off x="0" y="0"/>
+          <a:ext cx="0" cy="0"/>
+          <a:chOff x="0" y="0"/>
+          <a:chExt cx="0" cy="0"/>
+        </a:xfrm>
+      </p:grpSpPr>
+      <p:sp>
+        <p:nvSpPr>
+          <p:cNvPr id="33793" name="幻灯片图像占位符 1"/>
+          <p:cNvSpPr>
+            <a:spLocks noGrp="1" noRot="1" noChangeAspect="1"/>
+          </p:cNvSpPr>
+          <p:nvPr>
+            <p:ph type="sldImg"/>
+          </p:nvPr>
+        </p:nvSpPr>
+        <p:spPr/>
+      </p:sp>
+      <p:sp>
+        <p:nvSpPr>
+          <p:cNvPr id="33794" name="备注占位符 2"/>
+          <p:cNvSpPr>
+            <a:spLocks noGrp="1"/>
+          </p:cNvSpPr>
+          <p:nvPr>
+            <p:ph type="body"/>
+          </p:nvPr>
+        </p:nvSpPr>
+        <p:spPr/>
+        <p:txBody>
+          <a:bodyPr lIns="91440" tIns="45720" rIns="91440" bIns="45720" anchor="t" anchorCtr="0"/>
+          <a:lstStyle/>
+          <a:p>
+            <a:pPr lvl="0"/>
+            <a:endParaRPr lang="en-US" altLang="zh-CN" dirty="0">
+              <a:solidFill>
+                <a:srgbClr val="00B0F0"/>
+              </a:solidFill>
+              <a:latin typeface="微软雅黑" panose="020B0503020204020204" pitchFamily="34" charset="-122"/>
+              <a:ea typeface="微软雅黑" panose="020B0503020204020204" pitchFamily="34" charset="-122"/>
+            </a:endParaRPr>
+          </a:p>
+        </p:txBody>
+      </p:sp>
+      <p:sp>
+        <p:nvSpPr>
+          <p:cNvPr id="33795" name="灯片编号占位符 3"/>
+          <p:cNvSpPr>
+            <a:spLocks noGrp="1"/>
+          </p:cNvSpPr>
+          <p:nvPr>
+            <p:ph type="sldNum" sz="quarter"/>
+          </p:nvPr>
+        </p:nvSpPr>
+        <p:spPr>
+          <a:xfrm>
+            <a:off x="3884613" y="8685213"/>
+            <a:ext cx="2971800" cy="458787"/>
+          </a:xfrm>
+          <a:prstGeom prst="rect">
+            <a:avLst/>
+          </a:prstGeom>
+          <a:noFill/>
+          <a:ln w="9525">
+            <a:noFill/>
+          </a:ln>
+        </p:spPr>
+        <p:txBody>
+          <a:bodyPr vert="horz" lIns="91440" tIns="45720" rIns="91440" bIns="45720" anchor="b" anchorCtr="0"/>
+          <a:lstStyle/>
+          <a:p>
+            <a:pPr lvl="0" algn="r"/>
+            <a:fld id="{9A0DB2DC-4C9A-4742-B13C-FB6460FD3503}" type="slidenum">
+              <a:rPr lang="zh-CN" altLang="en-US" sz="1200">
+                <a:latin typeface="Calibri" panose="020F0502020204030204" charset="0"/>
+                <a:ea typeface="宋体" panose="02010600030101010101" pitchFamily="2" charset="-122"/>
+              </a:rPr>
+              <a:t>26</a:t>
+            </a:fld>
+            <a:endParaRPr lang="zh-CN" altLang="en-US" sz="1200">
+              <a:latin typeface="Calibri" panose="020F0502020204030204" charset="0"/>
+              <a:ea typeface="宋体" panose="02010600030101010101" pitchFamily="2" charset="-122"/>
+            </a:endParaRPr>
+          </a:p>
+        </p:txBody>
+      </p:sp>
+    </p:spTree>
+    <p:extLst>
+      <p:ext uri="{BB962C8B-B14F-4D97-AF65-F5344CB8AC3E}">
+        <p14:creationId xmlns:p14="http://schemas.microsoft.com/office/powerpoint/2010/main" val="479516997"/>
+      </p:ext>
+    </p:extLst>
+  </p:cSld>
+  <p:clrMapOvr>
+    <a:masterClrMapping/>
+  </p:clrMapOvr>
+</p:notes>
+</file>
+
+<file path=ppt/notesSlides/notesSlide13.xml><?xml version="1.0" encoding="utf-8"?>
+<p:notes xmlns:a="http://schemas.openxmlformats.org/drawingml/2006/main" xmlns:r="http://schemas.openxmlformats.org/officeDocument/2006/relationships" xmlns:p="http://schemas.openxmlformats.org/presentationml/2006/main">
+  <p:cSld>
+    <p:spTree>
+      <p:nvGrpSpPr>
+        <p:cNvPr id="1" name=""/>
+        <p:cNvGrpSpPr/>
+        <p:nvPr/>
+      </p:nvGrpSpPr>
+      <p:grpSpPr>
+        <a:xfrm>
+          <a:off x="0" y="0"/>
+          <a:ext cx="0" cy="0"/>
+          <a:chOff x="0" y="0"/>
+          <a:chExt cx="0" cy="0"/>
+        </a:xfrm>
+      </p:grpSpPr>
+      <p:sp>
+        <p:nvSpPr>
+          <p:cNvPr id="2" name="幻灯片图像占位符 1"/>
+          <p:cNvSpPr>
+            <a:spLocks noGrp="1" noRot="1" noChangeAspect="1"/>
+          </p:cNvSpPr>
+          <p:nvPr>
+            <p:ph type="sldImg"/>
+          </p:nvPr>
+        </p:nvSpPr>
+        <p:spPr/>
+      </p:sp>
+      <p:sp>
+        <p:nvSpPr>
+          <p:cNvPr id="3" name="备注占位符 2"/>
+          <p:cNvSpPr>
+            <a:spLocks noGrp="1"/>
+          </p:cNvSpPr>
+          <p:nvPr>
+            <p:ph type="body" idx="1"/>
+          </p:nvPr>
+        </p:nvSpPr>
+        <p:spPr/>
+        <p:txBody>
+          <a:bodyPr/>
+          <a:lstStyle/>
+          <a:p>
+            <a:r>
+              <a:rPr lang="en-US" sz="1200" b="0" i="0" kern="1200" dirty="0" smtClean="0">
+                <a:solidFill>
+                  <a:schemeClr val="tx1"/>
+                </a:solidFill>
+                <a:effectLst/>
+                <a:latin typeface="+mn-lt"/>
+                <a:ea typeface="Arial" panose="020B0604020202020204" pitchFamily="34" charset="0"/>
+                <a:cs typeface="+mn-cs"/>
+                <a:sym typeface="Arial" panose="020B0604020202020204" pitchFamily="34" charset="0"/>
+              </a:rPr>
+              <a:t>I plan to use the Cosine similarity model, Matrix Factorization, KNN. Besides, NLP models like TF-IDF, Naive Bayes, LSTM could be used against the text data. For evaluate/compare the performance of the models, I plan to apply Root Mean Squared Error (RMSE) and Decision support metrics (Precision, Recall, F1).</a:t>
+            </a:r>
+          </a:p>
+          <a:p>
+            <a:endParaRPr lang="en-US" sz="1200" b="0" i="0" kern="1200" dirty="0" smtClean="0">
+              <a:solidFill>
+                <a:schemeClr val="tx1"/>
+              </a:solidFill>
+              <a:effectLst/>
+              <a:latin typeface="+mn-lt"/>
+              <a:ea typeface="Arial" panose="020B0604020202020204" pitchFamily="34" charset="0"/>
+              <a:cs typeface="+mn-cs"/>
+              <a:sym typeface="Arial" panose="020B0604020202020204" pitchFamily="34" charset="0"/>
+            </a:endParaRPr>
+          </a:p>
+          <a:p>
+            <a:r>
+              <a:rPr lang="en-US" sz="1200" b="0" i="0" kern="1200" dirty="0" smtClean="0">
+                <a:solidFill>
+                  <a:schemeClr val="tx1"/>
+                </a:solidFill>
+                <a:effectLst/>
+                <a:latin typeface="+mn-lt"/>
+                <a:ea typeface="Arial" panose="020B0604020202020204" pitchFamily="34" charset="0"/>
+                <a:cs typeface="+mn-cs"/>
+                <a:sym typeface="Arial" panose="020B0604020202020204" pitchFamily="34" charset="0"/>
+              </a:rPr>
+              <a:t>For Content-based Filtering, I will apply the cosine similarity method against the product metadata to identify the similar products for the given one. The main feature that will be used for this model is from the product metadata like description, price, </a:t>
+            </a:r>
+            <a:r>
+              <a:rPr lang="en-US" sz="1200" b="0" i="0" kern="1200" dirty="0" err="1" smtClean="0">
+                <a:solidFill>
+                  <a:schemeClr val="tx1"/>
+                </a:solidFill>
+                <a:effectLst/>
+                <a:latin typeface="+mn-lt"/>
+                <a:ea typeface="Arial" panose="020B0604020202020204" pitchFamily="34" charset="0"/>
+                <a:cs typeface="+mn-cs"/>
+                <a:sym typeface="Arial" panose="020B0604020202020204" pitchFamily="34" charset="0"/>
+              </a:rPr>
+              <a:t>salesRank</a:t>
+            </a:r>
+            <a:r>
+              <a:rPr lang="en-US" sz="1200" b="0" i="0" kern="1200" dirty="0" smtClean="0">
+                <a:solidFill>
+                  <a:schemeClr val="tx1"/>
+                </a:solidFill>
+                <a:effectLst/>
+                <a:latin typeface="+mn-lt"/>
+                <a:ea typeface="Arial" panose="020B0604020202020204" pitchFamily="34" charset="0"/>
+                <a:cs typeface="+mn-cs"/>
+                <a:sym typeface="Arial" panose="020B0604020202020204" pitchFamily="34" charset="0"/>
+              </a:rPr>
+              <a:t>, brand, categories, and product features. Since some of them are textual data, NLP techniques like tokenization and TF-IDF </a:t>
+            </a:r>
+            <a:r>
+              <a:rPr lang="en-US" sz="1200" b="0" i="0" kern="1200" dirty="0" err="1" smtClean="0">
+                <a:solidFill>
+                  <a:schemeClr val="tx1"/>
+                </a:solidFill>
+                <a:effectLst/>
+                <a:latin typeface="+mn-lt"/>
+                <a:ea typeface="Arial" panose="020B0604020202020204" pitchFamily="34" charset="0"/>
+                <a:cs typeface="+mn-cs"/>
+                <a:sym typeface="Arial" panose="020B0604020202020204" pitchFamily="34" charset="0"/>
+              </a:rPr>
+              <a:t>vectorization</a:t>
+            </a:r>
+            <a:r>
+              <a:rPr lang="en-US" sz="1200" b="0" i="0" kern="1200" dirty="0" smtClean="0">
+                <a:solidFill>
+                  <a:schemeClr val="tx1"/>
+                </a:solidFill>
+                <a:effectLst/>
+                <a:latin typeface="+mn-lt"/>
+                <a:ea typeface="Arial" panose="020B0604020202020204" pitchFamily="34" charset="0"/>
+                <a:cs typeface="+mn-cs"/>
+                <a:sym typeface="Arial" panose="020B0604020202020204" pitchFamily="34" charset="0"/>
+              </a:rPr>
+              <a:t> will be applied.</a:t>
+            </a:r>
+          </a:p>
+          <a:p>
+            <a:endParaRPr lang="en-US" sz="1200" b="0" i="0" kern="1200" dirty="0" smtClean="0">
+              <a:solidFill>
+                <a:schemeClr val="tx1"/>
+              </a:solidFill>
+              <a:effectLst/>
+              <a:latin typeface="+mn-lt"/>
+              <a:ea typeface="Arial" panose="020B0604020202020204" pitchFamily="34" charset="0"/>
+              <a:cs typeface="+mn-cs"/>
+              <a:sym typeface="Arial" panose="020B0604020202020204" pitchFamily="34" charset="0"/>
+            </a:endParaRPr>
+          </a:p>
+          <a:p>
+            <a:r>
+              <a:rPr lang="en-US" sz="1200" b="0" i="0" kern="1200" dirty="0" smtClean="0">
+                <a:solidFill>
+                  <a:schemeClr val="tx1"/>
+                </a:solidFill>
+                <a:effectLst/>
+                <a:latin typeface="+mn-lt"/>
+                <a:ea typeface="Arial" panose="020B0604020202020204" pitchFamily="34" charset="0"/>
+                <a:cs typeface="+mn-cs"/>
+                <a:sym typeface="Arial" panose="020B0604020202020204" pitchFamily="34" charset="0"/>
+              </a:rPr>
+              <a:t>For Collaborative Filtering, I will apply the matrix factorization method against the review data. The main feature that will be used for this approach is from the review data like user id, product id, and the rating score. To perform matrix analysis, the cosine similarity method could be applied again, and several machine learning algorithms will be used such as KNN and Singular value decomposition (SVD). KNN can group users into a cluster and only consider the same cluster user for product recommendation. SVD can break down a matrix into the product of a few smaller matrices to reveal the user connections and to discover relationships between items. Moreover, deep learning techniques could also be applied for </a:t>
+            </a:r>
+            <a:r>
+              <a:rPr lang="en-US" sz="1200" b="0" i="0" kern="1200" dirty="0" err="1" smtClean="0">
+                <a:solidFill>
+                  <a:schemeClr val="tx1"/>
+                </a:solidFill>
+                <a:effectLst/>
+                <a:latin typeface="+mn-lt"/>
+                <a:ea typeface="Arial" panose="020B0604020202020204" pitchFamily="34" charset="0"/>
+                <a:cs typeface="+mn-cs"/>
+                <a:sym typeface="Arial" panose="020B0604020202020204" pitchFamily="34" charset="0"/>
+              </a:rPr>
+              <a:t>Collborative</a:t>
+            </a:r>
+            <a:r>
+              <a:rPr lang="en-US" sz="1200" b="0" i="0" kern="1200" dirty="0" smtClean="0">
+                <a:solidFill>
+                  <a:schemeClr val="tx1"/>
+                </a:solidFill>
+                <a:effectLst/>
+                <a:latin typeface="+mn-lt"/>
+                <a:ea typeface="Arial" panose="020B0604020202020204" pitchFamily="34" charset="0"/>
+                <a:cs typeface="+mn-cs"/>
+                <a:sym typeface="Arial" panose="020B0604020202020204" pitchFamily="34" charset="0"/>
+              </a:rPr>
+              <a:t> Filtering, Neural Network method can take the user-item matrix or review textual data for predicting a score for recommending.</a:t>
+            </a:r>
+          </a:p>
+          <a:p>
+            <a:endParaRPr lang="en-US" dirty="0"/>
+          </a:p>
+        </p:txBody>
+      </p:sp>
+    </p:spTree>
+    <p:extLst>
+      <p:ext uri="{BB962C8B-B14F-4D97-AF65-F5344CB8AC3E}">
+        <p14:creationId xmlns:p14="http://schemas.microsoft.com/office/powerpoint/2010/main" val="981174303"/>
+      </p:ext>
+    </p:extLst>
+  </p:cSld>
+  <p:clrMapOvr>
+    <a:masterClrMapping/>
+  </p:clrMapOvr>
+</p:notes>
+</file>
+
+<file path=ppt/notesSlides/notesSlide14.xml><?xml version="1.0" encoding="utf-8"?>
+<p:notes xmlns:a="http://schemas.openxmlformats.org/drawingml/2006/main" xmlns:r="http://schemas.openxmlformats.org/officeDocument/2006/relationships" xmlns:p="http://schemas.openxmlformats.org/presentationml/2006/main">
+  <p:cSld>
+    <p:spTree>
+      <p:nvGrpSpPr>
+        <p:cNvPr id="1" name=""/>
+        <p:cNvGrpSpPr/>
+        <p:nvPr/>
+      </p:nvGrpSpPr>
+      <p:grpSpPr>
+        <a:xfrm>
+          <a:off x="0" y="0"/>
+          <a:ext cx="0" cy="0"/>
+          <a:chOff x="0" y="0"/>
+          <a:chExt cx="0" cy="0"/>
+        </a:xfrm>
+      </p:grpSpPr>
+      <p:sp>
+        <p:nvSpPr>
+          <p:cNvPr id="2" name="幻灯片图像占位符 1"/>
+          <p:cNvSpPr>
+            <a:spLocks noGrp="1" noRot="1" noChangeAspect="1"/>
+          </p:cNvSpPr>
+          <p:nvPr>
+            <p:ph type="sldImg"/>
+          </p:nvPr>
+        </p:nvSpPr>
+        <p:spPr/>
+      </p:sp>
+      <p:sp>
+        <p:nvSpPr>
+          <p:cNvPr id="3" name="备注占位符 2"/>
+          <p:cNvSpPr>
+            <a:spLocks noGrp="1"/>
+          </p:cNvSpPr>
+          <p:nvPr>
+            <p:ph type="body" idx="1"/>
+          </p:nvPr>
+        </p:nvSpPr>
+        <p:spPr/>
+        <p:txBody>
+          <a:bodyPr/>
+          <a:lstStyle/>
+          <a:p>
+            <a:r>
+              <a:rPr lang="en-US" sz="1200" b="0" i="0" kern="1200" dirty="0" smtClean="0">
+                <a:solidFill>
+                  <a:schemeClr val="tx1"/>
+                </a:solidFill>
+                <a:effectLst/>
+                <a:latin typeface="+mn-lt"/>
+                <a:ea typeface="Arial" panose="020B0604020202020204" pitchFamily="34" charset="0"/>
+                <a:cs typeface="+mn-cs"/>
+                <a:sym typeface="Arial" panose="020B0604020202020204" pitchFamily="34" charset="0"/>
+              </a:rPr>
+              <a:t>The above two types of filtering have their own drawbacks such as the novelty problem of Content-based Filtering and the cold start problem of Collaborative Filtering, so in reality, more robust recommender systems like hybrid recommenders are often used. I plan to build a hybrid recommender that combines Content-based Filtering and Collaborative Filtering to overcome the drawbacks and improve overall performance.</a:t>
+            </a:r>
+            <a:endParaRPr lang="en-US" dirty="0"/>
+          </a:p>
+        </p:txBody>
+      </p:sp>
+    </p:spTree>
+    <p:extLst>
+      <p:ext uri="{BB962C8B-B14F-4D97-AF65-F5344CB8AC3E}">
+        <p14:creationId xmlns:p14="http://schemas.microsoft.com/office/powerpoint/2010/main" val="1521752473"/>
+      </p:ext>
+    </p:extLst>
+  </p:cSld>
+  <p:clrMapOvr>
+    <a:masterClrMapping/>
+  </p:clrMapOvr>
+</p:notes>
+</file>
+
+<file path=ppt/notesSlides/notesSlide15.xml><?xml version="1.0" encoding="utf-8"?>
+<p:notes xmlns:a="http://schemas.openxmlformats.org/drawingml/2006/main" xmlns:r="http://schemas.openxmlformats.org/officeDocument/2006/relationships" xmlns:p="http://schemas.openxmlformats.org/presentationml/2006/main">
+  <p:cSld>
+    <p:spTree>
+      <p:nvGrpSpPr>
+        <p:cNvPr id="1" name=""/>
+        <p:cNvGrpSpPr/>
+        <p:nvPr/>
+      </p:nvGrpSpPr>
+      <p:grpSpPr>
+        <a:xfrm>
+          <a:off x="0" y="0"/>
+          <a:ext cx="0" cy="0"/>
+          <a:chOff x="0" y="0"/>
+          <a:chExt cx="0" cy="0"/>
+        </a:xfrm>
+      </p:grpSpPr>
+      <p:sp>
+        <p:nvSpPr>
+          <p:cNvPr id="2" name="幻灯片图像占位符 1"/>
+          <p:cNvSpPr>
+            <a:spLocks noGrp="1" noRot="1" noChangeAspect="1"/>
+          </p:cNvSpPr>
+          <p:nvPr>
+            <p:ph type="sldImg"/>
+          </p:nvPr>
+        </p:nvSpPr>
+        <p:spPr/>
+      </p:sp>
+      <p:sp>
+        <p:nvSpPr>
+          <p:cNvPr id="3" name="备注占位符 2"/>
+          <p:cNvSpPr>
+            <a:spLocks noGrp="1"/>
+          </p:cNvSpPr>
+          <p:nvPr>
+            <p:ph type="body" idx="1"/>
+          </p:nvPr>
+        </p:nvSpPr>
+        <p:spPr/>
+        <p:txBody>
+          <a:bodyPr/>
+          <a:lstStyle/>
+          <a:p>
+            <a:r>
+              <a:rPr lang="en-US" dirty="0" smtClean="0"/>
+              <a:t>Finally</a:t>
+            </a:r>
+            <a:r>
+              <a:rPr lang="en-US" smtClean="0"/>
+              <a:t>, for </a:t>
+            </a:r>
+            <a:r>
+              <a:rPr lang="en-US" dirty="0" smtClean="0"/>
+              <a:t>recommendation system integration and deployment. I would like to develop a user interface for better using experience. I will develop a Flask website and use </a:t>
+            </a:r>
+            <a:r>
+              <a:rPr lang="en-US" dirty="0" err="1" smtClean="0"/>
+              <a:t>PythonAnywhere</a:t>
+            </a:r>
+            <a:r>
+              <a:rPr lang="en-US" dirty="0" smtClean="0"/>
+              <a:t> web hosting service to host our recommender system. Next, I will develop a Chabot using </a:t>
+            </a:r>
+            <a:r>
+              <a:rPr lang="en-US" dirty="0" err="1" smtClean="0"/>
+              <a:t>DialogFlow</a:t>
+            </a:r>
+            <a:r>
+              <a:rPr lang="en-US" dirty="0" smtClean="0"/>
+              <a:t> platform to assist users for product recommendation and integrate it with the Flask website.</a:t>
+            </a:r>
+            <a:endParaRPr lang="en-US" dirty="0"/>
+          </a:p>
+        </p:txBody>
+      </p:sp>
+    </p:spTree>
+    <p:extLst>
+      <p:ext uri="{BB962C8B-B14F-4D97-AF65-F5344CB8AC3E}">
+        <p14:creationId xmlns:p14="http://schemas.microsoft.com/office/powerpoint/2010/main" val="2987799234"/>
+      </p:ext>
+    </p:extLst>
+  </p:cSld>
+  <p:clrMapOvr>
+    <a:masterClrMapping/>
+  </p:clrMapOvr>
+</p:notes>
+</file>
+
+<file path=ppt/notesSlides/notesSlide16.xml><?xml version="1.0" encoding="utf-8"?>
+<p:notes xmlns:a="http://schemas.openxmlformats.org/drawingml/2006/main" xmlns:r="http://schemas.openxmlformats.org/officeDocument/2006/relationships" xmlns:p="http://schemas.openxmlformats.org/presentationml/2006/main">
+  <p:cSld>
+    <p:spTree>
+      <p:nvGrpSpPr>
+        <p:cNvPr id="1" name=""/>
+        <p:cNvGrpSpPr/>
+        <p:nvPr/>
+      </p:nvGrpSpPr>
+      <p:grpSpPr>
+        <a:xfrm>
+          <a:off x="0" y="0"/>
+          <a:ext cx="0" cy="0"/>
+          <a:chOff x="0" y="0"/>
+          <a:chExt cx="0" cy="0"/>
+        </a:xfrm>
+      </p:grpSpPr>
+      <p:sp>
+        <p:nvSpPr>
+          <p:cNvPr id="33793" name="幻灯片图像占位符 1"/>
+          <p:cNvSpPr>
+            <a:spLocks noGrp="1" noRot="1" noChangeAspect="1"/>
+          </p:cNvSpPr>
+          <p:nvPr>
+            <p:ph type="sldImg"/>
+          </p:nvPr>
+        </p:nvSpPr>
+        <p:spPr/>
+      </p:sp>
+      <p:sp>
+        <p:nvSpPr>
+          <p:cNvPr id="33794" name="备注占位符 2"/>
+          <p:cNvSpPr>
+            <a:spLocks noGrp="1"/>
+          </p:cNvSpPr>
+          <p:nvPr>
+            <p:ph type="body"/>
+          </p:nvPr>
+        </p:nvSpPr>
+        <p:spPr/>
+        <p:txBody>
+          <a:bodyPr lIns="91440" tIns="45720" rIns="91440" bIns="45720" anchor="t" anchorCtr="0"/>
+          <a:lstStyle/>
+          <a:p>
+            <a:pPr lvl="0"/>
+            <a:endParaRPr lang="en-US" altLang="zh-CN" dirty="0">
+              <a:solidFill>
+                <a:srgbClr val="00B0F0"/>
+              </a:solidFill>
+              <a:latin typeface="微软雅黑" panose="020B0503020204020204" pitchFamily="34" charset="-122"/>
+              <a:ea typeface="微软雅黑" panose="020B0503020204020204" pitchFamily="34" charset="-122"/>
+            </a:endParaRPr>
+          </a:p>
+        </p:txBody>
+      </p:sp>
+      <p:sp>
+        <p:nvSpPr>
+          <p:cNvPr id="33795" name="灯片编号占位符 3"/>
+          <p:cNvSpPr>
+            <a:spLocks noGrp="1"/>
+          </p:cNvSpPr>
+          <p:nvPr>
+            <p:ph type="sldNum" sz="quarter"/>
+          </p:nvPr>
+        </p:nvSpPr>
+        <p:spPr>
+          <a:xfrm>
+            <a:off x="3884613" y="8685213"/>
+            <a:ext cx="2971800" cy="458787"/>
+          </a:xfrm>
+          <a:prstGeom prst="rect">
+            <a:avLst/>
+          </a:prstGeom>
+          <a:noFill/>
+          <a:ln w="9525">
+            <a:noFill/>
+          </a:ln>
+        </p:spPr>
+        <p:txBody>
+          <a:bodyPr vert="horz" lIns="91440" tIns="45720" rIns="91440" bIns="45720" anchor="b" anchorCtr="0"/>
+          <a:lstStyle/>
+          <a:p>
+            <a:pPr lvl="0" algn="r"/>
+            <a:fld id="{9A0DB2DC-4C9A-4742-B13C-FB6460FD3503}" type="slidenum">
+              <a:rPr lang="zh-CN" altLang="en-US" sz="1200">
+                <a:latin typeface="Calibri" panose="020F0502020204030204" charset="0"/>
+                <a:ea typeface="宋体" panose="02010600030101010101" pitchFamily="2" charset="-122"/>
+              </a:rPr>
+              <a:t>30</a:t>
+            </a:fld>
+            <a:endParaRPr lang="zh-CN" altLang="en-US" sz="1200">
+              <a:latin typeface="Calibri" panose="020F0502020204030204" charset="0"/>
+              <a:ea typeface="宋体" panose="02010600030101010101" pitchFamily="2" charset="-122"/>
+            </a:endParaRPr>
+          </a:p>
+        </p:txBody>
+      </p:sp>
+    </p:spTree>
+    <p:extLst>
+      <p:ext uri="{BB962C8B-B14F-4D97-AF65-F5344CB8AC3E}">
+        <p14:creationId xmlns:p14="http://schemas.microsoft.com/office/powerpoint/2010/main" val="2968576964"/>
+      </p:ext>
+    </p:extLst>
+  </p:cSld>
+  <p:clrMapOvr>
+    <a:masterClrMapping/>
+  </p:clrMapOvr>
+</p:notes>
+</file>
+
+<file path=ppt/notesSlides/notesSlide17.xml><?xml version="1.0" encoding="utf-8"?>
+<p:notes xmlns:a="http://schemas.openxmlformats.org/drawingml/2006/main" xmlns:r="http://schemas.openxmlformats.org/officeDocument/2006/relationships" xmlns:p="http://schemas.openxmlformats.org/presentationml/2006/main">
+  <p:cSld>
+    <p:spTree>
+      <p:nvGrpSpPr>
+        <p:cNvPr id="1" name=""/>
+        <p:cNvGrpSpPr/>
+        <p:nvPr/>
+      </p:nvGrpSpPr>
+      <p:grpSpPr>
+        <a:xfrm>
+          <a:off x="0" y="0"/>
+          <a:ext cx="0" cy="0"/>
+          <a:chOff x="0" y="0"/>
+          <a:chExt cx="0" cy="0"/>
+        </a:xfrm>
+      </p:grpSpPr>
+      <p:sp>
+        <p:nvSpPr>
+          <p:cNvPr id="2" name="幻灯片图像占位符 1"/>
+          <p:cNvSpPr>
+            <a:spLocks noGrp="1" noRot="1" noChangeAspect="1"/>
+          </p:cNvSpPr>
+          <p:nvPr>
+            <p:ph type="sldImg"/>
+          </p:nvPr>
+        </p:nvSpPr>
+        <p:spPr/>
+      </p:sp>
+      <p:sp>
+        <p:nvSpPr>
+          <p:cNvPr id="3" name="备注占位符 2"/>
+          <p:cNvSpPr>
+            <a:spLocks noGrp="1"/>
+          </p:cNvSpPr>
+          <p:nvPr>
+            <p:ph type="body" idx="1"/>
+          </p:nvPr>
+        </p:nvSpPr>
+        <p:spPr/>
+        <p:txBody>
+          <a:bodyPr/>
+          <a:lstStyle/>
+          <a:p>
+            <a:pPr marL="0" marR="0" lvl="0" indent="0" algn="l" defTabSz="914400" rtl="0" eaLnBrk="1" fontAlgn="auto" latinLnBrk="0" hangingPunct="1">
+              <a:lnSpc>
+                <a:spcPct val="100000"/>
+              </a:lnSpc>
+              <a:spcBef>
+                <a:spcPts val="0"/>
+              </a:spcBef>
+              <a:spcAft>
+                <a:spcPts val="0"/>
+              </a:spcAft>
+              <a:buClrTx/>
+              <a:buSzTx/>
+              <a:buFontTx/>
+              <a:buNone/>
+              <a:tabLst/>
+              <a:defRPr/>
+            </a:pPr>
+            <a:r>
+              <a:rPr lang="en-US" sz="1200" b="0" i="0" kern="1200" dirty="0" smtClean="0">
+                <a:solidFill>
+                  <a:schemeClr val="tx1"/>
+                </a:solidFill>
+                <a:effectLst/>
+                <a:latin typeface="+mn-lt"/>
+                <a:ea typeface="Arial" panose="020B0604020202020204" pitchFamily="34" charset="0"/>
+                <a:cs typeface="+mn-cs"/>
+                <a:sym typeface="Arial" panose="020B0604020202020204" pitchFamily="34" charset="0"/>
+              </a:rPr>
+              <a:t>I intend to achieve through this project is to develop product recommender systems/models that can accurately predict customers' preferences, identify the most useful characteristics to promote certain products to customers, understand the role of text data in recommender systems, </a:t>
+            </a:r>
+            <a:r>
+              <a:rPr lang="en-US" sz="1200" dirty="0" smtClean="0">
+                <a:latin typeface="Arial" panose="020B0604020202020204" pitchFamily="34" charset="0"/>
+                <a:cs typeface="Arial" panose="020B0604020202020204" pitchFamily="34" charset="0"/>
+              </a:rPr>
+              <a:t>provide a website and </a:t>
+            </a:r>
+            <a:r>
+              <a:rPr lang="en-US" sz="1200" dirty="0" err="1" smtClean="0">
+                <a:latin typeface="Arial" panose="020B0604020202020204" pitchFamily="34" charset="0"/>
+                <a:cs typeface="Arial" panose="020B0604020202020204" pitchFamily="34" charset="0"/>
+              </a:rPr>
+              <a:t>Chatbot</a:t>
+            </a:r>
+            <a:r>
+              <a:rPr lang="en-US" sz="1200" dirty="0" smtClean="0">
+                <a:latin typeface="Arial" panose="020B0604020202020204" pitchFamily="34" charset="0"/>
+                <a:cs typeface="Arial" panose="020B0604020202020204" pitchFamily="34" charset="0"/>
+              </a:rPr>
+              <a:t> to assist amazon users to make purchase decisions,</a:t>
+            </a:r>
+            <a:r>
+              <a:rPr lang="en-US" sz="1200" baseline="0" dirty="0" smtClean="0">
+                <a:latin typeface="Arial" panose="020B0604020202020204" pitchFamily="34" charset="0"/>
+                <a:cs typeface="Arial" panose="020B0604020202020204" pitchFamily="34" charset="0"/>
+              </a:rPr>
+              <a:t> </a:t>
+            </a:r>
+            <a:r>
+              <a:rPr lang="en-US" sz="1200" b="0" i="0" kern="1200" dirty="0" smtClean="0">
+                <a:solidFill>
+                  <a:schemeClr val="tx1"/>
+                </a:solidFill>
+                <a:effectLst/>
+                <a:latin typeface="+mn-lt"/>
+                <a:ea typeface="Arial" panose="020B0604020202020204" pitchFamily="34" charset="0"/>
+                <a:cs typeface="+mn-cs"/>
+                <a:sym typeface="Arial" panose="020B0604020202020204" pitchFamily="34" charset="0"/>
+              </a:rPr>
+              <a:t>and provide a comprehensive report of recommender systems for the business owners.</a:t>
+            </a:r>
+            <a:endParaRPr lang="en-US" dirty="0"/>
+          </a:p>
+        </p:txBody>
+      </p:sp>
+    </p:spTree>
+    <p:extLst>
+      <p:ext uri="{BB962C8B-B14F-4D97-AF65-F5344CB8AC3E}">
+        <p14:creationId xmlns:p14="http://schemas.microsoft.com/office/powerpoint/2010/main" val="2193615407"/>
+      </p:ext>
+    </p:extLst>
+  </p:cSld>
+  <p:clrMapOvr>
+    <a:masterClrMapping/>
+  </p:clrMapOvr>
+</p:notes>
+</file>
+
+<file path=ppt/notesSlides/notesSlide18.xml><?xml version="1.0" encoding="utf-8"?>
+<p:notes xmlns:a="http://schemas.openxmlformats.org/drawingml/2006/main" xmlns:r="http://schemas.openxmlformats.org/officeDocument/2006/relationships" xmlns:p="http://schemas.openxmlformats.org/presentationml/2006/main">
+  <p:cSld>
+    <p:spTree>
+      <p:nvGrpSpPr>
+        <p:cNvPr id="1" name=""/>
+        <p:cNvGrpSpPr/>
+        <p:nvPr/>
+      </p:nvGrpSpPr>
+      <p:grpSpPr>
+        <a:xfrm>
+          <a:off x="0" y="0"/>
+          <a:ext cx="0" cy="0"/>
+          <a:chOff x="0" y="0"/>
+          <a:chExt cx="0" cy="0"/>
+        </a:xfrm>
+      </p:grpSpPr>
+      <p:sp>
+        <p:nvSpPr>
+          <p:cNvPr id="40961" name="幻灯片图像占位符 1"/>
+          <p:cNvSpPr>
+            <a:spLocks noGrp="1" noRot="1" noChangeAspect="1"/>
+          </p:cNvSpPr>
+          <p:nvPr>
+            <p:ph type="sldImg"/>
+          </p:nvPr>
+        </p:nvSpPr>
+        <p:spPr/>
+      </p:sp>
+      <p:sp>
+        <p:nvSpPr>
+          <p:cNvPr id="40962" name="备注占位符 2"/>
+          <p:cNvSpPr>
+            <a:spLocks noGrp="1"/>
+          </p:cNvSpPr>
+          <p:nvPr>
+            <p:ph type="body"/>
+          </p:nvPr>
+        </p:nvSpPr>
+        <p:spPr/>
+        <p:txBody>
+          <a:bodyPr lIns="91440" tIns="45720" rIns="91440" bIns="45720" anchor="t" anchorCtr="0"/>
+          <a:lstStyle/>
+          <a:p>
+            <a:pPr lvl="0"/>
+            <a:endParaRPr lang="zh-CN" altLang="en-US" dirty="0"/>
+          </a:p>
+        </p:txBody>
+      </p:sp>
+      <p:sp>
+        <p:nvSpPr>
+          <p:cNvPr id="40963" name="灯片编号占位符 3"/>
+          <p:cNvSpPr>
+            <a:spLocks noGrp="1"/>
+          </p:cNvSpPr>
+          <p:nvPr>
+            <p:ph type="sldNum" sz="quarter"/>
+          </p:nvPr>
+        </p:nvSpPr>
+        <p:spPr>
+          <a:xfrm>
+            <a:off x="3884613" y="8685213"/>
+            <a:ext cx="2971800" cy="458787"/>
+          </a:xfrm>
+          <a:prstGeom prst="rect">
+            <a:avLst/>
+          </a:prstGeom>
+          <a:noFill/>
+          <a:ln w="9525">
+            <a:noFill/>
+          </a:ln>
+        </p:spPr>
+        <p:txBody>
+          <a:bodyPr vert="horz" lIns="91440" tIns="45720" rIns="91440" bIns="45720" anchor="b" anchorCtr="0"/>
+          <a:lstStyle/>
+          <a:p>
+            <a:pPr lvl="0" algn="r"/>
+            <a:fld id="{9A0DB2DC-4C9A-4742-B13C-FB6460FD3503}" type="slidenum">
+              <a:rPr lang="zh-CN" altLang="en-US" sz="1200">
+                <a:latin typeface="Calibri" panose="020F0502020204030204" charset="0"/>
+                <a:ea typeface="宋体" panose="02010600030101010101" pitchFamily="2" charset="-122"/>
+              </a:rPr>
+              <a:t>33</a:t>
+            </a:fld>
+            <a:endParaRPr lang="zh-CN" altLang="en-US" sz="1200">
+              <a:latin typeface="Calibri" panose="020F0502020204030204" charset="0"/>
+              <a:ea typeface="宋体" panose="02010600030101010101" pitchFamily="2" charset="-122"/>
+            </a:endParaRPr>
+          </a:p>
+        </p:txBody>
+      </p:sp>
+    </p:spTree>
+    <p:extLst>
+      <p:ext uri="{BB962C8B-B14F-4D97-AF65-F5344CB8AC3E}">
+        <p14:creationId xmlns:p14="http://schemas.microsoft.com/office/powerpoint/2010/main" val="797695086"/>
+      </p:ext>
+    </p:extLst>
+  </p:cSld>
+  <p:clrMapOvr>
+    <a:masterClrMapping/>
+  </p:clrMapOvr>
+</p:notes>
+</file>
+
+<file path=ppt/notesSlides/notesSlide2.xml><?xml version="1.0" encoding="utf-8"?>
+<p:notes xmlns:a="http://schemas.openxmlformats.org/drawingml/2006/main" xmlns:r="http://schemas.openxmlformats.org/officeDocument/2006/relationships" xmlns:p="http://schemas.openxmlformats.org/presentationml/2006/main">
+  <p:cSld>
+    <p:spTree>
+      <p:nvGrpSpPr>
+        <p:cNvPr id="1" name=""/>
+        <p:cNvGrpSpPr/>
+        <p:nvPr/>
+      </p:nvGrpSpPr>
+      <p:grpSpPr>
+        <a:xfrm>
+          <a:off x="0" y="0"/>
+          <a:ext cx="0" cy="0"/>
+          <a:chOff x="0" y="0"/>
+          <a:chExt cx="0" cy="0"/>
+        </a:xfrm>
+      </p:grpSpPr>
+      <p:sp>
+        <p:nvSpPr>
+          <p:cNvPr id="2" name="幻灯片图像占位符 1"/>
+          <p:cNvSpPr>
+            <a:spLocks noGrp="1" noRot="1" noChangeAspect="1"/>
+          </p:cNvSpPr>
+          <p:nvPr>
+            <p:ph type="sldImg"/>
+          </p:nvPr>
+        </p:nvSpPr>
+        <p:spPr/>
+      </p:sp>
+      <p:sp>
+        <p:nvSpPr>
+          <p:cNvPr id="3" name="备注占位符 2"/>
+          <p:cNvSpPr>
+            <a:spLocks noGrp="1"/>
+          </p:cNvSpPr>
+          <p:nvPr>
+            <p:ph type="body" idx="1"/>
+          </p:nvPr>
+        </p:nvSpPr>
+        <p:spPr/>
+        <p:txBody>
+          <a:bodyPr/>
+          <a:lstStyle/>
+          <a:p>
+            <a:r>
+              <a:rPr lang="en-US" sz="1200" b="0" i="0" kern="1200" dirty="0" smtClean="0">
+                <a:solidFill>
+                  <a:schemeClr val="tx1"/>
+                </a:solidFill>
+                <a:effectLst/>
+                <a:latin typeface="+mn-lt"/>
+                <a:ea typeface="Arial" panose="020B0604020202020204" pitchFamily="34" charset="0"/>
+                <a:cs typeface="+mn-cs"/>
+                <a:sym typeface="Arial" panose="020B0604020202020204" pitchFamily="34" charset="0"/>
+              </a:rPr>
+              <a:t>As E-commerce becomes more and more popular in recent years, especially by the impact of the COVID-19 pandemic, many retailers and companies are switching their business models to adapt to the trend. In addition, with the rapid growth of big data technology, the cost of storage capacity to store enormous amounts of data from customers and visitors on the E-commerce sites decreases gradually. No matter the tech giant or start-up, all companies can make use of the gathered data to boost their business success to the next level.</a:t>
+            </a:r>
+          </a:p>
+          <a:p>
+            <a:endParaRPr lang="en-US" sz="1200" b="0" i="0" kern="1200" dirty="0" smtClean="0">
+              <a:solidFill>
+                <a:schemeClr val="tx1"/>
+              </a:solidFill>
+              <a:effectLst/>
+              <a:latin typeface="+mn-lt"/>
+              <a:cs typeface="+mn-cs"/>
+              <a:sym typeface="Arial" panose="020B0604020202020204" pitchFamily="34" charset="0"/>
+            </a:endParaRPr>
+          </a:p>
+          <a:p>
+            <a:r>
+              <a:rPr lang="en-US" altLang="zh-CN" dirty="0" smtClean="0"/>
+              <a:t>So why recommender system is important in the</a:t>
+            </a:r>
+            <a:r>
+              <a:rPr lang="en-US" altLang="zh-CN" baseline="0" dirty="0" smtClean="0"/>
+              <a:t> current era? </a:t>
+            </a:r>
+            <a:r>
+              <a:rPr lang="en-US" sz="1200" b="0" i="0" kern="1200" dirty="0" smtClean="0">
+                <a:solidFill>
+                  <a:schemeClr val="tx1"/>
+                </a:solidFill>
+                <a:effectLst/>
+                <a:latin typeface="+mn-lt"/>
+                <a:ea typeface="Arial" panose="020B0604020202020204" pitchFamily="34" charset="0"/>
+                <a:cs typeface="+mn-cs"/>
+                <a:sym typeface="Arial" panose="020B0604020202020204" pitchFamily="34" charset="0"/>
+              </a:rPr>
+              <a:t>There are several benefits that businesses can achieve using product recommender systems.</a:t>
+            </a:r>
+          </a:p>
+          <a:p>
+            <a:endParaRPr lang="en-US" sz="1200" b="0" i="0" kern="1200" dirty="0" smtClean="0">
+              <a:solidFill>
+                <a:schemeClr val="tx1"/>
+              </a:solidFill>
+              <a:effectLst/>
+              <a:latin typeface="+mn-lt"/>
+              <a:cs typeface="+mn-cs"/>
+              <a:sym typeface="Arial" panose="020B0604020202020204" pitchFamily="34" charset="0"/>
+            </a:endParaRPr>
+          </a:p>
+          <a:p>
+            <a:r>
+              <a:rPr lang="en-US" sz="1200" b="0" i="0" kern="1200" dirty="0" smtClean="0">
+                <a:solidFill>
+                  <a:schemeClr val="tx1"/>
+                </a:solidFill>
+                <a:effectLst/>
+                <a:latin typeface="+mn-lt"/>
+                <a:ea typeface="Arial" panose="020B0604020202020204" pitchFamily="34" charset="0"/>
+                <a:cs typeface="+mn-cs"/>
+                <a:sym typeface="Arial" panose="020B0604020202020204" pitchFamily="34" charset="0"/>
+              </a:rPr>
+              <a:t>The objective of this project is to analyze the reason for a product to be recommended and explore different data science methods and algorithms to implement product recommender systems. It will provide business owners or start-up companies a better idea of how recommender systems work and the related advantages.</a:t>
+            </a:r>
+            <a:endParaRPr lang="en-US" dirty="0"/>
+          </a:p>
+        </p:txBody>
+      </p:sp>
+    </p:spTree>
+    <p:extLst>
+      <p:ext uri="{BB962C8B-B14F-4D97-AF65-F5344CB8AC3E}">
+        <p14:creationId xmlns:p14="http://schemas.microsoft.com/office/powerpoint/2010/main" val="4116616602"/>
+      </p:ext>
+    </p:extLst>
+  </p:cSld>
+  <p:clrMapOvr>
+    <a:masterClrMapping/>
+  </p:clrMapOvr>
+</p:notes>
+</file>
+
+<file path=ppt/notesSlides/notesSlide3.xml><?xml version="1.0" encoding="utf-8"?>
+<p:notes xmlns:a="http://schemas.openxmlformats.org/drawingml/2006/main" xmlns:r="http://schemas.openxmlformats.org/officeDocument/2006/relationships" xmlns:p="http://schemas.openxmlformats.org/presentationml/2006/main">
+  <p:cSld>
+    <p:spTree>
+      <p:nvGrpSpPr>
+        <p:cNvPr id="1" name=""/>
+        <p:cNvGrpSpPr/>
+        <p:nvPr/>
+      </p:nvGrpSpPr>
+      <p:grpSpPr>
+        <a:xfrm>
+          <a:off x="0" y="0"/>
+          <a:ext cx="0" cy="0"/>
+          <a:chOff x="0" y="0"/>
+          <a:chExt cx="0" cy="0"/>
+        </a:xfrm>
+      </p:grpSpPr>
+      <p:sp>
+        <p:nvSpPr>
+          <p:cNvPr id="19457" name="幻灯片图像占位符 1"/>
+          <p:cNvSpPr>
+            <a:spLocks noGrp="1" noRot="1" noChangeAspect="1"/>
+          </p:cNvSpPr>
+          <p:nvPr>
+            <p:ph type="sldImg"/>
+          </p:nvPr>
+        </p:nvSpPr>
+        <p:spPr/>
+      </p:sp>
+      <p:sp>
+        <p:nvSpPr>
+          <p:cNvPr id="19458" name="备注占位符 2"/>
+          <p:cNvSpPr>
+            <a:spLocks noGrp="1"/>
+          </p:cNvSpPr>
+          <p:nvPr>
+            <p:ph type="body"/>
+          </p:nvPr>
+        </p:nvSpPr>
+        <p:spPr/>
+        <p:txBody>
+          <a:bodyPr lIns="91440" tIns="45720" rIns="91440" bIns="45720" anchor="t" anchorCtr="0"/>
+          <a:lstStyle/>
+          <a:p>
+            <a:pPr lvl="0"/>
+            <a:endParaRPr lang="en-US" altLang="zh-CN" dirty="0">
+              <a:solidFill>
+                <a:srgbClr val="00B0F0"/>
+              </a:solidFill>
+              <a:latin typeface="微软雅黑" panose="020B0503020204020204" pitchFamily="34" charset="-122"/>
+              <a:ea typeface="微软雅黑" panose="020B0503020204020204" pitchFamily="34" charset="-122"/>
+            </a:endParaRPr>
+          </a:p>
+        </p:txBody>
+      </p:sp>
+      <p:sp>
+        <p:nvSpPr>
+          <p:cNvPr id="19459" name="灯片编号占位符 3"/>
+          <p:cNvSpPr>
+            <a:spLocks noGrp="1"/>
+          </p:cNvSpPr>
+          <p:nvPr>
+            <p:ph type="sldNum" sz="quarter"/>
+          </p:nvPr>
+        </p:nvSpPr>
+        <p:spPr>
+          <a:xfrm>
+            <a:off x="3884613" y="8685213"/>
+            <a:ext cx="2971800" cy="458787"/>
+          </a:xfrm>
+          <a:prstGeom prst="rect">
+            <a:avLst/>
+          </a:prstGeom>
+          <a:noFill/>
+          <a:ln w="9525">
+            <a:noFill/>
+          </a:ln>
+        </p:spPr>
+        <p:txBody>
+          <a:bodyPr vert="horz" lIns="91440" tIns="45720" rIns="91440" bIns="45720" anchor="b" anchorCtr="0"/>
+          <a:lstStyle/>
+          <a:p>
+            <a:pPr lvl="0" algn="r"/>
+            <a:fld id="{9A0DB2DC-4C9A-4742-B13C-FB6460FD3503}" type="slidenum">
+              <a:rPr lang="zh-CN" altLang="en-US" sz="1200">
+                <a:latin typeface="Calibri" panose="020F0502020204030204" charset="0"/>
+                <a:ea typeface="宋体" panose="02010600030101010101" pitchFamily="2" charset="-122"/>
+              </a:rPr>
+              <a:t>5</a:t>
+            </a:fld>
+            <a:endParaRPr lang="zh-CN" altLang="en-US" sz="1200">
+              <a:latin typeface="Calibri" panose="020F0502020204030204" charset="0"/>
+              <a:ea typeface="宋体" panose="02010600030101010101" pitchFamily="2" charset="-122"/>
+            </a:endParaRPr>
+          </a:p>
+        </p:txBody>
+      </p:sp>
+    </p:spTree>
+    <p:extLst>
+      <p:ext uri="{BB962C8B-B14F-4D97-AF65-F5344CB8AC3E}">
+        <p14:creationId xmlns:p14="http://schemas.microsoft.com/office/powerpoint/2010/main" val="1918271829"/>
+      </p:ext>
+    </p:extLst>
+  </p:cSld>
+  <p:clrMapOvr>
+    <a:masterClrMapping/>
+  </p:clrMapOvr>
+</p:notes>
+</file>
+
+<file path=ppt/notesSlides/notesSlide4.xml><?xml version="1.0" encoding="utf-8"?>
+<p:notes xmlns:a="http://schemas.openxmlformats.org/drawingml/2006/main" xmlns:r="http://schemas.openxmlformats.org/officeDocument/2006/relationships" xmlns:p="http://schemas.openxmlformats.org/presentationml/2006/main">
+  <p:cSld>
+    <p:spTree>
+      <p:nvGrpSpPr>
+        <p:cNvPr id="1" name=""/>
+        <p:cNvGrpSpPr/>
+        <p:nvPr/>
+      </p:nvGrpSpPr>
+      <p:grpSpPr>
+        <a:xfrm>
+          <a:off x="0" y="0"/>
+          <a:ext cx="0" cy="0"/>
+          <a:chOff x="0" y="0"/>
+          <a:chExt cx="0" cy="0"/>
+        </a:xfrm>
+      </p:grpSpPr>
+      <p:sp>
+        <p:nvSpPr>
+          <p:cNvPr id="26625" name="幻灯片图像占位符 1"/>
+          <p:cNvSpPr>
+            <a:spLocks noGrp="1" noRot="1" noChangeAspect="1"/>
+          </p:cNvSpPr>
+          <p:nvPr>
+            <p:ph type="sldImg"/>
+          </p:nvPr>
+        </p:nvSpPr>
+        <p:spPr/>
+      </p:sp>
+      <p:sp>
+        <p:nvSpPr>
+          <p:cNvPr id="26626" name="备注占位符 2"/>
+          <p:cNvSpPr>
+            <a:spLocks noGrp="1"/>
+          </p:cNvSpPr>
+          <p:nvPr>
+            <p:ph type="body"/>
+          </p:nvPr>
+        </p:nvSpPr>
+        <p:spPr/>
+        <p:txBody>
+          <a:bodyPr lIns="91440" tIns="45720" rIns="91440" bIns="45720" anchor="t" anchorCtr="0"/>
+          <a:lstStyle/>
+          <a:p>
+            <a:pPr lvl="0"/>
+            <a:endParaRPr lang="en-US" altLang="zh-CN" dirty="0">
+              <a:solidFill>
+                <a:srgbClr val="00B0F0"/>
+              </a:solidFill>
+              <a:latin typeface="微软雅黑" panose="020B0503020204020204" pitchFamily="34" charset="-122"/>
+              <a:ea typeface="微软雅黑" panose="020B0503020204020204" pitchFamily="34" charset="-122"/>
+            </a:endParaRPr>
+          </a:p>
+        </p:txBody>
+      </p:sp>
+      <p:sp>
+        <p:nvSpPr>
+          <p:cNvPr id="26627" name="灯片编号占位符 3"/>
+          <p:cNvSpPr>
+            <a:spLocks noGrp="1"/>
+          </p:cNvSpPr>
+          <p:nvPr>
+            <p:ph type="sldNum" sz="quarter"/>
+          </p:nvPr>
+        </p:nvSpPr>
+        <p:spPr>
+          <a:xfrm>
+            <a:off x="3884613" y="8685213"/>
+            <a:ext cx="2971800" cy="458787"/>
+          </a:xfrm>
+          <a:prstGeom prst="rect">
+            <a:avLst/>
+          </a:prstGeom>
+          <a:noFill/>
+          <a:ln w="9525">
+            <a:noFill/>
+          </a:ln>
+        </p:spPr>
+        <p:txBody>
+          <a:bodyPr vert="horz" lIns="91440" tIns="45720" rIns="91440" bIns="45720" anchor="b" anchorCtr="0"/>
+          <a:lstStyle/>
+          <a:p>
+            <a:pPr lvl="0" algn="r"/>
+            <a:fld id="{9A0DB2DC-4C9A-4742-B13C-FB6460FD3503}" type="slidenum">
+              <a:rPr lang="zh-CN" altLang="en-US" sz="1200">
+                <a:latin typeface="Calibri" panose="020F0502020204030204" charset="0"/>
+                <a:ea typeface="宋体" panose="02010600030101010101" pitchFamily="2" charset="-122"/>
+              </a:rPr>
+              <a:t>7</a:t>
+            </a:fld>
+            <a:endParaRPr lang="zh-CN" altLang="en-US" sz="1200">
+              <a:latin typeface="Calibri" panose="020F0502020204030204" charset="0"/>
+              <a:ea typeface="宋体" panose="02010600030101010101" pitchFamily="2" charset="-122"/>
+            </a:endParaRPr>
+          </a:p>
+        </p:txBody>
+      </p:sp>
+    </p:spTree>
+    <p:extLst>
+      <p:ext uri="{BB962C8B-B14F-4D97-AF65-F5344CB8AC3E}">
+        <p14:creationId xmlns:p14="http://schemas.microsoft.com/office/powerpoint/2010/main" val="4261230104"/>
+      </p:ext>
+    </p:extLst>
+  </p:cSld>
+  <p:clrMapOvr>
+    <a:masterClrMapping/>
+  </p:clrMapOvr>
+</p:notes>
+</file>
+
+<file path=ppt/notesSlides/notesSlide5.xml><?xml version="1.0" encoding="utf-8"?>
+<p:notes xmlns:a="http://schemas.openxmlformats.org/drawingml/2006/main" xmlns:r="http://schemas.openxmlformats.org/officeDocument/2006/relationships" xmlns:p="http://schemas.openxmlformats.org/presentationml/2006/main">
+  <p:cSld>
+    <p:spTree>
+      <p:nvGrpSpPr>
+        <p:cNvPr id="1" name=""/>
+        <p:cNvGrpSpPr/>
+        <p:nvPr/>
+      </p:nvGrpSpPr>
+      <p:grpSpPr>
+        <a:xfrm>
+          <a:off x="0" y="0"/>
+          <a:ext cx="0" cy="0"/>
+          <a:chOff x="0" y="0"/>
+          <a:chExt cx="0" cy="0"/>
+        </a:xfrm>
+      </p:grpSpPr>
+      <p:sp>
+        <p:nvSpPr>
+          <p:cNvPr id="2" name="幻灯片图像占位符 1"/>
+          <p:cNvSpPr>
+            <a:spLocks noGrp="1" noRot="1" noChangeAspect="1"/>
+          </p:cNvSpPr>
+          <p:nvPr>
+            <p:ph type="sldImg"/>
+          </p:nvPr>
+        </p:nvSpPr>
+        <p:spPr/>
+      </p:sp>
+      <p:sp>
+        <p:nvSpPr>
+          <p:cNvPr id="3" name="备注占位符 2"/>
+          <p:cNvSpPr>
+            <a:spLocks noGrp="1"/>
+          </p:cNvSpPr>
+          <p:nvPr>
+            <p:ph type="body" idx="1"/>
+          </p:nvPr>
+        </p:nvSpPr>
+        <p:spPr/>
+        <p:txBody>
+          <a:bodyPr/>
+          <a:lstStyle/>
+          <a:p>
+            <a:r>
+              <a:rPr lang="en-US" smtClean="0"/>
+              <a:t>The reason why I chose the Appliances subset for this project is that it has a moderate number of products and reviews, so it is a great representation of the entire dataset and shows how the recommender system works. Future </a:t>
+            </a:r>
+            <a:r>
+              <a:rPr lang="en-US" dirty="0" smtClean="0"/>
+              <a:t>studies can leverage my project to the different product categories in this dataset or even apply it to the entire dataset if they have sufficient computing resources.</a:t>
+            </a:r>
+            <a:endParaRPr lang="en-US" dirty="0"/>
+          </a:p>
+        </p:txBody>
+      </p:sp>
+    </p:spTree>
+    <p:extLst>
+      <p:ext uri="{BB962C8B-B14F-4D97-AF65-F5344CB8AC3E}">
+        <p14:creationId xmlns:p14="http://schemas.microsoft.com/office/powerpoint/2010/main" val="3196010187"/>
+      </p:ext>
+    </p:extLst>
+  </p:cSld>
+  <p:clrMapOvr>
+    <a:masterClrMapping/>
+  </p:clrMapOvr>
+</p:notes>
+</file>
+
+<file path=ppt/notesSlides/notesSlide6.xml><?xml version="1.0" encoding="utf-8"?>
+<p:notes xmlns:a="http://schemas.openxmlformats.org/drawingml/2006/main" xmlns:r="http://schemas.openxmlformats.org/officeDocument/2006/relationships" xmlns:p="http://schemas.openxmlformats.org/presentationml/2006/main">
+  <p:cSld>
+    <p:spTree>
+      <p:nvGrpSpPr>
+        <p:cNvPr id="1" name=""/>
+        <p:cNvGrpSpPr/>
+        <p:nvPr/>
+      </p:nvGrpSpPr>
+      <p:grpSpPr>
+        <a:xfrm>
+          <a:off x="0" y="0"/>
+          <a:ext cx="0" cy="0"/>
+          <a:chOff x="0" y="0"/>
+          <a:chExt cx="0" cy="0"/>
+        </a:xfrm>
+      </p:grpSpPr>
+      <p:sp>
+        <p:nvSpPr>
+          <p:cNvPr id="33793" name="幻灯片图像占位符 1"/>
+          <p:cNvSpPr>
+            <a:spLocks noGrp="1" noRot="1" noChangeAspect="1"/>
+          </p:cNvSpPr>
+          <p:nvPr>
+            <p:ph type="sldImg"/>
+          </p:nvPr>
+        </p:nvSpPr>
+        <p:spPr/>
+      </p:sp>
+      <p:sp>
+        <p:nvSpPr>
+          <p:cNvPr id="33794" name="备注占位符 2"/>
+          <p:cNvSpPr>
+            <a:spLocks noGrp="1"/>
+          </p:cNvSpPr>
+          <p:nvPr>
+            <p:ph type="body"/>
+          </p:nvPr>
+        </p:nvSpPr>
+        <p:spPr/>
+        <p:txBody>
+          <a:bodyPr lIns="91440" tIns="45720" rIns="91440" bIns="45720" anchor="t" anchorCtr="0"/>
+          <a:lstStyle/>
+          <a:p>
+            <a:pPr lvl="0"/>
+            <a:endParaRPr lang="en-US" altLang="zh-CN" dirty="0">
+              <a:solidFill>
+                <a:srgbClr val="00B0F0"/>
+              </a:solidFill>
+              <a:latin typeface="微软雅黑" panose="020B0503020204020204" pitchFamily="34" charset="-122"/>
+              <a:ea typeface="微软雅黑" panose="020B0503020204020204" pitchFamily="34" charset="-122"/>
+            </a:endParaRPr>
+          </a:p>
+        </p:txBody>
+      </p:sp>
+      <p:sp>
+        <p:nvSpPr>
+          <p:cNvPr id="33795" name="灯片编号占位符 3"/>
+          <p:cNvSpPr>
+            <a:spLocks noGrp="1"/>
+          </p:cNvSpPr>
+          <p:nvPr>
+            <p:ph type="sldNum" sz="quarter"/>
+          </p:nvPr>
+        </p:nvSpPr>
+        <p:spPr>
+          <a:xfrm>
+            <a:off x="3884613" y="8685213"/>
+            <a:ext cx="2971800" cy="458787"/>
+          </a:xfrm>
+          <a:prstGeom prst="rect">
+            <a:avLst/>
+          </a:prstGeom>
+          <a:noFill/>
+          <a:ln w="9525">
+            <a:noFill/>
+          </a:ln>
+        </p:spPr>
+        <p:txBody>
+          <a:bodyPr vert="horz" lIns="91440" tIns="45720" rIns="91440" bIns="45720" anchor="b" anchorCtr="0"/>
+          <a:lstStyle/>
+          <a:p>
+            <a:pPr lvl="0" algn="r"/>
+            <a:fld id="{9A0DB2DC-4C9A-4742-B13C-FB6460FD3503}" type="slidenum">
+              <a:rPr lang="zh-CN" altLang="en-US" sz="1200">
+                <a:latin typeface="Calibri" panose="020F0502020204030204" charset="0"/>
+                <a:ea typeface="宋体" panose="02010600030101010101" pitchFamily="2" charset="-122"/>
+              </a:rPr>
+              <a:t>11</a:t>
+            </a:fld>
+            <a:endParaRPr lang="zh-CN" altLang="en-US" sz="1200">
+              <a:latin typeface="Calibri" panose="020F0502020204030204" charset="0"/>
+              <a:ea typeface="宋体" panose="02010600030101010101" pitchFamily="2" charset="-122"/>
+            </a:endParaRPr>
+          </a:p>
+        </p:txBody>
+      </p:sp>
+    </p:spTree>
+    <p:extLst>
+      <p:ext uri="{BB962C8B-B14F-4D97-AF65-F5344CB8AC3E}">
+        <p14:creationId xmlns:p14="http://schemas.microsoft.com/office/powerpoint/2010/main" val="1420932129"/>
+      </p:ext>
+    </p:extLst>
+  </p:cSld>
+  <p:clrMapOvr>
+    <a:masterClrMapping/>
+  </p:clrMapOvr>
+</p:notes>
+</file>
+
+<file path=ppt/notesSlides/notesSlide7.xml><?xml version="1.0" encoding="utf-8"?>
+<p:notes xmlns:a="http://schemas.openxmlformats.org/drawingml/2006/main" xmlns:r="http://schemas.openxmlformats.org/officeDocument/2006/relationships" xmlns:p="http://schemas.openxmlformats.org/presentationml/2006/main">
+  <p:cSld>
+    <p:spTree>
+      <p:nvGrpSpPr>
+        <p:cNvPr id="1" name=""/>
+        <p:cNvGrpSpPr/>
+        <p:nvPr/>
+      </p:nvGrpSpPr>
+      <p:grpSpPr>
+        <a:xfrm>
+          <a:off x="0" y="0"/>
+          <a:ext cx="0" cy="0"/>
+          <a:chOff x="0" y="0"/>
+          <a:chExt cx="0" cy="0"/>
+        </a:xfrm>
+      </p:grpSpPr>
+      <p:sp>
+        <p:nvSpPr>
+          <p:cNvPr id="33793" name="幻灯片图像占位符 1"/>
+          <p:cNvSpPr>
+            <a:spLocks noGrp="1" noRot="1" noChangeAspect="1"/>
+          </p:cNvSpPr>
+          <p:nvPr>
+            <p:ph type="sldImg"/>
+          </p:nvPr>
+        </p:nvSpPr>
+        <p:spPr/>
+      </p:sp>
+      <p:sp>
+        <p:nvSpPr>
+          <p:cNvPr id="33794" name="备注占位符 2"/>
+          <p:cNvSpPr>
+            <a:spLocks noGrp="1"/>
+          </p:cNvSpPr>
+          <p:nvPr>
+            <p:ph type="body"/>
+          </p:nvPr>
+        </p:nvSpPr>
+        <p:spPr/>
+        <p:txBody>
+          <a:bodyPr lIns="91440" tIns="45720" rIns="91440" bIns="45720" anchor="t" anchorCtr="0"/>
+          <a:lstStyle/>
+          <a:p>
+            <a:pPr lvl="0"/>
+            <a:endParaRPr lang="en-US" altLang="zh-CN" dirty="0">
+              <a:solidFill>
+                <a:srgbClr val="00B0F0"/>
+              </a:solidFill>
+              <a:latin typeface="微软雅黑" panose="020B0503020204020204" pitchFamily="34" charset="-122"/>
+              <a:ea typeface="微软雅黑" panose="020B0503020204020204" pitchFamily="34" charset="-122"/>
+            </a:endParaRPr>
+          </a:p>
+        </p:txBody>
+      </p:sp>
+      <p:sp>
+        <p:nvSpPr>
+          <p:cNvPr id="33795" name="灯片编号占位符 3"/>
+          <p:cNvSpPr>
+            <a:spLocks noGrp="1"/>
+          </p:cNvSpPr>
+          <p:nvPr>
+            <p:ph type="sldNum" sz="quarter"/>
+          </p:nvPr>
+        </p:nvSpPr>
+        <p:spPr>
+          <a:xfrm>
+            <a:off x="3884613" y="8685213"/>
+            <a:ext cx="2971800" cy="458787"/>
+          </a:xfrm>
+          <a:prstGeom prst="rect">
+            <a:avLst/>
+          </a:prstGeom>
+          <a:noFill/>
+          <a:ln w="9525">
+            <a:noFill/>
+          </a:ln>
+        </p:spPr>
+        <p:txBody>
+          <a:bodyPr vert="horz" lIns="91440" tIns="45720" rIns="91440" bIns="45720" anchor="b" anchorCtr="0"/>
+          <a:lstStyle/>
+          <a:p>
+            <a:pPr lvl="0" algn="r"/>
+            <a:fld id="{9A0DB2DC-4C9A-4742-B13C-FB6460FD3503}" type="slidenum">
+              <a:rPr lang="zh-CN" altLang="en-US" sz="1200">
+                <a:latin typeface="Calibri" panose="020F0502020204030204" charset="0"/>
+                <a:ea typeface="宋体" panose="02010600030101010101" pitchFamily="2" charset="-122"/>
+              </a:rPr>
+              <a:t>14</a:t>
+            </a:fld>
+            <a:endParaRPr lang="zh-CN" altLang="en-US" sz="1200">
+              <a:latin typeface="Calibri" panose="020F0502020204030204" charset="0"/>
+              <a:ea typeface="宋体" panose="02010600030101010101" pitchFamily="2" charset="-122"/>
+            </a:endParaRPr>
+          </a:p>
+        </p:txBody>
+      </p:sp>
+    </p:spTree>
+    <p:extLst>
+      <p:ext uri="{BB962C8B-B14F-4D97-AF65-F5344CB8AC3E}">
+        <p14:creationId xmlns:p14="http://schemas.microsoft.com/office/powerpoint/2010/main" val="767974414"/>
+      </p:ext>
+    </p:extLst>
+  </p:cSld>
+  <p:clrMapOvr>
+    <a:masterClrMapping/>
+  </p:clrMapOvr>
+</p:notes>
+</file>
+
+<file path=ppt/notesSlides/notesSlide8.xml><?xml version="1.0" encoding="utf-8"?>
+<p:notes xmlns:a="http://schemas.openxmlformats.org/drawingml/2006/main" xmlns:r="http://schemas.openxmlformats.org/officeDocument/2006/relationships" xmlns:p="http://schemas.openxmlformats.org/presentationml/2006/main">
+  <p:cSld>
+    <p:spTree>
+      <p:nvGrpSpPr>
+        <p:cNvPr id="1" name=""/>
+        <p:cNvGrpSpPr/>
+        <p:nvPr/>
+      </p:nvGrpSpPr>
+      <p:grpSpPr>
+        <a:xfrm>
+          <a:off x="0" y="0"/>
+          <a:ext cx="0" cy="0"/>
+          <a:chOff x="0" y="0"/>
+          <a:chExt cx="0" cy="0"/>
+        </a:xfrm>
+      </p:grpSpPr>
+      <p:sp>
+        <p:nvSpPr>
+          <p:cNvPr id="2" name="幻灯片图像占位符 1"/>
+          <p:cNvSpPr>
+            <a:spLocks noGrp="1" noRot="1" noChangeAspect="1"/>
+          </p:cNvSpPr>
+          <p:nvPr>
+            <p:ph type="sldImg"/>
+          </p:nvPr>
+        </p:nvSpPr>
+        <p:spPr/>
+      </p:sp>
+      <p:sp>
+        <p:nvSpPr>
+          <p:cNvPr id="3" name="备注占位符 2"/>
+          <p:cNvSpPr>
+            <a:spLocks noGrp="1"/>
+          </p:cNvSpPr>
+          <p:nvPr>
+            <p:ph type="body" idx="1"/>
+          </p:nvPr>
+        </p:nvSpPr>
+        <p:spPr/>
+        <p:txBody>
+          <a:bodyPr/>
+          <a:lstStyle/>
+          <a:p>
+            <a:endParaRPr lang="en-US" sz="1200" b="0" i="0" kern="1200" dirty="0" smtClean="0">
+              <a:solidFill>
+                <a:schemeClr val="tx1"/>
+              </a:solidFill>
+              <a:effectLst/>
+              <a:latin typeface="+mn-lt"/>
+              <a:ea typeface="Arial" panose="020B0604020202020204" pitchFamily="34" charset="0"/>
+              <a:cs typeface="+mn-cs"/>
+              <a:sym typeface="Arial" panose="020B0604020202020204" pitchFamily="34" charset="0"/>
+            </a:endParaRPr>
+          </a:p>
+          <a:p>
+            <a:pPr marL="0" marR="0" lvl="0" indent="0" algn="l" defTabSz="914400" rtl="0" eaLnBrk="1" fontAlgn="auto" latinLnBrk="0" hangingPunct="1">
+              <a:lnSpc>
+                <a:spcPct val="100000"/>
+              </a:lnSpc>
+              <a:spcBef>
+                <a:spcPts val="0"/>
+              </a:spcBef>
+              <a:spcAft>
+                <a:spcPts val="0"/>
+              </a:spcAft>
+              <a:buClrTx/>
+              <a:buSzTx/>
+              <a:buFontTx/>
+              <a:buNone/>
+              <a:tabLst/>
+              <a:defRPr/>
+            </a:pPr>
+            <a:r>
+              <a:rPr lang="en-US" altLang="zh-CN" sz="1200" dirty="0" smtClean="0">
+                <a:solidFill>
+                  <a:srgbClr val="262626"/>
+                </a:solidFill>
+                <a:latin typeface="Arial" panose="020B0604020202020204" pitchFamily="34" charset="0"/>
+                <a:cs typeface="Arial" panose="020B0604020202020204" pitchFamily="34" charset="0"/>
+              </a:rPr>
+              <a:t>The rating distribution graphs show that the overall ratings in this review data set are highly imbalanced, which contains more than 69% of 5 stars rating.</a:t>
+            </a:r>
+          </a:p>
+          <a:p>
+            <a:endParaRPr lang="en-US" sz="1200" b="0" i="0" kern="1200" dirty="0" smtClean="0">
+              <a:solidFill>
+                <a:schemeClr val="tx1"/>
+              </a:solidFill>
+              <a:effectLst/>
+              <a:latin typeface="+mn-lt"/>
+              <a:ea typeface="Arial" panose="020B0604020202020204" pitchFamily="34" charset="0"/>
+              <a:cs typeface="+mn-cs"/>
+              <a:sym typeface="Arial" panose="020B0604020202020204" pitchFamily="34" charset="0"/>
+            </a:endParaRPr>
+          </a:p>
+          <a:p>
+            <a:r>
+              <a:rPr lang="en-US" sz="1200" b="0" i="0" kern="1200" dirty="0" smtClean="0">
+                <a:solidFill>
+                  <a:schemeClr val="tx1"/>
+                </a:solidFill>
+                <a:effectLst/>
+                <a:latin typeface="+mn-lt"/>
+                <a:ea typeface="Arial" panose="020B0604020202020204" pitchFamily="34" charset="0"/>
+                <a:cs typeface="+mn-cs"/>
+                <a:sym typeface="Arial" panose="020B0604020202020204" pitchFamily="34" charset="0"/>
+              </a:rPr>
+              <a:t>Thus, in the following model development, we need to keep in mind that the accuracy metric may not be useful for evaluating the machine learning models; instead, precision, recall, and F1 score values could be suitable for model evaluation.</a:t>
+            </a:r>
+          </a:p>
+          <a:p>
+            <a:endParaRPr lang="en-US" dirty="0"/>
+          </a:p>
+        </p:txBody>
+      </p:sp>
+    </p:spTree>
+    <p:extLst>
+      <p:ext uri="{BB962C8B-B14F-4D97-AF65-F5344CB8AC3E}">
+        <p14:creationId xmlns:p14="http://schemas.microsoft.com/office/powerpoint/2010/main" val="3178850148"/>
+      </p:ext>
+    </p:extLst>
+  </p:cSld>
+  <p:clrMapOvr>
+    <a:masterClrMapping/>
+  </p:clrMapOvr>
+</p:notes>
+</file>
+
+<file path=ppt/notesSlides/notesSlide9.xml><?xml version="1.0" encoding="utf-8"?>
+<p:notes xmlns:a="http://schemas.openxmlformats.org/drawingml/2006/main" xmlns:r="http://schemas.openxmlformats.org/officeDocument/2006/relationships" xmlns:p="http://schemas.openxmlformats.org/presentationml/2006/main">
+  <p:cSld>
+    <p:spTree>
+      <p:nvGrpSpPr>
+        <p:cNvPr id="1" name=""/>
+        <p:cNvGrpSpPr/>
+        <p:nvPr/>
+      </p:nvGrpSpPr>
+      <p:grpSpPr>
+        <a:xfrm>
+          <a:off x="0" y="0"/>
+          <a:ext cx="0" cy="0"/>
+          <a:chOff x="0" y="0"/>
+          <a:chExt cx="0" cy="0"/>
+        </a:xfrm>
+      </p:grpSpPr>
+      <p:sp>
+        <p:nvSpPr>
+          <p:cNvPr id="2" name="幻灯片图像占位符 1"/>
+          <p:cNvSpPr>
+            <a:spLocks noGrp="1" noRot="1" noChangeAspect="1"/>
+          </p:cNvSpPr>
+          <p:nvPr>
+            <p:ph type="sldImg"/>
+          </p:nvPr>
+        </p:nvSpPr>
+        <p:spPr/>
+      </p:sp>
+      <p:sp>
+        <p:nvSpPr>
+          <p:cNvPr id="3" name="备注占位符 2"/>
+          <p:cNvSpPr>
+            <a:spLocks noGrp="1"/>
+          </p:cNvSpPr>
+          <p:nvPr>
+            <p:ph type="body" idx="1"/>
+          </p:nvPr>
+        </p:nvSpPr>
+        <p:spPr/>
+        <p:txBody>
+          <a:bodyPr/>
+          <a:lstStyle/>
+          <a:p>
+            <a:r>
+              <a:rPr lang="en-US" sz="1200" b="0" i="0" kern="1200" dirty="0" smtClean="0">
+                <a:solidFill>
+                  <a:schemeClr val="tx1"/>
+                </a:solidFill>
+                <a:effectLst/>
+                <a:latin typeface="+mn-lt"/>
+                <a:ea typeface="Arial" panose="020B0604020202020204" pitchFamily="34" charset="0"/>
+                <a:cs typeface="+mn-cs"/>
+                <a:sym typeface="Arial" panose="020B0604020202020204" pitchFamily="34" charset="0"/>
+              </a:rPr>
+              <a:t>Most of the reviews contain less than 100 words. The word counts distributions for each star rating review are similar, but if we look in to the detail of the box plot graph, we could see that negative or low star rating reviews have more texts entered. The box plot shows that the 5 stars rating reviews have the lowest interquartile range (IQR) compared to the other 4 ratings, which implies that it has average the shortest review text.</a:t>
+            </a:r>
+            <a:endParaRPr lang="en-US" dirty="0"/>
+          </a:p>
+        </p:txBody>
+      </p:sp>
+    </p:spTree>
+    <p:extLst>
+      <p:ext uri="{BB962C8B-B14F-4D97-AF65-F5344CB8AC3E}">
+        <p14:creationId xmlns:p14="http://schemas.microsoft.com/office/powerpoint/2010/main" val="4252803668"/>
       </p:ext>
     </p:extLst>
   </p:cSld>
@@ -29196,8 +29399,8 @@
         </p:nvSpPr>
         <p:spPr>
           <a:xfrm>
-            <a:off x="427562" y="3418740"/>
-            <a:ext cx="10839450" cy="3447098"/>
+            <a:off x="427562" y="3902834"/>
+            <a:ext cx="10839450" cy="2862322"/>
           </a:xfrm>
           <a:prstGeom prst="rect">
             <a:avLst/>
@@ -29211,7 +29414,7 @@
           <a:lstStyle/>
           <a:p>
             <a:r>
-              <a:rPr lang="en-US" sz="2000" dirty="0" smtClean="0">
+              <a:rPr lang="en-US" dirty="0" smtClean="0">
                 <a:latin typeface="Arial" panose="020B0604020202020204" pitchFamily="34" charset="0"/>
                 <a:cs typeface="Arial" panose="020B0604020202020204" pitchFamily="34" charset="0"/>
               </a:rPr>
@@ -29224,21 +29427,21 @@
               <a:buChar char="•"/>
             </a:pPr>
             <a:r>
-              <a:rPr lang="en-US" sz="2000" dirty="0" smtClean="0">
+              <a:rPr lang="en-US" dirty="0" smtClean="0">
                 <a:latin typeface="Arial" panose="020B0604020202020204" pitchFamily="34" charset="0"/>
                 <a:cs typeface="Arial" panose="020B0604020202020204" pitchFamily="34" charset="0"/>
               </a:rPr>
               <a:t>It </a:t>
             </a:r>
             <a:r>
-              <a:rPr lang="en-US" sz="2000" dirty="0">
+              <a:rPr lang="en-US" dirty="0">
                 <a:latin typeface="Arial" panose="020B0604020202020204" pitchFamily="34" charset="0"/>
                 <a:cs typeface="Arial" panose="020B0604020202020204" pitchFamily="34" charset="0"/>
               </a:rPr>
               <a:t>can drive traffic through personalized email messages to the store site and increase average order value</a:t>
             </a:r>
             <a:r>
-              <a:rPr lang="en-US" sz="2000" dirty="0" smtClean="0">
+              <a:rPr lang="en-US" dirty="0" smtClean="0">
                 <a:latin typeface="Arial" panose="020B0604020202020204" pitchFamily="34" charset="0"/>
                 <a:cs typeface="Arial" panose="020B0604020202020204" pitchFamily="34" charset="0"/>
               </a:rPr>
@@ -29251,20 +29454,20 @@
               <a:buChar char="•"/>
             </a:pPr>
             <a:r>
-              <a:rPr lang="en-US" sz="2000" dirty="0" smtClean="0">
+              <a:rPr lang="en-US" dirty="0" smtClean="0">
                 <a:latin typeface="Arial" panose="020B0604020202020204" pitchFamily="34" charset="0"/>
                 <a:cs typeface="Arial" panose="020B0604020202020204" pitchFamily="34" charset="0"/>
               </a:rPr>
               <a:t>It </a:t>
             </a:r>
             <a:r>
-              <a:rPr lang="en-US" sz="2000" dirty="0">
+              <a:rPr lang="en-US" dirty="0">
                 <a:latin typeface="Arial" panose="020B0604020202020204" pitchFamily="34" charset="0"/>
                 <a:cs typeface="Arial" panose="020B0604020202020204" pitchFamily="34" charset="0"/>
               </a:rPr>
               <a:t>also enhances the shopping experience by delivering relevant content based on personalized preferences. </a:t>
             </a:r>
-            <a:endParaRPr lang="en-US" sz="2000" dirty="0" smtClean="0">
+            <a:endParaRPr lang="en-US" dirty="0" smtClean="0">
               <a:latin typeface="Arial" panose="020B0604020202020204" pitchFamily="34" charset="0"/>
               <a:cs typeface="Arial" panose="020B0604020202020204" pitchFamily="34" charset="0"/>
             </a:endParaRPr>
@@ -29275,20 +29478,20 @@
               <a:buChar char="•"/>
             </a:pPr>
             <a:r>
-              <a:rPr lang="en-US" sz="2000" dirty="0" smtClean="0">
+              <a:rPr lang="en-US" dirty="0" smtClean="0">
                 <a:latin typeface="Arial" panose="020B0604020202020204" pitchFamily="34" charset="0"/>
                 <a:cs typeface="Arial" panose="020B0604020202020204" pitchFamily="34" charset="0"/>
               </a:rPr>
               <a:t>It </a:t>
             </a:r>
             <a:r>
-              <a:rPr lang="en-US" sz="2000" dirty="0">
+              <a:rPr lang="en-US" dirty="0">
                 <a:latin typeface="Arial" panose="020B0604020202020204" pitchFamily="34" charset="0"/>
                 <a:cs typeface="Arial" panose="020B0604020202020204" pitchFamily="34" charset="0"/>
               </a:rPr>
               <a:t>can reduce workload for inventory management and boost work effectiveness. </a:t>
             </a:r>
-            <a:endParaRPr lang="en-US" sz="2000" dirty="0" smtClean="0">
+            <a:endParaRPr lang="en-US" dirty="0" smtClean="0">
               <a:latin typeface="Arial" panose="020B0604020202020204" pitchFamily="34" charset="0"/>
               <a:cs typeface="Arial" panose="020B0604020202020204" pitchFamily="34" charset="0"/>
             </a:endParaRPr>
@@ -29299,20 +29502,20 @@
               <a:buChar char="•"/>
             </a:pPr>
             <a:r>
-              <a:rPr lang="en-US" sz="2000" dirty="0" smtClean="0">
+              <a:rPr lang="en-US" dirty="0" smtClean="0">
                 <a:latin typeface="Arial" panose="020B0604020202020204" pitchFamily="34" charset="0"/>
                 <a:cs typeface="Arial" panose="020B0604020202020204" pitchFamily="34" charset="0"/>
               </a:rPr>
               <a:t>It </a:t>
             </a:r>
             <a:r>
-              <a:rPr lang="en-US" sz="2000" dirty="0">
+              <a:rPr lang="en-US" dirty="0">
                 <a:latin typeface="Arial" panose="020B0604020202020204" pitchFamily="34" charset="0"/>
                 <a:cs typeface="Arial" panose="020B0604020202020204" pitchFamily="34" charset="0"/>
               </a:rPr>
               <a:t>can create comprehensive reports to support making the right decision for business direction.</a:t>
             </a:r>
-            <a:endParaRPr lang="en-US" sz="2000" dirty="0" smtClean="0">
+            <a:endParaRPr lang="en-US" dirty="0" smtClean="0">
               <a:latin typeface="Arial" panose="020B0604020202020204" pitchFamily="34" charset="0"/>
               <a:cs typeface="Arial" panose="020B0604020202020204" pitchFamily="34" charset="0"/>
             </a:endParaRPr>
@@ -29323,20 +29526,20 @@
               <a:buChar char="•"/>
             </a:pPr>
             <a:r>
-              <a:rPr lang="en-US" sz="2000" dirty="0" smtClean="0">
+              <a:rPr lang="en-US" dirty="0" smtClean="0">
                 <a:latin typeface="Arial" panose="020B0604020202020204" pitchFamily="34" charset="0"/>
                 <a:cs typeface="Arial" panose="020B0604020202020204" pitchFamily="34" charset="0"/>
               </a:rPr>
               <a:t>Overall</a:t>
             </a:r>
             <a:r>
-              <a:rPr lang="en-US" sz="2000" dirty="0">
+              <a:rPr lang="en-US" dirty="0">
                 <a:latin typeface="Arial" panose="020B0604020202020204" pitchFamily="34" charset="0"/>
                 <a:cs typeface="Arial" panose="020B0604020202020204" pitchFamily="34" charset="0"/>
               </a:rPr>
               <a:t>, product recommender systems not only boost the companies’ revenue but also increase customer satisfaction and loyalty.</a:t>
             </a:r>
-            <a:endParaRPr lang="en-US" sz="2000" dirty="0" smtClean="0">
+            <a:endParaRPr lang="en-US" dirty="0" smtClean="0">
               <a:latin typeface="Arial" panose="020B0604020202020204" pitchFamily="34" charset="0"/>
               <a:cs typeface="Arial" panose="020B0604020202020204" pitchFamily="34" charset="0"/>
             </a:endParaRPr>
@@ -29359,7 +29562,7 @@
           <p:nvPr/>
         </p:nvPicPr>
         <p:blipFill>
-          <a:blip r:embed="rId2" cstate="print">
+          <a:blip r:embed="rId3" cstate="print">
             <a:extLst>
               <a:ext uri="{28A0092B-C50C-407E-A947-70E740481C1C}">
                 <a14:useLocalDpi xmlns:a14="http://schemas.microsoft.com/office/drawing/2010/main" val="0"/>
@@ -29373,8 +29576,8 @@
         </p:blipFill>
         <p:spPr bwMode="auto">
           <a:xfrm>
-            <a:off x="2460086" y="807491"/>
-            <a:ext cx="6774402" cy="2611249"/>
+            <a:off x="1843229" y="816040"/>
+            <a:ext cx="8008116" cy="3086794"/>
           </a:xfrm>
           <a:prstGeom prst="rect">
             <a:avLst/>
@@ -31741,7 +31944,7 @@
               <a:rPr lang="en-US" dirty="0">
                 <a:latin typeface="Arial" panose="020B0604020202020204" pitchFamily="34" charset="0"/>
                 <a:cs typeface="Arial" panose="020B0604020202020204" pitchFamily="34" charset="0"/>
-                <a:hlinkClick r:id="rId2"/>
+                <a:hlinkClick r:id="rId3"/>
               </a:rPr>
               <a:t>https://nijianmo.github.io/amazon/index.html</a:t>
             </a:r>
@@ -32295,47 +32498,6 @@
           </a:p>
         </p:txBody>
       </p:sp>
-      <p:pic>
-        <p:nvPicPr>
-          <p:cNvPr id="12290" name="Picture 2" descr="https://user-images.githubusercontent.com/24414472/155896401-fcd6c4d8-ce08-4a9c-b431-71b6d9a15331.png"/>
-          <p:cNvPicPr>
-            <a:picLocks noChangeAspect="1" noChangeArrowheads="1"/>
-          </p:cNvPicPr>
-          <p:nvPr/>
-        </p:nvPicPr>
-        <p:blipFill>
-          <a:blip r:embed="rId2">
-            <a:extLst>
-              <a:ext uri="{28A0092B-C50C-407E-A947-70E740481C1C}">
-                <a14:useLocalDpi xmlns:a14="http://schemas.microsoft.com/office/drawing/2010/main" val="0"/>
-              </a:ext>
-            </a:extLst>
-          </a:blip>
-          <a:srcRect/>
-          <a:stretch>
-            <a:fillRect/>
-          </a:stretch>
-        </p:blipFill>
-        <p:spPr bwMode="auto">
-          <a:xfrm>
-            <a:off x="1685925" y="3229353"/>
-            <a:ext cx="8667750" cy="3105150"/>
-          </a:xfrm>
-          <a:prstGeom prst="rect">
-            <a:avLst/>
-          </a:prstGeom>
-          <a:noFill/>
-          <a:extLst>
-            <a:ext uri="{909E8E84-426E-40DD-AFC4-6F175D3DCCD1}">
-              <a14:hiddenFill xmlns:a14="http://schemas.microsoft.com/office/drawing/2010/main">
-                <a:solidFill>
-                  <a:srgbClr val="FFFFFF"/>
-                </a:solidFill>
-              </a14:hiddenFill>
-            </a:ext>
-          </a:extLst>
-        </p:spPr>
-      </p:pic>
       <p:sp>
         <p:nvSpPr>
           <p:cNvPr id="7" name="任意多边形 6"/>
@@ -33551,6 +33713,47 @@
           </a:p>
         </p:txBody>
       </p:sp>
+      <p:pic>
+        <p:nvPicPr>
+          <p:cNvPr id="1026" name="Picture 2" descr="156906115-ec2eaa39-9ca9-4541-8e30-2a634de36192.png (910×326)"/>
+          <p:cNvPicPr>
+            <a:picLocks noChangeAspect="1" noChangeArrowheads="1"/>
+          </p:cNvPicPr>
+          <p:nvPr/>
+        </p:nvPicPr>
+        <p:blipFill>
+          <a:blip r:embed="rId2">
+            <a:extLst>
+              <a:ext uri="{28A0092B-C50C-407E-A947-70E740481C1C}">
+                <a14:useLocalDpi xmlns:a14="http://schemas.microsoft.com/office/drawing/2010/main" val="0"/>
+              </a:ext>
+            </a:extLst>
+          </a:blip>
+          <a:srcRect/>
+          <a:stretch>
+            <a:fillRect/>
+          </a:stretch>
+        </p:blipFill>
+        <p:spPr bwMode="auto">
+          <a:xfrm>
+            <a:off x="1271585" y="3125180"/>
+            <a:ext cx="9508241" cy="3406249"/>
+          </a:xfrm>
+          <a:prstGeom prst="rect">
+            <a:avLst/>
+          </a:prstGeom>
+          <a:noFill/>
+          <a:extLst>
+            <a:ext uri="{909E8E84-426E-40DD-AFC4-6F175D3DCCD1}">
+              <a14:hiddenFill xmlns:a14="http://schemas.microsoft.com/office/drawing/2010/main">
+                <a:solidFill>
+                  <a:srgbClr val="FFFFFF"/>
+                </a:solidFill>
+              </a14:hiddenFill>
+            </a:ext>
+          </a:extLst>
+        </p:spPr>
+      </p:pic>
     </p:spTree>
     <p:extLst>
       <p:ext uri="{BB962C8B-B14F-4D97-AF65-F5344CB8AC3E}">

--- a/presentation/Project_Presentation_EDA_v1.1.pptx
+++ b/presentation/Project_Presentation_EDA_v1.1.pptx
@@ -5,10 +5,10 @@
     <p:sldMasterId id="2147483648" r:id="rId1"/>
   </p:sldMasterIdLst>
   <p:notesMasterIdLst>
-    <p:notesMasterId r:id="rId35"/>
+    <p:notesMasterId r:id="rId36"/>
   </p:notesMasterIdLst>
   <p:handoutMasterIdLst>
-    <p:handoutMasterId r:id="rId36"/>
+    <p:handoutMasterId r:id="rId37"/>
   </p:handoutMasterIdLst>
   <p:sldIdLst>
     <p:sldId id="422" r:id="rId2"/>
@@ -40,10 +40,11 @@
     <p:sldId id="451" r:id="rId28"/>
     <p:sldId id="452" r:id="rId29"/>
     <p:sldId id="454" r:id="rId30"/>
-    <p:sldId id="434" r:id="rId31"/>
-    <p:sldId id="342" r:id="rId32"/>
-    <p:sldId id="440" r:id="rId33"/>
-    <p:sldId id="387" r:id="rId34"/>
+    <p:sldId id="456" r:id="rId31"/>
+    <p:sldId id="434" r:id="rId32"/>
+    <p:sldId id="342" r:id="rId33"/>
+    <p:sldId id="440" r:id="rId34"/>
+    <p:sldId id="387" r:id="rId35"/>
   </p:sldIdLst>
   <p:sldSz cx="12192000" cy="6858000"/>
   <p:notesSz cx="6858000" cy="9144000"/>
@@ -1933,6 +1934,115 @@
       </p:grpSpPr>
       <p:sp>
         <p:nvSpPr>
+          <p:cNvPr id="2" name="幻灯片图像占位符 1"/>
+          <p:cNvSpPr>
+            <a:spLocks noGrp="1" noRot="1" noChangeAspect="1"/>
+          </p:cNvSpPr>
+          <p:nvPr>
+            <p:ph type="sldImg"/>
+          </p:nvPr>
+        </p:nvSpPr>
+        <p:spPr/>
+      </p:sp>
+      <p:sp>
+        <p:nvSpPr>
+          <p:cNvPr id="3" name="备注占位符 2"/>
+          <p:cNvSpPr>
+            <a:spLocks noGrp="1"/>
+          </p:cNvSpPr>
+          <p:nvPr>
+            <p:ph type="body" idx="1"/>
+          </p:nvPr>
+        </p:nvSpPr>
+        <p:spPr/>
+        <p:txBody>
+          <a:bodyPr/>
+          <a:lstStyle/>
+          <a:p>
+            <a:r>
+              <a:rPr lang="en-US" dirty="0" smtClean="0"/>
+              <a:t>This</a:t>
+            </a:r>
+            <a:r>
+              <a:rPr lang="en-US" baseline="0" dirty="0" smtClean="0"/>
+              <a:t> is the flask web app prototype for the project. It contains a </a:t>
+            </a:r>
+            <a:r>
+              <a:rPr lang="en-US" baseline="0" dirty="0" err="1" smtClean="0"/>
+              <a:t>chatbot</a:t>
+            </a:r>
+            <a:r>
+              <a:rPr lang="en-US" baseline="0" dirty="0" smtClean="0"/>
+              <a:t> on the home page which developed by using the </a:t>
+            </a:r>
+            <a:r>
+              <a:rPr lang="en-US" baseline="0" dirty="0" err="1" smtClean="0"/>
+              <a:t>Dialogflow</a:t>
+            </a:r>
+            <a:r>
+              <a:rPr lang="en-US" baseline="0" dirty="0" smtClean="0"/>
+              <a:t> platform. The website is using Google API to send and receive message from </a:t>
+            </a:r>
+            <a:r>
+              <a:rPr lang="en-US" baseline="0" dirty="0" err="1" smtClean="0"/>
+              <a:t>Dialogflow</a:t>
+            </a:r>
+            <a:r>
+              <a:rPr lang="en-US" baseline="0" dirty="0" smtClean="0"/>
+              <a:t> and display on the </a:t>
+            </a:r>
+            <a:r>
+              <a:rPr lang="en-US" baseline="0" dirty="0" err="1" smtClean="0"/>
+              <a:t>chatbox</a:t>
+            </a:r>
+            <a:r>
+              <a:rPr lang="en-US" baseline="0" dirty="0" smtClean="0"/>
+              <a:t>. Since our ML models are not developed yet, the </a:t>
+            </a:r>
+            <a:r>
+              <a:rPr lang="en-US" baseline="0" dirty="0" err="1" smtClean="0"/>
+              <a:t>chatbot</a:t>
+            </a:r>
+            <a:r>
+              <a:rPr lang="en-US" baseline="0" dirty="0" smtClean="0"/>
+              <a:t> now can only handle some simple conversation and couldn’t provide any product recommendations.</a:t>
+            </a:r>
+            <a:endParaRPr lang="en-US" dirty="0"/>
+          </a:p>
+        </p:txBody>
+      </p:sp>
+    </p:spTree>
+    <p:extLst>
+      <p:ext uri="{BB962C8B-B14F-4D97-AF65-F5344CB8AC3E}">
+        <p14:creationId xmlns:p14="http://schemas.microsoft.com/office/powerpoint/2010/main" val="1907101682"/>
+      </p:ext>
+    </p:extLst>
+  </p:cSld>
+  <p:clrMapOvr>
+    <a:masterClrMapping/>
+  </p:clrMapOvr>
+</p:notes>
+</file>
+
+<file path=ppt/notesSlides/notesSlide17.xml><?xml version="1.0" encoding="utf-8"?>
+<p:notes xmlns:a="http://schemas.openxmlformats.org/drawingml/2006/main" xmlns:r="http://schemas.openxmlformats.org/officeDocument/2006/relationships" xmlns:p="http://schemas.openxmlformats.org/presentationml/2006/main">
+  <p:cSld>
+    <p:spTree>
+      <p:nvGrpSpPr>
+        <p:cNvPr id="1" name=""/>
+        <p:cNvGrpSpPr/>
+        <p:nvPr/>
+      </p:nvGrpSpPr>
+      <p:grpSpPr>
+        <a:xfrm>
+          <a:off x="0" y="0"/>
+          <a:ext cx="0" cy="0"/>
+          <a:chOff x="0" y="0"/>
+          <a:chExt cx="0" cy="0"/>
+        </a:xfrm>
+      </p:grpSpPr>
+      <p:sp>
+        <p:nvSpPr>
           <p:cNvPr id="33793" name="幻灯片图像占位符 1"/>
           <p:cNvSpPr>
             <a:spLocks noGrp="1" noRot="1" noChangeAspect="1"/>
@@ -2002,7 +2112,7 @@
                 <a:latin typeface="Calibri" panose="020F0502020204030204" charset="0"/>
                 <a:ea typeface="宋体" panose="02010600030101010101" pitchFamily="2" charset="-122"/>
               </a:rPr>
-              <a:t>30</a:t>
+              <a:t>31</a:t>
             </a:fld>
             <a:endParaRPr lang="zh-CN" altLang="en-US" sz="1200">
               <a:latin typeface="Calibri" panose="020F0502020204030204" charset="0"/>
@@ -2024,7 +2134,7 @@
 </p:notes>
 </file>
 
-<file path=ppt/notesSlides/notesSlide17.xml><?xml version="1.0" encoding="utf-8"?>
+<file path=ppt/notesSlides/notesSlide18.xml><?xml version="1.0" encoding="utf-8"?>
 <p:notes xmlns:a="http://schemas.openxmlformats.org/drawingml/2006/main" xmlns:r="http://schemas.openxmlformats.org/officeDocument/2006/relationships" xmlns:p="http://schemas.openxmlformats.org/presentationml/2006/main">
   <p:cSld>
     <p:spTree>
@@ -2156,7 +2266,7 @@
 </p:notes>
 </file>
 
-<file path=ppt/notesSlides/notesSlide18.xml><?xml version="1.0" encoding="utf-8"?>
+<file path=ppt/notesSlides/notesSlide19.xml><?xml version="1.0" encoding="utf-8"?>
 <p:notes xmlns:a="http://schemas.openxmlformats.org/drawingml/2006/main" xmlns:r="http://schemas.openxmlformats.org/officeDocument/2006/relationships" xmlns:p="http://schemas.openxmlformats.org/presentationml/2006/main">
   <p:cSld>
     <p:spTree>
@@ -2238,7 +2348,7 @@
                 <a:latin typeface="Calibri" panose="020F0502020204030204" charset="0"/>
                 <a:ea typeface="宋体" panose="02010600030101010101" pitchFamily="2" charset="-122"/>
               </a:rPr>
-              <a:t>33</a:t>
+              <a:t>34</a:t>
             </a:fld>
             <a:endParaRPr lang="zh-CN" altLang="en-US" sz="1200">
               <a:latin typeface="Calibri" panose="020F0502020204030204" charset="0"/>
@@ -28352,6 +28462,350 @@
       </p:grpSpPr>
       <p:sp>
         <p:nvSpPr>
+          <p:cNvPr id="2" name="文本框 48"/>
+          <p:cNvSpPr txBox="1"/>
+          <p:nvPr/>
+        </p:nvSpPr>
+        <p:spPr>
+          <a:xfrm>
+            <a:off x="266303" y="283984"/>
+            <a:ext cx="9473407" cy="707886"/>
+          </a:xfrm>
+          <a:prstGeom prst="rect">
+            <a:avLst/>
+          </a:prstGeom>
+          <a:solidFill>
+            <a:schemeClr val="bg1"/>
+          </a:solidFill>
+          <a:ln w="9525">
+            <a:noFill/>
+          </a:ln>
+        </p:spPr>
+        <p:txBody>
+          <a:bodyPr wrap="square" anchor="t" anchorCtr="0">
+            <a:spAutoFit/>
+          </a:bodyPr>
+          <a:lstStyle/>
+          <a:p>
+            <a:r>
+              <a:rPr lang="en-US" altLang="zh-CN" sz="4000" dirty="0" smtClean="0">
+                <a:solidFill>
+                  <a:srgbClr val="141214"/>
+                </a:solidFill>
+                <a:latin typeface="Arial" panose="020B0604020202020204" pitchFamily="34" charset="0"/>
+                <a:cs typeface="Arial" panose="020B0604020202020204" pitchFamily="34" charset="0"/>
+              </a:rPr>
+              <a:t>ML </a:t>
+            </a:r>
+            <a:r>
+              <a:rPr lang="en-US" altLang="zh-CN" sz="4000" dirty="0">
+                <a:solidFill>
+                  <a:srgbClr val="141214"/>
+                </a:solidFill>
+                <a:latin typeface="Arial" panose="020B0604020202020204" pitchFamily="34" charset="0"/>
+                <a:cs typeface="Arial" panose="020B0604020202020204" pitchFamily="34" charset="0"/>
+              </a:rPr>
+              <a:t>Models </a:t>
+            </a:r>
+            <a:r>
+              <a:rPr lang="en-US" altLang="zh-CN" sz="4000" dirty="0" smtClean="0">
+                <a:solidFill>
+                  <a:srgbClr val="141214"/>
+                </a:solidFill>
+                <a:latin typeface="Arial" panose="020B0604020202020204" pitchFamily="34" charset="0"/>
+                <a:cs typeface="Arial" panose="020B0604020202020204" pitchFamily="34" charset="0"/>
+              </a:rPr>
+              <a:t>– Web </a:t>
+            </a:r>
+            <a:r>
+              <a:rPr lang="en-US" altLang="zh-CN" sz="4000" dirty="0">
+                <a:solidFill>
+                  <a:srgbClr val="141214"/>
+                </a:solidFill>
+                <a:latin typeface="Arial" panose="020B0604020202020204" pitchFamily="34" charset="0"/>
+                <a:cs typeface="Arial" panose="020B0604020202020204" pitchFamily="34" charset="0"/>
+              </a:rPr>
+              <a:t>App </a:t>
+            </a:r>
+            <a:r>
+              <a:rPr lang="en-US" altLang="zh-CN" sz="4000" dirty="0" smtClean="0">
+                <a:solidFill>
+                  <a:srgbClr val="141214"/>
+                </a:solidFill>
+                <a:latin typeface="Arial" panose="020B0604020202020204" pitchFamily="34" charset="0"/>
+                <a:cs typeface="Arial" panose="020B0604020202020204" pitchFamily="34" charset="0"/>
+              </a:rPr>
+              <a:t>Prototype</a:t>
+            </a:r>
+            <a:endParaRPr lang="en-US" altLang="zh-CN" sz="4000" dirty="0">
+              <a:solidFill>
+                <a:srgbClr val="141214"/>
+              </a:solidFill>
+              <a:latin typeface="Arial" panose="020B0604020202020204" pitchFamily="34" charset="0"/>
+              <a:cs typeface="Arial" panose="020B0604020202020204" pitchFamily="34" charset="0"/>
+            </a:endParaRPr>
+          </a:p>
+        </p:txBody>
+      </p:sp>
+      <p:grpSp>
+        <p:nvGrpSpPr>
+          <p:cNvPr id="14" name="组合 1"/>
+          <p:cNvGrpSpPr/>
+          <p:nvPr/>
+        </p:nvGrpSpPr>
+        <p:grpSpPr>
+          <a:xfrm>
+            <a:off x="899235" y="1284437"/>
+            <a:ext cx="10058399" cy="619667"/>
+            <a:chOff x="0" y="6227623"/>
+            <a:chExt cx="12192000" cy="630377"/>
+          </a:xfrm>
+        </p:grpSpPr>
+        <p:sp>
+          <p:nvSpPr>
+            <p:cNvPr id="15" name="矩形 14"/>
+            <p:cNvSpPr/>
+            <p:nvPr/>
+          </p:nvSpPr>
+          <p:spPr>
+            <a:xfrm>
+              <a:off x="0" y="6256185"/>
+              <a:ext cx="12192000" cy="601815"/>
+            </a:xfrm>
+            <a:prstGeom prst="rect">
+              <a:avLst/>
+            </a:prstGeom>
+            <a:solidFill>
+              <a:srgbClr val="F5A61C"/>
+            </a:solidFill>
+            <a:ln>
+              <a:noFill/>
+            </a:ln>
+          </p:spPr>
+          <p:style>
+            <a:lnRef idx="2">
+              <a:schemeClr val="accent1">
+                <a:shade val="50000"/>
+              </a:schemeClr>
+            </a:lnRef>
+            <a:fillRef idx="1">
+              <a:schemeClr val="accent1"/>
+            </a:fillRef>
+            <a:effectRef idx="0">
+              <a:schemeClr val="accent1"/>
+            </a:effectRef>
+            <a:fontRef idx="minor">
+              <a:schemeClr val="lt1"/>
+            </a:fontRef>
+          </p:style>
+          <p:txBody>
+            <a:bodyPr rtlCol="0" anchor="ctr"/>
+            <a:lstStyle/>
+            <a:p>
+              <a:pPr algn="ctr" fontAlgn="auto"/>
+              <a:endParaRPr lang="zh-CN" altLang="en-US" strike="noStrike" noProof="1"/>
+            </a:p>
+          </p:txBody>
+        </p:sp>
+        <p:sp>
+          <p:nvSpPr>
+            <p:cNvPr id="16" name="矩形 15"/>
+            <p:cNvSpPr/>
+            <p:nvPr/>
+          </p:nvSpPr>
+          <p:spPr>
+            <a:xfrm>
+              <a:off x="0" y="6227623"/>
+              <a:ext cx="12192000" cy="28562"/>
+            </a:xfrm>
+            <a:prstGeom prst="rect">
+              <a:avLst/>
+            </a:prstGeom>
+            <a:solidFill>
+              <a:schemeClr val="tx1">
+                <a:lumMod val="75000"/>
+                <a:lumOff val="25000"/>
+              </a:schemeClr>
+            </a:solidFill>
+            <a:ln>
+              <a:noFill/>
+            </a:ln>
+          </p:spPr>
+          <p:style>
+            <a:lnRef idx="2">
+              <a:schemeClr val="accent1">
+                <a:shade val="50000"/>
+              </a:schemeClr>
+            </a:lnRef>
+            <a:fillRef idx="1">
+              <a:schemeClr val="accent1"/>
+            </a:fillRef>
+            <a:effectRef idx="0">
+              <a:schemeClr val="accent1"/>
+            </a:effectRef>
+            <a:fontRef idx="minor">
+              <a:schemeClr val="lt1"/>
+            </a:fontRef>
+          </p:style>
+          <p:txBody>
+            <a:bodyPr rtlCol="0" anchor="ctr"/>
+            <a:lstStyle/>
+            <a:p>
+              <a:pPr algn="ctr" fontAlgn="auto"/>
+              <a:endParaRPr lang="zh-CN" altLang="en-US" strike="noStrike" noProof="1"/>
+            </a:p>
+          </p:txBody>
+        </p:sp>
+      </p:grpSp>
+      <p:sp>
+        <p:nvSpPr>
+          <p:cNvPr id="17" name="TextBox 15"/>
+          <p:cNvSpPr txBox="1"/>
+          <p:nvPr/>
+        </p:nvSpPr>
+        <p:spPr>
+          <a:xfrm>
+            <a:off x="1204033" y="1370811"/>
+            <a:ext cx="9564371" cy="369332"/>
+          </a:xfrm>
+          <a:prstGeom prst="rect">
+            <a:avLst/>
+          </a:prstGeom>
+          <a:noFill/>
+          <a:ln w="9525">
+            <a:noFill/>
+          </a:ln>
+        </p:spPr>
+        <p:txBody>
+          <a:bodyPr wrap="square" anchor="t" anchorCtr="0">
+            <a:spAutoFit/>
+          </a:bodyPr>
+          <a:lstStyle/>
+          <a:p>
+            <a:pPr>
+              <a:spcBef>
+                <a:spcPts val="0"/>
+              </a:spcBef>
+            </a:pPr>
+            <a:r>
+              <a:rPr lang="en-US" dirty="0">
+                <a:latin typeface="Arial" panose="020B0604020202020204" pitchFamily="34" charset="0"/>
+                <a:cs typeface="Arial" panose="020B0604020202020204" pitchFamily="34" charset="0"/>
+              </a:rPr>
+              <a:t>The flask app prototype is </a:t>
+            </a:r>
+            <a:r>
+              <a:rPr lang="en-US" dirty="0" smtClean="0">
+                <a:latin typeface="Arial" panose="020B0604020202020204" pitchFamily="34" charset="0"/>
+                <a:cs typeface="Arial" panose="020B0604020202020204" pitchFamily="34" charset="0"/>
+              </a:rPr>
+              <a:t>hosted at </a:t>
+            </a:r>
+            <a:r>
+              <a:rPr lang="en-US" dirty="0">
+                <a:latin typeface="Arial" panose="020B0604020202020204" pitchFamily="34" charset="0"/>
+                <a:cs typeface="Arial" panose="020B0604020202020204" pitchFamily="34" charset="0"/>
+              </a:rPr>
+              <a:t>the url: </a:t>
+            </a:r>
+            <a:r>
+              <a:rPr lang="en-US" dirty="0">
+                <a:latin typeface="Arial" panose="020B0604020202020204" pitchFamily="34" charset="0"/>
+                <a:cs typeface="Arial" panose="020B0604020202020204" pitchFamily="34" charset="0"/>
+                <a:hlinkClick r:id="rId3"/>
+              </a:rPr>
+              <a:t>https://data606project.pythonanywhere.com</a:t>
+            </a:r>
+            <a:r>
+              <a:rPr lang="en-US" dirty="0" smtClean="0">
+                <a:latin typeface="Arial" panose="020B0604020202020204" pitchFamily="34" charset="0"/>
+                <a:cs typeface="Arial" panose="020B0604020202020204" pitchFamily="34" charset="0"/>
+                <a:hlinkClick r:id="rId3"/>
+              </a:rPr>
+              <a:t>/</a:t>
+            </a:r>
+            <a:endParaRPr lang="en-US" dirty="0" smtClean="0">
+              <a:latin typeface="Arial" panose="020B0604020202020204" pitchFamily="34" charset="0"/>
+              <a:cs typeface="Arial" panose="020B0604020202020204" pitchFamily="34" charset="0"/>
+            </a:endParaRPr>
+          </a:p>
+        </p:txBody>
+      </p:sp>
+      <p:pic>
+        <p:nvPicPr>
+          <p:cNvPr id="18" name="图片 17"/>
+          <p:cNvPicPr>
+            <a:picLocks noChangeAspect="1"/>
+          </p:cNvPicPr>
+          <p:nvPr/>
+        </p:nvPicPr>
+        <p:blipFill>
+          <a:blip r:embed="rId4"/>
+          <a:stretch>
+            <a:fillRect/>
+          </a:stretch>
+        </p:blipFill>
+        <p:spPr>
+          <a:xfrm>
+            <a:off x="1204033" y="1962401"/>
+            <a:ext cx="9417407" cy="4760285"/>
+          </a:xfrm>
+          <a:prstGeom prst="rect">
+            <a:avLst/>
+          </a:prstGeom>
+        </p:spPr>
+      </p:pic>
+    </p:spTree>
+    <p:extLst>
+      <p:ext uri="{BB962C8B-B14F-4D97-AF65-F5344CB8AC3E}">
+        <p14:creationId xmlns:p14="http://schemas.microsoft.com/office/powerpoint/2010/main" val="267804779"/>
+      </p:ext>
+    </p:extLst>
+  </p:cSld>
+  <p:clrMapOvr>
+    <a:masterClrMapping/>
+  </p:clrMapOvr>
+  <mc:AlternateContent xmlns:mc="http://schemas.openxmlformats.org/markup-compatibility/2006" xmlns:p14="http://schemas.microsoft.com/office/powerpoint/2010/main">
+    <mc:Choice Requires="p14">
+      <p:transition spd="med" p14:dur="700">
+        <p:fade/>
+      </p:transition>
+    </mc:Choice>
+    <mc:Fallback xmlns="">
+      <p:transition spd="med">
+        <p:fade/>
+      </p:transition>
+    </mc:Fallback>
+  </mc:AlternateContent>
+  <p:timing>
+    <p:tnLst>
+      <p:par>
+        <p:cTn id="1" dur="indefinite" restart="never" nodeType="tmRoot"/>
+      </p:par>
+    </p:tnLst>
+  </p:timing>
+</p:sld>
+</file>
+
+<file path=ppt/slides/slide31.xml><?xml version="1.0" encoding="utf-8"?>
+<p:sld xmlns:a="http://schemas.openxmlformats.org/drawingml/2006/main" xmlns:r="http://schemas.openxmlformats.org/officeDocument/2006/relationships" xmlns:p="http://schemas.openxmlformats.org/presentationml/2006/main">
+  <p:cSld>
+    <p:spTree>
+      <p:nvGrpSpPr>
+        <p:cNvPr id="1" name=""/>
+        <p:cNvGrpSpPr/>
+        <p:nvPr/>
+      </p:nvGrpSpPr>
+      <p:grpSpPr>
+        <a:xfrm>
+          <a:off x="0" y="0"/>
+          <a:ext cx="0" cy="0"/>
+          <a:chOff x="0" y="0"/>
+          <a:chExt cx="0" cy="0"/>
+        </a:xfrm>
+      </p:grpSpPr>
+      <p:sp>
+        <p:nvSpPr>
           <p:cNvPr id="32769" name="矩形 11"/>
           <p:cNvSpPr/>
           <p:nvPr/>
@@ -28461,7 +28915,7 @@
 </p:sld>
 </file>
 
-<file path=ppt/slides/slide31.xml><?xml version="1.0" encoding="utf-8"?>
+<file path=ppt/slides/slide32.xml><?xml version="1.0" encoding="utf-8"?>
 <p:sld xmlns:a="http://schemas.openxmlformats.org/drawingml/2006/main" xmlns:r="http://schemas.openxmlformats.org/officeDocument/2006/relationships" xmlns:p="http://schemas.openxmlformats.org/presentationml/2006/main">
   <p:cSld>
     <p:spTree>
@@ -29049,7 +29503,7 @@
 </p:sld>
 </file>
 
-<file path=ppt/slides/slide32.xml><?xml version="1.0" encoding="utf-8"?>
+<file path=ppt/slides/slide33.xml><?xml version="1.0" encoding="utf-8"?>
 <p:sld xmlns:a="http://schemas.openxmlformats.org/drawingml/2006/main" xmlns:r="http://schemas.openxmlformats.org/officeDocument/2006/relationships" xmlns:p="http://schemas.openxmlformats.org/presentationml/2006/main">
   <p:cSld>
     <p:spTree>
@@ -29115,7 +29569,7 @@
         <p:spPr>
           <a:xfrm>
             <a:off x="600075" y="1362075"/>
-            <a:ext cx="10963275" cy="2343655"/>
+            <a:ext cx="10963275" cy="3877985"/>
           </a:xfrm>
           <a:prstGeom prst="rect">
             <a:avLst/>
@@ -29136,49 +29590,49 @@
               <a:buChar char="•"/>
             </a:pPr>
             <a:r>
-              <a:rPr lang="en-US" sz="2000" dirty="0">
+              <a:rPr lang="en-US" sz="1600" dirty="0">
                 <a:latin typeface="Arial" panose="020B0604020202020204" pitchFamily="34" charset="0"/>
                 <a:cs typeface="Arial" panose="020B0604020202020204" pitchFamily="34" charset="0"/>
               </a:rPr>
               <a:t>Jianmo Ni, </a:t>
             </a:r>
             <a:r>
-              <a:rPr lang="en-US" sz="2000" dirty="0" err="1">
+              <a:rPr lang="en-US" sz="1600" dirty="0" err="1">
                 <a:latin typeface="Arial" panose="020B0604020202020204" pitchFamily="34" charset="0"/>
                 <a:cs typeface="Arial" panose="020B0604020202020204" pitchFamily="34" charset="0"/>
               </a:rPr>
               <a:t>Jiacheng</a:t>
             </a:r>
             <a:r>
-              <a:rPr lang="en-US" sz="2000" dirty="0">
+              <a:rPr lang="en-US" sz="1600" dirty="0">
                 <a:latin typeface="Arial" panose="020B0604020202020204" pitchFamily="34" charset="0"/>
                 <a:cs typeface="Arial" panose="020B0604020202020204" pitchFamily="34" charset="0"/>
               </a:rPr>
               <a:t> Li, Julian </a:t>
             </a:r>
             <a:r>
-              <a:rPr lang="en-US" sz="2000" dirty="0" err="1">
+              <a:rPr lang="en-US" sz="1600" dirty="0" err="1">
                 <a:latin typeface="Arial" panose="020B0604020202020204" pitchFamily="34" charset="0"/>
                 <a:cs typeface="Arial" panose="020B0604020202020204" pitchFamily="34" charset="0"/>
               </a:rPr>
               <a:t>McAuley</a:t>
             </a:r>
             <a:r>
-              <a:rPr lang="en-US" sz="2000" dirty="0">
+              <a:rPr lang="en-US" sz="1600" dirty="0">
                 <a:latin typeface="Arial" panose="020B0604020202020204" pitchFamily="34" charset="0"/>
                 <a:cs typeface="Arial" panose="020B0604020202020204" pitchFamily="34" charset="0"/>
               </a:rPr>
               <a:t> Empirical Methods in Natural Language Processing (EMNLP), 2019 </a:t>
             </a:r>
             <a:r>
-              <a:rPr lang="en-US" sz="2000" dirty="0">
+              <a:rPr lang="en-US" sz="1600" dirty="0">
                 <a:latin typeface="Arial" panose="020B0604020202020204" pitchFamily="34" charset="0"/>
                 <a:cs typeface="Arial" panose="020B0604020202020204" pitchFamily="34" charset="0"/>
                 <a:hlinkClick r:id="rId2"/>
               </a:rPr>
               <a:t>http://cseweb.ucsd.edu/~jmcauley/pdfs/emnlp19a.pdf</a:t>
             </a:r>
-            <a:endParaRPr lang="en-US" sz="2000" dirty="0">
+            <a:endParaRPr lang="en-US" sz="1600" dirty="0">
               <a:latin typeface="Arial" panose="020B0604020202020204" pitchFamily="34" charset="0"/>
               <a:cs typeface="Arial" panose="020B0604020202020204" pitchFamily="34" charset="0"/>
             </a:endParaRPr>
@@ -29192,21 +29646,21 @@
               <a:buChar char="•"/>
             </a:pPr>
             <a:r>
-              <a:rPr lang="en-US" sz="2000" dirty="0" err="1">
+              <a:rPr lang="en-US" sz="1600" dirty="0" err="1">
                 <a:latin typeface="Arial" panose="020B0604020202020204" pitchFamily="34" charset="0"/>
                 <a:cs typeface="Arial" panose="020B0604020202020204" pitchFamily="34" charset="0"/>
               </a:rPr>
               <a:t>Doshi</a:t>
             </a:r>
             <a:r>
-              <a:rPr lang="en-US" sz="2000" dirty="0">
+              <a:rPr lang="en-US" sz="1600" dirty="0">
                 <a:latin typeface="Arial" panose="020B0604020202020204" pitchFamily="34" charset="0"/>
                 <a:cs typeface="Arial" panose="020B0604020202020204" pitchFamily="34" charset="0"/>
               </a:rPr>
               <a:t>, S. (2019, February 20). Brief on Recommender Systems. Medium. Retrieved February 13, 2022, from </a:t>
             </a:r>
             <a:r>
-              <a:rPr lang="en-US" sz="2000" dirty="0">
+              <a:rPr lang="en-US" sz="1600" dirty="0">
                 <a:latin typeface="Arial" panose="020B0604020202020204" pitchFamily="34" charset="0"/>
                 <a:cs typeface="Arial" panose="020B0604020202020204" pitchFamily="34" charset="0"/>
                 <a:hlinkClick r:id="rId3"/>
@@ -29214,13 +29668,131 @@
               <a:t>https://</a:t>
             </a:r>
             <a:r>
-              <a:rPr lang="en-US" sz="2000" dirty="0" smtClean="0">
+              <a:rPr lang="en-US" sz="1600" dirty="0" smtClean="0">
                 <a:latin typeface="Arial" panose="020B0604020202020204" pitchFamily="34" charset="0"/>
                 <a:cs typeface="Arial" panose="020B0604020202020204" pitchFamily="34" charset="0"/>
                 <a:hlinkClick r:id="rId3"/>
               </a:rPr>
               <a:t>towardsdatascience.com/brief-on-recommender-systems-b86a1068a4dd</a:t>
             </a:r>
+            <a:endParaRPr lang="en-US" sz="1600" dirty="0" smtClean="0">
+              <a:latin typeface="Arial" panose="020B0604020202020204" pitchFamily="34" charset="0"/>
+              <a:cs typeface="Arial" panose="020B0604020202020204" pitchFamily="34" charset="0"/>
+            </a:endParaRPr>
+          </a:p>
+          <a:p>
+            <a:pPr marL="342900" indent="-342900">
+              <a:lnSpc>
+                <a:spcPct val="150000"/>
+              </a:lnSpc>
+              <a:buFont typeface="Arial" panose="020B0604020202020204" pitchFamily="34" charset="0"/>
+              <a:buChar char="•"/>
+            </a:pPr>
+            <a:r>
+              <a:rPr lang="en-US" sz="1600" dirty="0" err="1">
+                <a:latin typeface="Arial" panose="020B0604020202020204" pitchFamily="34" charset="0"/>
+                <a:cs typeface="Arial" panose="020B0604020202020204" pitchFamily="34" charset="0"/>
+              </a:rPr>
+              <a:t>Engineering@ZenOfAI</a:t>
+            </a:r>
+            <a:r>
+              <a:rPr lang="en-US" sz="1600" dirty="0">
+                <a:latin typeface="Arial" panose="020B0604020202020204" pitchFamily="34" charset="0"/>
+                <a:cs typeface="Arial" panose="020B0604020202020204" pitchFamily="34" charset="0"/>
+              </a:rPr>
+              <a:t>. (2019, August 7). Creating </a:t>
+            </a:r>
+            <a:r>
+              <a:rPr lang="en-US" sz="1600" dirty="0" err="1">
+                <a:latin typeface="Arial" panose="020B0604020202020204" pitchFamily="34" charset="0"/>
+                <a:cs typeface="Arial" panose="020B0604020202020204" pitchFamily="34" charset="0"/>
+              </a:rPr>
+              <a:t>chatbot</a:t>
+            </a:r>
+            <a:r>
+              <a:rPr lang="en-US" sz="1600" dirty="0">
+                <a:latin typeface="Arial" panose="020B0604020202020204" pitchFamily="34" charset="0"/>
+                <a:cs typeface="Arial" panose="020B0604020202020204" pitchFamily="34" charset="0"/>
+              </a:rPr>
+              <a:t> with </a:t>
+            </a:r>
+            <a:r>
+              <a:rPr lang="en-US" sz="1600" dirty="0" err="1">
+                <a:latin typeface="Arial" panose="020B0604020202020204" pitchFamily="34" charset="0"/>
+                <a:cs typeface="Arial" panose="020B0604020202020204" pitchFamily="34" charset="0"/>
+              </a:rPr>
+              <a:t>Webhooks</a:t>
+            </a:r>
+            <a:r>
+              <a:rPr lang="en-US" sz="1600" dirty="0">
+                <a:latin typeface="Arial" panose="020B0604020202020204" pitchFamily="34" charset="0"/>
+                <a:cs typeface="Arial" panose="020B0604020202020204" pitchFamily="34" charset="0"/>
+              </a:rPr>
+              <a:t> using python (FLASK) and </a:t>
+            </a:r>
+            <a:r>
+              <a:rPr lang="en-US" sz="1600" dirty="0" err="1">
+                <a:latin typeface="Arial" panose="020B0604020202020204" pitchFamily="34" charset="0"/>
+                <a:cs typeface="Arial" panose="020B0604020202020204" pitchFamily="34" charset="0"/>
+              </a:rPr>
+              <a:t>dialogflow</a:t>
+            </a:r>
+            <a:r>
+              <a:rPr lang="en-US" sz="1600" dirty="0">
+                <a:latin typeface="Arial" panose="020B0604020202020204" pitchFamily="34" charset="0"/>
+                <a:cs typeface="Arial" panose="020B0604020202020204" pitchFamily="34" charset="0"/>
+              </a:rPr>
+              <a:t>. Medium. Retrieved March 5, 2022, from </a:t>
+            </a:r>
+            <a:r>
+              <a:rPr lang="en-US" sz="1600" dirty="0">
+                <a:latin typeface="Arial" panose="020B0604020202020204" pitchFamily="34" charset="0"/>
+                <a:cs typeface="Arial" panose="020B0604020202020204" pitchFamily="34" charset="0"/>
+                <a:hlinkClick r:id="rId4"/>
+              </a:rPr>
+              <a:t>https://</a:t>
+            </a:r>
+            <a:r>
+              <a:rPr lang="en-US" sz="1600" dirty="0" smtClean="0">
+                <a:latin typeface="Arial" panose="020B0604020202020204" pitchFamily="34" charset="0"/>
+                <a:cs typeface="Arial" panose="020B0604020202020204" pitchFamily="34" charset="0"/>
+                <a:hlinkClick r:id="rId4"/>
+              </a:rPr>
+              <a:t>medium.com/zenofai/creating-chatbot-using-python-flask-d6947d8ef805</a:t>
+            </a:r>
+            <a:endParaRPr lang="en-US" sz="1600" dirty="0" smtClean="0">
+              <a:latin typeface="Arial" panose="020B0604020202020204" pitchFamily="34" charset="0"/>
+              <a:cs typeface="Arial" panose="020B0604020202020204" pitchFamily="34" charset="0"/>
+            </a:endParaRPr>
+          </a:p>
+          <a:p>
+            <a:pPr marL="342900" indent="-342900">
+              <a:lnSpc>
+                <a:spcPct val="150000"/>
+              </a:lnSpc>
+              <a:buFont typeface="Arial" panose="020B0604020202020204" pitchFamily="34" charset="0"/>
+              <a:buChar char="•"/>
+            </a:pPr>
+            <a:r>
+              <a:rPr lang="en-US" sz="1600" dirty="0">
+                <a:latin typeface="Arial" panose="020B0604020202020204" pitchFamily="34" charset="0"/>
+                <a:cs typeface="Arial" panose="020B0604020202020204" pitchFamily="34" charset="0"/>
+              </a:rPr>
+              <a:t>BANIK, R. O. U. N. A. K. (2018). Hands-on recommendation systems with Python: Start building powerful and personalized, ... recommendation engines with python. PACKT Publishing Limited. </a:t>
+            </a:r>
+            <a:endParaRPr lang="en-US" sz="1600" dirty="0" smtClean="0">
+              <a:latin typeface="Arial" panose="020B0604020202020204" pitchFamily="34" charset="0"/>
+              <a:cs typeface="Arial" panose="020B0604020202020204" pitchFamily="34" charset="0"/>
+            </a:endParaRPr>
+          </a:p>
+          <a:p>
+            <a:pPr marL="342900" indent="-342900">
+              <a:lnSpc>
+                <a:spcPct val="150000"/>
+              </a:lnSpc>
+              <a:buFont typeface="Arial" panose="020B0604020202020204" pitchFamily="34" charset="0"/>
+              <a:buChar char="•"/>
+            </a:pPr>
             <a:endParaRPr lang="en-US" sz="2000" dirty="0">
               <a:latin typeface="Arial" panose="020B0604020202020204" pitchFamily="34" charset="0"/>
               <a:cs typeface="Arial" panose="020B0604020202020204" pitchFamily="34" charset="0"/>
@@ -29260,7 +29832,7 @@
 </p:sld>
 </file>
 
-<file path=ppt/slides/slide33.xml><?xml version="1.0" encoding="utf-8"?>
+<file path=ppt/slides/slide34.xml><?xml version="1.0" encoding="utf-8"?>
 <p:sld xmlns:a="http://schemas.openxmlformats.org/drawingml/2006/main" xmlns:r="http://schemas.openxmlformats.org/officeDocument/2006/relationships" xmlns:p="http://schemas.openxmlformats.org/presentationml/2006/main">
   <p:cSld>
     <p:spTree>

--- a/presentation/Project_Presentation_EDA_v1.1.pptx
+++ b/presentation/Project_Presentation_EDA_v1.1.pptx
@@ -358,7 +358,7 @@
                 <a:ea typeface="+mn-ea"/>
                 <a:cs typeface="+mn-cs"/>
               </a:rPr>
-              <a:t>2022/3/5</a:t>
+              <a:t>2022/3/6</a:t>
             </a:fld>
             <a:endParaRPr lang="zh-CN" altLang="en-US" strike="noStrike" noProof="1"/>
           </a:p>
@@ -539,7 +539,7 @@
                 <a:ea typeface="Arial" panose="020B0604020202020204" pitchFamily="34" charset="0"/>
                 <a:cs typeface="+mn-cs"/>
               </a:rPr>
-              <a:t>2022/3/5</a:t>
+              <a:t>2022/3/6</a:t>
             </a:fld>
             <a:endParaRPr lang="zh-CN" altLang="en-US" strike="noStrike" noProof="1"/>
           </a:p>

--- a/presentation/Project_Presentation_EDA_v1.1.pptx
+++ b/presentation/Project_Presentation_EDA_v1.1.pptx
@@ -358,7 +358,7 @@
                 <a:ea typeface="+mn-ea"/>
                 <a:cs typeface="+mn-cs"/>
               </a:rPr>
-              <a:t>2022/3/6</a:t>
+              <a:t>2022/3/16</a:t>
             </a:fld>
             <a:endParaRPr lang="zh-CN" altLang="en-US" strike="noStrike" noProof="1"/>
           </a:p>
@@ -539,7 +539,7 @@
                 <a:ea typeface="Arial" panose="020B0604020202020204" pitchFamily="34" charset="0"/>
                 <a:cs typeface="+mn-cs"/>
               </a:rPr>
-              <a:t>2022/3/6</a:t>
+              <a:t>2022/3/16</a:t>
             </a:fld>
             <a:endParaRPr lang="zh-CN" altLang="en-US" strike="noStrike" noProof="1"/>
           </a:p>
@@ -4145,8 +4145,8 @@
         </p:nvSpPr>
         <p:spPr>
           <a:xfrm>
-            <a:off x="5594903" y="4044950"/>
-            <a:ext cx="1002197" cy="415498"/>
+            <a:off x="4773367" y="4044950"/>
+            <a:ext cx="2645276" cy="738664"/>
           </a:xfrm>
           <a:prstGeom prst="rect">
             <a:avLst/>
@@ -4198,7 +4198,35 @@
                 <a:ea typeface="宋体" panose="02010600030101010101" pitchFamily="2" charset="-122"/>
                 <a:cs typeface="Arial" panose="020B0604020202020204" pitchFamily="34" charset="0"/>
               </a:rPr>
-              <a:t> Xu</a:t>
+              <a:t> </a:t>
+            </a:r>
+            <a:r>
+              <a:rPr lang="en-US" altLang="zh-CN" sz="1400" dirty="0" smtClean="0">
+                <a:solidFill>
+                  <a:srgbClr val="262626"/>
+                </a:solidFill>
+                <a:latin typeface="Arial" panose="020B0604020202020204" pitchFamily="34" charset="0"/>
+                <a:ea typeface="宋体" panose="02010600030101010101" pitchFamily="2" charset="-122"/>
+                <a:cs typeface="Arial" panose="020B0604020202020204" pitchFamily="34" charset="0"/>
+              </a:rPr>
+              <a:t>Xu</a:t>
+            </a:r>
+          </a:p>
+          <a:p>
+            <a:pPr algn="ctr">
+              <a:lnSpc>
+                <a:spcPct val="150000"/>
+              </a:lnSpc>
+            </a:pPr>
+            <a:r>
+              <a:rPr lang="en-US" altLang="zh-CN" sz="1400" dirty="0" smtClean="0">
+                <a:solidFill>
+                  <a:srgbClr val="262626"/>
+                </a:solidFill>
+                <a:latin typeface="Arial" panose="020B0604020202020204" pitchFamily="34" charset="0"/>
+                <a:ea typeface="Arial" panose="020B0604020202020204" pitchFamily="34" charset="0"/>
+              </a:rPr>
+              <a:t>UMBC Data Science Capstone</a:t>
             </a:r>
             <a:endParaRPr lang="en-US" altLang="zh-CN" sz="1400" dirty="0">
               <a:solidFill>

--- a/presentation/Project_Presentation_EDA_v1.1.pptx
+++ b/presentation/Project_Presentation_EDA_v1.1.pptx
@@ -5,10 +5,10 @@
     <p:sldMasterId id="2147483648" r:id="rId1"/>
   </p:sldMasterIdLst>
   <p:notesMasterIdLst>
-    <p:notesMasterId r:id="rId36"/>
+    <p:notesMasterId r:id="rId37"/>
   </p:notesMasterIdLst>
   <p:handoutMasterIdLst>
-    <p:handoutMasterId r:id="rId37"/>
+    <p:handoutMasterId r:id="rId38"/>
   </p:handoutMasterIdLst>
   <p:sldIdLst>
     <p:sldId id="422" r:id="rId2"/>
@@ -36,15 +36,16 @@
     <p:sldId id="448" r:id="rId24"/>
     <p:sldId id="449" r:id="rId25"/>
     <p:sldId id="450" r:id="rId26"/>
-    <p:sldId id="433" r:id="rId27"/>
-    <p:sldId id="451" r:id="rId28"/>
-    <p:sldId id="452" r:id="rId29"/>
-    <p:sldId id="454" r:id="rId30"/>
-    <p:sldId id="456" r:id="rId31"/>
-    <p:sldId id="434" r:id="rId32"/>
-    <p:sldId id="342" r:id="rId33"/>
-    <p:sldId id="440" r:id="rId34"/>
-    <p:sldId id="387" r:id="rId35"/>
+    <p:sldId id="458" r:id="rId27"/>
+    <p:sldId id="433" r:id="rId28"/>
+    <p:sldId id="451" r:id="rId29"/>
+    <p:sldId id="452" r:id="rId30"/>
+    <p:sldId id="454" r:id="rId31"/>
+    <p:sldId id="456" r:id="rId32"/>
+    <p:sldId id="434" r:id="rId33"/>
+    <p:sldId id="342" r:id="rId34"/>
+    <p:sldId id="440" r:id="rId35"/>
+    <p:sldId id="387" r:id="rId36"/>
   </p:sldIdLst>
   <p:sldSz cx="12192000" cy="6858000"/>
   <p:notesSz cx="6858000" cy="9144000"/>
@@ -358,7 +359,7 @@
                 <a:ea typeface="+mn-ea"/>
                 <a:cs typeface="+mn-cs"/>
               </a:rPr>
-              <a:t>2022/3/16</a:t>
+              <a:t>2022/3/19</a:t>
             </a:fld>
             <a:endParaRPr lang="zh-CN" altLang="en-US" strike="noStrike" noProof="1"/>
           </a:p>
@@ -539,7 +540,7 @@
                 <a:ea typeface="Arial" panose="020B0604020202020204" pitchFamily="34" charset="0"/>
                 <a:cs typeface="+mn-cs"/>
               </a:rPr>
-              <a:t>2022/3/16</a:t>
+              <a:t>2022/3/19</a:t>
             </a:fld>
             <a:endParaRPr lang="zh-CN" altLang="en-US" strike="noStrike" noProof="1"/>
           </a:p>
@@ -1453,6 +1454,167 @@
       </p:grpSpPr>
       <p:sp>
         <p:nvSpPr>
+          <p:cNvPr id="2" name="幻灯片图像占位符 1"/>
+          <p:cNvSpPr>
+            <a:spLocks noGrp="1" noRot="1" noChangeAspect="1"/>
+          </p:cNvSpPr>
+          <p:nvPr>
+            <p:ph type="sldImg"/>
+          </p:nvPr>
+        </p:nvSpPr>
+        <p:spPr/>
+      </p:sp>
+      <p:sp>
+        <p:nvSpPr>
+          <p:cNvPr id="3" name="备注占位符 2"/>
+          <p:cNvSpPr>
+            <a:spLocks noGrp="1"/>
+          </p:cNvSpPr>
+          <p:nvPr>
+            <p:ph type="body" idx="1"/>
+          </p:nvPr>
+        </p:nvSpPr>
+        <p:spPr/>
+        <p:txBody>
+          <a:bodyPr/>
+          <a:lstStyle/>
+          <a:p>
+            <a:r>
+              <a:rPr lang="en-US" sz="1200" b="0" i="0" kern="1200" dirty="0" smtClean="0">
+                <a:solidFill>
+                  <a:schemeClr val="tx1"/>
+                </a:solidFill>
+                <a:effectLst/>
+                <a:latin typeface="+mn-lt"/>
+                <a:ea typeface="Arial" panose="020B0604020202020204" pitchFamily="34" charset="0"/>
+                <a:cs typeface="+mn-cs"/>
+                <a:sym typeface="Arial" panose="020B0604020202020204" pitchFamily="34" charset="0"/>
+              </a:rPr>
+              <a:t>Since </a:t>
+            </a:r>
+            <a:r>
+              <a:rPr lang="en-US" altLang="zh-CN" sz="1200" dirty="0" smtClean="0">
+                <a:solidFill>
+                  <a:srgbClr val="262626"/>
+                </a:solidFill>
+                <a:latin typeface="Arial" panose="020B0604020202020204" pitchFamily="34" charset="0"/>
+                <a:cs typeface="Arial" panose="020B0604020202020204" pitchFamily="34" charset="0"/>
+              </a:rPr>
+              <a:t>the majority of the </a:t>
+            </a:r>
+            <a:r>
+              <a:rPr lang="en-US" altLang="zh-CN" sz="1200" dirty="0" err="1" smtClean="0">
+                <a:solidFill>
+                  <a:srgbClr val="262626"/>
+                </a:solidFill>
+                <a:latin typeface="Arial" panose="020B0604020202020204" pitchFamily="34" charset="0"/>
+                <a:cs typeface="Arial" panose="020B0604020202020204" pitchFamily="34" charset="0"/>
+              </a:rPr>
+              <a:t>products’s</a:t>
+            </a:r>
+            <a:r>
+              <a:rPr lang="en-US" altLang="zh-CN" sz="1200" dirty="0" smtClean="0">
+                <a:solidFill>
+                  <a:srgbClr val="262626"/>
+                </a:solidFill>
+                <a:latin typeface="Arial" panose="020B0604020202020204" pitchFamily="34" charset="0"/>
+                <a:cs typeface="Arial" panose="020B0604020202020204" pitchFamily="34" charset="0"/>
+              </a:rPr>
+              <a:t> main category is the Tools &amp; Home Improvement,</a:t>
+            </a:r>
+            <a:r>
+              <a:rPr lang="en-US" altLang="zh-CN" sz="1200" baseline="0" dirty="0" smtClean="0">
+                <a:solidFill>
+                  <a:srgbClr val="262626"/>
+                </a:solidFill>
+                <a:latin typeface="Arial" panose="020B0604020202020204" pitchFamily="34" charset="0"/>
+                <a:cs typeface="Arial" panose="020B0604020202020204" pitchFamily="34" charset="0"/>
+              </a:rPr>
+              <a:t> so we are likely to get the similar result for the most reviewed main category distribution. Instead, we can create product sub category graphs to see more detail about the category of the reviewed products.</a:t>
+            </a:r>
+          </a:p>
+          <a:p>
+            <a:endParaRPr lang="en-US" sz="1200" baseline="0" dirty="0" smtClean="0">
+              <a:solidFill>
+                <a:srgbClr val="262626"/>
+              </a:solidFill>
+              <a:latin typeface="Arial" panose="020B0604020202020204" pitchFamily="34" charset="0"/>
+              <a:cs typeface="Arial" panose="020B0604020202020204" pitchFamily="34" charset="0"/>
+            </a:endParaRPr>
+          </a:p>
+          <a:p>
+            <a:pPr marL="0" marR="0" lvl="0" indent="0" algn="l" defTabSz="914400" rtl="0" eaLnBrk="1" fontAlgn="auto" latinLnBrk="0" hangingPunct="1">
+              <a:lnSpc>
+                <a:spcPct val="100000"/>
+              </a:lnSpc>
+              <a:spcBef>
+                <a:spcPts val="0"/>
+              </a:spcBef>
+              <a:spcAft>
+                <a:spcPts val="0"/>
+              </a:spcAft>
+              <a:buClrTx/>
+              <a:buSzTx/>
+              <a:buFontTx/>
+              <a:buNone/>
+              <a:tabLst/>
+              <a:defRPr/>
+            </a:pPr>
+            <a:r>
+              <a:rPr lang="en-US" altLang="zh-CN" sz="1200" dirty="0" smtClean="0">
+                <a:solidFill>
+                  <a:schemeClr val="bg1"/>
+                </a:solidFill>
+                <a:latin typeface="Arial" panose="020B0604020202020204" pitchFamily="34" charset="0"/>
+                <a:ea typeface="Arial" panose="020B0604020202020204" pitchFamily="34" charset="0"/>
+              </a:rPr>
+              <a:t>Most Reviewed Sub Category Distributions (top 10) graphs show that 38.6% of the reviews are in the Appliances Parts sub category, and the Accessories sub category also holds 17.1% in the dataset.</a:t>
+            </a:r>
+            <a:endParaRPr lang="zh-CN" altLang="en-US" sz="1200" dirty="0" smtClean="0">
+              <a:solidFill>
+                <a:schemeClr val="bg1"/>
+              </a:solidFill>
+              <a:latin typeface="Arial" panose="020B0604020202020204" pitchFamily="34" charset="0"/>
+              <a:ea typeface="Arial" panose="020B0604020202020204" pitchFamily="34" charset="0"/>
+            </a:endParaRPr>
+          </a:p>
+          <a:p>
+            <a:endParaRPr lang="en-US" dirty="0"/>
+          </a:p>
+        </p:txBody>
+      </p:sp>
+    </p:spTree>
+    <p:extLst>
+      <p:ext uri="{BB962C8B-B14F-4D97-AF65-F5344CB8AC3E}">
+        <p14:creationId xmlns:p14="http://schemas.microsoft.com/office/powerpoint/2010/main" val="2216907263"/>
+      </p:ext>
+    </p:extLst>
+  </p:cSld>
+  <p:clrMapOvr>
+    <a:masterClrMapping/>
+  </p:clrMapOvr>
+</p:notes>
+</file>
+
+<file path=ppt/notesSlides/notesSlide13.xml><?xml version="1.0" encoding="utf-8"?>
+<p:notes xmlns:a="http://schemas.openxmlformats.org/drawingml/2006/main" xmlns:r="http://schemas.openxmlformats.org/officeDocument/2006/relationships" xmlns:p="http://schemas.openxmlformats.org/presentationml/2006/main">
+  <p:cSld>
+    <p:spTree>
+      <p:nvGrpSpPr>
+        <p:cNvPr id="1" name=""/>
+        <p:cNvGrpSpPr/>
+        <p:nvPr/>
+      </p:nvGrpSpPr>
+      <p:grpSpPr>
+        <a:xfrm>
+          <a:off x="0" y="0"/>
+          <a:ext cx="0" cy="0"/>
+          <a:chOff x="0" y="0"/>
+          <a:chExt cx="0" cy="0"/>
+        </a:xfrm>
+      </p:grpSpPr>
+      <p:sp>
+        <p:nvSpPr>
           <p:cNvPr id="33793" name="幻灯片图像占位符 1"/>
           <p:cNvSpPr>
             <a:spLocks noGrp="1" noRot="1" noChangeAspect="1"/>
@@ -1522,7 +1684,7 @@
                 <a:latin typeface="Calibri" panose="020F0502020204030204" charset="0"/>
                 <a:ea typeface="宋体" panose="02010600030101010101" pitchFamily="2" charset="-122"/>
               </a:rPr>
-              <a:t>26</a:t>
+              <a:t>27</a:t>
             </a:fld>
             <a:endParaRPr lang="zh-CN" altLang="en-US" sz="1200">
               <a:latin typeface="Calibri" panose="020F0502020204030204" charset="0"/>
@@ -1544,7 +1706,7 @@
 </p:notes>
 </file>
 
-<file path=ppt/notesSlides/notesSlide13.xml><?xml version="1.0" encoding="utf-8"?>
+<file path=ppt/notesSlides/notesSlide14.xml><?xml version="1.0" encoding="utf-8"?>
 <p:notes xmlns:a="http://schemas.openxmlformats.org/drawingml/2006/main" xmlns:r="http://schemas.openxmlformats.org/officeDocument/2006/relationships" xmlns:p="http://schemas.openxmlformats.org/presentationml/2006/main">
   <p:cSld>
     <p:spTree>
@@ -1752,7 +1914,7 @@
 </p:notes>
 </file>
 
-<file path=ppt/notesSlides/notesSlide14.xml><?xml version="1.0" encoding="utf-8"?>
+<file path=ppt/notesSlides/notesSlide15.xml><?xml version="1.0" encoding="utf-8"?>
 <p:notes xmlns:a="http://schemas.openxmlformats.org/drawingml/2006/main" xmlns:r="http://schemas.openxmlformats.org/officeDocument/2006/relationships" xmlns:p="http://schemas.openxmlformats.org/presentationml/2006/main">
   <p:cSld>
     <p:spTree>
@@ -1826,7 +1988,7 @@
 </p:notes>
 </file>
 
-<file path=ppt/notesSlides/notesSlide15.xml><?xml version="1.0" encoding="utf-8"?>
+<file path=ppt/notesSlides/notesSlide16.xml><?xml version="1.0" encoding="utf-8"?>
 <p:notes xmlns:a="http://schemas.openxmlformats.org/drawingml/2006/main" xmlns:r="http://schemas.openxmlformats.org/officeDocument/2006/relationships" xmlns:p="http://schemas.openxmlformats.org/presentationml/2006/main">
   <p:cSld>
     <p:spTree>
@@ -1915,7 +2077,7 @@
 </p:notes>
 </file>
 
-<file path=ppt/notesSlides/notesSlide16.xml><?xml version="1.0" encoding="utf-8"?>
+<file path=ppt/notesSlides/notesSlide17.xml><?xml version="1.0" encoding="utf-8"?>
 <p:notes xmlns:a="http://schemas.openxmlformats.org/drawingml/2006/main" xmlns:r="http://schemas.openxmlformats.org/officeDocument/2006/relationships" xmlns:p="http://schemas.openxmlformats.org/presentationml/2006/main">
   <p:cSld>
     <p:spTree>
@@ -2024,7 +2186,7 @@
 </p:notes>
 </file>
 
-<file path=ppt/notesSlides/notesSlide17.xml><?xml version="1.0" encoding="utf-8"?>
+<file path=ppt/notesSlides/notesSlide18.xml><?xml version="1.0" encoding="utf-8"?>
 <p:notes xmlns:a="http://schemas.openxmlformats.org/drawingml/2006/main" xmlns:r="http://schemas.openxmlformats.org/officeDocument/2006/relationships" xmlns:p="http://schemas.openxmlformats.org/presentationml/2006/main">
   <p:cSld>
     <p:spTree>
@@ -2112,7 +2274,7 @@
                 <a:latin typeface="Calibri" panose="020F0502020204030204" charset="0"/>
                 <a:ea typeface="宋体" panose="02010600030101010101" pitchFamily="2" charset="-122"/>
               </a:rPr>
-              <a:t>31</a:t>
+              <a:t>32</a:t>
             </a:fld>
             <a:endParaRPr lang="zh-CN" altLang="en-US" sz="1200">
               <a:latin typeface="Calibri" panose="020F0502020204030204" charset="0"/>
@@ -2134,7 +2296,7 @@
 </p:notes>
 </file>
 
-<file path=ppt/notesSlides/notesSlide18.xml><?xml version="1.0" encoding="utf-8"?>
+<file path=ppt/notesSlides/notesSlide19.xml><?xml version="1.0" encoding="utf-8"?>
 <p:notes xmlns:a="http://schemas.openxmlformats.org/drawingml/2006/main" xmlns:r="http://schemas.openxmlformats.org/officeDocument/2006/relationships" xmlns:p="http://schemas.openxmlformats.org/presentationml/2006/main">
   <p:cSld>
     <p:spTree>
@@ -2257,110 +2419,6 @@
     <p:extLst>
       <p:ext uri="{BB962C8B-B14F-4D97-AF65-F5344CB8AC3E}">
         <p14:creationId xmlns:p14="http://schemas.microsoft.com/office/powerpoint/2010/main" val="2193615407"/>
-      </p:ext>
-    </p:extLst>
-  </p:cSld>
-  <p:clrMapOvr>
-    <a:masterClrMapping/>
-  </p:clrMapOvr>
-</p:notes>
-</file>
-
-<file path=ppt/notesSlides/notesSlide19.xml><?xml version="1.0" encoding="utf-8"?>
-<p:notes xmlns:a="http://schemas.openxmlformats.org/drawingml/2006/main" xmlns:r="http://schemas.openxmlformats.org/officeDocument/2006/relationships" xmlns:p="http://schemas.openxmlformats.org/presentationml/2006/main">
-  <p:cSld>
-    <p:spTree>
-      <p:nvGrpSpPr>
-        <p:cNvPr id="1" name=""/>
-        <p:cNvGrpSpPr/>
-        <p:nvPr/>
-      </p:nvGrpSpPr>
-      <p:grpSpPr>
-        <a:xfrm>
-          <a:off x="0" y="0"/>
-          <a:ext cx="0" cy="0"/>
-          <a:chOff x="0" y="0"/>
-          <a:chExt cx="0" cy="0"/>
-        </a:xfrm>
-      </p:grpSpPr>
-      <p:sp>
-        <p:nvSpPr>
-          <p:cNvPr id="40961" name="幻灯片图像占位符 1"/>
-          <p:cNvSpPr>
-            <a:spLocks noGrp="1" noRot="1" noChangeAspect="1"/>
-          </p:cNvSpPr>
-          <p:nvPr>
-            <p:ph type="sldImg"/>
-          </p:nvPr>
-        </p:nvSpPr>
-        <p:spPr/>
-      </p:sp>
-      <p:sp>
-        <p:nvSpPr>
-          <p:cNvPr id="40962" name="备注占位符 2"/>
-          <p:cNvSpPr>
-            <a:spLocks noGrp="1"/>
-          </p:cNvSpPr>
-          <p:nvPr>
-            <p:ph type="body"/>
-          </p:nvPr>
-        </p:nvSpPr>
-        <p:spPr/>
-        <p:txBody>
-          <a:bodyPr lIns="91440" tIns="45720" rIns="91440" bIns="45720" anchor="t" anchorCtr="0"/>
-          <a:lstStyle/>
-          <a:p>
-            <a:pPr lvl="0"/>
-            <a:endParaRPr lang="zh-CN" altLang="en-US" dirty="0"/>
-          </a:p>
-        </p:txBody>
-      </p:sp>
-      <p:sp>
-        <p:nvSpPr>
-          <p:cNvPr id="40963" name="灯片编号占位符 3"/>
-          <p:cNvSpPr>
-            <a:spLocks noGrp="1"/>
-          </p:cNvSpPr>
-          <p:nvPr>
-            <p:ph type="sldNum" sz="quarter"/>
-          </p:nvPr>
-        </p:nvSpPr>
-        <p:spPr>
-          <a:xfrm>
-            <a:off x="3884613" y="8685213"/>
-            <a:ext cx="2971800" cy="458787"/>
-          </a:xfrm>
-          <a:prstGeom prst="rect">
-            <a:avLst/>
-          </a:prstGeom>
-          <a:noFill/>
-          <a:ln w="9525">
-            <a:noFill/>
-          </a:ln>
-        </p:spPr>
-        <p:txBody>
-          <a:bodyPr vert="horz" lIns="91440" tIns="45720" rIns="91440" bIns="45720" anchor="b" anchorCtr="0"/>
-          <a:lstStyle/>
-          <a:p>
-            <a:pPr lvl="0" algn="r"/>
-            <a:fld id="{9A0DB2DC-4C9A-4742-B13C-FB6460FD3503}" type="slidenum">
-              <a:rPr lang="zh-CN" altLang="en-US" sz="1200">
-                <a:latin typeface="Calibri" panose="020F0502020204030204" charset="0"/>
-                <a:ea typeface="宋体" panose="02010600030101010101" pitchFamily="2" charset="-122"/>
-              </a:rPr>
-              <a:t>34</a:t>
-            </a:fld>
-            <a:endParaRPr lang="zh-CN" altLang="en-US" sz="1200">
-              <a:latin typeface="Calibri" panose="020F0502020204030204" charset="0"/>
-              <a:ea typeface="宋体" panose="02010600030101010101" pitchFamily="2" charset="-122"/>
-            </a:endParaRPr>
-          </a:p>
-        </p:txBody>
-      </p:sp>
-    </p:spTree>
-    <p:extLst>
-      <p:ext uri="{BB962C8B-B14F-4D97-AF65-F5344CB8AC3E}">
-        <p14:creationId xmlns:p14="http://schemas.microsoft.com/office/powerpoint/2010/main" val="797695086"/>
       </p:ext>
     </p:extLst>
   </p:cSld>
@@ -2495,6 +2553,110 @@
     <p:extLst>
       <p:ext uri="{BB962C8B-B14F-4D97-AF65-F5344CB8AC3E}">
         <p14:creationId xmlns:p14="http://schemas.microsoft.com/office/powerpoint/2010/main" val="4116616602"/>
+      </p:ext>
+    </p:extLst>
+  </p:cSld>
+  <p:clrMapOvr>
+    <a:masterClrMapping/>
+  </p:clrMapOvr>
+</p:notes>
+</file>
+
+<file path=ppt/notesSlides/notesSlide20.xml><?xml version="1.0" encoding="utf-8"?>
+<p:notes xmlns:a="http://schemas.openxmlformats.org/drawingml/2006/main" xmlns:r="http://schemas.openxmlformats.org/officeDocument/2006/relationships" xmlns:p="http://schemas.openxmlformats.org/presentationml/2006/main">
+  <p:cSld>
+    <p:spTree>
+      <p:nvGrpSpPr>
+        <p:cNvPr id="1" name=""/>
+        <p:cNvGrpSpPr/>
+        <p:nvPr/>
+      </p:nvGrpSpPr>
+      <p:grpSpPr>
+        <a:xfrm>
+          <a:off x="0" y="0"/>
+          <a:ext cx="0" cy="0"/>
+          <a:chOff x="0" y="0"/>
+          <a:chExt cx="0" cy="0"/>
+        </a:xfrm>
+      </p:grpSpPr>
+      <p:sp>
+        <p:nvSpPr>
+          <p:cNvPr id="40961" name="幻灯片图像占位符 1"/>
+          <p:cNvSpPr>
+            <a:spLocks noGrp="1" noRot="1" noChangeAspect="1"/>
+          </p:cNvSpPr>
+          <p:nvPr>
+            <p:ph type="sldImg"/>
+          </p:nvPr>
+        </p:nvSpPr>
+        <p:spPr/>
+      </p:sp>
+      <p:sp>
+        <p:nvSpPr>
+          <p:cNvPr id="40962" name="备注占位符 2"/>
+          <p:cNvSpPr>
+            <a:spLocks noGrp="1"/>
+          </p:cNvSpPr>
+          <p:nvPr>
+            <p:ph type="body"/>
+          </p:nvPr>
+        </p:nvSpPr>
+        <p:spPr/>
+        <p:txBody>
+          <a:bodyPr lIns="91440" tIns="45720" rIns="91440" bIns="45720" anchor="t" anchorCtr="0"/>
+          <a:lstStyle/>
+          <a:p>
+            <a:pPr lvl="0"/>
+            <a:endParaRPr lang="zh-CN" altLang="en-US" dirty="0"/>
+          </a:p>
+        </p:txBody>
+      </p:sp>
+      <p:sp>
+        <p:nvSpPr>
+          <p:cNvPr id="40963" name="灯片编号占位符 3"/>
+          <p:cNvSpPr>
+            <a:spLocks noGrp="1"/>
+          </p:cNvSpPr>
+          <p:nvPr>
+            <p:ph type="sldNum" sz="quarter"/>
+          </p:nvPr>
+        </p:nvSpPr>
+        <p:spPr>
+          <a:xfrm>
+            <a:off x="3884613" y="8685213"/>
+            <a:ext cx="2971800" cy="458787"/>
+          </a:xfrm>
+          <a:prstGeom prst="rect">
+            <a:avLst/>
+          </a:prstGeom>
+          <a:noFill/>
+          <a:ln w="9525">
+            <a:noFill/>
+          </a:ln>
+        </p:spPr>
+        <p:txBody>
+          <a:bodyPr vert="horz" lIns="91440" tIns="45720" rIns="91440" bIns="45720" anchor="b" anchorCtr="0"/>
+          <a:lstStyle/>
+          <a:p>
+            <a:pPr lvl="0" algn="r"/>
+            <a:fld id="{9A0DB2DC-4C9A-4742-B13C-FB6460FD3503}" type="slidenum">
+              <a:rPr lang="zh-CN" altLang="en-US" sz="1200">
+                <a:latin typeface="Calibri" panose="020F0502020204030204" charset="0"/>
+                <a:ea typeface="宋体" panose="02010600030101010101" pitchFamily="2" charset="-122"/>
+              </a:rPr>
+              <a:t>35</a:t>
+            </a:fld>
+            <a:endParaRPr lang="zh-CN" altLang="en-US" sz="1200">
+              <a:latin typeface="Calibri" panose="020F0502020204030204" charset="0"/>
+              <a:ea typeface="宋体" panose="02010600030101010101" pitchFamily="2" charset="-122"/>
+            </a:endParaRPr>
+          </a:p>
+        </p:txBody>
+      </p:sp>
+    </p:spTree>
+    <p:extLst>
+      <p:ext uri="{BB962C8B-B14F-4D97-AF65-F5344CB8AC3E}">
+        <p14:creationId xmlns:p14="http://schemas.microsoft.com/office/powerpoint/2010/main" val="797695086"/>
       </p:ext>
     </p:extLst>
   </p:cSld>
@@ -4198,18 +4360,7 @@
                 <a:ea typeface="宋体" panose="02010600030101010101" pitchFamily="2" charset="-122"/>
                 <a:cs typeface="Arial" panose="020B0604020202020204" pitchFamily="34" charset="0"/>
               </a:rPr>
-              <a:t> </a:t>
-            </a:r>
-            <a:r>
-              <a:rPr lang="en-US" altLang="zh-CN" sz="1400" dirty="0" smtClean="0">
-                <a:solidFill>
-                  <a:srgbClr val="262626"/>
-                </a:solidFill>
-                <a:latin typeface="Arial" panose="020B0604020202020204" pitchFamily="34" charset="0"/>
-                <a:ea typeface="宋体" panose="02010600030101010101" pitchFamily="2" charset="-122"/>
-                <a:cs typeface="Arial" panose="020B0604020202020204" pitchFamily="34" charset="0"/>
-              </a:rPr>
-              <a:t>Xu</a:t>
+              <a:t> Xu</a:t>
             </a:r>
           </a:p>
           <a:p>
@@ -5544,7 +5695,27 @@
                 <a:latin typeface="Arial" panose="020B0604020202020204" pitchFamily="34" charset="0"/>
                 <a:ea typeface="Arial" panose="020B0604020202020204" pitchFamily="34" charset="0"/>
               </a:rPr>
-              <a:t>There are a total of 30,445 product records in this category, and the dataset has 19 different features.</a:t>
+              <a:t>There are a total of </a:t>
+            </a:r>
+            <a:r>
+              <a:rPr lang="en-US" altLang="zh-CN" dirty="0">
+                <a:solidFill>
+                  <a:schemeClr val="bg1"/>
+                </a:solidFill>
+                <a:latin typeface="Arial" panose="020B0604020202020204" pitchFamily="34" charset="0"/>
+                <a:ea typeface="Arial" panose="020B0604020202020204" pitchFamily="34" charset="0"/>
+              </a:rPr>
+              <a:t>30,239 </a:t>
+            </a:r>
+            <a:r>
+              <a:rPr lang="en-US" altLang="zh-CN" dirty="0">
+                <a:solidFill>
+                  <a:schemeClr val="bg1"/>
+                </a:solidFill>
+                <a:latin typeface="Arial" panose="020B0604020202020204" pitchFamily="34" charset="0"/>
+                <a:ea typeface="Arial" panose="020B0604020202020204" pitchFamily="34" charset="0"/>
+              </a:rPr>
+              <a:t>product records in this category, and the dataset has 19 different features.</a:t>
             </a:r>
             <a:endParaRPr lang="zh-CN" altLang="en-US" dirty="0">
               <a:solidFill>
@@ -16782,7 +16953,7 @@
         <p:grpSpPr>
           <a:xfrm>
             <a:off x="3843418" y="1219728"/>
-            <a:ext cx="7386558" cy="1117541"/>
+            <a:ext cx="7386558" cy="1411212"/>
             <a:chOff x="0" y="6227623"/>
             <a:chExt cx="12192000" cy="630377"/>
           </a:xfrm>
@@ -16892,7 +17063,7 @@
         <p:spPr>
           <a:xfrm>
             <a:off x="4146359" y="1375802"/>
-            <a:ext cx="6714473" cy="738664"/>
+            <a:ext cx="6714473" cy="1061829"/>
           </a:xfrm>
           <a:prstGeom prst="rect">
             <a:avLst/>
@@ -16931,7 +17102,17 @@
                 <a:latin typeface="Arial" panose="020B0604020202020204" pitchFamily="34" charset="0"/>
                 <a:cs typeface="Arial" panose="020B0604020202020204" pitchFamily="34" charset="0"/>
               </a:rPr>
-              <a:t>is the list of the ranking of most reviewed products and their average ratings. Among 30,445 Appliances products, there are only 30,252 products were reviewed.</a:t>
+              <a:t>is the list of the ranking of most reviewed products and their average ratings. </a:t>
+            </a:r>
+            <a:r>
+              <a:rPr lang="en-US" altLang="zh-CN" sz="1400" dirty="0">
+                <a:solidFill>
+                  <a:srgbClr val="262626"/>
+                </a:solidFill>
+                <a:latin typeface="Arial" panose="020B0604020202020204" pitchFamily="34" charset="0"/>
+                <a:cs typeface="Arial" panose="020B0604020202020204" pitchFamily="34" charset="0"/>
+              </a:rPr>
+              <a:t>Among 30,239 Appliances products, there are 30,252 products were reviewed. So there are some products are not included in the product dataset.</a:t>
             </a:r>
             <a:endParaRPr lang="zh-CN" altLang="en-US" sz="1400" dirty="0">
               <a:solidFill>
@@ -18670,6 +18851,344 @@
       </p:grpSpPr>
       <p:sp>
         <p:nvSpPr>
+          <p:cNvPr id="2" name="文本框 48"/>
+          <p:cNvSpPr txBox="1"/>
+          <p:nvPr/>
+        </p:nvSpPr>
+        <p:spPr>
+          <a:xfrm>
+            <a:off x="266303" y="283984"/>
+            <a:ext cx="9473407" cy="707886"/>
+          </a:xfrm>
+          <a:prstGeom prst="rect">
+            <a:avLst/>
+          </a:prstGeom>
+          <a:solidFill>
+            <a:schemeClr val="bg1"/>
+          </a:solidFill>
+          <a:ln w="9525">
+            <a:noFill/>
+          </a:ln>
+        </p:spPr>
+        <p:txBody>
+          <a:bodyPr wrap="square" anchor="t" anchorCtr="0">
+            <a:spAutoFit/>
+          </a:bodyPr>
+          <a:lstStyle/>
+          <a:p>
+            <a:r>
+              <a:rPr lang="en-US" altLang="zh-CN" sz="4000" dirty="0" smtClean="0">
+                <a:solidFill>
+                  <a:srgbClr val="141214"/>
+                </a:solidFill>
+                <a:latin typeface="Arial" panose="020B0604020202020204" pitchFamily="34" charset="0"/>
+                <a:cs typeface="Arial" panose="020B0604020202020204" pitchFamily="34" charset="0"/>
+              </a:rPr>
+              <a:t>EDA </a:t>
+            </a:r>
+            <a:r>
+              <a:rPr lang="en-US" altLang="zh-CN" sz="4000" dirty="0">
+                <a:solidFill>
+                  <a:srgbClr val="141214"/>
+                </a:solidFill>
+                <a:latin typeface="Arial" panose="020B0604020202020204" pitchFamily="34" charset="0"/>
+                <a:cs typeface="Arial" panose="020B0604020202020204" pitchFamily="34" charset="0"/>
+              </a:rPr>
+              <a:t>– Merged Data</a:t>
+            </a:r>
+            <a:endParaRPr lang="en-US" altLang="zh-CN" sz="4000" dirty="0" smtClean="0">
+              <a:solidFill>
+                <a:srgbClr val="141214"/>
+              </a:solidFill>
+              <a:latin typeface="Arial" panose="020B0604020202020204" pitchFamily="34" charset="0"/>
+              <a:cs typeface="Arial" panose="020B0604020202020204" pitchFamily="34" charset="0"/>
+            </a:endParaRPr>
+          </a:p>
+        </p:txBody>
+      </p:sp>
+      <p:grpSp>
+        <p:nvGrpSpPr>
+          <p:cNvPr id="4" name="组合 8"/>
+          <p:cNvGrpSpPr/>
+          <p:nvPr/>
+        </p:nvGrpSpPr>
+        <p:grpSpPr>
+          <a:xfrm>
+            <a:off x="1552178" y="5455758"/>
+            <a:ext cx="8544322" cy="1244817"/>
+            <a:chOff x="0" y="6227622"/>
+            <a:chExt cx="12192000" cy="388602"/>
+          </a:xfrm>
+        </p:grpSpPr>
+        <p:sp>
+          <p:nvSpPr>
+            <p:cNvPr id="5" name="矩形 4"/>
+            <p:cNvSpPr/>
+            <p:nvPr/>
+          </p:nvSpPr>
+          <p:spPr>
+            <a:xfrm>
+              <a:off x="0" y="6256185"/>
+              <a:ext cx="12192000" cy="360039"/>
+            </a:xfrm>
+            <a:prstGeom prst="rect">
+              <a:avLst/>
+            </a:prstGeom>
+            <a:solidFill>
+              <a:schemeClr val="tx1">
+                <a:lumMod val="75000"/>
+                <a:lumOff val="25000"/>
+              </a:schemeClr>
+            </a:solidFill>
+            <a:ln>
+              <a:noFill/>
+            </a:ln>
+          </p:spPr>
+          <p:style>
+            <a:lnRef idx="2">
+              <a:schemeClr val="accent1">
+                <a:shade val="50000"/>
+              </a:schemeClr>
+            </a:lnRef>
+            <a:fillRef idx="1">
+              <a:schemeClr val="accent1"/>
+            </a:fillRef>
+            <a:effectRef idx="0">
+              <a:schemeClr val="accent1"/>
+            </a:effectRef>
+            <a:fontRef idx="minor">
+              <a:schemeClr val="lt1"/>
+            </a:fontRef>
+          </p:style>
+          <p:txBody>
+            <a:bodyPr rtlCol="0" anchor="ctr"/>
+            <a:lstStyle/>
+            <a:p>
+              <a:pPr algn="ctr" fontAlgn="auto"/>
+              <a:endParaRPr lang="zh-CN" altLang="en-US" strike="noStrike" noProof="1"/>
+            </a:p>
+          </p:txBody>
+        </p:sp>
+        <p:sp>
+          <p:nvSpPr>
+            <p:cNvPr id="6" name="矩形 5"/>
+            <p:cNvSpPr/>
+            <p:nvPr/>
+          </p:nvSpPr>
+          <p:spPr>
+            <a:xfrm>
+              <a:off x="0" y="6227622"/>
+              <a:ext cx="12192000" cy="28562"/>
+            </a:xfrm>
+            <a:prstGeom prst="rect">
+              <a:avLst/>
+            </a:prstGeom>
+            <a:solidFill>
+              <a:srgbClr val="F5A61C"/>
+            </a:solidFill>
+            <a:ln>
+              <a:noFill/>
+            </a:ln>
+          </p:spPr>
+          <p:style>
+            <a:lnRef idx="2">
+              <a:schemeClr val="accent1">
+                <a:shade val="50000"/>
+              </a:schemeClr>
+            </a:lnRef>
+            <a:fillRef idx="1">
+              <a:schemeClr val="accent1"/>
+            </a:fillRef>
+            <a:effectRef idx="0">
+              <a:schemeClr val="accent1"/>
+            </a:effectRef>
+            <a:fontRef idx="minor">
+              <a:schemeClr val="lt1"/>
+            </a:fontRef>
+          </p:style>
+          <p:txBody>
+            <a:bodyPr rtlCol="0" anchor="ctr"/>
+            <a:lstStyle/>
+            <a:p>
+              <a:pPr algn="ctr" fontAlgn="auto"/>
+              <a:endParaRPr lang="zh-CN" altLang="en-US" strike="noStrike" noProof="1"/>
+            </a:p>
+          </p:txBody>
+        </p:sp>
+      </p:grpSp>
+      <p:sp>
+        <p:nvSpPr>
+          <p:cNvPr id="7" name="TextBox 15"/>
+          <p:cNvSpPr txBox="1"/>
+          <p:nvPr/>
+        </p:nvSpPr>
+        <p:spPr>
+          <a:xfrm>
+            <a:off x="1876425" y="5547243"/>
+            <a:ext cx="7863285" cy="1061829"/>
+          </a:xfrm>
+          <a:prstGeom prst="rect">
+            <a:avLst/>
+          </a:prstGeom>
+          <a:noFill/>
+          <a:ln w="9525">
+            <a:noFill/>
+          </a:ln>
+        </p:spPr>
+        <p:txBody>
+          <a:bodyPr wrap="square" anchor="t" anchorCtr="0">
+            <a:spAutoFit/>
+          </a:bodyPr>
+          <a:lstStyle/>
+          <a:p>
+            <a:pPr marL="285750" indent="-285750">
+              <a:lnSpc>
+                <a:spcPct val="150000"/>
+              </a:lnSpc>
+              <a:buFont typeface="Arial" panose="020B0604020202020204" pitchFamily="34" charset="0"/>
+              <a:buChar char="•"/>
+            </a:pPr>
+            <a:r>
+              <a:rPr lang="en-US" altLang="zh-CN" sz="1400" dirty="0">
+                <a:solidFill>
+                  <a:schemeClr val="bg1"/>
+                </a:solidFill>
+                <a:latin typeface="Arial" panose="020B0604020202020204" pitchFamily="34" charset="0"/>
+                <a:ea typeface="Arial" panose="020B0604020202020204" pitchFamily="34" charset="0"/>
+              </a:rPr>
+              <a:t>Most Reviewed </a:t>
+            </a:r>
+            <a:r>
+              <a:rPr lang="en-US" altLang="zh-CN" sz="1400" dirty="0" smtClean="0">
+                <a:solidFill>
+                  <a:schemeClr val="bg1"/>
+                </a:solidFill>
+                <a:latin typeface="Arial" panose="020B0604020202020204" pitchFamily="34" charset="0"/>
+                <a:ea typeface="Arial" panose="020B0604020202020204" pitchFamily="34" charset="0"/>
+              </a:rPr>
+              <a:t>Sub Category Distributions </a:t>
+            </a:r>
+            <a:r>
+              <a:rPr lang="en-US" altLang="zh-CN" sz="1400" dirty="0">
+                <a:solidFill>
+                  <a:schemeClr val="bg1"/>
+                </a:solidFill>
+                <a:latin typeface="Arial" panose="020B0604020202020204" pitchFamily="34" charset="0"/>
+                <a:ea typeface="Arial" panose="020B0604020202020204" pitchFamily="34" charset="0"/>
+              </a:rPr>
+              <a:t>(top 10) graphs show that </a:t>
+            </a:r>
+            <a:r>
+              <a:rPr lang="en-US" altLang="zh-CN" sz="1400" dirty="0" smtClean="0">
+                <a:solidFill>
+                  <a:schemeClr val="bg1"/>
+                </a:solidFill>
+                <a:latin typeface="Arial" panose="020B0604020202020204" pitchFamily="34" charset="0"/>
+                <a:ea typeface="Arial" panose="020B0604020202020204" pitchFamily="34" charset="0"/>
+              </a:rPr>
+              <a:t>38.6</a:t>
+            </a:r>
+            <a:r>
+              <a:rPr lang="en-US" altLang="zh-CN" sz="1400" dirty="0">
+                <a:solidFill>
+                  <a:schemeClr val="bg1"/>
+                </a:solidFill>
+                <a:latin typeface="Arial" panose="020B0604020202020204" pitchFamily="34" charset="0"/>
+                <a:ea typeface="Arial" panose="020B0604020202020204" pitchFamily="34" charset="0"/>
+              </a:rPr>
+              <a:t>% of the reviews are in the Appliances Parts sub category, and the Accessories sub category also holds 17.1% in the dataset.</a:t>
+            </a:r>
+            <a:endParaRPr lang="zh-CN" altLang="en-US" sz="1400" dirty="0">
+              <a:solidFill>
+                <a:schemeClr val="bg1"/>
+              </a:solidFill>
+              <a:latin typeface="Arial" panose="020B0604020202020204" pitchFamily="34" charset="0"/>
+              <a:ea typeface="Arial" panose="020B0604020202020204" pitchFamily="34" charset="0"/>
+            </a:endParaRPr>
+          </a:p>
+        </p:txBody>
+      </p:sp>
+      <p:pic>
+        <p:nvPicPr>
+          <p:cNvPr id="3" name="图片 2"/>
+          <p:cNvPicPr>
+            <a:picLocks noChangeAspect="1"/>
+          </p:cNvPicPr>
+          <p:nvPr/>
+        </p:nvPicPr>
+        <p:blipFill>
+          <a:blip r:embed="rId3">
+            <a:extLst>
+              <a:ext uri="{28A0092B-C50C-407E-A947-70E740481C1C}">
+                <a14:useLocalDpi xmlns:a14="http://schemas.microsoft.com/office/drawing/2010/main" val="0"/>
+              </a:ext>
+            </a:extLst>
+          </a:blip>
+          <a:stretch>
+            <a:fillRect/>
+          </a:stretch>
+        </p:blipFill>
+        <p:spPr>
+          <a:xfrm>
+            <a:off x="0" y="1036816"/>
+            <a:ext cx="12192000" cy="4418934"/>
+          </a:xfrm>
+          <a:prstGeom prst="rect">
+            <a:avLst/>
+          </a:prstGeom>
+        </p:spPr>
+      </p:pic>
+    </p:spTree>
+    <p:extLst>
+      <p:ext uri="{BB962C8B-B14F-4D97-AF65-F5344CB8AC3E}">
+        <p14:creationId xmlns:p14="http://schemas.microsoft.com/office/powerpoint/2010/main" val="1624177921"/>
+      </p:ext>
+    </p:extLst>
+  </p:cSld>
+  <p:clrMapOvr>
+    <a:masterClrMapping/>
+  </p:clrMapOvr>
+  <mc:AlternateContent xmlns:mc="http://schemas.openxmlformats.org/markup-compatibility/2006" xmlns:p14="http://schemas.microsoft.com/office/powerpoint/2010/main">
+    <mc:Choice Requires="p14">
+      <p:transition spd="med" p14:dur="700">
+        <p:fade/>
+      </p:transition>
+    </mc:Choice>
+    <mc:Fallback xmlns="">
+      <p:transition spd="med">
+        <p:fade/>
+      </p:transition>
+    </mc:Fallback>
+  </mc:AlternateContent>
+  <p:timing>
+    <p:tnLst>
+      <p:par>
+        <p:cTn id="1" dur="indefinite" restart="never" nodeType="tmRoot"/>
+      </p:par>
+    </p:tnLst>
+  </p:timing>
+</p:sld>
+</file>
+
+<file path=ppt/slides/slide27.xml><?xml version="1.0" encoding="utf-8"?>
+<p:sld xmlns:a="http://schemas.openxmlformats.org/drawingml/2006/main" xmlns:r="http://schemas.openxmlformats.org/officeDocument/2006/relationships" xmlns:p="http://schemas.openxmlformats.org/presentationml/2006/main">
+  <p:cSld>
+    <p:spTree>
+      <p:nvGrpSpPr>
+        <p:cNvPr id="1" name=""/>
+        <p:cNvGrpSpPr/>
+        <p:nvPr/>
+      </p:nvGrpSpPr>
+      <p:grpSpPr>
+        <a:xfrm>
+          <a:off x="0" y="0"/>
+          <a:ext cx="0" cy="0"/>
+          <a:chOff x="0" y="0"/>
+          <a:chExt cx="0" cy="0"/>
+        </a:xfrm>
+      </p:grpSpPr>
+      <p:sp>
+        <p:nvSpPr>
           <p:cNvPr id="32769" name="矩形 11"/>
           <p:cNvSpPr/>
           <p:nvPr/>
@@ -18779,7 +19298,7 @@
 </p:sld>
 </file>
 
-<file path=ppt/slides/slide27.xml><?xml version="1.0" encoding="utf-8"?>
+<file path=ppt/slides/slide28.xml><?xml version="1.0" encoding="utf-8"?>
 <p:sld xmlns:a="http://schemas.openxmlformats.org/drawingml/2006/main" xmlns:r="http://schemas.openxmlformats.org/officeDocument/2006/relationships" xmlns:p="http://schemas.openxmlformats.org/presentationml/2006/main">
   <p:cSld>
     <p:spTree>
@@ -19129,7 +19648,7 @@
 </p:sld>
 </file>
 
-<file path=ppt/slides/slide28.xml><?xml version="1.0" encoding="utf-8"?>
+<file path=ppt/slides/slide29.xml><?xml version="1.0" encoding="utf-8"?>
 <p:sld xmlns:a="http://schemas.openxmlformats.org/drawingml/2006/main" xmlns:r="http://schemas.openxmlformats.org/officeDocument/2006/relationships" xmlns:p="http://schemas.openxmlformats.org/presentationml/2006/main">
   <p:cSld>
     <p:spTree>
@@ -27743,7 +28262,136 @@
 </p:sld>
 </file>
 
-<file path=ppt/slides/slide29.xml><?xml version="1.0" encoding="utf-8"?>
+<file path=ppt/slides/slide3.xml><?xml version="1.0" encoding="utf-8"?>
+<p:sld xmlns:a="http://schemas.openxmlformats.org/drawingml/2006/main" xmlns:r="http://schemas.openxmlformats.org/officeDocument/2006/relationships" xmlns:p="http://schemas.openxmlformats.org/presentationml/2006/main">
+  <p:cSld>
+    <p:spTree>
+      <p:nvGrpSpPr>
+        <p:cNvPr id="1" name=""/>
+        <p:cNvGrpSpPr/>
+        <p:nvPr/>
+      </p:nvGrpSpPr>
+      <p:grpSpPr>
+        <a:xfrm>
+          <a:off x="0" y="0"/>
+          <a:ext cx="0" cy="0"/>
+          <a:chOff x="0" y="0"/>
+          <a:chExt cx="0" cy="0"/>
+        </a:xfrm>
+      </p:grpSpPr>
+      <p:sp>
+        <p:nvSpPr>
+          <p:cNvPr id="10241" name="矩形 11"/>
+          <p:cNvSpPr/>
+          <p:nvPr/>
+        </p:nvSpPr>
+        <p:spPr>
+          <a:xfrm>
+            <a:off x="4368506" y="4916488"/>
+            <a:ext cx="3475631" cy="769441"/>
+          </a:xfrm>
+          <a:prstGeom prst="rect">
+            <a:avLst/>
+          </a:prstGeom>
+          <a:noFill/>
+          <a:ln w="9525">
+            <a:noFill/>
+          </a:ln>
+        </p:spPr>
+        <p:txBody>
+          <a:bodyPr wrap="none" anchor="t" anchorCtr="0">
+            <a:spAutoFit/>
+          </a:bodyPr>
+          <a:lstStyle/>
+          <a:p>
+            <a:pPr algn="ctr"/>
+            <a:r>
+              <a:rPr lang="en-US" altLang="zh-CN" sz="4400" b="1" dirty="0" smtClean="0">
+                <a:solidFill>
+                  <a:srgbClr val="262626"/>
+                </a:solidFill>
+                <a:latin typeface="Arial" panose="020B0604020202020204" pitchFamily="34" charset="0"/>
+                <a:ea typeface="宋体" panose="02010600030101010101" pitchFamily="2" charset="-122"/>
+                <a:cs typeface="Arial" panose="020B0604020202020204" pitchFamily="34" charset="0"/>
+              </a:rPr>
+              <a:t>Introduction</a:t>
+            </a:r>
+            <a:endParaRPr lang="en-US" altLang="zh-CN" sz="4400" b="1" dirty="0">
+              <a:solidFill>
+                <a:srgbClr val="262626"/>
+              </a:solidFill>
+              <a:latin typeface="Arial" panose="020B0604020202020204" pitchFamily="34" charset="0"/>
+              <a:ea typeface="Arial" panose="020B0604020202020204" pitchFamily="34" charset="0"/>
+            </a:endParaRPr>
+          </a:p>
+        </p:txBody>
+      </p:sp>
+      <p:sp>
+        <p:nvSpPr>
+          <p:cNvPr id="10243" name="矩形 1"/>
+          <p:cNvSpPr/>
+          <p:nvPr/>
+        </p:nvSpPr>
+        <p:spPr>
+          <a:xfrm>
+            <a:off x="5364163" y="869950"/>
+            <a:ext cx="1463675" cy="3154363"/>
+          </a:xfrm>
+          <a:prstGeom prst="rect">
+            <a:avLst/>
+          </a:prstGeom>
+          <a:noFill/>
+          <a:ln w="9525">
+            <a:noFill/>
+          </a:ln>
+        </p:spPr>
+        <p:txBody>
+          <a:bodyPr wrap="none" anchor="t" anchorCtr="0">
+            <a:spAutoFit/>
+          </a:bodyPr>
+          <a:lstStyle/>
+          <a:p>
+            <a:pPr algn="ctr"/>
+            <a:r>
+              <a:rPr lang="en-US" altLang="zh-CN" sz="19900" b="1" dirty="0">
+                <a:solidFill>
+                  <a:srgbClr val="262626"/>
+                </a:solidFill>
+                <a:latin typeface="Arial" panose="020B0604020202020204" pitchFamily="34" charset="0"/>
+                <a:ea typeface="宋体" panose="02010600030101010101" pitchFamily="2" charset="-122"/>
+                <a:cs typeface="Arial" panose="020B0604020202020204" pitchFamily="34" charset="0"/>
+              </a:rPr>
+              <a:t>1</a:t>
+            </a:r>
+            <a:endParaRPr lang="zh-CN" altLang="en-US" sz="19900" b="1" dirty="0">
+              <a:solidFill>
+                <a:srgbClr val="262626"/>
+              </a:solidFill>
+              <a:latin typeface="Arial" panose="020B0604020202020204" pitchFamily="34" charset="0"/>
+              <a:ea typeface="Arial" panose="020B0604020202020204" pitchFamily="34" charset="0"/>
+            </a:endParaRPr>
+          </a:p>
+        </p:txBody>
+      </p:sp>
+    </p:spTree>
+  </p:cSld>
+  <p:clrMapOvr>
+    <a:masterClrMapping/>
+  </p:clrMapOvr>
+  <p:transition spd="med">
+    <p:fade/>
+  </p:transition>
+  <p:timing>
+    <p:tnLst>
+      <p:par>
+        <p:cTn id="1" dur="indefinite" restart="never" nodeType="tmRoot"/>
+      </p:par>
+    </p:tnLst>
+  </p:timing>
+</p:sld>
+</file>
+
+<file path=ppt/slides/slide30.xml><?xml version="1.0" encoding="utf-8"?>
 <p:sld xmlns:a="http://schemas.openxmlformats.org/drawingml/2006/main" xmlns:r="http://schemas.openxmlformats.org/officeDocument/2006/relationships" xmlns:p="http://schemas.openxmlformats.org/presentationml/2006/main">
   <p:cSld>
     <p:spTree>
@@ -28342,136 +28990,7 @@
 </p:sld>
 </file>
 
-<file path=ppt/slides/slide3.xml><?xml version="1.0" encoding="utf-8"?>
-<p:sld xmlns:a="http://schemas.openxmlformats.org/drawingml/2006/main" xmlns:r="http://schemas.openxmlformats.org/officeDocument/2006/relationships" xmlns:p="http://schemas.openxmlformats.org/presentationml/2006/main">
-  <p:cSld>
-    <p:spTree>
-      <p:nvGrpSpPr>
-        <p:cNvPr id="1" name=""/>
-        <p:cNvGrpSpPr/>
-        <p:nvPr/>
-      </p:nvGrpSpPr>
-      <p:grpSpPr>
-        <a:xfrm>
-          <a:off x="0" y="0"/>
-          <a:ext cx="0" cy="0"/>
-          <a:chOff x="0" y="0"/>
-          <a:chExt cx="0" cy="0"/>
-        </a:xfrm>
-      </p:grpSpPr>
-      <p:sp>
-        <p:nvSpPr>
-          <p:cNvPr id="10241" name="矩形 11"/>
-          <p:cNvSpPr/>
-          <p:nvPr/>
-        </p:nvSpPr>
-        <p:spPr>
-          <a:xfrm>
-            <a:off x="4368506" y="4916488"/>
-            <a:ext cx="3475631" cy="769441"/>
-          </a:xfrm>
-          <a:prstGeom prst="rect">
-            <a:avLst/>
-          </a:prstGeom>
-          <a:noFill/>
-          <a:ln w="9525">
-            <a:noFill/>
-          </a:ln>
-        </p:spPr>
-        <p:txBody>
-          <a:bodyPr wrap="none" anchor="t" anchorCtr="0">
-            <a:spAutoFit/>
-          </a:bodyPr>
-          <a:lstStyle/>
-          <a:p>
-            <a:pPr algn="ctr"/>
-            <a:r>
-              <a:rPr lang="en-US" altLang="zh-CN" sz="4400" b="1" dirty="0" smtClean="0">
-                <a:solidFill>
-                  <a:srgbClr val="262626"/>
-                </a:solidFill>
-                <a:latin typeface="Arial" panose="020B0604020202020204" pitchFamily="34" charset="0"/>
-                <a:ea typeface="宋体" panose="02010600030101010101" pitchFamily="2" charset="-122"/>
-                <a:cs typeface="Arial" panose="020B0604020202020204" pitchFamily="34" charset="0"/>
-              </a:rPr>
-              <a:t>Introduction</a:t>
-            </a:r>
-            <a:endParaRPr lang="en-US" altLang="zh-CN" sz="4400" b="1" dirty="0">
-              <a:solidFill>
-                <a:srgbClr val="262626"/>
-              </a:solidFill>
-              <a:latin typeface="Arial" panose="020B0604020202020204" pitchFamily="34" charset="0"/>
-              <a:ea typeface="Arial" panose="020B0604020202020204" pitchFamily="34" charset="0"/>
-            </a:endParaRPr>
-          </a:p>
-        </p:txBody>
-      </p:sp>
-      <p:sp>
-        <p:nvSpPr>
-          <p:cNvPr id="10243" name="矩形 1"/>
-          <p:cNvSpPr/>
-          <p:nvPr/>
-        </p:nvSpPr>
-        <p:spPr>
-          <a:xfrm>
-            <a:off x="5364163" y="869950"/>
-            <a:ext cx="1463675" cy="3154363"/>
-          </a:xfrm>
-          <a:prstGeom prst="rect">
-            <a:avLst/>
-          </a:prstGeom>
-          <a:noFill/>
-          <a:ln w="9525">
-            <a:noFill/>
-          </a:ln>
-        </p:spPr>
-        <p:txBody>
-          <a:bodyPr wrap="none" anchor="t" anchorCtr="0">
-            <a:spAutoFit/>
-          </a:bodyPr>
-          <a:lstStyle/>
-          <a:p>
-            <a:pPr algn="ctr"/>
-            <a:r>
-              <a:rPr lang="en-US" altLang="zh-CN" sz="19900" b="1" dirty="0">
-                <a:solidFill>
-                  <a:srgbClr val="262626"/>
-                </a:solidFill>
-                <a:latin typeface="Arial" panose="020B0604020202020204" pitchFamily="34" charset="0"/>
-                <a:ea typeface="宋体" panose="02010600030101010101" pitchFamily="2" charset="-122"/>
-                <a:cs typeface="Arial" panose="020B0604020202020204" pitchFamily="34" charset="0"/>
-              </a:rPr>
-              <a:t>1</a:t>
-            </a:r>
-            <a:endParaRPr lang="zh-CN" altLang="en-US" sz="19900" b="1" dirty="0">
-              <a:solidFill>
-                <a:srgbClr val="262626"/>
-              </a:solidFill>
-              <a:latin typeface="Arial" panose="020B0604020202020204" pitchFamily="34" charset="0"/>
-              <a:ea typeface="Arial" panose="020B0604020202020204" pitchFamily="34" charset="0"/>
-            </a:endParaRPr>
-          </a:p>
-        </p:txBody>
-      </p:sp>
-    </p:spTree>
-  </p:cSld>
-  <p:clrMapOvr>
-    <a:masterClrMapping/>
-  </p:clrMapOvr>
-  <p:transition spd="med">
-    <p:fade/>
-  </p:transition>
-  <p:timing>
-    <p:tnLst>
-      <p:par>
-        <p:cTn id="1" dur="indefinite" restart="never" nodeType="tmRoot"/>
-      </p:par>
-    </p:tnLst>
-  </p:timing>
-</p:sld>
-</file>
-
-<file path=ppt/slides/slide30.xml><?xml version="1.0" encoding="utf-8"?>
+<file path=ppt/slides/slide31.xml><?xml version="1.0" encoding="utf-8"?>
 <p:sld xmlns:a="http://schemas.openxmlformats.org/drawingml/2006/main" xmlns:r="http://schemas.openxmlformats.org/officeDocument/2006/relationships" xmlns:p="http://schemas.openxmlformats.org/presentationml/2006/main">
   <p:cSld>
     <p:spTree>
@@ -28815,7 +29334,7 @@
 </p:sld>
 </file>
 
-<file path=ppt/slides/slide31.xml><?xml version="1.0" encoding="utf-8"?>
+<file path=ppt/slides/slide32.xml><?xml version="1.0" encoding="utf-8"?>
 <p:sld xmlns:a="http://schemas.openxmlformats.org/drawingml/2006/main" xmlns:r="http://schemas.openxmlformats.org/officeDocument/2006/relationships" xmlns:p="http://schemas.openxmlformats.org/presentationml/2006/main">
   <p:cSld>
     <p:spTree>
@@ -28943,7 +29462,7 @@
 </p:sld>
 </file>
 
-<file path=ppt/slides/slide32.xml><?xml version="1.0" encoding="utf-8"?>
+<file path=ppt/slides/slide33.xml><?xml version="1.0" encoding="utf-8"?>
 <p:sld xmlns:a="http://schemas.openxmlformats.org/drawingml/2006/main" xmlns:r="http://schemas.openxmlformats.org/officeDocument/2006/relationships" xmlns:p="http://schemas.openxmlformats.org/presentationml/2006/main">
   <p:cSld>
     <p:spTree>
@@ -29531,7 +30050,7 @@
 </p:sld>
 </file>
 
-<file path=ppt/slides/slide33.xml><?xml version="1.0" encoding="utf-8"?>
+<file path=ppt/slides/slide34.xml><?xml version="1.0" encoding="utf-8"?>
 <p:sld xmlns:a="http://schemas.openxmlformats.org/drawingml/2006/main" xmlns:r="http://schemas.openxmlformats.org/officeDocument/2006/relationships" xmlns:p="http://schemas.openxmlformats.org/presentationml/2006/main">
   <p:cSld>
     <p:spTree>
@@ -29860,7 +30379,7 @@
 </p:sld>
 </file>
 
-<file path=ppt/slides/slide34.xml><?xml version="1.0" encoding="utf-8"?>
+<file path=ppt/slides/slide35.xml><?xml version="1.0" encoding="utf-8"?>
 <p:sld xmlns:a="http://schemas.openxmlformats.org/drawingml/2006/main" xmlns:r="http://schemas.openxmlformats.org/officeDocument/2006/relationships" xmlns:p="http://schemas.openxmlformats.org/presentationml/2006/main">
   <p:cSld>
     <p:spTree>

--- a/presentation/Project_Presentation_EDA_v1.1.pptx
+++ b/presentation/Project_Presentation_EDA_v1.1.pptx
@@ -359,7 +359,7 @@
                 <a:ea typeface="+mn-ea"/>
                 <a:cs typeface="+mn-cs"/>
               </a:rPr>
-              <a:t>2022/3/19</a:t>
+              <a:t>2022/3/20</a:t>
             </a:fld>
             <a:endParaRPr lang="zh-CN" altLang="en-US" strike="noStrike" noProof="1"/>
           </a:p>
@@ -540,7 +540,7 @@
                 <a:ea typeface="Arial" panose="020B0604020202020204" pitchFamily="34" charset="0"/>
                 <a:cs typeface="+mn-cs"/>
               </a:rPr>
-              <a:t>2022/3/19</a:t>
+              <a:t>2022/3/20</a:t>
             </a:fld>
             <a:endParaRPr lang="zh-CN" altLang="en-US" strike="noStrike" noProof="1"/>
           </a:p>
@@ -1568,7 +1568,27 @@
                 <a:latin typeface="Arial" panose="020B0604020202020204" pitchFamily="34" charset="0"/>
                 <a:ea typeface="Arial" panose="020B0604020202020204" pitchFamily="34" charset="0"/>
               </a:rPr>
-              <a:t>Most Reviewed Sub Category Distributions (top 10) graphs show that 38.6% of the reviews are in the Appliances Parts sub category, and the Accessories sub category also holds 17.1% in the dataset.</a:t>
+              <a:t>Most Reviewed Sub Category Distributions (top 10) graphs show that </a:t>
+            </a:r>
+            <a:r>
+              <a:rPr lang="en-US" altLang="zh-CN" sz="1200" dirty="0" smtClean="0">
+                <a:solidFill>
+                  <a:schemeClr val="bg1"/>
+                </a:solidFill>
+                <a:latin typeface="Arial" panose="020B0604020202020204" pitchFamily="34" charset="0"/>
+                <a:ea typeface="Arial" panose="020B0604020202020204" pitchFamily="34" charset="0"/>
+              </a:rPr>
+              <a:t>37.9% </a:t>
+            </a:r>
+            <a:r>
+              <a:rPr lang="en-US" altLang="zh-CN" sz="1200" dirty="0" smtClean="0">
+                <a:solidFill>
+                  <a:schemeClr val="bg1"/>
+                </a:solidFill>
+                <a:latin typeface="Arial" panose="020B0604020202020204" pitchFamily="34" charset="0"/>
+                <a:ea typeface="Arial" panose="020B0604020202020204" pitchFamily="34" charset="0"/>
+              </a:rPr>
+              <a:t>of the reviews are in the Appliances Parts sub category, and the Accessories sub category also holds 17.1% in the dataset.</a:t>
             </a:r>
             <a:endParaRPr lang="zh-CN" altLang="en-US" sz="1200" dirty="0" smtClean="0">
               <a:solidFill>
@@ -5695,27 +5715,7 @@
                 <a:latin typeface="Arial" panose="020B0604020202020204" pitchFamily="34" charset="0"/>
                 <a:ea typeface="Arial" panose="020B0604020202020204" pitchFamily="34" charset="0"/>
               </a:rPr>
-              <a:t>There are a total of </a:t>
-            </a:r>
-            <a:r>
-              <a:rPr lang="en-US" altLang="zh-CN" dirty="0">
-                <a:solidFill>
-                  <a:schemeClr val="bg1"/>
-                </a:solidFill>
-                <a:latin typeface="Arial" panose="020B0604020202020204" pitchFamily="34" charset="0"/>
-                <a:ea typeface="Arial" panose="020B0604020202020204" pitchFamily="34" charset="0"/>
-              </a:rPr>
-              <a:t>30,239 </a:t>
-            </a:r>
-            <a:r>
-              <a:rPr lang="en-US" altLang="zh-CN" dirty="0">
-                <a:solidFill>
-                  <a:schemeClr val="bg1"/>
-                </a:solidFill>
-                <a:latin typeface="Arial" panose="020B0604020202020204" pitchFamily="34" charset="0"/>
-                <a:ea typeface="Arial" panose="020B0604020202020204" pitchFamily="34" charset="0"/>
-              </a:rPr>
-              <a:t>product records in this category, and the dataset has 19 different features.</a:t>
+              <a:t>There are a total of 30,239 product records in this category, and the dataset has 19 different features.</a:t>
             </a:r>
             <a:endParaRPr lang="zh-CN" altLang="en-US" dirty="0">
               <a:solidFill>
@@ -17102,17 +17102,7 @@
                 <a:latin typeface="Arial" panose="020B0604020202020204" pitchFamily="34" charset="0"/>
                 <a:cs typeface="Arial" panose="020B0604020202020204" pitchFamily="34" charset="0"/>
               </a:rPr>
-              <a:t>is the list of the ranking of most reviewed products and their average ratings. </a:t>
-            </a:r>
-            <a:r>
-              <a:rPr lang="en-US" altLang="zh-CN" sz="1400" dirty="0">
-                <a:solidFill>
-                  <a:srgbClr val="262626"/>
-                </a:solidFill>
-                <a:latin typeface="Arial" panose="020B0604020202020204" pitchFamily="34" charset="0"/>
-                <a:cs typeface="Arial" panose="020B0604020202020204" pitchFamily="34" charset="0"/>
-              </a:rPr>
-              <a:t>Among 30,239 Appliances products, there are 30,252 products were reviewed. So there are some products are not included in the product dataset.</a:t>
+              <a:t>is the list of the ranking of most reviewed products and their average ratings. Among 30,239 Appliances products, there are 30,252 products were reviewed. So there are some products are not included in the product dataset.</a:t>
             </a:r>
             <a:endParaRPr lang="zh-CN" altLang="en-US" sz="1400" dirty="0">
               <a:solidFill>
@@ -19086,7 +19076,7 @@
                 <a:latin typeface="Arial" panose="020B0604020202020204" pitchFamily="34" charset="0"/>
                 <a:ea typeface="Arial" panose="020B0604020202020204" pitchFamily="34" charset="0"/>
               </a:rPr>
-              <a:t>38.6</a:t>
+              <a:t>37.9% </a:t>
             </a:r>
             <a:r>
               <a:rPr lang="en-US" altLang="zh-CN" sz="1400" dirty="0">
@@ -19096,7 +19086,7 @@
                 <a:latin typeface="Arial" panose="020B0604020202020204" pitchFamily="34" charset="0"/>
                 <a:ea typeface="Arial" panose="020B0604020202020204" pitchFamily="34" charset="0"/>
               </a:rPr>
-              <a:t>% of the reviews are in the Appliances Parts sub category, and the Accessories sub category also holds 17.1% in the dataset.</a:t>
+              <a:t>of the reviews are in the Appliances Parts sub category, and the Accessories sub category also holds 17.1% in the dataset.</a:t>
             </a:r>
             <a:endParaRPr lang="zh-CN" altLang="en-US" sz="1400" dirty="0">
               <a:solidFill>

--- a/presentation/Project_Presentation_EDA_v1.1.pptx
+++ b/presentation/Project_Presentation_EDA_v1.1.pptx
@@ -1568,27 +1568,7 @@
                 <a:latin typeface="Arial" panose="020B0604020202020204" pitchFamily="34" charset="0"/>
                 <a:ea typeface="Arial" panose="020B0604020202020204" pitchFamily="34" charset="0"/>
               </a:rPr>
-              <a:t>Most Reviewed Sub Category Distributions (top 10) graphs show that </a:t>
-            </a:r>
-            <a:r>
-              <a:rPr lang="en-US" altLang="zh-CN" sz="1200" dirty="0" smtClean="0">
-                <a:solidFill>
-                  <a:schemeClr val="bg1"/>
-                </a:solidFill>
-                <a:latin typeface="Arial" panose="020B0604020202020204" pitchFamily="34" charset="0"/>
-                <a:ea typeface="Arial" panose="020B0604020202020204" pitchFamily="34" charset="0"/>
-              </a:rPr>
-              <a:t>37.9% </a:t>
-            </a:r>
-            <a:r>
-              <a:rPr lang="en-US" altLang="zh-CN" sz="1200" dirty="0" smtClean="0">
-                <a:solidFill>
-                  <a:schemeClr val="bg1"/>
-                </a:solidFill>
-                <a:latin typeface="Arial" panose="020B0604020202020204" pitchFamily="34" charset="0"/>
-                <a:ea typeface="Arial" panose="020B0604020202020204" pitchFamily="34" charset="0"/>
-              </a:rPr>
-              <a:t>of the reviews are in the Appliances Parts sub category, and the Accessories sub category also holds 17.1% in the dataset.</a:t>
+              <a:t>Most Reviewed Sub Category Distributions (top 10) graphs show that 37.9% of the reviews are in the Appliances Parts sub category, and the Accessories sub category also holds 17.1% in the dataset.</a:t>
             </a:r>
             <a:endParaRPr lang="zh-CN" altLang="en-US" sz="1200" dirty="0" smtClean="0">
               <a:solidFill>
@@ -16681,7 +16661,27 @@
                 <a:latin typeface="Arial" panose="020B0604020202020204" pitchFamily="34" charset="0"/>
                 <a:cs typeface="Arial" panose="020B0604020202020204" pitchFamily="34" charset="0"/>
               </a:rPr>
-              <a:t>of the products (64.6%) are in the Tools &amp; Home Improvement category, and the Appliances category also holds </a:t>
+              <a:t>of the products (</a:t>
+            </a:r>
+            <a:r>
+              <a:rPr lang="en-US" altLang="zh-CN" sz="1400" dirty="0" smtClean="0">
+                <a:solidFill>
+                  <a:srgbClr val="262626"/>
+                </a:solidFill>
+                <a:latin typeface="Arial" panose="020B0604020202020204" pitchFamily="34" charset="0"/>
+                <a:cs typeface="Arial" panose="020B0604020202020204" pitchFamily="34" charset="0"/>
+              </a:rPr>
+              <a:t>64.7%) </a:t>
+            </a:r>
+            <a:r>
+              <a:rPr lang="en-US" altLang="zh-CN" sz="1400" dirty="0">
+                <a:solidFill>
+                  <a:srgbClr val="262626"/>
+                </a:solidFill>
+                <a:latin typeface="Arial" panose="020B0604020202020204" pitchFamily="34" charset="0"/>
+                <a:cs typeface="Arial" panose="020B0604020202020204" pitchFamily="34" charset="0"/>
+              </a:rPr>
+              <a:t>are in the Tools &amp; Home Improvement category, and the Appliances category also holds </a:t>
             </a:r>
             <a:r>
               <a:rPr lang="en-US" altLang="zh-CN" sz="1400" dirty="0" smtClean="0">

--- a/presentation/Project_Presentation_EDA_v1.1.pptx
+++ b/presentation/Project_Presentation_EDA_v1.1.pptx
@@ -16455,7 +16455,7 @@
       </p:sp>
       <p:pic>
         <p:nvPicPr>
-          <p:cNvPr id="3" name="图片 2"/>
+          <p:cNvPr id="4" name="图片 3"/>
           <p:cNvPicPr>
             <a:picLocks noChangeAspect="1"/>
           </p:cNvPicPr>
@@ -16463,30 +16463,6 @@
         </p:nvPicPr>
         <p:blipFill>
           <a:blip r:embed="rId2"/>
-          <a:stretch>
-            <a:fillRect/>
-          </a:stretch>
-        </p:blipFill>
-        <p:spPr>
-          <a:xfrm>
-            <a:off x="216958" y="991870"/>
-            <a:ext cx="6149275" cy="4511246"/>
-          </a:xfrm>
-          <a:prstGeom prst="rect">
-            <a:avLst/>
-          </a:prstGeom>
-        </p:spPr>
-      </p:pic>
-      <p:pic>
-        <p:nvPicPr>
-          <p:cNvPr id="4" name="图片 3"/>
-          <p:cNvPicPr>
-            <a:picLocks noChangeAspect="1"/>
-          </p:cNvPicPr>
-          <p:nvPr/>
-        </p:nvPicPr>
-        <p:blipFill>
-          <a:blip r:embed="rId3"/>
           <a:stretch>
             <a:fillRect/>
           </a:stretch>
@@ -16509,8 +16485,8 @@
         </p:nvGrpSpPr>
         <p:grpSpPr>
           <a:xfrm>
-            <a:off x="6447195" y="4680831"/>
-            <a:ext cx="5448300" cy="2016967"/>
+            <a:off x="6609119" y="4680831"/>
+            <a:ext cx="5286376" cy="2016967"/>
             <a:chOff x="0" y="6227623"/>
             <a:chExt cx="12192000" cy="630377"/>
           </a:xfrm>
@@ -16732,6 +16708,30 @@
           </a:p>
         </p:txBody>
       </p:sp>
+      <p:pic>
+        <p:nvPicPr>
+          <p:cNvPr id="9" name="图片 8"/>
+          <p:cNvPicPr>
+            <a:picLocks noChangeAspect="1"/>
+          </p:cNvPicPr>
+          <p:nvPr/>
+        </p:nvPicPr>
+        <p:blipFill>
+          <a:blip r:embed="rId3"/>
+          <a:stretch>
+            <a:fillRect/>
+          </a:stretch>
+        </p:blipFill>
+        <p:spPr>
+          <a:xfrm>
+            <a:off x="129691" y="991870"/>
+            <a:ext cx="6479428" cy="4521813"/>
+          </a:xfrm>
+          <a:prstGeom prst="rect">
+            <a:avLst/>
+          </a:prstGeom>
+        </p:spPr>
+      </p:pic>
     </p:spTree>
     <p:extLst>
       <p:ext uri="{BB962C8B-B14F-4D97-AF65-F5344CB8AC3E}">
@@ -17714,47 +17714,6 @@
           </a:p>
         </p:txBody>
       </p:sp>
-      <p:pic>
-        <p:nvPicPr>
-          <p:cNvPr id="6146" name="Picture 2" descr="https://github.com/JinHuiXu1991/Jin_DATA606/raw/9b4cb651e7e430486faa681c4e48af5d358d6fc6/images/product_wordcloud.png"/>
-          <p:cNvPicPr>
-            <a:picLocks noChangeAspect="1" noChangeArrowheads="1"/>
-          </p:cNvPicPr>
-          <p:nvPr/>
-        </p:nvPicPr>
-        <p:blipFill>
-          <a:blip r:embed="rId2">
-            <a:extLst>
-              <a:ext uri="{28A0092B-C50C-407E-A947-70E740481C1C}">
-                <a14:useLocalDpi xmlns:a14="http://schemas.microsoft.com/office/drawing/2010/main" val="0"/>
-              </a:ext>
-            </a:extLst>
-          </a:blip>
-          <a:srcRect/>
-          <a:stretch>
-            <a:fillRect/>
-          </a:stretch>
-        </p:blipFill>
-        <p:spPr bwMode="auto">
-          <a:xfrm>
-            <a:off x="1234668" y="1119822"/>
-            <a:ext cx="9195612" cy="4576715"/>
-          </a:xfrm>
-          <a:prstGeom prst="rect">
-            <a:avLst/>
-          </a:prstGeom>
-          <a:noFill/>
-          <a:extLst>
-            <a:ext uri="{909E8E84-426E-40DD-AFC4-6F175D3DCCD1}">
-              <a14:hiddenFill xmlns:a14="http://schemas.microsoft.com/office/drawing/2010/main">
-                <a:solidFill>
-                  <a:srgbClr val="FFFFFF"/>
-                </a:solidFill>
-              </a14:hiddenFill>
-            </a:ext>
-          </a:extLst>
-        </p:spPr>
-      </p:pic>
       <p:grpSp>
         <p:nvGrpSpPr>
           <p:cNvPr id="4" name="组合 1"/>
@@ -17918,6 +17877,36 @@
           </a:p>
         </p:txBody>
       </p:sp>
+      <p:pic>
+        <p:nvPicPr>
+          <p:cNvPr id="3" name="图片 2"/>
+          <p:cNvPicPr>
+            <a:picLocks noChangeAspect="1"/>
+          </p:cNvPicPr>
+          <p:nvPr/>
+        </p:nvPicPr>
+        <p:blipFill>
+          <a:blip r:embed="rId2">
+            <a:extLst>
+              <a:ext uri="{28A0092B-C50C-407E-A947-70E740481C1C}">
+                <a14:useLocalDpi xmlns:a14="http://schemas.microsoft.com/office/drawing/2010/main" val="0"/>
+              </a:ext>
+            </a:extLst>
+          </a:blip>
+          <a:stretch>
+            <a:fillRect/>
+          </a:stretch>
+        </p:blipFill>
+        <p:spPr>
+          <a:xfrm>
+            <a:off x="1096037" y="991870"/>
+            <a:ext cx="9472874" cy="4747325"/>
+          </a:xfrm>
+          <a:prstGeom prst="rect">
+            <a:avLst/>
+          </a:prstGeom>
+        </p:spPr>
+      </p:pic>
     </p:spTree>
     <p:extLst>
       <p:ext uri="{BB962C8B-B14F-4D97-AF65-F5344CB8AC3E}">
@@ -18024,47 +18013,6 @@
           </a:p>
         </p:txBody>
       </p:sp>
-      <p:pic>
-        <p:nvPicPr>
-          <p:cNvPr id="7170" name="Picture 2" descr="most_reviewed_brand.png"/>
-          <p:cNvPicPr>
-            <a:picLocks noChangeAspect="1" noChangeArrowheads="1"/>
-          </p:cNvPicPr>
-          <p:nvPr/>
-        </p:nvPicPr>
-        <p:blipFill>
-          <a:blip r:embed="rId3">
-            <a:extLst>
-              <a:ext uri="{28A0092B-C50C-407E-A947-70E740481C1C}">
-                <a14:useLocalDpi xmlns:a14="http://schemas.microsoft.com/office/drawing/2010/main" val="0"/>
-              </a:ext>
-            </a:extLst>
-          </a:blip>
-          <a:srcRect/>
-          <a:stretch>
-            <a:fillRect/>
-          </a:stretch>
-        </p:blipFill>
-        <p:spPr bwMode="auto">
-          <a:xfrm>
-            <a:off x="743089" y="1036816"/>
-            <a:ext cx="10556282" cy="4155322"/>
-          </a:xfrm>
-          <a:prstGeom prst="rect">
-            <a:avLst/>
-          </a:prstGeom>
-          <a:noFill/>
-          <a:extLst>
-            <a:ext uri="{909E8E84-426E-40DD-AFC4-6F175D3DCCD1}">
-              <a14:hiddenFill xmlns:a14="http://schemas.microsoft.com/office/drawing/2010/main">
-                <a:solidFill>
-                  <a:srgbClr val="FFFFFF"/>
-                </a:solidFill>
-              </a14:hiddenFill>
-            </a:ext>
-          </a:extLst>
-        </p:spPr>
-      </p:pic>
       <p:grpSp>
         <p:nvGrpSpPr>
           <p:cNvPr id="4" name="组合 8"/>
@@ -18283,6 +18231,47 @@
           </a:p>
         </p:txBody>
       </p:sp>
+      <p:pic>
+        <p:nvPicPr>
+          <p:cNvPr id="1030" name="Picture 6" descr="most_reviewed_brand.png"/>
+          <p:cNvPicPr>
+            <a:picLocks noChangeAspect="1" noChangeArrowheads="1"/>
+          </p:cNvPicPr>
+          <p:nvPr/>
+        </p:nvPicPr>
+        <p:blipFill>
+          <a:blip r:embed="rId3">
+            <a:extLst>
+              <a:ext uri="{28A0092B-C50C-407E-A947-70E740481C1C}">
+                <a14:useLocalDpi xmlns:a14="http://schemas.microsoft.com/office/drawing/2010/main" val="0"/>
+              </a:ext>
+            </a:extLst>
+          </a:blip>
+          <a:srcRect/>
+          <a:stretch>
+            <a:fillRect/>
+          </a:stretch>
+        </p:blipFill>
+        <p:spPr bwMode="auto">
+          <a:xfrm>
+            <a:off x="689393" y="1036222"/>
+            <a:ext cx="10269892" cy="4005170"/>
+          </a:xfrm>
+          <a:prstGeom prst="rect">
+            <a:avLst/>
+          </a:prstGeom>
+          <a:noFill/>
+          <a:extLst>
+            <a:ext uri="{909E8E84-426E-40DD-AFC4-6F175D3DCCD1}">
+              <a14:hiddenFill xmlns:a14="http://schemas.microsoft.com/office/drawing/2010/main">
+                <a:solidFill>
+                  <a:srgbClr val="FFFFFF"/>
+                </a:solidFill>
+              </a14:hiddenFill>
+            </a:ext>
+          </a:extLst>
+        </p:spPr>
+      </p:pic>
     </p:spTree>
     <p:extLst>
       <p:ext uri="{BB962C8B-B14F-4D97-AF65-F5344CB8AC3E}">

--- a/presentation/Project_Presentation_EDA_v1.1.pptx
+++ b/presentation/Project_Presentation_EDA_v1.1.pptx
@@ -5,47 +5,47 @@
     <p:sldMasterId id="2147483648" r:id="rId1"/>
   </p:sldMasterIdLst>
   <p:notesMasterIdLst>
-    <p:notesMasterId r:id="rId37"/>
+    <p:notesMasterId r:id="rId6"/>
   </p:notesMasterIdLst>
   <p:handoutMasterIdLst>
-    <p:handoutMasterId r:id="rId38"/>
+    <p:handoutMasterId r:id="rId39"/>
   </p:handoutMasterIdLst>
   <p:sldIdLst>
-    <p:sldId id="422" r:id="rId2"/>
-    <p:sldId id="407" r:id="rId3"/>
-    <p:sldId id="415" r:id="rId4"/>
-    <p:sldId id="435" r:id="rId5"/>
-    <p:sldId id="429" r:id="rId6"/>
-    <p:sldId id="436" r:id="rId7"/>
-    <p:sldId id="430" r:id="rId8"/>
-    <p:sldId id="437" r:id="rId9"/>
-    <p:sldId id="439" r:id="rId10"/>
-    <p:sldId id="438" r:id="rId11"/>
-    <p:sldId id="431" r:id="rId12"/>
-    <p:sldId id="337" r:id="rId13"/>
-    <p:sldId id="328" r:id="rId14"/>
-    <p:sldId id="432" r:id="rId15"/>
-    <p:sldId id="441" r:id="rId16"/>
-    <p:sldId id="442" r:id="rId17"/>
-    <p:sldId id="443" r:id="rId18"/>
-    <p:sldId id="455" r:id="rId19"/>
-    <p:sldId id="444" r:id="rId20"/>
-    <p:sldId id="445" r:id="rId21"/>
-    <p:sldId id="446" r:id="rId22"/>
-    <p:sldId id="447" r:id="rId23"/>
-    <p:sldId id="448" r:id="rId24"/>
-    <p:sldId id="449" r:id="rId25"/>
-    <p:sldId id="450" r:id="rId26"/>
-    <p:sldId id="458" r:id="rId27"/>
-    <p:sldId id="433" r:id="rId28"/>
-    <p:sldId id="451" r:id="rId29"/>
-    <p:sldId id="452" r:id="rId30"/>
-    <p:sldId id="454" r:id="rId31"/>
-    <p:sldId id="456" r:id="rId32"/>
-    <p:sldId id="434" r:id="rId33"/>
-    <p:sldId id="342" r:id="rId34"/>
-    <p:sldId id="440" r:id="rId35"/>
-    <p:sldId id="387" r:id="rId36"/>
+    <p:sldId id="422" r:id="rId3"/>
+    <p:sldId id="407" r:id="rId4"/>
+    <p:sldId id="415" r:id="rId5"/>
+    <p:sldId id="435" r:id="rId7"/>
+    <p:sldId id="429" r:id="rId8"/>
+    <p:sldId id="436" r:id="rId9"/>
+    <p:sldId id="430" r:id="rId10"/>
+    <p:sldId id="437" r:id="rId11"/>
+    <p:sldId id="439" r:id="rId12"/>
+    <p:sldId id="438" r:id="rId13"/>
+    <p:sldId id="431" r:id="rId14"/>
+    <p:sldId id="337" r:id="rId15"/>
+    <p:sldId id="328" r:id="rId16"/>
+    <p:sldId id="432" r:id="rId17"/>
+    <p:sldId id="441" r:id="rId18"/>
+    <p:sldId id="442" r:id="rId19"/>
+    <p:sldId id="443" r:id="rId20"/>
+    <p:sldId id="455" r:id="rId21"/>
+    <p:sldId id="444" r:id="rId22"/>
+    <p:sldId id="445" r:id="rId23"/>
+    <p:sldId id="446" r:id="rId24"/>
+    <p:sldId id="447" r:id="rId25"/>
+    <p:sldId id="448" r:id="rId26"/>
+    <p:sldId id="449" r:id="rId27"/>
+    <p:sldId id="450" r:id="rId28"/>
+    <p:sldId id="458" r:id="rId29"/>
+    <p:sldId id="433" r:id="rId30"/>
+    <p:sldId id="451" r:id="rId31"/>
+    <p:sldId id="452" r:id="rId32"/>
+    <p:sldId id="454" r:id="rId33"/>
+    <p:sldId id="456" r:id="rId34"/>
+    <p:sldId id="434" r:id="rId35"/>
+    <p:sldId id="342" r:id="rId36"/>
+    <p:sldId id="440" r:id="rId37"/>
+    <p:sldId id="387" r:id="rId38"/>
   </p:sldIdLst>
   <p:sldSz cx="12192000" cy="6858000"/>
   <p:notesSz cx="6858000" cy="9144000"/>
@@ -242,32 +242,6 @@
       </a:defRPr>
     </a:lvl9pPr>
   </p:defaultTextStyle>
-  <p:extLst>
-    <p:ext uri="{EFAFB233-063F-42B5-8137-9DF3F51BA10A}">
-      <p15:sldGuideLst xmlns:p15="http://schemas.microsoft.com/office/powerpoint/2012/main">
-        <p15:guide id="1" orient="horz" pos="822">
-          <p15:clr>
-            <a:srgbClr val="A4A3A4"/>
-          </p15:clr>
-        </p15:guide>
-        <p15:guide id="2" pos="3886">
-          <p15:clr>
-            <a:srgbClr val="A4A3A4"/>
-          </p15:clr>
-        </p15:guide>
-        <p15:guide id="3" pos="1479">
-          <p15:clr>
-            <a:srgbClr val="A4A3A4"/>
-          </p15:clr>
-        </p15:guide>
-        <p15:guide id="4" orient="horz" pos="922">
-          <p15:clr>
-            <a:srgbClr val="A4A3A4"/>
-          </p15:clr>
-        </p15:guide>
-      </p15:sldGuideLst>
-    </p:ext>
-  </p:extLst>
 </p:presentation>
 </file>
 
@@ -359,7 +333,6 @@
                 <a:ea typeface="+mn-ea"/>
                 <a:cs typeface="+mn-cs"/>
               </a:rPr>
-              <a:t>2022/3/20</a:t>
             </a:fld>
             <a:endParaRPr lang="zh-CN" altLang="en-US" strike="noStrike" noProof="1"/>
           </a:p>
@@ -431,18 +404,12 @@
                 <a:ea typeface="+mn-ea"/>
                 <a:cs typeface="+mn-cs"/>
               </a:rPr>
-              <a:t>‹#›</a:t>
             </a:fld>
             <a:endParaRPr lang="zh-CN" altLang="en-US" strike="noStrike" noProof="1"/>
           </a:p>
         </p:txBody>
       </p:sp>
     </p:spTree>
-    <p:extLst>
-      <p:ext uri="{BB962C8B-B14F-4D97-AF65-F5344CB8AC3E}">
-        <p14:creationId xmlns:p14="http://schemas.microsoft.com/office/powerpoint/2010/main" val="2690152738"/>
-      </p:ext>
-    </p:extLst>
   </p:cSld>
   <p:clrMap bg1="lt1" tx1="dk1" bg2="lt2" tx2="dk2" accent1="accent1" accent2="accent2" accent3="accent3" accent4="accent4" accent5="accent5" accent6="accent6" hlink="hlink" folHlink="folHlink"/>
 </p:handoutMaster>
@@ -540,7 +507,6 @@
                 <a:ea typeface="Arial" panose="020B0604020202020204" pitchFamily="34" charset="0"/>
                 <a:cs typeface="+mn-cs"/>
               </a:rPr>
-              <a:t>2022/3/20</a:t>
             </a:fld>
             <a:endParaRPr lang="zh-CN" altLang="en-US" strike="noStrike" noProof="1"/>
           </a:p>
@@ -881,18 +847,12 @@
                 <a:ea typeface="Arial" panose="020B0604020202020204" pitchFamily="34" charset="0"/>
                 <a:cs typeface="+mn-cs"/>
               </a:rPr>
-              <a:t>‹#›</a:t>
             </a:fld>
             <a:endParaRPr lang="zh-CN" altLang="en-US" strike="noStrike" noProof="1"/>
           </a:p>
         </p:txBody>
       </p:sp>
     </p:spTree>
-    <p:extLst>
-      <p:ext uri="{BB962C8B-B14F-4D97-AF65-F5344CB8AC3E}">
-        <p14:creationId xmlns:p14="http://schemas.microsoft.com/office/powerpoint/2010/main" val="2748054246"/>
-      </p:ext>
-    </p:extLst>
   </p:cSld>
   <p:clrMap bg1="lt1" tx1="dk1" bg2="lt2" tx2="dk2" accent1="accent1" accent2="accent2" accent3="accent3" accent4="accent4" accent5="accent5" accent6="accent6" hlink="hlink" folHlink="folHlink"/>
   <p:hf sldNum="0" hdr="0" ftr="0" dt="0"/>
@@ -1084,7 +1044,6 @@
                 <a:latin typeface="Calibri" panose="020F0502020204030204" charset="0"/>
                 <a:ea typeface="宋体" panose="02010600030101010101" pitchFamily="2" charset="-122"/>
               </a:rPr>
-              <a:t>3</a:t>
             </a:fld>
             <a:endParaRPr lang="zh-CN" altLang="en-US" sz="1200">
               <a:latin typeface="Calibri" panose="020F0502020204030204" charset="0"/>
@@ -1094,11 +1053,6 @@
         </p:txBody>
       </p:sp>
     </p:spTree>
-    <p:extLst>
-      <p:ext uri="{BB962C8B-B14F-4D97-AF65-F5344CB8AC3E}">
-        <p14:creationId xmlns:p14="http://schemas.microsoft.com/office/powerpoint/2010/main" val="1346590504"/>
-      </p:ext>
-    </p:extLst>
   </p:cSld>
   <p:clrMapOvr>
     <a:masterClrMapping/>
@@ -1163,6 +1117,16 @@
               </a:rPr>
               <a:t>To find out more insights within this dataset, we can merge the cleaned review and product datasets.</a:t>
             </a:r>
+            <a:endParaRPr lang="en-US" sz="1200" b="0" i="0" kern="1200" dirty="0" smtClean="0">
+              <a:solidFill>
+                <a:schemeClr val="tx1"/>
+              </a:solidFill>
+              <a:effectLst/>
+              <a:latin typeface="+mn-lt"/>
+              <a:ea typeface="Arial" panose="020B0604020202020204" pitchFamily="34" charset="0"/>
+              <a:cs typeface="+mn-cs"/>
+              <a:sym typeface="Arial" panose="020B0604020202020204" pitchFamily="34" charset="0"/>
+            </a:endParaRPr>
           </a:p>
           <a:p>
             <a:endParaRPr lang="en-US" sz="1200" b="0" i="0" kern="1200" dirty="0" smtClean="0">
@@ -1194,11 +1158,6 @@
         </p:txBody>
       </p:sp>
     </p:spTree>
-    <p:extLst>
-      <p:ext uri="{BB962C8B-B14F-4D97-AF65-F5344CB8AC3E}">
-        <p14:creationId xmlns:p14="http://schemas.microsoft.com/office/powerpoint/2010/main" val="2718684597"/>
-      </p:ext>
-    </p:extLst>
   </p:cSld>
   <p:clrMapOvr>
     <a:masterClrMapping/>
@@ -1264,7 +1223,6 @@
               <a:buSzTx/>
               <a:buFontTx/>
               <a:buNone/>
-              <a:tabLst/>
               <a:defRPr/>
             </a:pPr>
             <a:r>
@@ -1277,6 +1235,13 @@
               </a:rPr>
               <a:t>This table shows the top 10 average rating brand (reviews &gt; 5000) in the dataset. There are many brand only have a few reviews, and their average rating will definitely be higher than other brands with more reviews, so we only consider the brands with at least 5,000 reviews for this analysis.</a:t>
             </a:r>
+            <a:endParaRPr lang="en-US" altLang="zh-CN" sz="1200" dirty="0" smtClean="0">
+              <a:solidFill>
+                <a:srgbClr val="262626"/>
+              </a:solidFill>
+              <a:latin typeface="Arial" panose="020B0604020202020204" pitchFamily="34" charset="0"/>
+              <a:cs typeface="Arial" panose="020B0604020202020204" pitchFamily="34" charset="0"/>
+            </a:endParaRPr>
           </a:p>
           <a:p>
             <a:pPr marL="0" marR="0" lvl="0" indent="0" algn="l" defTabSz="914400" rtl="0" eaLnBrk="1" fontAlgn="auto" latinLnBrk="0" hangingPunct="1">
@@ -1293,7 +1258,6 @@
               <a:buSzTx/>
               <a:buFontTx/>
               <a:buNone/>
-              <a:tabLst/>
               <a:defRPr/>
             </a:pPr>
             <a:endParaRPr lang="en-US" altLang="zh-CN" sz="1200" dirty="0" smtClean="0">
@@ -1320,7 +1284,6 @@
               <a:buSzTx/>
               <a:buFontTx/>
               <a:buNone/>
-              <a:tabLst/>
               <a:defRPr/>
             </a:pPr>
             <a:r>
@@ -1406,7 +1369,6 @@
               <a:buSzTx/>
               <a:buFontTx/>
               <a:buNone/>
-              <a:tabLst/>
               <a:defRPr/>
             </a:pPr>
             <a:endParaRPr lang="zh-CN" altLang="en-US" sz="1200" dirty="0" smtClean="0">
@@ -1423,11 +1385,6 @@
         </p:txBody>
       </p:sp>
     </p:spTree>
-    <p:extLst>
-      <p:ext uri="{BB962C8B-B14F-4D97-AF65-F5344CB8AC3E}">
-        <p14:creationId xmlns:p14="http://schemas.microsoft.com/office/powerpoint/2010/main" val="2005752904"/>
-      </p:ext>
-    </p:extLst>
   </p:cSld>
   <p:clrMapOvr>
     <a:masterClrMapping/>
@@ -1532,6 +1489,13 @@
               </a:rPr>
               <a:t> so we are likely to get the similar result for the most reviewed main category distribution. Instead, we can create product sub category graphs to see more detail about the category of the reviewed products.</a:t>
             </a:r>
+            <a:endParaRPr lang="en-US" altLang="zh-CN" sz="1200" baseline="0" dirty="0" smtClean="0">
+              <a:solidFill>
+                <a:srgbClr val="262626"/>
+              </a:solidFill>
+              <a:latin typeface="Arial" panose="020B0604020202020204" pitchFamily="34" charset="0"/>
+              <a:cs typeface="Arial" panose="020B0604020202020204" pitchFamily="34" charset="0"/>
+            </a:endParaRPr>
           </a:p>
           <a:p>
             <a:endParaRPr lang="en-US" sz="1200" baseline="0" dirty="0" smtClean="0">
@@ -1557,7 +1521,6 @@
               <a:buSzTx/>
               <a:buFontTx/>
               <a:buNone/>
-              <a:tabLst/>
               <a:defRPr/>
             </a:pPr>
             <a:r>
@@ -1584,11 +1547,6 @@
         </p:txBody>
       </p:sp>
     </p:spTree>
-    <p:extLst>
-      <p:ext uri="{BB962C8B-B14F-4D97-AF65-F5344CB8AC3E}">
-        <p14:creationId xmlns:p14="http://schemas.microsoft.com/office/powerpoint/2010/main" val="2216907263"/>
-      </p:ext>
-    </p:extLst>
   </p:cSld>
   <p:clrMapOvr>
     <a:masterClrMapping/>
@@ -1684,7 +1642,6 @@
                 <a:latin typeface="Calibri" panose="020F0502020204030204" charset="0"/>
                 <a:ea typeface="宋体" panose="02010600030101010101" pitchFamily="2" charset="-122"/>
               </a:rPr>
-              <a:t>27</a:t>
             </a:fld>
             <a:endParaRPr lang="zh-CN" altLang="en-US" sz="1200">
               <a:latin typeface="Calibri" panose="020F0502020204030204" charset="0"/>
@@ -1694,11 +1651,6 @@
         </p:txBody>
       </p:sp>
     </p:spTree>
-    <p:extLst>
-      <p:ext uri="{BB962C8B-B14F-4D97-AF65-F5344CB8AC3E}">
-        <p14:creationId xmlns:p14="http://schemas.microsoft.com/office/powerpoint/2010/main" val="479516997"/>
-      </p:ext>
-    </p:extLst>
   </p:cSld>
   <p:clrMapOvr>
     <a:masterClrMapping/>
@@ -1763,6 +1715,16 @@
               </a:rPr>
               <a:t>I plan to use the Cosine similarity model, Matrix Factorization, KNN. Besides, NLP models like TF-IDF, Naive Bayes, LSTM could be used against the text data. For evaluate/compare the performance of the models, I plan to apply Root Mean Squared Error (RMSE) and Decision support metrics (Precision, Recall, F1).</a:t>
             </a:r>
+            <a:endParaRPr lang="en-US" sz="1200" b="0" i="0" kern="1200" dirty="0" smtClean="0">
+              <a:solidFill>
+                <a:schemeClr val="tx1"/>
+              </a:solidFill>
+              <a:effectLst/>
+              <a:latin typeface="+mn-lt"/>
+              <a:ea typeface="Arial" panose="020B0604020202020204" pitchFamily="34" charset="0"/>
+              <a:cs typeface="+mn-cs"/>
+              <a:sym typeface="Arial" panose="020B0604020202020204" pitchFamily="34" charset="0"/>
+            </a:endParaRPr>
           </a:p>
           <a:p>
             <a:endParaRPr lang="en-US" sz="1200" b="0" i="0" kern="1200" dirty="0" smtClean="0">
@@ -1840,8 +1802,18 @@
                 <a:cs typeface="+mn-cs"/>
                 <a:sym typeface="Arial" panose="020B0604020202020204" pitchFamily="34" charset="0"/>
               </a:rPr>
-              <a:t> will be applied.</a:t>
+              <a:t> will be applied. Besides, the memory-based approach, I also tried model-based approach like LDA to generate similar topic based on product textual data.</a:t>
             </a:r>
+            <a:endParaRPr lang="en-US" sz="1200" b="0" i="0" kern="1200" dirty="0" smtClean="0">
+              <a:solidFill>
+                <a:schemeClr val="tx1"/>
+              </a:solidFill>
+              <a:effectLst/>
+              <a:latin typeface="+mn-lt"/>
+              <a:ea typeface="Arial" panose="020B0604020202020204" pitchFamily="34" charset="0"/>
+              <a:cs typeface="+mn-cs"/>
+              <a:sym typeface="Arial" panose="020B0604020202020204" pitchFamily="34" charset="0"/>
+            </a:endParaRPr>
           </a:p>
           <a:p>
             <a:endParaRPr lang="en-US" sz="1200" b="0" i="0" kern="1200" dirty="0" smtClean="0">
@@ -1867,7 +1839,44 @@
                 <a:cs typeface="+mn-cs"/>
                 <a:sym typeface="Arial" panose="020B0604020202020204" pitchFamily="34" charset="0"/>
               </a:rPr>
-              <a:t>For Collaborative Filtering, I will apply the matrix factorization method against the review data. The main feature that will be used for this approach is from the review data like user id, product id, and the rating score. To perform matrix analysis, the cosine similarity method could be applied again, and several machine learning algorithms will be used such as KNN and Singular value decomposition (SVD). KNN can group users into a cluster and only consider the same cluster user for product recommendation. SVD can break down a matrix into the product of a few smaller matrices to reveal the user connections and to discover relationships between items. Moreover, deep learning techniques could also be applied for </a:t>
+              <a:t>For Collaborative Filtering, I will apply the matrix factorization method against the review data. The main feature that will be used for this approach is from the review data like user id, product id, and the rating score. To perform matrix analysis, the cosine similarity method could be applied again, and several machine learning algorithms will be used such as KNN and Singular value decomposition (SVD). KNN can group users into a cluster and only consider the same cluster user for product recommendation. SVD can break down a matrix into the product of a few smaller matrices to reveal the user connections and to discover relationships between items. </a:t>
+            </a:r>
+            <a:endParaRPr lang="en-US" sz="1200" b="0" i="0" kern="1200" dirty="0" smtClean="0">
+              <a:solidFill>
+                <a:schemeClr val="tx1"/>
+              </a:solidFill>
+              <a:effectLst/>
+              <a:latin typeface="+mn-lt"/>
+              <a:ea typeface="Arial" panose="020B0604020202020204" pitchFamily="34" charset="0"/>
+              <a:cs typeface="+mn-cs"/>
+              <a:sym typeface="Arial" panose="020B0604020202020204" pitchFamily="34" charset="0"/>
+            </a:endParaRPr>
+          </a:p>
+          <a:p>
+            <a:endParaRPr lang="en-US" sz="1200" b="0" i="0" kern="1200" dirty="0" smtClean="0">
+              <a:solidFill>
+                <a:schemeClr val="tx1"/>
+              </a:solidFill>
+              <a:effectLst/>
+              <a:latin typeface="+mn-lt"/>
+              <a:ea typeface="Arial" panose="020B0604020202020204" pitchFamily="34" charset="0"/>
+              <a:cs typeface="+mn-cs"/>
+              <a:sym typeface="Arial" panose="020B0604020202020204" pitchFamily="34" charset="0"/>
+            </a:endParaRPr>
+          </a:p>
+          <a:p>
+            <a:r>
+              <a:rPr lang="en-US" sz="1200" b="0" i="0" kern="1200" dirty="0" smtClean="0">
+                <a:solidFill>
+                  <a:schemeClr val="tx1"/>
+                </a:solidFill>
+                <a:effectLst/>
+                <a:latin typeface="+mn-lt"/>
+                <a:ea typeface="Arial" panose="020B0604020202020204" pitchFamily="34" charset="0"/>
+                <a:cs typeface="+mn-cs"/>
+                <a:sym typeface="Arial" panose="020B0604020202020204" pitchFamily="34" charset="0"/>
+              </a:rPr>
+              <a:t>Moreover, deep learning techniques could also be applied for </a:t>
             </a:r>
             <a:r>
               <a:rPr lang="en-US" sz="1200" b="0" i="0" kern="1200" dirty="0" err="1" smtClean="0">
@@ -1895,6 +1904,16 @@
               </a:rPr>
               <a:t> Filtering, Neural Network method can take the user-item matrix or review textual data for predicting a score for recommending.</a:t>
             </a:r>
+            <a:endParaRPr lang="en-US" sz="1200" b="0" i="0" kern="1200" dirty="0" smtClean="0">
+              <a:solidFill>
+                <a:schemeClr val="tx1"/>
+              </a:solidFill>
+              <a:effectLst/>
+              <a:latin typeface="+mn-lt"/>
+              <a:ea typeface="Arial" panose="020B0604020202020204" pitchFamily="34" charset="0"/>
+              <a:cs typeface="+mn-cs"/>
+              <a:sym typeface="Arial" panose="020B0604020202020204" pitchFamily="34" charset="0"/>
+            </a:endParaRPr>
           </a:p>
           <a:p>
             <a:endParaRPr lang="en-US" dirty="0"/>
@@ -1902,11 +1921,6 @@
         </p:txBody>
       </p:sp>
     </p:spTree>
-    <p:extLst>
-      <p:ext uri="{BB962C8B-B14F-4D97-AF65-F5344CB8AC3E}">
-        <p14:creationId xmlns:p14="http://schemas.microsoft.com/office/powerpoint/2010/main" val="981174303"/>
-      </p:ext>
-    </p:extLst>
   </p:cSld>
   <p:clrMapOvr>
     <a:masterClrMapping/>
@@ -1976,11 +1990,6 @@
         </p:txBody>
       </p:sp>
     </p:spTree>
-    <p:extLst>
-      <p:ext uri="{BB962C8B-B14F-4D97-AF65-F5344CB8AC3E}">
-        <p14:creationId xmlns:p14="http://schemas.microsoft.com/office/powerpoint/2010/main" val="1521752473"/>
-      </p:ext>
-    </p:extLst>
   </p:cSld>
   <p:clrMapOvr>
     <a:masterClrMapping/>
@@ -2065,11 +2074,6 @@
         </p:txBody>
       </p:sp>
     </p:spTree>
-    <p:extLst>
-      <p:ext uri="{BB962C8B-B14F-4D97-AF65-F5344CB8AC3E}">
-        <p14:creationId xmlns:p14="http://schemas.microsoft.com/office/powerpoint/2010/main" val="2987799234"/>
-      </p:ext>
-    </p:extLst>
   </p:cSld>
   <p:clrMapOvr>
     <a:masterClrMapping/>
@@ -2159,26 +2163,13 @@
             </a:r>
             <a:r>
               <a:rPr lang="en-US" baseline="0" dirty="0" smtClean="0"/>
-              <a:t>. Since our ML models are not developed yet, the </a:t>
-            </a:r>
-            <a:r>
-              <a:rPr lang="en-US" baseline="0" dirty="0" err="1" smtClean="0"/>
-              <a:t>chatbot</a:t>
-            </a:r>
-            <a:r>
-              <a:rPr lang="en-US" baseline="0" dirty="0" smtClean="0"/>
-              <a:t> now can only handle some simple conversation and couldn’t provide any product recommendations.</a:t>
+              <a:t>. </a:t>
             </a:r>
             <a:endParaRPr lang="en-US" dirty="0"/>
           </a:p>
         </p:txBody>
       </p:sp>
     </p:spTree>
-    <p:extLst>
-      <p:ext uri="{BB962C8B-B14F-4D97-AF65-F5344CB8AC3E}">
-        <p14:creationId xmlns:p14="http://schemas.microsoft.com/office/powerpoint/2010/main" val="1907101682"/>
-      </p:ext>
-    </p:extLst>
   </p:cSld>
   <p:clrMapOvr>
     <a:masterClrMapping/>
@@ -2274,7 +2265,6 @@
                 <a:latin typeface="Calibri" panose="020F0502020204030204" charset="0"/>
                 <a:ea typeface="宋体" panose="02010600030101010101" pitchFamily="2" charset="-122"/>
               </a:rPr>
-              <a:t>32</a:t>
             </a:fld>
             <a:endParaRPr lang="zh-CN" altLang="en-US" sz="1200">
               <a:latin typeface="Calibri" panose="020F0502020204030204" charset="0"/>
@@ -2284,11 +2274,6 @@
         </p:txBody>
       </p:sp>
     </p:spTree>
-    <p:extLst>
-      <p:ext uri="{BB962C8B-B14F-4D97-AF65-F5344CB8AC3E}">
-        <p14:creationId xmlns:p14="http://schemas.microsoft.com/office/powerpoint/2010/main" val="2968576964"/>
-      </p:ext>
-    </p:extLst>
   </p:cSld>
   <p:clrMapOvr>
     <a:masterClrMapping/>
@@ -2354,7 +2339,6 @@
               <a:buSzTx/>
               <a:buFontTx/>
               <a:buNone/>
-              <a:tabLst/>
               <a:defRPr/>
             </a:pPr>
             <a:r>
@@ -2416,11 +2400,6 @@
         </p:txBody>
       </p:sp>
     </p:spTree>
-    <p:extLst>
-      <p:ext uri="{BB962C8B-B14F-4D97-AF65-F5344CB8AC3E}">
-        <p14:creationId xmlns:p14="http://schemas.microsoft.com/office/powerpoint/2010/main" val="2193615407"/>
-      </p:ext>
-    </p:extLst>
   </p:cSld>
   <p:clrMapOvr>
     <a:masterClrMapping/>
@@ -2485,6 +2464,16 @@
               </a:rPr>
               <a:t>As E-commerce becomes more and more popular in recent years, especially by the impact of the COVID-19 pandemic, many retailers and companies are switching their business models to adapt to the trend. In addition, with the rapid growth of big data technology, the cost of storage capacity to store enormous amounts of data from customers and visitors on the E-commerce sites decreases gradually. No matter the tech giant or start-up, all companies can make use of the gathered data to boost their business success to the next level.</a:t>
             </a:r>
+            <a:endParaRPr lang="en-US" sz="1200" b="0" i="0" kern="1200" dirty="0" smtClean="0">
+              <a:solidFill>
+                <a:schemeClr val="tx1"/>
+              </a:solidFill>
+              <a:effectLst/>
+              <a:latin typeface="+mn-lt"/>
+              <a:ea typeface="Arial" panose="020B0604020202020204" pitchFamily="34" charset="0"/>
+              <a:cs typeface="+mn-cs"/>
+              <a:sym typeface="Arial" panose="020B0604020202020204" pitchFamily="34" charset="0"/>
+            </a:endParaRPr>
           </a:p>
           <a:p>
             <a:endParaRPr lang="en-US" sz="1200" b="0" i="0" kern="1200" dirty="0" smtClean="0">
@@ -2519,6 +2508,16 @@
               </a:rPr>
               <a:t>There are several benefits that businesses can achieve using product recommender systems.</a:t>
             </a:r>
+            <a:endParaRPr lang="en-US" sz="1200" b="0" i="0" kern="1200" dirty="0" smtClean="0">
+              <a:solidFill>
+                <a:schemeClr val="tx1"/>
+              </a:solidFill>
+              <a:effectLst/>
+              <a:latin typeface="+mn-lt"/>
+              <a:ea typeface="Arial" panose="020B0604020202020204" pitchFamily="34" charset="0"/>
+              <a:cs typeface="+mn-cs"/>
+              <a:sym typeface="Arial" panose="020B0604020202020204" pitchFamily="34" charset="0"/>
+            </a:endParaRPr>
           </a:p>
           <a:p>
             <a:endParaRPr lang="en-US" sz="1200" b="0" i="0" kern="1200" dirty="0" smtClean="0">
@@ -2550,11 +2549,6 @@
         </p:txBody>
       </p:sp>
     </p:spTree>
-    <p:extLst>
-      <p:ext uri="{BB962C8B-B14F-4D97-AF65-F5344CB8AC3E}">
-        <p14:creationId xmlns:p14="http://schemas.microsoft.com/office/powerpoint/2010/main" val="4116616602"/>
-      </p:ext>
-    </p:extLst>
   </p:cSld>
   <p:clrMapOvr>
     <a:masterClrMapping/>
@@ -2644,7 +2638,6 @@
                 <a:latin typeface="Calibri" panose="020F0502020204030204" charset="0"/>
                 <a:ea typeface="宋体" panose="02010600030101010101" pitchFamily="2" charset="-122"/>
               </a:rPr>
-              <a:t>35</a:t>
             </a:fld>
             <a:endParaRPr lang="zh-CN" altLang="en-US" sz="1200">
               <a:latin typeface="Calibri" panose="020F0502020204030204" charset="0"/>
@@ -2654,11 +2647,6 @@
         </p:txBody>
       </p:sp>
     </p:spTree>
-    <p:extLst>
-      <p:ext uri="{BB962C8B-B14F-4D97-AF65-F5344CB8AC3E}">
-        <p14:creationId xmlns:p14="http://schemas.microsoft.com/office/powerpoint/2010/main" val="797695086"/>
-      </p:ext>
-    </p:extLst>
   </p:cSld>
   <p:clrMapOvr>
     <a:masterClrMapping/>
@@ -2754,7 +2742,6 @@
                 <a:latin typeface="Calibri" panose="020F0502020204030204" charset="0"/>
                 <a:ea typeface="宋体" panose="02010600030101010101" pitchFamily="2" charset="-122"/>
               </a:rPr>
-              <a:t>5</a:t>
             </a:fld>
             <a:endParaRPr lang="zh-CN" altLang="en-US" sz="1200">
               <a:latin typeface="Calibri" panose="020F0502020204030204" charset="0"/>
@@ -2764,11 +2751,6 @@
         </p:txBody>
       </p:sp>
     </p:spTree>
-    <p:extLst>
-      <p:ext uri="{BB962C8B-B14F-4D97-AF65-F5344CB8AC3E}">
-        <p14:creationId xmlns:p14="http://schemas.microsoft.com/office/powerpoint/2010/main" val="1918271829"/>
-      </p:ext>
-    </p:extLst>
   </p:cSld>
   <p:clrMapOvr>
     <a:masterClrMapping/>
@@ -2864,7 +2846,6 @@
                 <a:latin typeface="Calibri" panose="020F0502020204030204" charset="0"/>
                 <a:ea typeface="宋体" panose="02010600030101010101" pitchFamily="2" charset="-122"/>
               </a:rPr>
-              <a:t>7</a:t>
             </a:fld>
             <a:endParaRPr lang="zh-CN" altLang="en-US" sz="1200">
               <a:latin typeface="Calibri" panose="020F0502020204030204" charset="0"/>
@@ -2874,11 +2855,6 @@
         </p:txBody>
       </p:sp>
     </p:spTree>
-    <p:extLst>
-      <p:ext uri="{BB962C8B-B14F-4D97-AF65-F5344CB8AC3E}">
-        <p14:creationId xmlns:p14="http://schemas.microsoft.com/office/powerpoint/2010/main" val="4261230104"/>
-      </p:ext>
-    </p:extLst>
   </p:cSld>
   <p:clrMapOvr>
     <a:masterClrMapping/>
@@ -2943,11 +2919,6 @@
         </p:txBody>
       </p:sp>
     </p:spTree>
-    <p:extLst>
-      <p:ext uri="{BB962C8B-B14F-4D97-AF65-F5344CB8AC3E}">
-        <p14:creationId xmlns:p14="http://schemas.microsoft.com/office/powerpoint/2010/main" val="3196010187"/>
-      </p:ext>
-    </p:extLst>
   </p:cSld>
   <p:clrMapOvr>
     <a:masterClrMapping/>
@@ -3043,7 +3014,6 @@
                 <a:latin typeface="Calibri" panose="020F0502020204030204" charset="0"/>
                 <a:ea typeface="宋体" panose="02010600030101010101" pitchFamily="2" charset="-122"/>
               </a:rPr>
-              <a:t>11</a:t>
             </a:fld>
             <a:endParaRPr lang="zh-CN" altLang="en-US" sz="1200">
               <a:latin typeface="Calibri" panose="020F0502020204030204" charset="0"/>
@@ -3053,11 +3023,6 @@
         </p:txBody>
       </p:sp>
     </p:spTree>
-    <p:extLst>
-      <p:ext uri="{BB962C8B-B14F-4D97-AF65-F5344CB8AC3E}">
-        <p14:creationId xmlns:p14="http://schemas.microsoft.com/office/powerpoint/2010/main" val="1420932129"/>
-      </p:ext>
-    </p:extLst>
   </p:cSld>
   <p:clrMapOvr>
     <a:masterClrMapping/>
@@ -3153,7 +3118,6 @@
                 <a:latin typeface="Calibri" panose="020F0502020204030204" charset="0"/>
                 <a:ea typeface="宋体" panose="02010600030101010101" pitchFamily="2" charset="-122"/>
               </a:rPr>
-              <a:t>14</a:t>
             </a:fld>
             <a:endParaRPr lang="zh-CN" altLang="en-US" sz="1200">
               <a:latin typeface="Calibri" panose="020F0502020204030204" charset="0"/>
@@ -3163,11 +3127,6 @@
         </p:txBody>
       </p:sp>
     </p:spTree>
-    <p:extLst>
-      <p:ext uri="{BB962C8B-B14F-4D97-AF65-F5344CB8AC3E}">
-        <p14:creationId xmlns:p14="http://schemas.microsoft.com/office/powerpoint/2010/main" val="767974414"/>
-      </p:ext>
-    </p:extLst>
   </p:cSld>
   <p:clrMapOvr>
     <a:masterClrMapping/>
@@ -3245,7 +3204,6 @@
               <a:buSzTx/>
               <a:buFontTx/>
               <a:buNone/>
-              <a:tabLst/>
               <a:defRPr/>
             </a:pPr>
             <a:r>
@@ -3258,6 +3216,13 @@
               </a:rPr>
               <a:t>The rating distribution graphs show that the overall ratings in this review data set are highly imbalanced, which contains more than 69% of 5 stars rating.</a:t>
             </a:r>
+            <a:endParaRPr lang="en-US" altLang="zh-CN" sz="1200" dirty="0" smtClean="0">
+              <a:solidFill>
+                <a:srgbClr val="262626"/>
+              </a:solidFill>
+              <a:latin typeface="Arial" panose="020B0604020202020204" pitchFamily="34" charset="0"/>
+              <a:cs typeface="Arial" panose="020B0604020202020204" pitchFamily="34" charset="0"/>
+            </a:endParaRPr>
           </a:p>
           <a:p>
             <a:endParaRPr lang="en-US" sz="1200" b="0" i="0" kern="1200" dirty="0" smtClean="0">
@@ -3285,6 +3250,16 @@
               </a:rPr>
               <a:t>Thus, in the following model development, we need to keep in mind that the accuracy metric may not be useful for evaluating the machine learning models; instead, precision, recall, and F1 score values could be suitable for model evaluation.</a:t>
             </a:r>
+            <a:endParaRPr lang="en-US" sz="1200" b="0" i="0" kern="1200" dirty="0" smtClean="0">
+              <a:solidFill>
+                <a:schemeClr val="tx1"/>
+              </a:solidFill>
+              <a:effectLst/>
+              <a:latin typeface="+mn-lt"/>
+              <a:ea typeface="Arial" panose="020B0604020202020204" pitchFamily="34" charset="0"/>
+              <a:cs typeface="+mn-cs"/>
+              <a:sym typeface="Arial" panose="020B0604020202020204" pitchFamily="34" charset="0"/>
+            </a:endParaRPr>
           </a:p>
           <a:p>
             <a:endParaRPr lang="en-US" dirty="0"/>
@@ -3292,11 +3267,6 @@
         </p:txBody>
       </p:sp>
     </p:spTree>
-    <p:extLst>
-      <p:ext uri="{BB962C8B-B14F-4D97-AF65-F5344CB8AC3E}">
-        <p14:creationId xmlns:p14="http://schemas.microsoft.com/office/powerpoint/2010/main" val="3178850148"/>
-      </p:ext>
-    </p:extLst>
   </p:cSld>
   <p:clrMapOvr>
     <a:masterClrMapping/>
@@ -3366,11 +3336,6 @@
         </p:txBody>
       </p:sp>
     </p:spTree>
-    <p:extLst>
-      <p:ext uri="{BB962C8B-B14F-4D97-AF65-F5344CB8AC3E}">
-        <p14:creationId xmlns:p14="http://schemas.microsoft.com/office/powerpoint/2010/main" val="4252803668"/>
-      </p:ext>
-    </p:extLst>
   </p:cSld>
   <p:clrMapOvr>
     <a:masterClrMapping/>
@@ -3474,13 +3439,13 @@
   <p:clrMapOvr>
     <a:masterClrMapping/>
   </p:clrMapOvr>
-  <mc:AlternateContent xmlns:mc="http://schemas.openxmlformats.org/markup-compatibility/2006" xmlns:p14="http://schemas.microsoft.com/office/powerpoint/2010/main">
-    <mc:Choice Requires="p14">
+  <mc:AlternateContent xmlns:mc="http://schemas.openxmlformats.org/markup-compatibility/2006">
+    <mc:Choice xmlns:p14="http://schemas.microsoft.com/office/powerpoint/2010/main" Requires="p14">
       <p:transition spd="med" p14:dur="700">
         <p:fade/>
       </p:transition>
     </mc:Choice>
-    <mc:Fallback xmlns="">
+    <mc:Fallback>
       <p:transition spd="med">
         <p:fade/>
       </p:transition>
@@ -3557,13 +3522,13 @@
   <p:clrMapOvr>
     <a:masterClrMapping/>
   </p:clrMapOvr>
-  <mc:AlternateContent xmlns:mc="http://schemas.openxmlformats.org/markup-compatibility/2006" xmlns:p14="http://schemas.microsoft.com/office/powerpoint/2010/main">
-    <mc:Choice Requires="p14">
+  <mc:AlternateContent xmlns:mc="http://schemas.openxmlformats.org/markup-compatibility/2006">
+    <mc:Choice xmlns:p14="http://schemas.microsoft.com/office/powerpoint/2010/main" Requires="p14">
       <p:transition spd="med" p14:dur="700">
         <p:fade/>
       </p:transition>
     </mc:Choice>
-    <mc:Fallback xmlns="">
+    <mc:Fallback>
       <p:transition spd="med">
         <p:fade/>
       </p:transition>
@@ -3668,13 +3633,13 @@
   <p:clrMapOvr>
     <a:masterClrMapping/>
   </p:clrMapOvr>
-  <mc:AlternateContent xmlns:mc="http://schemas.openxmlformats.org/markup-compatibility/2006" xmlns:p14="http://schemas.microsoft.com/office/powerpoint/2010/main">
-    <mc:Choice Requires="p14">
+  <mc:AlternateContent xmlns:mc="http://schemas.openxmlformats.org/markup-compatibility/2006">
+    <mc:Choice xmlns:p14="http://schemas.microsoft.com/office/powerpoint/2010/main" Requires="p14">
       <p:transition spd="med" p14:dur="700">
         <p:fade/>
       </p:transition>
     </mc:Choice>
-    <mc:Fallback xmlns="">
+    <mc:Fallback>
       <p:transition spd="med">
         <p:fade/>
       </p:transition>
@@ -3891,13 +3856,13 @@
   <p:clrMapOvr>
     <a:masterClrMapping/>
   </p:clrMapOvr>
-  <mc:AlternateContent xmlns:mc="http://schemas.openxmlformats.org/markup-compatibility/2006" xmlns:p14="http://schemas.microsoft.com/office/powerpoint/2010/main">
-    <mc:Choice Requires="p14">
+  <mc:AlternateContent xmlns:mc="http://schemas.openxmlformats.org/markup-compatibility/2006">
+    <mc:Choice xmlns:p14="http://schemas.microsoft.com/office/powerpoint/2010/main" Requires="p14">
       <p:transition spd="med" p14:dur="700">
         <p:fade/>
       </p:transition>
     </mc:Choice>
-    <mc:Fallback xmlns="">
+    <mc:Fallback>
       <p:transition spd="med">
         <p:fade/>
       </p:transition>
@@ -4277,6 +4242,13 @@
               </a:rPr>
               <a:t>Amazon Product </a:t>
             </a:r>
+            <a:endParaRPr lang="en-US" altLang="zh-CN" sz="4000" b="1" dirty="0" smtClean="0">
+              <a:solidFill>
+                <a:srgbClr val="262626"/>
+              </a:solidFill>
+              <a:latin typeface="Arial" panose="020B0604020202020204" pitchFamily="34" charset="0"/>
+              <a:cs typeface="Arial" panose="020B0604020202020204" pitchFamily="34" charset="0"/>
+            </a:endParaRPr>
           </a:p>
           <a:p>
             <a:pPr algn="ctr"/>
@@ -4362,6 +4334,14 @@
               </a:rPr>
               <a:t> Xu</a:t>
             </a:r>
+            <a:endParaRPr lang="en-US" altLang="zh-CN" sz="1400" dirty="0" smtClean="0">
+              <a:solidFill>
+                <a:srgbClr val="262626"/>
+              </a:solidFill>
+              <a:latin typeface="Arial" panose="020B0604020202020204" pitchFamily="34" charset="0"/>
+              <a:ea typeface="宋体" panose="02010600030101010101" pitchFamily="2" charset="-122"/>
+              <a:cs typeface="Arial" panose="020B0604020202020204" pitchFamily="34" charset="0"/>
+            </a:endParaRPr>
           </a:p>
           <a:p>
             <a:pPr algn="ctr">
@@ -4499,6 +4479,13 @@
               </a:rPr>
               <a:t>Product Data</a:t>
             </a:r>
+            <a:endParaRPr lang="en-US" altLang="zh-CN" sz="4000" dirty="0" smtClean="0">
+              <a:solidFill>
+                <a:srgbClr val="141214"/>
+              </a:solidFill>
+              <a:latin typeface="Arial" panose="020B0604020202020204" pitchFamily="34" charset="0"/>
+              <a:cs typeface="Arial" panose="020B0604020202020204" pitchFamily="34" charset="0"/>
+            </a:endParaRPr>
           </a:p>
         </p:txBody>
       </p:sp>
@@ -5716,7 +5703,7 @@
           <p:nvPr/>
         </p:nvPicPr>
         <p:blipFill>
-          <a:blip r:embed="rId2">
+          <a:blip r:embed="rId1">
             <a:extLst>
               <a:ext uri="{28A0092B-C50C-407E-A947-70E740481C1C}">
                 <a14:useLocalDpi xmlns:a14="http://schemas.microsoft.com/office/drawing/2010/main" val="0"/>
@@ -5749,22 +5736,17 @@
         </p:spPr>
       </p:pic>
     </p:spTree>
-    <p:extLst>
-      <p:ext uri="{BB962C8B-B14F-4D97-AF65-F5344CB8AC3E}">
-        <p14:creationId xmlns:p14="http://schemas.microsoft.com/office/powerpoint/2010/main" val="746438205"/>
-      </p:ext>
-    </p:extLst>
   </p:cSld>
   <p:clrMapOvr>
     <a:masterClrMapping/>
   </p:clrMapOvr>
-  <mc:AlternateContent xmlns:mc="http://schemas.openxmlformats.org/markup-compatibility/2006" xmlns:p14="http://schemas.microsoft.com/office/powerpoint/2010/main">
-    <mc:Choice Requires="p14">
+  <mc:AlternateContent xmlns:mc="http://schemas.openxmlformats.org/markup-compatibility/2006">
+    <mc:Choice xmlns:p14="http://schemas.microsoft.com/office/powerpoint/2010/main" Requires="p14">
       <p:transition spd="med" p14:dur="700">
         <p:fade/>
       </p:transition>
     </mc:Choice>
-    <mc:Fallback xmlns="">
+    <mc:Fallback>
       <p:transition spd="med">
         <p:fade/>
       </p:transition>
@@ -11798,6 +11780,13 @@
               </a:rPr>
               <a:t>Research Process</a:t>
             </a:r>
+            <a:endParaRPr lang="en-US" altLang="zh-CN" sz="4000" dirty="0" smtClean="0">
+              <a:solidFill>
+                <a:srgbClr val="141214"/>
+              </a:solidFill>
+              <a:latin typeface="Arial" panose="020B0604020202020204" pitchFamily="34" charset="0"/>
+              <a:cs typeface="Arial" panose="020B0604020202020204" pitchFamily="34" charset="0"/>
+            </a:endParaRPr>
           </a:p>
         </p:txBody>
       </p:sp>
@@ -12698,6 +12687,13 @@
               </a:rPr>
               <a:t>Research Process</a:t>
             </a:r>
+            <a:endParaRPr lang="en-US" altLang="zh-CN" sz="4000" dirty="0" smtClean="0">
+              <a:solidFill>
+                <a:srgbClr val="141214"/>
+              </a:solidFill>
+              <a:latin typeface="Arial" panose="020B0604020202020204" pitchFamily="34" charset="0"/>
+              <a:cs typeface="Arial" panose="020B0604020202020204" pitchFamily="34" charset="0"/>
+            </a:endParaRPr>
           </a:p>
         </p:txBody>
       </p:sp>
@@ -13552,6 +13548,13 @@
               </a:rPr>
               <a:t>Collect necessary data for the recommender systems.</a:t>
             </a:r>
+            <a:endParaRPr lang="en-US" altLang="zh-CN" sz="1400" dirty="0">
+              <a:solidFill>
+                <a:srgbClr val="262626"/>
+              </a:solidFill>
+              <a:latin typeface="Arial" panose="020B0604020202020204" pitchFamily="34" charset="0"/>
+              <a:cs typeface="Arial" panose="020B0604020202020204" pitchFamily="34" charset="0"/>
+            </a:endParaRPr>
           </a:p>
         </p:txBody>
       </p:sp>
@@ -13655,6 +13658,13 @@
               </a:rPr>
               <a:t>Content-based Filtering model, Collaborative Filtering model and Hybrid model.</a:t>
             </a:r>
+            <a:endParaRPr lang="en-US" altLang="zh-CN" sz="1400" dirty="0">
+              <a:solidFill>
+                <a:srgbClr val="262626"/>
+              </a:solidFill>
+              <a:latin typeface="Arial" panose="020B0604020202020204" pitchFamily="34" charset="0"/>
+              <a:cs typeface="Arial" panose="020B0604020202020204" pitchFamily="34" charset="0"/>
+            </a:endParaRPr>
           </a:p>
         </p:txBody>
       </p:sp>
@@ -13698,6 +13708,13 @@
               </a:rPr>
               <a:t>Website and Chabot to interact with users and to provide a list of recommendations.</a:t>
             </a:r>
+            <a:endParaRPr lang="en-US" altLang="zh-CN" sz="1400" dirty="0">
+              <a:solidFill>
+                <a:schemeClr val="bg1"/>
+              </a:solidFill>
+              <a:latin typeface="Arial" panose="020B0604020202020204" pitchFamily="34" charset="0"/>
+              <a:cs typeface="Arial" panose="020B0604020202020204" pitchFamily="34" charset="0"/>
+            </a:endParaRPr>
           </a:p>
         </p:txBody>
       </p:sp>
@@ -13900,6 +13917,13 @@
               </a:rPr>
               <a:t>EDA – Review Data</a:t>
             </a:r>
+            <a:endParaRPr lang="en-US" altLang="zh-CN" sz="4000" dirty="0" smtClean="0">
+              <a:solidFill>
+                <a:srgbClr val="141214"/>
+              </a:solidFill>
+              <a:latin typeface="Arial" panose="020B0604020202020204" pitchFamily="34" charset="0"/>
+              <a:cs typeface="Arial" panose="020B0604020202020204" pitchFamily="34" charset="0"/>
+            </a:endParaRPr>
           </a:p>
         </p:txBody>
       </p:sp>
@@ -13912,7 +13936,7 @@
           <p:nvPr/>
         </p:nvPicPr>
         <p:blipFill>
-          <a:blip r:embed="rId3">
+          <a:blip r:embed="rId1">
             <a:extLst>
               <a:ext uri="{28A0092B-C50C-407E-A947-70E740481C1C}">
                 <a14:useLocalDpi xmlns:a14="http://schemas.microsoft.com/office/drawing/2010/main" val="0"/>
@@ -14083,26 +14107,28 @@
               </a:rPr>
               <a:t>The rating distribution graphs show that the overall ratings in this review data set are highly imbalanced, which contains more than 69% of 5 stars rating.</a:t>
             </a:r>
+            <a:endParaRPr lang="en-US" altLang="zh-CN" sz="1400" dirty="0">
+              <a:solidFill>
+                <a:srgbClr val="262626"/>
+              </a:solidFill>
+              <a:latin typeface="Arial" panose="020B0604020202020204" pitchFamily="34" charset="0"/>
+              <a:cs typeface="Arial" panose="020B0604020202020204" pitchFamily="34" charset="0"/>
+            </a:endParaRPr>
           </a:p>
         </p:txBody>
       </p:sp>
     </p:spTree>
-    <p:extLst>
-      <p:ext uri="{BB962C8B-B14F-4D97-AF65-F5344CB8AC3E}">
-        <p14:creationId xmlns:p14="http://schemas.microsoft.com/office/powerpoint/2010/main" val="1946828642"/>
-      </p:ext>
-    </p:extLst>
   </p:cSld>
   <p:clrMapOvr>
     <a:masterClrMapping/>
   </p:clrMapOvr>
-  <mc:AlternateContent xmlns:mc="http://schemas.openxmlformats.org/markup-compatibility/2006" xmlns:p14="http://schemas.microsoft.com/office/powerpoint/2010/main">
-    <mc:Choice Requires="p14">
+  <mc:AlternateContent xmlns:mc="http://schemas.openxmlformats.org/markup-compatibility/2006">
+    <mc:Choice xmlns:p14="http://schemas.microsoft.com/office/powerpoint/2010/main" Requires="p14">
       <p:transition spd="med" p14:dur="700">
         <p:fade/>
       </p:transition>
     </mc:Choice>
-    <mc:Fallback xmlns="">
+    <mc:Fallback>
       <p:transition spd="med">
         <p:fade/>
       </p:transition>
@@ -14144,7 +14170,7 @@
           <p:nvPr/>
         </p:nvPicPr>
         <p:blipFill>
-          <a:blip r:embed="rId2">
+          <a:blip r:embed="rId1">
             <a:extLst>
               <a:ext uri="{28A0092B-C50C-407E-A947-70E740481C1C}">
                 <a14:useLocalDpi xmlns:a14="http://schemas.microsoft.com/office/drawing/2010/main" val="0"/>
@@ -14213,6 +14239,13 @@
               </a:rPr>
               <a:t>EDA – Review Data</a:t>
             </a:r>
+            <a:endParaRPr lang="en-US" altLang="zh-CN" sz="4000" dirty="0" smtClean="0">
+              <a:solidFill>
+                <a:srgbClr val="141214"/>
+              </a:solidFill>
+              <a:latin typeface="Arial" panose="020B0604020202020204" pitchFamily="34" charset="0"/>
+              <a:cs typeface="Arial" panose="020B0604020202020204" pitchFamily="34" charset="0"/>
+            </a:endParaRPr>
           </a:p>
         </p:txBody>
       </p:sp>
@@ -14377,22 +14410,17 @@
         </p:txBody>
       </p:sp>
     </p:spTree>
-    <p:extLst>
-      <p:ext uri="{BB962C8B-B14F-4D97-AF65-F5344CB8AC3E}">
-        <p14:creationId xmlns:p14="http://schemas.microsoft.com/office/powerpoint/2010/main" val="846989277"/>
-      </p:ext>
-    </p:extLst>
   </p:cSld>
   <p:clrMapOvr>
     <a:masterClrMapping/>
   </p:clrMapOvr>
-  <mc:AlternateContent xmlns:mc="http://schemas.openxmlformats.org/markup-compatibility/2006" xmlns:p14="http://schemas.microsoft.com/office/powerpoint/2010/main">
-    <mc:Choice Requires="p14">
+  <mc:AlternateContent xmlns:mc="http://schemas.openxmlformats.org/markup-compatibility/2006">
+    <mc:Choice xmlns:p14="http://schemas.microsoft.com/office/powerpoint/2010/main" Requires="p14">
       <p:transition spd="med" p14:dur="700">
         <p:fade/>
       </p:transition>
     </mc:Choice>
-    <mc:Fallback xmlns="">
+    <mc:Fallback>
       <p:transition spd="med">
         <p:fade/>
       </p:transition>
@@ -14462,6 +14490,13 @@
               </a:rPr>
               <a:t>EDA – Review Data</a:t>
             </a:r>
+            <a:endParaRPr lang="en-US" altLang="zh-CN" sz="4000" dirty="0" smtClean="0">
+              <a:solidFill>
+                <a:srgbClr val="141214"/>
+              </a:solidFill>
+              <a:latin typeface="Arial" panose="020B0604020202020204" pitchFamily="34" charset="0"/>
+              <a:cs typeface="Arial" panose="020B0604020202020204" pitchFamily="34" charset="0"/>
+            </a:endParaRPr>
           </a:p>
         </p:txBody>
       </p:sp>
@@ -14474,7 +14509,7 @@
           <p:nvPr/>
         </p:nvPicPr>
         <p:blipFill>
-          <a:blip r:embed="rId2"/>
+          <a:blip r:embed="rId1"/>
           <a:stretch>
             <a:fillRect/>
           </a:stretch>
@@ -14650,22 +14685,17 @@
         </p:txBody>
       </p:sp>
     </p:spTree>
-    <p:extLst>
-      <p:ext uri="{BB962C8B-B14F-4D97-AF65-F5344CB8AC3E}">
-        <p14:creationId xmlns:p14="http://schemas.microsoft.com/office/powerpoint/2010/main" val="3097824089"/>
-      </p:ext>
-    </p:extLst>
   </p:cSld>
   <p:clrMapOvr>
     <a:masterClrMapping/>
   </p:clrMapOvr>
-  <mc:AlternateContent xmlns:mc="http://schemas.openxmlformats.org/markup-compatibility/2006" xmlns:p14="http://schemas.microsoft.com/office/powerpoint/2010/main">
-    <mc:Choice Requires="p14">
+  <mc:AlternateContent xmlns:mc="http://schemas.openxmlformats.org/markup-compatibility/2006">
+    <mc:Choice xmlns:p14="http://schemas.microsoft.com/office/powerpoint/2010/main" Requires="p14">
       <p:transition spd="med" p14:dur="700">
         <p:fade/>
       </p:transition>
     </mc:Choice>
-    <mc:Fallback xmlns="">
+    <mc:Fallback>
       <p:transition spd="med">
         <p:fade/>
       </p:transition>
@@ -14735,6 +14765,13 @@
               </a:rPr>
               <a:t>EDA – Review Data</a:t>
             </a:r>
+            <a:endParaRPr lang="en-US" altLang="zh-CN" sz="4000" dirty="0" smtClean="0">
+              <a:solidFill>
+                <a:srgbClr val="141214"/>
+              </a:solidFill>
+              <a:latin typeface="Arial" panose="020B0604020202020204" pitchFamily="34" charset="0"/>
+              <a:cs typeface="Arial" panose="020B0604020202020204" pitchFamily="34" charset="0"/>
+            </a:endParaRPr>
           </a:p>
         </p:txBody>
       </p:sp>
@@ -14747,7 +14784,7 @@
           <p:nvPr/>
         </p:nvPicPr>
         <p:blipFill>
-          <a:blip r:embed="rId2"/>
+          <a:blip r:embed="rId1"/>
           <a:stretch>
             <a:fillRect/>
           </a:stretch>
@@ -14943,22 +14980,17 @@
         </p:txBody>
       </p:sp>
     </p:spTree>
-    <p:extLst>
-      <p:ext uri="{BB962C8B-B14F-4D97-AF65-F5344CB8AC3E}">
-        <p14:creationId xmlns:p14="http://schemas.microsoft.com/office/powerpoint/2010/main" val="1915448914"/>
-      </p:ext>
-    </p:extLst>
   </p:cSld>
   <p:clrMapOvr>
     <a:masterClrMapping/>
   </p:clrMapOvr>
-  <mc:AlternateContent xmlns:mc="http://schemas.openxmlformats.org/markup-compatibility/2006" xmlns:p14="http://schemas.microsoft.com/office/powerpoint/2010/main">
-    <mc:Choice Requires="p14">
+  <mc:AlternateContent xmlns:mc="http://schemas.openxmlformats.org/markup-compatibility/2006">
+    <mc:Choice xmlns:p14="http://schemas.microsoft.com/office/powerpoint/2010/main" Requires="p14">
       <p:transition spd="med" p14:dur="700">
         <p:fade/>
       </p:transition>
     </mc:Choice>
-    <mc:Fallback xmlns="">
+    <mc:Fallback>
       <p:transition spd="med">
         <p:fade/>
       </p:transition>
@@ -15028,6 +15060,13 @@
               </a:rPr>
               <a:t>EDA – Review Data</a:t>
             </a:r>
+            <a:endParaRPr lang="en-US" altLang="zh-CN" sz="4000" dirty="0" smtClean="0">
+              <a:solidFill>
+                <a:srgbClr val="141214"/>
+              </a:solidFill>
+              <a:latin typeface="Arial" panose="020B0604020202020204" pitchFamily="34" charset="0"/>
+              <a:cs typeface="Arial" panose="020B0604020202020204" pitchFamily="34" charset="0"/>
+            </a:endParaRPr>
           </a:p>
         </p:txBody>
       </p:sp>
@@ -15040,7 +15079,7 @@
           <p:nvPr/>
         </p:nvPicPr>
         <p:blipFill>
-          <a:blip r:embed="rId3">
+          <a:blip r:embed="rId1">
             <a:extLst>
               <a:ext uri="{28A0092B-C50C-407E-A947-70E740481C1C}">
                 <a14:useLocalDpi xmlns:a14="http://schemas.microsoft.com/office/drawing/2010/main" val="0"/>
@@ -15081,7 +15120,7 @@
           <p:nvPr/>
         </p:nvPicPr>
         <p:blipFill>
-          <a:blip r:embed="rId4">
+          <a:blip r:embed="rId2">
             <a:extLst>
               <a:ext uri="{28A0092B-C50C-407E-A947-70E740481C1C}">
                 <a14:useLocalDpi xmlns:a14="http://schemas.microsoft.com/office/drawing/2010/main" val="0"/>
@@ -15332,22 +15371,17 @@
         </p:txBody>
       </p:sp>
     </p:spTree>
-    <p:extLst>
-      <p:ext uri="{BB962C8B-B14F-4D97-AF65-F5344CB8AC3E}">
-        <p14:creationId xmlns:p14="http://schemas.microsoft.com/office/powerpoint/2010/main" val="1810450552"/>
-      </p:ext>
-    </p:extLst>
   </p:cSld>
   <p:clrMapOvr>
     <a:masterClrMapping/>
   </p:clrMapOvr>
-  <mc:AlternateContent xmlns:mc="http://schemas.openxmlformats.org/markup-compatibility/2006" xmlns:p14="http://schemas.microsoft.com/office/powerpoint/2010/main">
-    <mc:Choice Requires="p14">
+  <mc:AlternateContent xmlns:mc="http://schemas.openxmlformats.org/markup-compatibility/2006">
+    <mc:Choice xmlns:p14="http://schemas.microsoft.com/office/powerpoint/2010/main" Requires="p14">
       <p:transition spd="med" p14:dur="700">
         <p:fade/>
       </p:transition>
     </mc:Choice>
-    <mc:Fallback xmlns="">
+    <mc:Fallback>
       <p:transition spd="med">
         <p:fade/>
       </p:transition>
@@ -15403,7 +15437,7 @@
             <p:nvPr/>
           </p:nvPicPr>
           <p:blipFill>
-            <a:blip r:embed="rId2"/>
+            <a:blip r:embed="rId1"/>
             <a:stretch>
               <a:fillRect/>
             </a:stretch>
@@ -15577,7 +15611,7 @@
           <p:nvPr/>
         </p:nvPicPr>
         <p:blipFill>
-          <a:blip r:embed="rId3"/>
+          <a:blip r:embed="rId2"/>
           <a:stretch>
             <a:fillRect/>
           </a:stretch>
@@ -15699,7 +15733,7 @@
           <p:nvPr/>
         </p:nvPicPr>
         <p:blipFill>
-          <a:blip r:embed="rId3"/>
+          <a:blip r:embed="rId2"/>
           <a:stretch>
             <a:fillRect/>
           </a:stretch>
@@ -15820,7 +15854,7 @@
           <p:nvPr/>
         </p:nvPicPr>
         <p:blipFill>
-          <a:blip r:embed="rId3"/>
+          <a:blip r:embed="rId2"/>
           <a:stretch>
             <a:fillRect/>
           </a:stretch>
@@ -15941,7 +15975,7 @@
           <p:nvPr/>
         </p:nvPicPr>
         <p:blipFill>
-          <a:blip r:embed="rId3"/>
+          <a:blip r:embed="rId2"/>
           <a:stretch>
             <a:fillRect/>
           </a:stretch>
@@ -16061,7 +16095,7 @@
           <p:nvPr/>
         </p:nvPicPr>
         <p:blipFill>
-          <a:blip r:embed="rId3"/>
+          <a:blip r:embed="rId2"/>
           <a:stretch>
             <a:fillRect/>
           </a:stretch>
@@ -16192,7 +16226,7 @@
           <p:nvPr/>
         </p:nvPicPr>
         <p:blipFill>
-          <a:blip r:embed="rId3"/>
+          <a:blip r:embed="rId2"/>
           <a:stretch>
             <a:fillRect/>
           </a:stretch>
@@ -16313,7 +16347,7 @@
           <p:nvPr/>
         </p:nvPicPr>
         <p:blipFill>
-          <a:blip r:embed="rId3"/>
+          <a:blip r:embed="rId2"/>
           <a:stretch>
             <a:fillRect/>
           </a:stretch>
@@ -16450,6 +16484,13 @@
               </a:rPr>
               <a:t>EDA – Product Data</a:t>
             </a:r>
+            <a:endParaRPr lang="en-US" altLang="zh-CN" sz="4000" dirty="0" smtClean="0">
+              <a:solidFill>
+                <a:srgbClr val="141214"/>
+              </a:solidFill>
+              <a:latin typeface="Arial" panose="020B0604020202020204" pitchFamily="34" charset="0"/>
+              <a:cs typeface="Arial" panose="020B0604020202020204" pitchFamily="34" charset="0"/>
+            </a:endParaRPr>
           </a:p>
         </p:txBody>
       </p:sp>
@@ -16462,7 +16503,7 @@
           <p:nvPr/>
         </p:nvPicPr>
         <p:blipFill>
-          <a:blip r:embed="rId2"/>
+          <a:blip r:embed="rId1"/>
           <a:stretch>
             <a:fillRect/>
           </a:stretch>
@@ -16669,6 +16710,13 @@
               </a:rPr>
               <a:t>21.5%.</a:t>
             </a:r>
+            <a:endParaRPr lang="en-US" altLang="zh-CN" sz="1400" dirty="0" smtClean="0">
+              <a:solidFill>
+                <a:srgbClr val="262626"/>
+              </a:solidFill>
+              <a:latin typeface="Arial" panose="020B0604020202020204" pitchFamily="34" charset="0"/>
+              <a:cs typeface="Arial" panose="020B0604020202020204" pitchFamily="34" charset="0"/>
+            </a:endParaRPr>
           </a:p>
           <a:p>
             <a:pPr marL="285750" indent="-285750">
@@ -16717,7 +16765,7 @@
           <p:nvPr/>
         </p:nvPicPr>
         <p:blipFill>
-          <a:blip r:embed="rId3"/>
+          <a:blip r:embed="rId2"/>
           <a:stretch>
             <a:fillRect/>
           </a:stretch>
@@ -16733,22 +16781,17 @@
         </p:spPr>
       </p:pic>
     </p:spTree>
-    <p:extLst>
-      <p:ext uri="{BB962C8B-B14F-4D97-AF65-F5344CB8AC3E}">
-        <p14:creationId xmlns:p14="http://schemas.microsoft.com/office/powerpoint/2010/main" val="679486799"/>
-      </p:ext>
-    </p:extLst>
   </p:cSld>
   <p:clrMapOvr>
     <a:masterClrMapping/>
   </p:clrMapOvr>
-  <mc:AlternateContent xmlns:mc="http://schemas.openxmlformats.org/markup-compatibility/2006" xmlns:p14="http://schemas.microsoft.com/office/powerpoint/2010/main">
-    <mc:Choice Requires="p14">
+  <mc:AlternateContent xmlns:mc="http://schemas.openxmlformats.org/markup-compatibility/2006">
+    <mc:Choice xmlns:p14="http://schemas.microsoft.com/office/powerpoint/2010/main" Requires="p14">
       <p:transition spd="med" p14:dur="700">
         <p:fade/>
       </p:transition>
     </mc:Choice>
-    <mc:Fallback xmlns="">
+    <mc:Fallback>
       <p:transition spd="med">
         <p:fade/>
       </p:transition>
@@ -16818,6 +16861,13 @@
               </a:rPr>
               <a:t>EDA – Product Data</a:t>
             </a:r>
+            <a:endParaRPr lang="en-US" altLang="zh-CN" sz="4000" dirty="0" smtClean="0">
+              <a:solidFill>
+                <a:srgbClr val="141214"/>
+              </a:solidFill>
+              <a:latin typeface="Arial" panose="020B0604020202020204" pitchFamily="34" charset="0"/>
+              <a:cs typeface="Arial" panose="020B0604020202020204" pitchFamily="34" charset="0"/>
+            </a:endParaRPr>
           </a:p>
         </p:txBody>
       </p:sp>
@@ -16830,7 +16880,7 @@
           <p:nvPr/>
         </p:nvPicPr>
         <p:blipFill>
-          <a:blip r:embed="rId2">
+          <a:blip r:embed="rId1">
             <a:extLst>
               <a:ext uri="{28A0092B-C50C-407E-A947-70E740481C1C}">
                 <a14:useLocalDpi xmlns:a14="http://schemas.microsoft.com/office/drawing/2010/main" val="0"/>
@@ -16871,7 +16921,7 @@
           <p:nvPr/>
         </p:nvPicPr>
         <p:blipFill>
-          <a:blip r:embed="rId3">
+          <a:blip r:embed="rId2">
             <a:extLst>
               <a:ext uri="{28A0092B-C50C-407E-A947-70E740481C1C}">
                 <a14:useLocalDpi xmlns:a14="http://schemas.microsoft.com/office/drawing/2010/main" val="0"/>
@@ -16912,7 +16962,7 @@
           <p:nvPr/>
         </p:nvPicPr>
         <p:blipFill>
-          <a:blip r:embed="rId4">
+          <a:blip r:embed="rId3">
             <a:extLst>
               <a:ext uri="{28A0092B-C50C-407E-A947-70E740481C1C}">
                 <a14:useLocalDpi xmlns:a14="http://schemas.microsoft.com/office/drawing/2010/main" val="0"/>
@@ -17275,22 +17325,17 @@
         </p:txBody>
       </p:sp>
     </p:spTree>
-    <p:extLst>
-      <p:ext uri="{BB962C8B-B14F-4D97-AF65-F5344CB8AC3E}">
-        <p14:creationId xmlns:p14="http://schemas.microsoft.com/office/powerpoint/2010/main" val="247596166"/>
-      </p:ext>
-    </p:extLst>
   </p:cSld>
   <p:clrMapOvr>
     <a:masterClrMapping/>
   </p:clrMapOvr>
-  <mc:AlternateContent xmlns:mc="http://schemas.openxmlformats.org/markup-compatibility/2006" xmlns:p14="http://schemas.microsoft.com/office/powerpoint/2010/main">
-    <mc:Choice Requires="p14">
+  <mc:AlternateContent xmlns:mc="http://schemas.openxmlformats.org/markup-compatibility/2006">
+    <mc:Choice xmlns:p14="http://schemas.microsoft.com/office/powerpoint/2010/main" Requires="p14">
       <p:transition spd="med" p14:dur="700">
         <p:fade/>
       </p:transition>
     </mc:Choice>
-    <mc:Fallback xmlns="">
+    <mc:Fallback>
       <p:transition spd="med">
         <p:fade/>
       </p:transition>
@@ -17360,6 +17405,13 @@
               </a:rPr>
               <a:t>EDA – Product Data</a:t>
             </a:r>
+            <a:endParaRPr lang="en-US" altLang="zh-CN" sz="4000" dirty="0" smtClean="0">
+              <a:solidFill>
+                <a:srgbClr val="141214"/>
+              </a:solidFill>
+              <a:latin typeface="Arial" panose="020B0604020202020204" pitchFamily="34" charset="0"/>
+              <a:cs typeface="Arial" panose="020B0604020202020204" pitchFamily="34" charset="0"/>
+            </a:endParaRPr>
           </a:p>
         </p:txBody>
       </p:sp>
@@ -17372,7 +17424,7 @@
           <p:nvPr/>
         </p:nvPicPr>
         <p:blipFill>
-          <a:blip r:embed="rId2">
+          <a:blip r:embed="rId1">
             <a:extLst>
               <a:ext uri="{28A0092B-C50C-407E-A947-70E740481C1C}">
                 <a14:useLocalDpi xmlns:a14="http://schemas.microsoft.com/office/drawing/2010/main" val="0"/>
@@ -17413,7 +17465,7 @@
           <p:nvPr/>
         </p:nvPicPr>
         <p:blipFill>
-          <a:blip r:embed="rId3">
+          <a:blip r:embed="rId2">
             <a:extLst>
               <a:ext uri="{28A0092B-C50C-407E-A947-70E740481C1C}">
                 <a14:useLocalDpi xmlns:a14="http://schemas.microsoft.com/office/drawing/2010/main" val="0"/>
@@ -17626,22 +17678,17 @@
         </p:txBody>
       </p:sp>
     </p:spTree>
-    <p:extLst>
-      <p:ext uri="{BB962C8B-B14F-4D97-AF65-F5344CB8AC3E}">
-        <p14:creationId xmlns:p14="http://schemas.microsoft.com/office/powerpoint/2010/main" val="1689041700"/>
-      </p:ext>
-    </p:extLst>
   </p:cSld>
   <p:clrMapOvr>
     <a:masterClrMapping/>
   </p:clrMapOvr>
-  <mc:AlternateContent xmlns:mc="http://schemas.openxmlformats.org/markup-compatibility/2006" xmlns:p14="http://schemas.microsoft.com/office/powerpoint/2010/main">
-    <mc:Choice Requires="p14">
+  <mc:AlternateContent xmlns:mc="http://schemas.openxmlformats.org/markup-compatibility/2006">
+    <mc:Choice xmlns:p14="http://schemas.microsoft.com/office/powerpoint/2010/main" Requires="p14">
       <p:transition spd="med" p14:dur="700">
         <p:fade/>
       </p:transition>
     </mc:Choice>
-    <mc:Fallback xmlns="">
+    <mc:Fallback>
       <p:transition spd="med">
         <p:fade/>
       </p:transition>
@@ -17711,6 +17758,13 @@
               </a:rPr>
               <a:t>EDA – Product Data</a:t>
             </a:r>
+            <a:endParaRPr lang="en-US" altLang="zh-CN" sz="4000" dirty="0" smtClean="0">
+              <a:solidFill>
+                <a:srgbClr val="141214"/>
+              </a:solidFill>
+              <a:latin typeface="Arial" panose="020B0604020202020204" pitchFamily="34" charset="0"/>
+              <a:cs typeface="Arial" panose="020B0604020202020204" pitchFamily="34" charset="0"/>
+            </a:endParaRPr>
           </a:p>
         </p:txBody>
       </p:sp>
@@ -17874,6 +17928,13 @@
               </a:rPr>
               <a:t>word cloud shows that the most frequently used words for Appliances products are related to replacement, part, and model number.</a:t>
             </a:r>
+            <a:endParaRPr lang="en-US" altLang="zh-CN" sz="1400" dirty="0">
+              <a:solidFill>
+                <a:srgbClr val="262626"/>
+              </a:solidFill>
+              <a:latin typeface="Arial" panose="020B0604020202020204" pitchFamily="34" charset="0"/>
+              <a:cs typeface="Arial" panose="020B0604020202020204" pitchFamily="34" charset="0"/>
+            </a:endParaRPr>
           </a:p>
         </p:txBody>
       </p:sp>
@@ -17886,7 +17947,7 @@
           <p:nvPr/>
         </p:nvPicPr>
         <p:blipFill>
-          <a:blip r:embed="rId2">
+          <a:blip r:embed="rId1">
             <a:extLst>
               <a:ext uri="{28A0092B-C50C-407E-A947-70E740481C1C}">
                 <a14:useLocalDpi xmlns:a14="http://schemas.microsoft.com/office/drawing/2010/main" val="0"/>
@@ -17908,22 +17969,17 @@
         </p:spPr>
       </p:pic>
     </p:spTree>
-    <p:extLst>
-      <p:ext uri="{BB962C8B-B14F-4D97-AF65-F5344CB8AC3E}">
-        <p14:creationId xmlns:p14="http://schemas.microsoft.com/office/powerpoint/2010/main" val="3382355892"/>
-      </p:ext>
-    </p:extLst>
   </p:cSld>
   <p:clrMapOvr>
     <a:masterClrMapping/>
   </p:clrMapOvr>
-  <mc:AlternateContent xmlns:mc="http://schemas.openxmlformats.org/markup-compatibility/2006" xmlns:p14="http://schemas.microsoft.com/office/powerpoint/2010/main">
-    <mc:Choice Requires="p14">
+  <mc:AlternateContent xmlns:mc="http://schemas.openxmlformats.org/markup-compatibility/2006">
+    <mc:Choice xmlns:p14="http://schemas.microsoft.com/office/powerpoint/2010/main" Requires="p14">
       <p:transition spd="med" p14:dur="700">
         <p:fade/>
       </p:transition>
     </mc:Choice>
-    <mc:Fallback xmlns="">
+    <mc:Fallback>
       <p:transition spd="med">
         <p:fade/>
       </p:transition>
@@ -18240,7 +18296,7 @@
           <p:nvPr/>
         </p:nvPicPr>
         <p:blipFill>
-          <a:blip r:embed="rId3">
+          <a:blip r:embed="rId1">
             <a:extLst>
               <a:ext uri="{28A0092B-C50C-407E-A947-70E740481C1C}">
                 <a14:useLocalDpi xmlns:a14="http://schemas.microsoft.com/office/drawing/2010/main" val="0"/>
@@ -18273,22 +18329,17 @@
         </p:spPr>
       </p:pic>
     </p:spTree>
-    <p:extLst>
-      <p:ext uri="{BB962C8B-B14F-4D97-AF65-F5344CB8AC3E}">
-        <p14:creationId xmlns:p14="http://schemas.microsoft.com/office/powerpoint/2010/main" val="2662000003"/>
-      </p:ext>
-    </p:extLst>
   </p:cSld>
   <p:clrMapOvr>
     <a:masterClrMapping/>
   </p:clrMapOvr>
-  <mc:AlternateContent xmlns:mc="http://schemas.openxmlformats.org/markup-compatibility/2006" xmlns:p14="http://schemas.microsoft.com/office/powerpoint/2010/main">
-    <mc:Choice Requires="p14">
+  <mc:AlternateContent xmlns:mc="http://schemas.openxmlformats.org/markup-compatibility/2006">
+    <mc:Choice xmlns:p14="http://schemas.microsoft.com/office/powerpoint/2010/main" Requires="p14">
       <p:transition spd="med" p14:dur="700">
         <p:fade/>
       </p:transition>
     </mc:Choice>
-    <mc:Fallback xmlns="">
+    <mc:Fallback>
       <p:transition spd="med">
         <p:fade/>
       </p:transition>
@@ -18387,7 +18438,7 @@
           <p:nvPr/>
         </p:nvPicPr>
         <p:blipFill>
-          <a:blip r:embed="rId3">
+          <a:blip r:embed="rId1">
             <a:extLst>
               <a:ext uri="{28A0092B-C50C-407E-A947-70E740481C1C}">
                 <a14:useLocalDpi xmlns:a14="http://schemas.microsoft.com/office/drawing/2010/main" val="0"/>
@@ -18780,22 +18831,17 @@
         </p:txBody>
       </p:sp>
     </p:spTree>
-    <p:extLst>
-      <p:ext uri="{BB962C8B-B14F-4D97-AF65-F5344CB8AC3E}">
-        <p14:creationId xmlns:p14="http://schemas.microsoft.com/office/powerpoint/2010/main" val="1872231487"/>
-      </p:ext>
-    </p:extLst>
   </p:cSld>
   <p:clrMapOvr>
     <a:masterClrMapping/>
   </p:clrMapOvr>
-  <mc:AlternateContent xmlns:mc="http://schemas.openxmlformats.org/markup-compatibility/2006" xmlns:p14="http://schemas.microsoft.com/office/powerpoint/2010/main">
-    <mc:Choice Requires="p14">
+  <mc:AlternateContent xmlns:mc="http://schemas.openxmlformats.org/markup-compatibility/2006">
+    <mc:Choice xmlns:p14="http://schemas.microsoft.com/office/powerpoint/2010/main" Requires="p14">
       <p:transition spd="med" p14:dur="700">
         <p:fade/>
       </p:transition>
     </mc:Choice>
-    <mc:Fallback xmlns="">
+    <mc:Fallback>
       <p:transition spd="med">
         <p:fade/>
       </p:transition>
@@ -19096,7 +19142,7 @@
           <p:nvPr/>
         </p:nvPicPr>
         <p:blipFill>
-          <a:blip r:embed="rId3">
+          <a:blip r:embed="rId1">
             <a:extLst>
               <a:ext uri="{28A0092B-C50C-407E-A947-70E740481C1C}">
                 <a14:useLocalDpi xmlns:a14="http://schemas.microsoft.com/office/drawing/2010/main" val="0"/>
@@ -19118,22 +19164,17 @@
         </p:spPr>
       </p:pic>
     </p:spTree>
-    <p:extLst>
-      <p:ext uri="{BB962C8B-B14F-4D97-AF65-F5344CB8AC3E}">
-        <p14:creationId xmlns:p14="http://schemas.microsoft.com/office/powerpoint/2010/main" val="1624177921"/>
-      </p:ext>
-    </p:extLst>
   </p:cSld>
   <p:clrMapOvr>
     <a:masterClrMapping/>
   </p:clrMapOvr>
-  <mc:AlternateContent xmlns:mc="http://schemas.openxmlformats.org/markup-compatibility/2006" xmlns:p14="http://schemas.microsoft.com/office/powerpoint/2010/main">
-    <mc:Choice Requires="p14">
+  <mc:AlternateContent xmlns:mc="http://schemas.openxmlformats.org/markup-compatibility/2006">
+    <mc:Choice xmlns:p14="http://schemas.microsoft.com/office/powerpoint/2010/main" Requires="p14">
       <p:transition spd="med" p14:dur="700">
         <p:fade/>
       </p:transition>
     </mc:Choice>
-    <mc:Fallback xmlns="">
+    <mc:Fallback>
       <p:transition spd="med">
         <p:fade/>
       </p:transition>
@@ -19350,7 +19391,7 @@
           <p:nvPr/>
         </p:nvPicPr>
         <p:blipFill>
-          <a:blip r:embed="rId3">
+          <a:blip r:embed="rId1">
             <a:extLst>
               <a:ext uri="{28A0092B-C50C-407E-A947-70E740481C1C}">
                 <a14:useLocalDpi xmlns:a14="http://schemas.microsoft.com/office/drawing/2010/main" val="0"/>
@@ -19554,7 +19595,7 @@
                 <a:latin typeface="Arial" panose="020B0604020202020204" pitchFamily="34" charset="0"/>
                 <a:cs typeface="Arial" panose="020B0604020202020204" pitchFamily="34" charset="0"/>
               </a:rPr>
-              <a:t>one. Apply NLP models TF-IDF and LSTM to product descriptions to output </a:t>
+              <a:t>one. Apply NLP techniques TF-IDF and LDA topic modeling to output </a:t>
             </a:r>
             <a:r>
               <a:rPr lang="en-US" dirty="0">
@@ -19596,22 +19637,17 @@
         </p:txBody>
       </p:sp>
     </p:spTree>
-    <p:extLst>
-      <p:ext uri="{BB962C8B-B14F-4D97-AF65-F5344CB8AC3E}">
-        <p14:creationId xmlns:p14="http://schemas.microsoft.com/office/powerpoint/2010/main" val="213778068"/>
-      </p:ext>
-    </p:extLst>
   </p:cSld>
   <p:clrMapOvr>
     <a:masterClrMapping/>
   </p:clrMapOvr>
-  <mc:AlternateContent xmlns:mc="http://schemas.openxmlformats.org/markup-compatibility/2006" xmlns:p14="http://schemas.microsoft.com/office/powerpoint/2010/main">
-    <mc:Choice Requires="p14">
+  <mc:AlternateContent xmlns:mc="http://schemas.openxmlformats.org/markup-compatibility/2006">
+    <mc:Choice xmlns:p14="http://schemas.microsoft.com/office/powerpoint/2010/main" Requires="p14">
       <p:transition spd="med" p14:dur="700">
         <p:fade/>
       </p:transition>
     </mc:Choice>
-    <mc:Fallback xmlns="">
+    <mc:Fallback>
       <p:transition spd="med">
         <p:fade/>
       </p:transition>
@@ -28210,22 +28246,17 @@
         </p:txBody>
       </p:sp>
     </p:spTree>
-    <p:extLst>
-      <p:ext uri="{BB962C8B-B14F-4D97-AF65-F5344CB8AC3E}">
-        <p14:creationId xmlns:p14="http://schemas.microsoft.com/office/powerpoint/2010/main" val="1523765348"/>
-      </p:ext>
-    </p:extLst>
   </p:cSld>
   <p:clrMapOvr>
     <a:masterClrMapping/>
   </p:clrMapOvr>
-  <mc:AlternateContent xmlns:mc="http://schemas.openxmlformats.org/markup-compatibility/2006" xmlns:p14="http://schemas.microsoft.com/office/powerpoint/2010/main">
-    <mc:Choice Requires="p14">
+  <mc:AlternateContent xmlns:mc="http://schemas.openxmlformats.org/markup-compatibility/2006">
+    <mc:Choice xmlns:p14="http://schemas.microsoft.com/office/powerpoint/2010/main" Requires="p14">
       <p:transition spd="med" p14:dur="700">
         <p:fade/>
       </p:transition>
     </mc:Choice>
-    <mc:Fallback xmlns="">
+    <mc:Fallback>
       <p:transition spd="med">
         <p:fade/>
       </p:transition>
@@ -28542,7 +28573,7 @@
           <p:nvPr/>
         </p:nvPicPr>
         <p:blipFill>
-          <a:blip r:embed="rId3"/>
+          <a:blip r:embed="rId1"/>
           <a:stretch>
             <a:fillRect/>
           </a:stretch>
@@ -28938,22 +28969,17 @@
         </p:txBody>
       </p:sp>
     </p:spTree>
-    <p:extLst>
-      <p:ext uri="{BB962C8B-B14F-4D97-AF65-F5344CB8AC3E}">
-        <p14:creationId xmlns:p14="http://schemas.microsoft.com/office/powerpoint/2010/main" val="3487130601"/>
-      </p:ext>
-    </p:extLst>
   </p:cSld>
   <p:clrMapOvr>
     <a:masterClrMapping/>
   </p:clrMapOvr>
-  <mc:AlternateContent xmlns:mc="http://schemas.openxmlformats.org/markup-compatibility/2006" xmlns:p14="http://schemas.microsoft.com/office/powerpoint/2010/main">
-    <mc:Choice Requires="p14">
+  <mc:AlternateContent xmlns:mc="http://schemas.openxmlformats.org/markup-compatibility/2006">
+    <mc:Choice xmlns:p14="http://schemas.microsoft.com/office/powerpoint/2010/main" Requires="p14">
       <p:transition spd="med" p14:dur="700">
         <p:fade/>
       </p:transition>
     </mc:Choice>
-    <mc:Fallback xmlns="">
+    <mc:Fallback>
       <p:transition spd="med">
         <p:fade/>
       </p:transition>
@@ -29238,7 +29264,7 @@
               <a:rPr lang="en-US" dirty="0">
                 <a:latin typeface="Arial" panose="020B0604020202020204" pitchFamily="34" charset="0"/>
                 <a:cs typeface="Arial" panose="020B0604020202020204" pitchFamily="34" charset="0"/>
-                <a:hlinkClick r:id="rId3"/>
+                <a:hlinkClick r:id="rId1"/>
               </a:rPr>
               <a:t>https://data606project.pythonanywhere.com</a:t>
             </a:r>
@@ -29246,7 +29272,7 @@
               <a:rPr lang="en-US" dirty="0" smtClean="0">
                 <a:latin typeface="Arial" panose="020B0604020202020204" pitchFamily="34" charset="0"/>
                 <a:cs typeface="Arial" panose="020B0604020202020204" pitchFamily="34" charset="0"/>
-                <a:hlinkClick r:id="rId3"/>
+                <a:hlinkClick r:id="rId1"/>
               </a:rPr>
               <a:t>/</a:t>
             </a:r>
@@ -29266,7 +29292,7 @@
           <p:nvPr/>
         </p:nvPicPr>
         <p:blipFill>
-          <a:blip r:embed="rId4"/>
+          <a:blip r:embed="rId2"/>
           <a:stretch>
             <a:fillRect/>
           </a:stretch>
@@ -29282,22 +29308,17 @@
         </p:spPr>
       </p:pic>
     </p:spTree>
-    <p:extLst>
-      <p:ext uri="{BB962C8B-B14F-4D97-AF65-F5344CB8AC3E}">
-        <p14:creationId xmlns:p14="http://schemas.microsoft.com/office/powerpoint/2010/main" val="267804779"/>
-      </p:ext>
-    </p:extLst>
   </p:cSld>
   <p:clrMapOvr>
     <a:masterClrMapping/>
   </p:clrMapOvr>
-  <mc:AlternateContent xmlns:mc="http://schemas.openxmlformats.org/markup-compatibility/2006" xmlns:p14="http://schemas.microsoft.com/office/powerpoint/2010/main">
-    <mc:Choice Requires="p14">
+  <mc:AlternateContent xmlns:mc="http://schemas.openxmlformats.org/markup-compatibility/2006">
+    <mc:Choice xmlns:p14="http://schemas.microsoft.com/office/powerpoint/2010/main" Requires="p14">
       <p:transition spd="med" p14:dur="700">
         <p:fade/>
       </p:transition>
     </mc:Choice>
-    <mc:Fallback xmlns="">
+    <mc:Fallback>
       <p:transition spd="med">
         <p:fade/>
       </p:transition>
@@ -29838,6 +29859,10 @@
               </a:rPr>
               <a:t>the role of text data in recommender systems</a:t>
             </a:r>
+            <a:endParaRPr lang="en-US" sz="1400" dirty="0">
+              <a:latin typeface="Arial" panose="020B0604020202020204" pitchFamily="34" charset="0"/>
+              <a:cs typeface="Arial" panose="020B0604020202020204" pitchFamily="34" charset="0"/>
+            </a:endParaRPr>
           </a:p>
         </p:txBody>
       </p:sp>
@@ -29890,6 +29915,10 @@
               </a:rPr>
               <a:t>to assist amazon users to make purchase decisions.</a:t>
             </a:r>
+            <a:endParaRPr lang="en-US" sz="1400" dirty="0">
+              <a:latin typeface="Arial" panose="020B0604020202020204" pitchFamily="34" charset="0"/>
+              <a:cs typeface="Arial" panose="020B0604020202020204" pitchFamily="34" charset="0"/>
+            </a:endParaRPr>
           </a:p>
         </p:txBody>
       </p:sp>
@@ -29902,7 +29931,7 @@
           <p:nvPr/>
         </p:nvPicPr>
         <p:blipFill>
-          <a:blip r:embed="rId3" cstate="print">
+          <a:blip r:embed="rId1" cstate="print">
             <a:extLst>
               <a:ext uri="{28A0092B-C50C-407E-A947-70E740481C1C}">
                 <a14:useLocalDpi xmlns:a14="http://schemas.microsoft.com/office/drawing/2010/main" val="0"/>
@@ -30008,6 +30037,10 @@
               </a:rPr>
               <a:t>Provide a comprehensive report of recommender systems for the business owners.</a:t>
             </a:r>
+            <a:endParaRPr lang="en-US" sz="1400" dirty="0">
+              <a:latin typeface="Arial" panose="020B0604020202020204" pitchFamily="34" charset="0"/>
+              <a:cs typeface="Arial" panose="020B0604020202020204" pitchFamily="34" charset="0"/>
+            </a:endParaRPr>
           </a:p>
         </p:txBody>
       </p:sp>
@@ -30083,6 +30116,13 @@
               </a:rPr>
               <a:t>References</a:t>
             </a:r>
+            <a:endParaRPr lang="en-US" altLang="zh-CN" sz="4000" dirty="0" smtClean="0">
+              <a:solidFill>
+                <a:srgbClr val="141214"/>
+              </a:solidFill>
+              <a:latin typeface="Arial" panose="020B0604020202020204" pitchFamily="34" charset="0"/>
+              <a:cs typeface="Arial" panose="020B0604020202020204" pitchFamily="34" charset="0"/>
+            </a:endParaRPr>
           </a:p>
         </p:txBody>
       </p:sp>
@@ -30154,7 +30194,7 @@
               <a:rPr lang="en-US" sz="1600" dirty="0">
                 <a:latin typeface="Arial" panose="020B0604020202020204" pitchFamily="34" charset="0"/>
                 <a:cs typeface="Arial" panose="020B0604020202020204" pitchFamily="34" charset="0"/>
-                <a:hlinkClick r:id="rId2"/>
+                <a:hlinkClick r:id="rId1"/>
               </a:rPr>
               <a:t>http://cseweb.ucsd.edu/~jmcauley/pdfs/emnlp19a.pdf</a:t>
             </a:r>
@@ -30189,7 +30229,7 @@
               <a:rPr lang="en-US" sz="1600" dirty="0">
                 <a:latin typeface="Arial" panose="020B0604020202020204" pitchFamily="34" charset="0"/>
                 <a:cs typeface="Arial" panose="020B0604020202020204" pitchFamily="34" charset="0"/>
-                <a:hlinkClick r:id="rId3"/>
+                <a:hlinkClick r:id="rId2"/>
               </a:rPr>
               <a:t>https://</a:t>
             </a:r>
@@ -30197,7 +30237,7 @@
               <a:rPr lang="en-US" sz="1600" dirty="0" smtClean="0">
                 <a:latin typeface="Arial" panose="020B0604020202020204" pitchFamily="34" charset="0"/>
                 <a:cs typeface="Arial" panose="020B0604020202020204" pitchFamily="34" charset="0"/>
-                <a:hlinkClick r:id="rId3"/>
+                <a:hlinkClick r:id="rId2"/>
               </a:rPr>
               <a:t>towardsdatascience.com/brief-on-recommender-systems-b86a1068a4dd</a:t>
             </a:r>
@@ -30274,7 +30314,7 @@
               <a:rPr lang="en-US" sz="1600" dirty="0">
                 <a:latin typeface="Arial" panose="020B0604020202020204" pitchFamily="34" charset="0"/>
                 <a:cs typeface="Arial" panose="020B0604020202020204" pitchFamily="34" charset="0"/>
-                <a:hlinkClick r:id="rId4"/>
+                <a:hlinkClick r:id="rId3"/>
               </a:rPr>
               <a:t>https://</a:t>
             </a:r>
@@ -30282,7 +30322,7 @@
               <a:rPr lang="en-US" sz="1600" dirty="0" smtClean="0">
                 <a:latin typeface="Arial" panose="020B0604020202020204" pitchFamily="34" charset="0"/>
                 <a:cs typeface="Arial" panose="020B0604020202020204" pitchFamily="34" charset="0"/>
-                <a:hlinkClick r:id="rId4"/>
+                <a:hlinkClick r:id="rId3"/>
               </a:rPr>
               <a:t>medium.com/zenofai/creating-chatbot-using-python-flask-d6947d8ef805</a:t>
             </a:r>
@@ -30327,22 +30367,17 @@
         </p:txBody>
       </p:sp>
     </p:spTree>
-    <p:extLst>
-      <p:ext uri="{BB962C8B-B14F-4D97-AF65-F5344CB8AC3E}">
-        <p14:creationId xmlns:p14="http://schemas.microsoft.com/office/powerpoint/2010/main" val="3080682343"/>
-      </p:ext>
-    </p:extLst>
   </p:cSld>
   <p:clrMapOvr>
     <a:masterClrMapping/>
   </p:clrMapOvr>
-  <mc:AlternateContent xmlns:mc="http://schemas.openxmlformats.org/markup-compatibility/2006" xmlns:p14="http://schemas.microsoft.com/office/powerpoint/2010/main">
-    <mc:Choice Requires="p14">
+  <mc:AlternateContent xmlns:mc="http://schemas.openxmlformats.org/markup-compatibility/2006">
+    <mc:Choice xmlns:p14="http://schemas.microsoft.com/office/powerpoint/2010/main" Requires="p14">
       <p:transition spd="med" p14:dur="700">
         <p:fade/>
       </p:transition>
     </mc:Choice>
-    <mc:Fallback xmlns="">
+    <mc:Fallback>
       <p:transition spd="med">
         <p:fade/>
       </p:transition>
@@ -30486,6 +30521,13 @@
               </a:rPr>
               <a:t>Introduction</a:t>
             </a:r>
+            <a:endParaRPr lang="en-US" altLang="zh-CN" sz="4000" dirty="0" smtClean="0">
+              <a:solidFill>
+                <a:srgbClr val="141214"/>
+              </a:solidFill>
+              <a:latin typeface="Arial" panose="020B0604020202020204" pitchFamily="34" charset="0"/>
+              <a:cs typeface="Arial" panose="020B0604020202020204" pitchFamily="34" charset="0"/>
+            </a:endParaRPr>
           </a:p>
         </p:txBody>
       </p:sp>
@@ -30518,6 +30560,10 @@
               </a:rPr>
               <a:t>Why recommender system is important?</a:t>
             </a:r>
+            <a:endParaRPr lang="en-US" dirty="0" smtClean="0">
+              <a:latin typeface="Arial" panose="020B0604020202020204" pitchFamily="34" charset="0"/>
+              <a:cs typeface="Arial" panose="020B0604020202020204" pitchFamily="34" charset="0"/>
+            </a:endParaRPr>
           </a:p>
           <a:p>
             <a:pPr marL="285750" indent="-285750">
@@ -30545,6 +30591,10 @@
               </a:rPr>
               <a:t>.</a:t>
             </a:r>
+            <a:endParaRPr lang="en-US" dirty="0" smtClean="0">
+              <a:latin typeface="Arial" panose="020B0604020202020204" pitchFamily="34" charset="0"/>
+              <a:cs typeface="Arial" panose="020B0604020202020204" pitchFamily="34" charset="0"/>
+            </a:endParaRPr>
           </a:p>
           <a:p>
             <a:pPr marL="285750" indent="-285750">
@@ -30660,7 +30710,7 @@
           <p:nvPr/>
         </p:nvPicPr>
         <p:blipFill>
-          <a:blip r:embed="rId3" cstate="print">
+          <a:blip r:embed="rId1" cstate="print">
             <a:extLst>
               <a:ext uri="{28A0092B-C50C-407E-A947-70E740481C1C}">
                 <a14:useLocalDpi xmlns:a14="http://schemas.microsoft.com/office/drawing/2010/main" val="0"/>
@@ -30693,22 +30743,17 @@
         </p:spPr>
       </p:pic>
     </p:spTree>
-    <p:extLst>
-      <p:ext uri="{BB962C8B-B14F-4D97-AF65-F5344CB8AC3E}">
-        <p14:creationId xmlns:p14="http://schemas.microsoft.com/office/powerpoint/2010/main" val="1883350531"/>
-      </p:ext>
-    </p:extLst>
   </p:cSld>
   <p:clrMapOvr>
     <a:masterClrMapping/>
   </p:clrMapOvr>
-  <mc:AlternateContent xmlns:mc="http://schemas.openxmlformats.org/markup-compatibility/2006" xmlns:p14="http://schemas.microsoft.com/office/powerpoint/2010/main">
-    <mc:Choice Requires="p14">
+  <mc:AlternateContent xmlns:mc="http://schemas.openxmlformats.org/markup-compatibility/2006">
+    <mc:Choice xmlns:p14="http://schemas.microsoft.com/office/powerpoint/2010/main" Requires="p14">
       <p:transition spd="med" p14:dur="700">
         <p:fade/>
       </p:transition>
     </mc:Choice>
-    <mc:Fallback xmlns="">
+    <mc:Fallback>
       <p:transition spd="med">
         <p:fade/>
       </p:transition>
@@ -30907,6 +30952,13 @@
               </a:rPr>
               <a:t>Research Questions</a:t>
             </a:r>
+            <a:endParaRPr lang="en-US" altLang="zh-CN" sz="4000" dirty="0" smtClean="0">
+              <a:solidFill>
+                <a:srgbClr val="141214"/>
+              </a:solidFill>
+              <a:latin typeface="Arial" panose="020B0604020202020204" pitchFamily="34" charset="0"/>
+              <a:cs typeface="Arial" panose="020B0604020202020204" pitchFamily="34" charset="0"/>
+            </a:endParaRPr>
           </a:p>
         </p:txBody>
       </p:sp>
@@ -32674,22 +32726,17 @@
         </p:txBody>
       </p:sp>
     </p:spTree>
-    <p:extLst>
-      <p:ext uri="{BB962C8B-B14F-4D97-AF65-F5344CB8AC3E}">
-        <p14:creationId xmlns:p14="http://schemas.microsoft.com/office/powerpoint/2010/main" val="3818691075"/>
-      </p:ext>
-    </p:extLst>
   </p:cSld>
   <p:clrMapOvr>
     <a:masterClrMapping/>
   </p:clrMapOvr>
-  <mc:AlternateContent xmlns:mc="http://schemas.openxmlformats.org/markup-compatibility/2006" xmlns:p14="http://schemas.microsoft.com/office/powerpoint/2010/main">
-    <mc:Choice Requires="p14">
+  <mc:AlternateContent xmlns:mc="http://schemas.openxmlformats.org/markup-compatibility/2006">
+    <mc:Choice xmlns:p14="http://schemas.microsoft.com/office/powerpoint/2010/main" Requires="p14">
       <p:transition spd="med" p14:dur="700">
         <p:fade/>
       </p:transition>
     </mc:Choice>
-    <mc:Fallback xmlns="">
+    <mc:Fallback>
       <p:transition spd="med">
         <p:fade/>
       </p:transition>
@@ -32888,6 +32935,13 @@
               </a:rPr>
               <a:t>Data Sources</a:t>
             </a:r>
+            <a:endParaRPr lang="en-US" altLang="zh-CN" sz="4000" dirty="0" smtClean="0">
+              <a:solidFill>
+                <a:srgbClr val="141214"/>
+              </a:solidFill>
+              <a:latin typeface="Arial" panose="020B0604020202020204" pitchFamily="34" charset="0"/>
+              <a:cs typeface="Arial" panose="020B0604020202020204" pitchFamily="34" charset="0"/>
+            </a:endParaRPr>
           </a:p>
         </p:txBody>
       </p:sp>
@@ -33042,7 +33096,7 @@
               <a:rPr lang="en-US" dirty="0">
                 <a:latin typeface="Arial" panose="020B0604020202020204" pitchFamily="34" charset="0"/>
                 <a:cs typeface="Arial" panose="020B0604020202020204" pitchFamily="34" charset="0"/>
-                <a:hlinkClick r:id="rId3"/>
+                <a:hlinkClick r:id="rId1"/>
               </a:rPr>
               <a:t>https://nijianmo.github.io/amazon/index.html</a:t>
             </a:r>
@@ -33053,6 +33107,10 @@
               </a:rPr>
               <a:t>). </a:t>
             </a:r>
+            <a:endParaRPr lang="en-US" dirty="0">
+              <a:latin typeface="Arial" panose="020B0604020202020204" pitchFamily="34" charset="0"/>
+              <a:cs typeface="Arial" panose="020B0604020202020204" pitchFamily="34" charset="0"/>
+            </a:endParaRPr>
           </a:p>
         </p:txBody>
       </p:sp>
@@ -33206,6 +33264,13 @@
               </a:rPr>
               <a:t>The dataset includes reviews data and product metadata.</a:t>
             </a:r>
+            <a:endParaRPr lang="en-US" altLang="zh-CN" dirty="0">
+              <a:solidFill>
+                <a:schemeClr val="bg1"/>
+              </a:solidFill>
+              <a:latin typeface="Arial" panose="020B0604020202020204" pitchFamily="34" charset="0"/>
+              <a:cs typeface="Arial" panose="020B0604020202020204" pitchFamily="34" charset="0"/>
+            </a:endParaRPr>
           </a:p>
         </p:txBody>
       </p:sp>
@@ -33356,6 +33421,10 @@
               </a:rPr>
               <a:t>It contains a total number of 233.1 million real reviews with the size of 34 gigabytes from Amazon. </a:t>
             </a:r>
+            <a:endParaRPr lang="en-US" dirty="0">
+              <a:latin typeface="Arial" panose="020B0604020202020204" pitchFamily="34" charset="0"/>
+              <a:cs typeface="Arial" panose="020B0604020202020204" pitchFamily="34" charset="0"/>
+            </a:endParaRPr>
           </a:p>
         </p:txBody>
       </p:sp>
@@ -33504,26 +33573,28 @@
               </a:rPr>
               <a:t>Due to the computing resource limitation, a subset in Appliances category will be used for this project.</a:t>
             </a:r>
+            <a:endParaRPr lang="en-US" altLang="zh-CN" dirty="0">
+              <a:solidFill>
+                <a:schemeClr val="bg1"/>
+              </a:solidFill>
+              <a:latin typeface="Arial" panose="020B0604020202020204" pitchFamily="34" charset="0"/>
+              <a:cs typeface="Arial" panose="020B0604020202020204" pitchFamily="34" charset="0"/>
+            </a:endParaRPr>
           </a:p>
         </p:txBody>
       </p:sp>
     </p:spTree>
-    <p:extLst>
-      <p:ext uri="{BB962C8B-B14F-4D97-AF65-F5344CB8AC3E}">
-        <p14:creationId xmlns:p14="http://schemas.microsoft.com/office/powerpoint/2010/main" val="620707216"/>
-      </p:ext>
-    </p:extLst>
   </p:cSld>
   <p:clrMapOvr>
     <a:masterClrMapping/>
   </p:clrMapOvr>
-  <mc:AlternateContent xmlns:mc="http://schemas.openxmlformats.org/markup-compatibility/2006" xmlns:p14="http://schemas.microsoft.com/office/powerpoint/2010/main">
-    <mc:Choice Requires="p14">
+  <mc:AlternateContent xmlns:mc="http://schemas.openxmlformats.org/markup-compatibility/2006">
+    <mc:Choice xmlns:p14="http://schemas.microsoft.com/office/powerpoint/2010/main" Requires="p14">
       <p:transition spd="med" p14:dur="700">
         <p:fade/>
       </p:transition>
     </mc:Choice>
-    <mc:Fallback xmlns="">
+    <mc:Fallback>
       <p:transition spd="med">
         <p:fade/>
       </p:transition>
@@ -33593,6 +33664,13 @@
               </a:rPr>
               <a:t>Review Data</a:t>
             </a:r>
+            <a:endParaRPr lang="en-US" altLang="zh-CN" sz="4000" dirty="0" smtClean="0">
+              <a:solidFill>
+                <a:srgbClr val="141214"/>
+              </a:solidFill>
+              <a:latin typeface="Arial" panose="020B0604020202020204" pitchFamily="34" charset="0"/>
+              <a:cs typeface="Arial" panose="020B0604020202020204" pitchFamily="34" charset="0"/>
+            </a:endParaRPr>
           </a:p>
         </p:txBody>
       </p:sp>
@@ -34820,7 +34898,7 @@
           <p:nvPr/>
         </p:nvPicPr>
         <p:blipFill>
-          <a:blip r:embed="rId2">
+          <a:blip r:embed="rId1">
             <a:extLst>
               <a:ext uri="{28A0092B-C50C-407E-A947-70E740481C1C}">
                 <a14:useLocalDpi xmlns:a14="http://schemas.microsoft.com/office/drawing/2010/main" val="0"/>
@@ -34853,22 +34931,17 @@
         </p:spPr>
       </p:pic>
     </p:spTree>
-    <p:extLst>
-      <p:ext uri="{BB962C8B-B14F-4D97-AF65-F5344CB8AC3E}">
-        <p14:creationId xmlns:p14="http://schemas.microsoft.com/office/powerpoint/2010/main" val="4281399234"/>
-      </p:ext>
-    </p:extLst>
   </p:cSld>
   <p:clrMapOvr>
     <a:masterClrMapping/>
   </p:clrMapOvr>
-  <mc:AlternateContent xmlns:mc="http://schemas.openxmlformats.org/markup-compatibility/2006" xmlns:p14="http://schemas.microsoft.com/office/powerpoint/2010/main">
-    <mc:Choice Requires="p14">
+  <mc:AlternateContent xmlns:mc="http://schemas.openxmlformats.org/markup-compatibility/2006">
+    <mc:Choice xmlns:p14="http://schemas.microsoft.com/office/powerpoint/2010/main" Requires="p14">
       <p:transition spd="med" p14:dur="700">
         <p:fade/>
       </p:transition>
     </mc:Choice>
-    <mc:Fallback xmlns="">
+    <mc:Fallback>
       <p:transition spd="med">
         <p:fade/>
       </p:transition>
@@ -35135,8 +35208,6 @@
       </a:bgFillStyleLst>
     </a:fmtScheme>
   </a:themeElements>
-  <a:objectDefaults/>
-  <a:extraClrSchemeLst/>
   <a:extLst>
     <a:ext uri="{05A4C25C-085E-4340-85A3-A5531E510DB2}">
       <thm15:themeFamily xmlns:thm15="http://schemas.microsoft.com/office/thememl/2012/main" name="Office Theme" id="{62F939B6-93AF-4DB8-9C6B-D6C7DFDC589F}" vid="{4A3C46E8-61CC-4603-A589-7422A47A8E4A}"/>
@@ -35396,8 +35467,6 @@
       </a:bgFillStyleLst>
     </a:fmtScheme>
   </a:themeElements>
-  <a:objectDefaults/>
-  <a:extraClrSchemeLst/>
   <a:extLst>
     <a:ext uri="{05A4C25C-085E-4340-85A3-A5531E510DB2}">
       <thm15:themeFamily xmlns:thm15="http://schemas.microsoft.com/office/thememl/2012/main" name="Office Theme" id="{62F939B6-93AF-4DB8-9C6B-D6C7DFDC589F}" vid="{4A3C46E8-61CC-4603-A589-7422A47A8E4A}"/>
@@ -35657,8 +35726,6 @@
       </a:bgFillStyleLst>
     </a:fmtScheme>
   </a:themeElements>
-  <a:objectDefaults/>
-  <a:extraClrSchemeLst/>
   <a:extLst>
     <a:ext uri="{05A4C25C-085E-4340-85A3-A5531E510DB2}">
       <thm15:themeFamily xmlns:thm15="http://schemas.microsoft.com/office/thememl/2012/main" name="Office Theme" id="{62F939B6-93AF-4DB8-9C6B-D6C7DFDC589F}" vid="{4A3C46E8-61CC-4603-A589-7422A47A8E4A}"/>

--- a/presentation/Project_Presentation_EDA_v1.1.pptx
+++ b/presentation/Project_Presentation_EDA_v1.1.pptx
@@ -1069,6 +1069,50 @@
         <p:cNvGrpSpPr/>
         <p:nvPr/>
       </p:nvGrpSpPr>
+      <p:grpSpPr/>
+      <p:sp>
+        <p:nvSpPr>
+          <p:cNvPr id="2" name="Slide Image Placeholder 1"/>
+          <p:cNvSpPr/>
+          <p:nvPr>
+            <p:ph type="sldImg"/>
+          </p:nvPr>
+        </p:nvSpPr>
+        <p:spPr/>
+      </p:sp>
+      <p:sp>
+        <p:nvSpPr>
+          <p:cNvPr id="3" name="Text Placeholder 2"/>
+          <p:cNvSpPr/>
+          <p:nvPr>
+            <p:ph type="body"/>
+          </p:nvPr>
+        </p:nvSpPr>
+        <p:spPr/>
+        <p:txBody>
+          <a:bodyPr/>
+          <a:p>
+            <a:endParaRPr lang="en-US"/>
+          </a:p>
+        </p:txBody>
+      </p:sp>
+    </p:spTree>
+  </p:cSld>
+  <p:clrMapOvr>
+    <a:masterClrMapping/>
+  </p:clrMapOvr>
+</p:notes>
+</file>
+
+<file path=ppt/notesSlides/notesSlide11.xml><?xml version="1.0" encoding="utf-8"?>
+<p:notes xmlns:a="http://schemas.openxmlformats.org/drawingml/2006/main" xmlns:r="http://schemas.openxmlformats.org/officeDocument/2006/relationships" xmlns:p="http://schemas.openxmlformats.org/presentationml/2006/main">
+  <p:cSld>
+    <p:spTree>
+      <p:nvGrpSpPr>
+        <p:cNvPr id="1" name=""/>
+        <p:cNvGrpSpPr/>
+        <p:nvPr/>
+      </p:nvGrpSpPr>
       <p:grpSpPr>
         <a:xfrm>
           <a:off x="0" y="0"/>
@@ -1165,7 +1209,7 @@
 </p:notes>
 </file>
 
-<file path=ppt/notesSlides/notesSlide11.xml><?xml version="1.0" encoding="utf-8"?>
+<file path=ppt/notesSlides/notesSlide12.xml><?xml version="1.0" encoding="utf-8"?>
 <p:notes xmlns:a="http://schemas.openxmlformats.org/drawingml/2006/main" xmlns:r="http://schemas.openxmlformats.org/officeDocument/2006/relationships" xmlns:p="http://schemas.openxmlformats.org/presentationml/2006/main">
   <p:cSld>
     <p:spTree>
@@ -1392,7 +1436,7 @@
 </p:notes>
 </file>
 
-<file path=ppt/notesSlides/notesSlide12.xml><?xml version="1.0" encoding="utf-8"?>
+<file path=ppt/notesSlides/notesSlide13.xml><?xml version="1.0" encoding="utf-8"?>
 <p:notes xmlns:a="http://schemas.openxmlformats.org/drawingml/2006/main" xmlns:r="http://schemas.openxmlformats.org/officeDocument/2006/relationships" xmlns:p="http://schemas.openxmlformats.org/presentationml/2006/main">
   <p:cSld>
     <p:spTree>
@@ -1554,7 +1598,7 @@
 </p:notes>
 </file>
 
-<file path=ppt/notesSlides/notesSlide13.xml><?xml version="1.0" encoding="utf-8"?>
+<file path=ppt/notesSlides/notesSlide14.xml><?xml version="1.0" encoding="utf-8"?>
 <p:notes xmlns:a="http://schemas.openxmlformats.org/drawingml/2006/main" xmlns:r="http://schemas.openxmlformats.org/officeDocument/2006/relationships" xmlns:p="http://schemas.openxmlformats.org/presentationml/2006/main">
   <p:cSld>
     <p:spTree>
@@ -1658,7 +1702,7 @@
 </p:notes>
 </file>
 
-<file path=ppt/notesSlides/notesSlide14.xml><?xml version="1.0" encoding="utf-8"?>
+<file path=ppt/notesSlides/notesSlide15.xml><?xml version="1.0" encoding="utf-8"?>
 <p:notes xmlns:a="http://schemas.openxmlformats.org/drawingml/2006/main" xmlns:r="http://schemas.openxmlformats.org/officeDocument/2006/relationships" xmlns:p="http://schemas.openxmlformats.org/presentationml/2006/main">
   <p:cSld>
     <p:spTree>
@@ -1928,7 +1972,7 @@
 </p:notes>
 </file>
 
-<file path=ppt/notesSlides/notesSlide15.xml><?xml version="1.0" encoding="utf-8"?>
+<file path=ppt/notesSlides/notesSlide16.xml><?xml version="1.0" encoding="utf-8"?>
 <p:notes xmlns:a="http://schemas.openxmlformats.org/drawingml/2006/main" xmlns:r="http://schemas.openxmlformats.org/officeDocument/2006/relationships" xmlns:p="http://schemas.openxmlformats.org/presentationml/2006/main">
   <p:cSld>
     <p:spTree>
@@ -1997,7 +2041,7 @@
 </p:notes>
 </file>
 
-<file path=ppt/notesSlides/notesSlide16.xml><?xml version="1.0" encoding="utf-8"?>
+<file path=ppt/notesSlides/notesSlide17.xml><?xml version="1.0" encoding="utf-8"?>
 <p:notes xmlns:a="http://schemas.openxmlformats.org/drawingml/2006/main" xmlns:r="http://schemas.openxmlformats.org/officeDocument/2006/relationships" xmlns:p="http://schemas.openxmlformats.org/presentationml/2006/main">
   <p:cSld>
     <p:spTree>
@@ -2081,7 +2125,7 @@
 </p:notes>
 </file>
 
-<file path=ppt/notesSlides/notesSlide17.xml><?xml version="1.0" encoding="utf-8"?>
+<file path=ppt/notesSlides/notesSlide18.xml><?xml version="1.0" encoding="utf-8"?>
 <p:notes xmlns:a="http://schemas.openxmlformats.org/drawingml/2006/main" xmlns:r="http://schemas.openxmlformats.org/officeDocument/2006/relationships" xmlns:p="http://schemas.openxmlformats.org/presentationml/2006/main">
   <p:cSld>
     <p:spTree>
@@ -2177,7 +2221,7 @@
 </p:notes>
 </file>
 
-<file path=ppt/notesSlides/notesSlide18.xml><?xml version="1.0" encoding="utf-8"?>
+<file path=ppt/notesSlides/notesSlide19.xml><?xml version="1.0" encoding="utf-8"?>
 <p:notes xmlns:a="http://schemas.openxmlformats.org/drawingml/2006/main" xmlns:r="http://schemas.openxmlformats.org/officeDocument/2006/relationships" xmlns:p="http://schemas.openxmlformats.org/presentationml/2006/main">
   <p:cSld>
     <p:spTree>
@@ -2281,7 +2325,156 @@
 </p:notes>
 </file>
 
-<file path=ppt/notesSlides/notesSlide19.xml><?xml version="1.0" encoding="utf-8"?>
+<file path=ppt/notesSlides/notesSlide2.xml><?xml version="1.0" encoding="utf-8"?>
+<p:notes xmlns:a="http://schemas.openxmlformats.org/drawingml/2006/main" xmlns:r="http://schemas.openxmlformats.org/officeDocument/2006/relationships" xmlns:p="http://schemas.openxmlformats.org/presentationml/2006/main">
+  <p:cSld>
+    <p:spTree>
+      <p:nvGrpSpPr>
+        <p:cNvPr id="1" name=""/>
+        <p:cNvGrpSpPr/>
+        <p:nvPr/>
+      </p:nvGrpSpPr>
+      <p:grpSpPr>
+        <a:xfrm>
+          <a:off x="0" y="0"/>
+          <a:ext cx="0" cy="0"/>
+          <a:chOff x="0" y="0"/>
+          <a:chExt cx="0" cy="0"/>
+        </a:xfrm>
+      </p:grpSpPr>
+      <p:sp>
+        <p:nvSpPr>
+          <p:cNvPr id="2" name="幻灯片图像占位符 1"/>
+          <p:cNvSpPr>
+            <a:spLocks noGrp="1" noRot="1" noChangeAspect="1"/>
+          </p:cNvSpPr>
+          <p:nvPr>
+            <p:ph type="sldImg"/>
+          </p:nvPr>
+        </p:nvSpPr>
+        <p:spPr/>
+      </p:sp>
+      <p:sp>
+        <p:nvSpPr>
+          <p:cNvPr id="3" name="备注占位符 2"/>
+          <p:cNvSpPr>
+            <a:spLocks noGrp="1"/>
+          </p:cNvSpPr>
+          <p:nvPr>
+            <p:ph type="body" idx="1"/>
+          </p:nvPr>
+        </p:nvSpPr>
+        <p:spPr/>
+        <p:txBody>
+          <a:bodyPr/>
+          <a:lstStyle/>
+          <a:p>
+            <a:r>
+              <a:rPr lang="en-US" sz="1200" b="0" i="0" kern="1200" dirty="0" smtClean="0">
+                <a:solidFill>
+                  <a:schemeClr val="tx1"/>
+                </a:solidFill>
+                <a:effectLst/>
+                <a:latin typeface="+mn-lt"/>
+                <a:ea typeface="Arial" panose="020B0604020202020204" pitchFamily="34" charset="0"/>
+                <a:cs typeface="+mn-cs"/>
+                <a:sym typeface="Arial" panose="020B0604020202020204" pitchFamily="34" charset="0"/>
+              </a:rPr>
+              <a:t>As E-commerce becomes more and more popular in recent years, especially by the impact of the COVID-19 pandemic, many retailers and companies are switching their business models to adapt to the trend. In addition, with the rapid growth of big data technology, the cost of storage capacity to store enormous amounts of data decreases gradually. No matter the tech giant or start-up, all companies can make use of the gathered data to boost their business success.</a:t>
+            </a:r>
+            <a:endParaRPr lang="en-US" sz="1200" b="0" i="0" kern="1200" dirty="0" smtClean="0">
+              <a:solidFill>
+                <a:schemeClr val="tx1"/>
+              </a:solidFill>
+              <a:effectLst/>
+              <a:latin typeface="+mn-lt"/>
+              <a:ea typeface="Arial" panose="020B0604020202020204" pitchFamily="34" charset="0"/>
+              <a:cs typeface="+mn-cs"/>
+              <a:sym typeface="Arial" panose="020B0604020202020204" pitchFamily="34" charset="0"/>
+            </a:endParaRPr>
+          </a:p>
+          <a:p>
+            <a:endParaRPr lang="en-US" sz="1200" b="0" i="0" kern="1200" dirty="0" smtClean="0">
+              <a:solidFill>
+                <a:schemeClr val="tx1"/>
+              </a:solidFill>
+              <a:effectLst/>
+              <a:latin typeface="+mn-lt"/>
+              <a:cs typeface="+mn-cs"/>
+              <a:sym typeface="Arial" panose="020B0604020202020204" pitchFamily="34" charset="0"/>
+            </a:endParaRPr>
+          </a:p>
+          <a:p>
+            <a:r>
+              <a:rPr lang="en-US" altLang="zh-CN" dirty="0" smtClean="0"/>
+              <a:t>So why recommender system is important in the</a:t>
+            </a:r>
+            <a:r>
+              <a:rPr lang="en-US" altLang="zh-CN" baseline="0" dirty="0" smtClean="0"/>
+              <a:t> current era? </a:t>
+            </a:r>
+            <a:r>
+              <a:rPr lang="en-US" sz="1200" b="0" i="0" kern="1200" dirty="0" smtClean="0">
+                <a:solidFill>
+                  <a:schemeClr val="tx1"/>
+                </a:solidFill>
+                <a:effectLst/>
+                <a:latin typeface="+mn-lt"/>
+                <a:ea typeface="Arial" panose="020B0604020202020204" pitchFamily="34" charset="0"/>
+                <a:cs typeface="+mn-cs"/>
+                <a:sym typeface="Arial" panose="020B0604020202020204" pitchFamily="34" charset="0"/>
+              </a:rPr>
+              <a:t>There are several benefits that businesses can achieve using product recommender systems.</a:t>
+            </a:r>
+            <a:endParaRPr lang="en-US" sz="1200" b="0" i="0" kern="1200" dirty="0" smtClean="0">
+              <a:solidFill>
+                <a:schemeClr val="tx1"/>
+              </a:solidFill>
+              <a:effectLst/>
+              <a:latin typeface="+mn-lt"/>
+              <a:ea typeface="Arial" panose="020B0604020202020204" pitchFamily="34" charset="0"/>
+              <a:cs typeface="+mn-cs"/>
+              <a:sym typeface="Arial" panose="020B0604020202020204" pitchFamily="34" charset="0"/>
+            </a:endParaRPr>
+          </a:p>
+          <a:p>
+            <a:endParaRPr lang="en-US" sz="1200" b="0" i="0" kern="1200" dirty="0" smtClean="0">
+              <a:solidFill>
+                <a:schemeClr val="tx1"/>
+              </a:solidFill>
+              <a:effectLst/>
+              <a:latin typeface="+mn-lt"/>
+              <a:cs typeface="+mn-cs"/>
+              <a:sym typeface="Arial" panose="020B0604020202020204" pitchFamily="34" charset="0"/>
+            </a:endParaRPr>
+          </a:p>
+          <a:p>
+            <a:r>
+              <a:rPr lang="en-US" sz="1200" b="0" i="0" kern="1200" dirty="0" smtClean="0">
+                <a:solidFill>
+                  <a:schemeClr val="tx1"/>
+                </a:solidFill>
+                <a:effectLst/>
+                <a:latin typeface="+mn-lt"/>
+                <a:ea typeface="Arial" panose="020B0604020202020204" pitchFamily="34" charset="0"/>
+                <a:cs typeface="+mn-cs"/>
+                <a:sym typeface="Arial" panose="020B0604020202020204" pitchFamily="34" charset="0"/>
+              </a:rPr>
+              <a:t>The objective of this project is to analyze the reason for a product to be recommended and explore different data science methods and algorithms to implement product recommender systems. It will provide business owners or start-up companies a better idea of how recommender systems work and the related advantages.</a:t>
+            </a:r>
+            <a:endParaRPr lang="en-US" dirty="0"/>
+          </a:p>
+        </p:txBody>
+      </p:sp>
+    </p:spTree>
+  </p:cSld>
+  <p:clrMapOvr>
+    <a:masterClrMapping/>
+  </p:clrMapOvr>
+</p:notes>
+</file>
+
+<file path=ppt/notesSlides/notesSlide20.xml><?xml version="1.0" encoding="utf-8"?>
 <p:notes xmlns:a="http://schemas.openxmlformats.org/drawingml/2006/main" xmlns:r="http://schemas.openxmlformats.org/officeDocument/2006/relationships" xmlns:p="http://schemas.openxmlformats.org/presentationml/2006/main">
   <p:cSld>
     <p:spTree>
@@ -2407,156 +2600,7 @@
 </p:notes>
 </file>
 
-<file path=ppt/notesSlides/notesSlide2.xml><?xml version="1.0" encoding="utf-8"?>
-<p:notes xmlns:a="http://schemas.openxmlformats.org/drawingml/2006/main" xmlns:r="http://schemas.openxmlformats.org/officeDocument/2006/relationships" xmlns:p="http://schemas.openxmlformats.org/presentationml/2006/main">
-  <p:cSld>
-    <p:spTree>
-      <p:nvGrpSpPr>
-        <p:cNvPr id="1" name=""/>
-        <p:cNvGrpSpPr/>
-        <p:nvPr/>
-      </p:nvGrpSpPr>
-      <p:grpSpPr>
-        <a:xfrm>
-          <a:off x="0" y="0"/>
-          <a:ext cx="0" cy="0"/>
-          <a:chOff x="0" y="0"/>
-          <a:chExt cx="0" cy="0"/>
-        </a:xfrm>
-      </p:grpSpPr>
-      <p:sp>
-        <p:nvSpPr>
-          <p:cNvPr id="2" name="幻灯片图像占位符 1"/>
-          <p:cNvSpPr>
-            <a:spLocks noGrp="1" noRot="1" noChangeAspect="1"/>
-          </p:cNvSpPr>
-          <p:nvPr>
-            <p:ph type="sldImg"/>
-          </p:nvPr>
-        </p:nvSpPr>
-        <p:spPr/>
-      </p:sp>
-      <p:sp>
-        <p:nvSpPr>
-          <p:cNvPr id="3" name="备注占位符 2"/>
-          <p:cNvSpPr>
-            <a:spLocks noGrp="1"/>
-          </p:cNvSpPr>
-          <p:nvPr>
-            <p:ph type="body" idx="1"/>
-          </p:nvPr>
-        </p:nvSpPr>
-        <p:spPr/>
-        <p:txBody>
-          <a:bodyPr/>
-          <a:lstStyle/>
-          <a:p>
-            <a:r>
-              <a:rPr lang="en-US" sz="1200" b="0" i="0" kern="1200" dirty="0" smtClean="0">
-                <a:solidFill>
-                  <a:schemeClr val="tx1"/>
-                </a:solidFill>
-                <a:effectLst/>
-                <a:latin typeface="+mn-lt"/>
-                <a:ea typeface="Arial" panose="020B0604020202020204" pitchFamily="34" charset="0"/>
-                <a:cs typeface="+mn-cs"/>
-                <a:sym typeface="Arial" panose="020B0604020202020204" pitchFamily="34" charset="0"/>
-              </a:rPr>
-              <a:t>As E-commerce becomes more and more popular in recent years, especially by the impact of the COVID-19 pandemic, many retailers and companies are switching their business models to adapt to the trend. In addition, with the rapid growth of big data technology, the cost of storage capacity to store enormous amounts of data from customers and visitors on the E-commerce sites decreases gradually. No matter the tech giant or start-up, all companies can make use of the gathered data to boost their business success to the next level.</a:t>
-            </a:r>
-            <a:endParaRPr lang="en-US" sz="1200" b="0" i="0" kern="1200" dirty="0" smtClean="0">
-              <a:solidFill>
-                <a:schemeClr val="tx1"/>
-              </a:solidFill>
-              <a:effectLst/>
-              <a:latin typeface="+mn-lt"/>
-              <a:ea typeface="Arial" panose="020B0604020202020204" pitchFamily="34" charset="0"/>
-              <a:cs typeface="+mn-cs"/>
-              <a:sym typeface="Arial" panose="020B0604020202020204" pitchFamily="34" charset="0"/>
-            </a:endParaRPr>
-          </a:p>
-          <a:p>
-            <a:endParaRPr lang="en-US" sz="1200" b="0" i="0" kern="1200" dirty="0" smtClean="0">
-              <a:solidFill>
-                <a:schemeClr val="tx1"/>
-              </a:solidFill>
-              <a:effectLst/>
-              <a:latin typeface="+mn-lt"/>
-              <a:cs typeface="+mn-cs"/>
-              <a:sym typeface="Arial" panose="020B0604020202020204" pitchFamily="34" charset="0"/>
-            </a:endParaRPr>
-          </a:p>
-          <a:p>
-            <a:r>
-              <a:rPr lang="en-US" altLang="zh-CN" dirty="0" smtClean="0"/>
-              <a:t>So why recommender system is important in the</a:t>
-            </a:r>
-            <a:r>
-              <a:rPr lang="en-US" altLang="zh-CN" baseline="0" dirty="0" smtClean="0"/>
-              <a:t> current era? </a:t>
-            </a:r>
-            <a:r>
-              <a:rPr lang="en-US" sz="1200" b="0" i="0" kern="1200" dirty="0" smtClean="0">
-                <a:solidFill>
-                  <a:schemeClr val="tx1"/>
-                </a:solidFill>
-                <a:effectLst/>
-                <a:latin typeface="+mn-lt"/>
-                <a:ea typeface="Arial" panose="020B0604020202020204" pitchFamily="34" charset="0"/>
-                <a:cs typeface="+mn-cs"/>
-                <a:sym typeface="Arial" panose="020B0604020202020204" pitchFamily="34" charset="0"/>
-              </a:rPr>
-              <a:t>There are several benefits that businesses can achieve using product recommender systems.</a:t>
-            </a:r>
-            <a:endParaRPr lang="en-US" sz="1200" b="0" i="0" kern="1200" dirty="0" smtClean="0">
-              <a:solidFill>
-                <a:schemeClr val="tx1"/>
-              </a:solidFill>
-              <a:effectLst/>
-              <a:latin typeface="+mn-lt"/>
-              <a:ea typeface="Arial" panose="020B0604020202020204" pitchFamily="34" charset="0"/>
-              <a:cs typeface="+mn-cs"/>
-              <a:sym typeface="Arial" panose="020B0604020202020204" pitchFamily="34" charset="0"/>
-            </a:endParaRPr>
-          </a:p>
-          <a:p>
-            <a:endParaRPr lang="en-US" sz="1200" b="0" i="0" kern="1200" dirty="0" smtClean="0">
-              <a:solidFill>
-                <a:schemeClr val="tx1"/>
-              </a:solidFill>
-              <a:effectLst/>
-              <a:latin typeface="+mn-lt"/>
-              <a:cs typeface="+mn-cs"/>
-              <a:sym typeface="Arial" panose="020B0604020202020204" pitchFamily="34" charset="0"/>
-            </a:endParaRPr>
-          </a:p>
-          <a:p>
-            <a:r>
-              <a:rPr lang="en-US" sz="1200" b="0" i="0" kern="1200" dirty="0" smtClean="0">
-                <a:solidFill>
-                  <a:schemeClr val="tx1"/>
-                </a:solidFill>
-                <a:effectLst/>
-                <a:latin typeface="+mn-lt"/>
-                <a:ea typeface="Arial" panose="020B0604020202020204" pitchFamily="34" charset="0"/>
-                <a:cs typeface="+mn-cs"/>
-                <a:sym typeface="Arial" panose="020B0604020202020204" pitchFamily="34" charset="0"/>
-              </a:rPr>
-              <a:t>The objective of this project is to analyze the reason for a product to be recommended and explore different data science methods and algorithms to implement product recommender systems. It will provide business owners or start-up companies a better idea of how recommender systems work and the related advantages.</a:t>
-            </a:r>
-            <a:endParaRPr lang="en-US" dirty="0"/>
-          </a:p>
-        </p:txBody>
-      </p:sp>
-    </p:spTree>
-  </p:cSld>
-  <p:clrMapOvr>
-    <a:masterClrMapping/>
-  </p:clrMapOvr>
-</p:notes>
-</file>
-
-<file path=ppt/notesSlides/notesSlide20.xml><?xml version="1.0" encoding="utf-8"?>
+<file path=ppt/notesSlides/notesSlide21.xml><?xml version="1.0" encoding="utf-8"?>
 <p:notes xmlns:a="http://schemas.openxmlformats.org/drawingml/2006/main" xmlns:r="http://schemas.openxmlformats.org/officeDocument/2006/relationships" xmlns:p="http://schemas.openxmlformats.org/presentationml/2006/main">
   <p:cSld>
     <p:spTree>
@@ -17615,7 +17659,7 @@
         </p:nvSpPr>
         <p:spPr>
           <a:xfrm>
-            <a:off x="692667" y="4957138"/>
+            <a:off x="649487" y="4827598"/>
             <a:ext cx="6152711" cy="1384995"/>
           </a:xfrm>
           <a:prstGeom prst="rect">

--- a/presentation/Project_Presentation_EDA_v1.1.pptx
+++ b/presentation/Project_Presentation_EDA_v1.1.pptx
@@ -8,7 +8,7 @@
     <p:notesMasterId r:id="rId6"/>
   </p:notesMasterIdLst>
   <p:handoutMasterIdLst>
-    <p:handoutMasterId r:id="rId39"/>
+    <p:handoutMasterId r:id="rId40"/>
   </p:handoutMasterIdLst>
   <p:sldIdLst>
     <p:sldId id="422" r:id="rId3"/>
@@ -36,16 +36,17 @@
     <p:sldId id="448" r:id="rId26"/>
     <p:sldId id="449" r:id="rId27"/>
     <p:sldId id="450" r:id="rId28"/>
-    <p:sldId id="458" r:id="rId29"/>
-    <p:sldId id="433" r:id="rId30"/>
-    <p:sldId id="451" r:id="rId31"/>
-    <p:sldId id="452" r:id="rId32"/>
-    <p:sldId id="454" r:id="rId33"/>
-    <p:sldId id="456" r:id="rId34"/>
-    <p:sldId id="434" r:id="rId35"/>
-    <p:sldId id="342" r:id="rId36"/>
-    <p:sldId id="440" r:id="rId37"/>
-    <p:sldId id="387" r:id="rId38"/>
+    <p:sldId id="473" r:id="rId29"/>
+    <p:sldId id="458" r:id="rId30"/>
+    <p:sldId id="433" r:id="rId31"/>
+    <p:sldId id="451" r:id="rId32"/>
+    <p:sldId id="452" r:id="rId33"/>
+    <p:sldId id="454" r:id="rId34"/>
+    <p:sldId id="456" r:id="rId35"/>
+    <p:sldId id="434" r:id="rId36"/>
+    <p:sldId id="342" r:id="rId37"/>
+    <p:sldId id="440" r:id="rId38"/>
+    <p:sldId id="387" r:id="rId39"/>
   </p:sldIdLst>
   <p:sldSz cx="12192000" cy="6858000"/>
   <p:notesSz cx="6858000" cy="9144000"/>
@@ -1480,6 +1481,62 @@
           <a:bodyPr/>
           <a:lstStyle/>
           <a:p>
+            <a:endParaRPr lang="en-US" dirty="0"/>
+          </a:p>
+        </p:txBody>
+      </p:sp>
+    </p:spTree>
+  </p:cSld>
+  <p:clrMapOvr>
+    <a:masterClrMapping/>
+  </p:clrMapOvr>
+</p:notes>
+</file>
+
+<file path=ppt/notesSlides/notesSlide14.xml><?xml version="1.0" encoding="utf-8"?>
+<p:notes xmlns:a="http://schemas.openxmlformats.org/drawingml/2006/main" xmlns:r="http://schemas.openxmlformats.org/officeDocument/2006/relationships" xmlns:p="http://schemas.openxmlformats.org/presentationml/2006/main">
+  <p:cSld>
+    <p:spTree>
+      <p:nvGrpSpPr>
+        <p:cNvPr id="1" name=""/>
+        <p:cNvGrpSpPr/>
+        <p:nvPr/>
+      </p:nvGrpSpPr>
+      <p:grpSpPr>
+        <a:xfrm>
+          <a:off x="0" y="0"/>
+          <a:ext cx="0" cy="0"/>
+          <a:chOff x="0" y="0"/>
+          <a:chExt cx="0" cy="0"/>
+        </a:xfrm>
+      </p:grpSpPr>
+      <p:sp>
+        <p:nvSpPr>
+          <p:cNvPr id="2" name="幻灯片图像占位符 1"/>
+          <p:cNvSpPr>
+            <a:spLocks noGrp="1" noRot="1" noChangeAspect="1"/>
+          </p:cNvSpPr>
+          <p:nvPr>
+            <p:ph type="sldImg"/>
+          </p:nvPr>
+        </p:nvSpPr>
+        <p:spPr/>
+      </p:sp>
+      <p:sp>
+        <p:nvSpPr>
+          <p:cNvPr id="3" name="备注占位符 2"/>
+          <p:cNvSpPr>
+            <a:spLocks noGrp="1"/>
+          </p:cNvSpPr>
+          <p:nvPr>
+            <p:ph type="body" idx="1"/>
+          </p:nvPr>
+        </p:nvSpPr>
+        <p:spPr/>
+        <p:txBody>
+          <a:bodyPr/>
+          <a:lstStyle/>
+          <a:p>
             <a:r>
               <a:rPr lang="en-US" sz="1200" b="0" i="0" kern="1200" dirty="0" smtClean="0">
                 <a:solidFill>
@@ -1598,7 +1655,7 @@
 </p:notes>
 </file>
 
-<file path=ppt/notesSlides/notesSlide14.xml><?xml version="1.0" encoding="utf-8"?>
+<file path=ppt/notesSlides/notesSlide15.xml><?xml version="1.0" encoding="utf-8"?>
 <p:notes xmlns:a="http://schemas.openxmlformats.org/drawingml/2006/main" xmlns:r="http://schemas.openxmlformats.org/officeDocument/2006/relationships" xmlns:p="http://schemas.openxmlformats.org/presentationml/2006/main">
   <p:cSld>
     <p:spTree>
@@ -1702,7 +1759,7 @@
 </p:notes>
 </file>
 
-<file path=ppt/notesSlides/notesSlide15.xml><?xml version="1.0" encoding="utf-8"?>
+<file path=ppt/notesSlides/notesSlide16.xml><?xml version="1.0" encoding="utf-8"?>
 <p:notes xmlns:a="http://schemas.openxmlformats.org/drawingml/2006/main" xmlns:r="http://schemas.openxmlformats.org/officeDocument/2006/relationships" xmlns:p="http://schemas.openxmlformats.org/presentationml/2006/main">
   <p:cSld>
     <p:spTree>
@@ -1972,7 +2029,7 @@
 </p:notes>
 </file>
 
-<file path=ppt/notesSlides/notesSlide16.xml><?xml version="1.0" encoding="utf-8"?>
+<file path=ppt/notesSlides/notesSlide17.xml><?xml version="1.0" encoding="utf-8"?>
 <p:notes xmlns:a="http://schemas.openxmlformats.org/drawingml/2006/main" xmlns:r="http://schemas.openxmlformats.org/officeDocument/2006/relationships" xmlns:p="http://schemas.openxmlformats.org/presentationml/2006/main">
   <p:cSld>
     <p:spTree>
@@ -2041,7 +2098,7 @@
 </p:notes>
 </file>
 
-<file path=ppt/notesSlides/notesSlide17.xml><?xml version="1.0" encoding="utf-8"?>
+<file path=ppt/notesSlides/notesSlide18.xml><?xml version="1.0" encoding="utf-8"?>
 <p:notes xmlns:a="http://schemas.openxmlformats.org/drawingml/2006/main" xmlns:r="http://schemas.openxmlformats.org/officeDocument/2006/relationships" xmlns:p="http://schemas.openxmlformats.org/presentationml/2006/main">
   <p:cSld>
     <p:spTree>
@@ -2125,7 +2182,7 @@
 </p:notes>
 </file>
 
-<file path=ppt/notesSlides/notesSlide18.xml><?xml version="1.0" encoding="utf-8"?>
+<file path=ppt/notesSlides/notesSlide19.xml><?xml version="1.0" encoding="utf-8"?>
 <p:notes xmlns:a="http://schemas.openxmlformats.org/drawingml/2006/main" xmlns:r="http://schemas.openxmlformats.org/officeDocument/2006/relationships" xmlns:p="http://schemas.openxmlformats.org/presentationml/2006/main">
   <p:cSld>
     <p:spTree>
@@ -2210,110 +2267,6 @@
               <a:t>. </a:t>
             </a:r>
             <a:endParaRPr lang="en-US" dirty="0"/>
-          </a:p>
-        </p:txBody>
-      </p:sp>
-    </p:spTree>
-  </p:cSld>
-  <p:clrMapOvr>
-    <a:masterClrMapping/>
-  </p:clrMapOvr>
-</p:notes>
-</file>
-
-<file path=ppt/notesSlides/notesSlide19.xml><?xml version="1.0" encoding="utf-8"?>
-<p:notes xmlns:a="http://schemas.openxmlformats.org/drawingml/2006/main" xmlns:r="http://schemas.openxmlformats.org/officeDocument/2006/relationships" xmlns:p="http://schemas.openxmlformats.org/presentationml/2006/main">
-  <p:cSld>
-    <p:spTree>
-      <p:nvGrpSpPr>
-        <p:cNvPr id="1" name=""/>
-        <p:cNvGrpSpPr/>
-        <p:nvPr/>
-      </p:nvGrpSpPr>
-      <p:grpSpPr>
-        <a:xfrm>
-          <a:off x="0" y="0"/>
-          <a:ext cx="0" cy="0"/>
-          <a:chOff x="0" y="0"/>
-          <a:chExt cx="0" cy="0"/>
-        </a:xfrm>
-      </p:grpSpPr>
-      <p:sp>
-        <p:nvSpPr>
-          <p:cNvPr id="33793" name="幻灯片图像占位符 1"/>
-          <p:cNvSpPr>
-            <a:spLocks noGrp="1" noRot="1" noChangeAspect="1"/>
-          </p:cNvSpPr>
-          <p:nvPr>
-            <p:ph type="sldImg"/>
-          </p:nvPr>
-        </p:nvSpPr>
-        <p:spPr/>
-      </p:sp>
-      <p:sp>
-        <p:nvSpPr>
-          <p:cNvPr id="33794" name="备注占位符 2"/>
-          <p:cNvSpPr>
-            <a:spLocks noGrp="1"/>
-          </p:cNvSpPr>
-          <p:nvPr>
-            <p:ph type="body"/>
-          </p:nvPr>
-        </p:nvSpPr>
-        <p:spPr/>
-        <p:txBody>
-          <a:bodyPr lIns="91440" tIns="45720" rIns="91440" bIns="45720" anchor="t" anchorCtr="0"/>
-          <a:lstStyle/>
-          <a:p>
-            <a:pPr lvl="0"/>
-            <a:endParaRPr lang="en-US" altLang="zh-CN" dirty="0">
-              <a:solidFill>
-                <a:srgbClr val="00B0F0"/>
-              </a:solidFill>
-              <a:latin typeface="微软雅黑" panose="020B0503020204020204" pitchFamily="34" charset="-122"/>
-              <a:ea typeface="微软雅黑" panose="020B0503020204020204" pitchFamily="34" charset="-122"/>
-            </a:endParaRPr>
-          </a:p>
-        </p:txBody>
-      </p:sp>
-      <p:sp>
-        <p:nvSpPr>
-          <p:cNvPr id="33795" name="灯片编号占位符 3"/>
-          <p:cNvSpPr>
-            <a:spLocks noGrp="1"/>
-          </p:cNvSpPr>
-          <p:nvPr>
-            <p:ph type="sldNum" sz="quarter"/>
-          </p:nvPr>
-        </p:nvSpPr>
-        <p:spPr>
-          <a:xfrm>
-            <a:off x="3884613" y="8685213"/>
-            <a:ext cx="2971800" cy="458787"/>
-          </a:xfrm>
-          <a:prstGeom prst="rect">
-            <a:avLst/>
-          </a:prstGeom>
-          <a:noFill/>
-          <a:ln w="9525">
-            <a:noFill/>
-          </a:ln>
-        </p:spPr>
-        <p:txBody>
-          <a:bodyPr vert="horz" lIns="91440" tIns="45720" rIns="91440" bIns="45720" anchor="b" anchorCtr="0"/>
-          <a:lstStyle/>
-          <a:p>
-            <a:pPr lvl="0" algn="r"/>
-            <a:fld id="{9A0DB2DC-4C9A-4742-B13C-FB6460FD3503}" type="slidenum">
-              <a:rPr lang="zh-CN" altLang="en-US" sz="1200">
-                <a:latin typeface="Calibri" panose="020F0502020204030204" charset="0"/>
-                <a:ea typeface="宋体" panose="02010600030101010101" pitchFamily="2" charset="-122"/>
-              </a:rPr>
-            </a:fld>
-            <a:endParaRPr lang="zh-CN" altLang="en-US" sz="1200">
-              <a:latin typeface="Calibri" panose="020F0502020204030204" charset="0"/>
-              <a:ea typeface="宋体" panose="02010600030101010101" pitchFamily="2" charset="-122"/>
-            </a:endParaRPr>
           </a:p>
         </p:txBody>
       </p:sp>
@@ -2493,6 +2446,110 @@
       </p:grpSpPr>
       <p:sp>
         <p:nvSpPr>
+          <p:cNvPr id="33793" name="幻灯片图像占位符 1"/>
+          <p:cNvSpPr>
+            <a:spLocks noGrp="1" noRot="1" noChangeAspect="1"/>
+          </p:cNvSpPr>
+          <p:nvPr>
+            <p:ph type="sldImg"/>
+          </p:nvPr>
+        </p:nvSpPr>
+        <p:spPr/>
+      </p:sp>
+      <p:sp>
+        <p:nvSpPr>
+          <p:cNvPr id="33794" name="备注占位符 2"/>
+          <p:cNvSpPr>
+            <a:spLocks noGrp="1"/>
+          </p:cNvSpPr>
+          <p:nvPr>
+            <p:ph type="body"/>
+          </p:nvPr>
+        </p:nvSpPr>
+        <p:spPr/>
+        <p:txBody>
+          <a:bodyPr lIns="91440" tIns="45720" rIns="91440" bIns="45720" anchor="t" anchorCtr="0"/>
+          <a:lstStyle/>
+          <a:p>
+            <a:pPr lvl="0"/>
+            <a:endParaRPr lang="en-US" altLang="zh-CN" dirty="0">
+              <a:solidFill>
+                <a:srgbClr val="00B0F0"/>
+              </a:solidFill>
+              <a:latin typeface="微软雅黑" panose="020B0503020204020204" pitchFamily="34" charset="-122"/>
+              <a:ea typeface="微软雅黑" panose="020B0503020204020204" pitchFamily="34" charset="-122"/>
+            </a:endParaRPr>
+          </a:p>
+        </p:txBody>
+      </p:sp>
+      <p:sp>
+        <p:nvSpPr>
+          <p:cNvPr id="33795" name="灯片编号占位符 3"/>
+          <p:cNvSpPr>
+            <a:spLocks noGrp="1"/>
+          </p:cNvSpPr>
+          <p:nvPr>
+            <p:ph type="sldNum" sz="quarter"/>
+          </p:nvPr>
+        </p:nvSpPr>
+        <p:spPr>
+          <a:xfrm>
+            <a:off x="3884613" y="8685213"/>
+            <a:ext cx="2971800" cy="458787"/>
+          </a:xfrm>
+          <a:prstGeom prst="rect">
+            <a:avLst/>
+          </a:prstGeom>
+          <a:noFill/>
+          <a:ln w="9525">
+            <a:noFill/>
+          </a:ln>
+        </p:spPr>
+        <p:txBody>
+          <a:bodyPr vert="horz" lIns="91440" tIns="45720" rIns="91440" bIns="45720" anchor="b" anchorCtr="0"/>
+          <a:lstStyle/>
+          <a:p>
+            <a:pPr lvl="0" algn="r"/>
+            <a:fld id="{9A0DB2DC-4C9A-4742-B13C-FB6460FD3503}" type="slidenum">
+              <a:rPr lang="zh-CN" altLang="en-US" sz="1200">
+                <a:latin typeface="Calibri" panose="020F0502020204030204" charset="0"/>
+                <a:ea typeface="宋体" panose="02010600030101010101" pitchFamily="2" charset="-122"/>
+              </a:rPr>
+            </a:fld>
+            <a:endParaRPr lang="zh-CN" altLang="en-US" sz="1200">
+              <a:latin typeface="Calibri" panose="020F0502020204030204" charset="0"/>
+              <a:ea typeface="宋体" panose="02010600030101010101" pitchFamily="2" charset="-122"/>
+            </a:endParaRPr>
+          </a:p>
+        </p:txBody>
+      </p:sp>
+    </p:spTree>
+  </p:cSld>
+  <p:clrMapOvr>
+    <a:masterClrMapping/>
+  </p:clrMapOvr>
+</p:notes>
+</file>
+
+<file path=ppt/notesSlides/notesSlide21.xml><?xml version="1.0" encoding="utf-8"?>
+<p:notes xmlns:a="http://schemas.openxmlformats.org/drawingml/2006/main" xmlns:r="http://schemas.openxmlformats.org/officeDocument/2006/relationships" xmlns:p="http://schemas.openxmlformats.org/presentationml/2006/main">
+  <p:cSld>
+    <p:spTree>
+      <p:nvGrpSpPr>
+        <p:cNvPr id="1" name=""/>
+        <p:cNvGrpSpPr/>
+        <p:nvPr/>
+      </p:nvGrpSpPr>
+      <p:grpSpPr>
+        <a:xfrm>
+          <a:off x="0" y="0"/>
+          <a:ext cx="0" cy="0"/>
+          <a:chOff x="0" y="0"/>
+          <a:chExt cx="0" cy="0"/>
+        </a:xfrm>
+      </p:grpSpPr>
+      <p:sp>
+        <p:nvSpPr>
           <p:cNvPr id="2" name="幻灯片图像占位符 1"/>
           <p:cNvSpPr>
             <a:spLocks noGrp="1" noRot="1" noChangeAspect="1"/>
@@ -2600,7 +2657,7 @@
 </p:notes>
 </file>
 
-<file path=ppt/notesSlides/notesSlide21.xml><?xml version="1.0" encoding="utf-8"?>
+<file path=ppt/notesSlides/notesSlide22.xml><?xml version="1.0" encoding="utf-8"?>
 <p:notes xmlns:a="http://schemas.openxmlformats.org/drawingml/2006/main" xmlns:r="http://schemas.openxmlformats.org/officeDocument/2006/relationships" xmlns:p="http://schemas.openxmlformats.org/presentationml/2006/main">
   <p:cSld>
     <p:spTree>
@@ -15155,47 +15212,6 @@
           </a:extLst>
         </p:spPr>
       </p:pic>
-      <p:pic>
-        <p:nvPicPr>
-          <p:cNvPr id="2054" name="Picture 6" descr="review_text_length_by_rating.png"/>
-          <p:cNvPicPr>
-            <a:picLocks noChangeAspect="1" noChangeArrowheads="1"/>
-          </p:cNvPicPr>
-          <p:nvPr/>
-        </p:nvPicPr>
-        <p:blipFill>
-          <a:blip r:embed="rId2">
-            <a:extLst>
-              <a:ext uri="{28A0092B-C50C-407E-A947-70E740481C1C}">
-                <a14:useLocalDpi xmlns:a14="http://schemas.microsoft.com/office/drawing/2010/main" val="0"/>
-              </a:ext>
-            </a:extLst>
-          </a:blip>
-          <a:srcRect/>
-          <a:stretch>
-            <a:fillRect/>
-          </a:stretch>
-        </p:blipFill>
-        <p:spPr bwMode="auto">
-          <a:xfrm>
-            <a:off x="7448153" y="904875"/>
-            <a:ext cx="4323976" cy="5144771"/>
-          </a:xfrm>
-          <a:prstGeom prst="rect">
-            <a:avLst/>
-          </a:prstGeom>
-          <a:noFill/>
-          <a:extLst>
-            <a:ext uri="{909E8E84-426E-40DD-AFC4-6F175D3DCCD1}">
-              <a14:hiddenFill xmlns:a14="http://schemas.microsoft.com/office/drawing/2010/main">
-                <a:solidFill>
-                  <a:srgbClr val="FFFFFF"/>
-                </a:solidFill>
-              </a14:hiddenFill>
-            </a:ext>
-          </a:extLst>
-        </p:spPr>
-      </p:pic>
       <p:grpSp>
         <p:nvGrpSpPr>
           <p:cNvPr id="6" name="组合 8"/>
@@ -15414,6 +15430,30 @@
           </a:p>
         </p:txBody>
       </p:sp>
+      <p:pic>
+        <p:nvPicPr>
+          <p:cNvPr id="3" name="Picture 2"/>
+          <p:cNvPicPr>
+            <a:picLocks noChangeAspect="1"/>
+          </p:cNvPicPr>
+          <p:nvPr/>
+        </p:nvPicPr>
+        <p:blipFill>
+          <a:blip r:embed="rId2"/>
+          <a:stretch>
+            <a:fillRect/>
+          </a:stretch>
+        </p:blipFill>
+        <p:spPr>
+          <a:xfrm>
+            <a:off x="7344410" y="991870"/>
+            <a:ext cx="4829175" cy="5781675"/>
+          </a:xfrm>
+          <a:prstGeom prst="rect">
+            <a:avLst/>
+          </a:prstGeom>
+        </p:spPr>
+      </p:pic>
     </p:spTree>
   </p:cSld>
   <p:clrMapOvr>
@@ -17500,47 +17540,6 @@
           </a:extLst>
         </p:spPr>
       </p:pic>
-      <p:pic>
-        <p:nvPicPr>
-          <p:cNvPr id="5124" name="Picture 4" descr="https://github.com/JinHuiXu1991/Jin_DATA606/raw/9b4cb651e7e430486faa681c4e48af5d358d6fc6/images/product_text_boxplot.png"/>
-          <p:cNvPicPr>
-            <a:picLocks noChangeAspect="1" noChangeArrowheads="1"/>
-          </p:cNvPicPr>
-          <p:nvPr/>
-        </p:nvPicPr>
-        <p:blipFill>
-          <a:blip r:embed="rId2">
-            <a:extLst>
-              <a:ext uri="{28A0092B-C50C-407E-A947-70E740481C1C}">
-                <a14:useLocalDpi xmlns:a14="http://schemas.microsoft.com/office/drawing/2010/main" val="0"/>
-              </a:ext>
-            </a:extLst>
-          </a:blip>
-          <a:srcRect/>
-          <a:stretch>
-            <a:fillRect/>
-          </a:stretch>
-        </p:blipFill>
-        <p:spPr bwMode="auto">
-          <a:xfrm>
-            <a:off x="7327900" y="991870"/>
-            <a:ext cx="4549821" cy="5342255"/>
-          </a:xfrm>
-          <a:prstGeom prst="rect">
-            <a:avLst/>
-          </a:prstGeom>
-          <a:noFill/>
-          <a:extLst>
-            <a:ext uri="{909E8E84-426E-40DD-AFC4-6F175D3DCCD1}">
-              <a14:hiddenFill xmlns:a14="http://schemas.microsoft.com/office/drawing/2010/main">
-                <a:solidFill>
-                  <a:srgbClr val="FFFFFF"/>
-                </a:solidFill>
-              </a14:hiddenFill>
-            </a:ext>
-          </a:extLst>
-        </p:spPr>
-      </p:pic>
       <p:grpSp>
         <p:nvGrpSpPr>
           <p:cNvPr id="5" name="组合 8"/>
@@ -17721,6 +17720,30 @@
           </a:p>
         </p:txBody>
       </p:sp>
+      <p:pic>
+        <p:nvPicPr>
+          <p:cNvPr id="3" name="Picture 2"/>
+          <p:cNvPicPr>
+            <a:picLocks noChangeAspect="1"/>
+          </p:cNvPicPr>
+          <p:nvPr/>
+        </p:nvPicPr>
+        <p:blipFill>
+          <a:blip r:embed="rId2"/>
+          <a:stretch>
+            <a:fillRect/>
+          </a:stretch>
+        </p:blipFill>
+        <p:spPr>
+          <a:xfrm>
+            <a:off x="7266305" y="991870"/>
+            <a:ext cx="4819650" cy="5648325"/>
+          </a:xfrm>
+          <a:prstGeom prst="rect">
+            <a:avLst/>
+          </a:prstGeom>
+        </p:spPr>
+      </p:pic>
     </p:spTree>
   </p:cSld>
   <p:clrMapOvr>
@@ -18121,8 +18144,8 @@
         </p:nvGrpSpPr>
         <p:grpSpPr>
           <a:xfrm>
-            <a:off x="1552178" y="5086340"/>
-            <a:ext cx="8544322" cy="1566385"/>
+            <a:off x="6335395" y="2196465"/>
+            <a:ext cx="5014595" cy="2844165"/>
             <a:chOff x="0" y="6227622"/>
             <a:chExt cx="12192000" cy="488988"/>
           </a:xfrm>
@@ -18231,8 +18254,8 @@
         </p:nvSpPr>
         <p:spPr>
           <a:xfrm>
-            <a:off x="1771398" y="5222782"/>
-            <a:ext cx="7863285" cy="1384995"/>
+            <a:off x="6335395" y="2453640"/>
+            <a:ext cx="4824730" cy="2353310"/>
           </a:xfrm>
           <a:prstGeom prst="rect">
             <a:avLst/>
@@ -18333,43 +18356,26 @@
       </p:sp>
       <p:pic>
         <p:nvPicPr>
-          <p:cNvPr id="1030" name="Picture 6" descr="most_reviewed_brand.png"/>
+          <p:cNvPr id="3" name="Picture 2"/>
           <p:cNvPicPr>
-            <a:picLocks noChangeAspect="1" noChangeArrowheads="1"/>
+            <a:picLocks noChangeAspect="1"/>
           </p:cNvPicPr>
           <p:nvPr/>
         </p:nvPicPr>
         <p:blipFill>
-          <a:blip r:embed="rId1">
-            <a:extLst>
-              <a:ext uri="{28A0092B-C50C-407E-A947-70E740481C1C}">
-                <a14:useLocalDpi xmlns:a14="http://schemas.microsoft.com/office/drawing/2010/main" val="0"/>
-              </a:ext>
-            </a:extLst>
-          </a:blip>
-          <a:srcRect/>
+          <a:blip r:embed="rId1"/>
           <a:stretch>
             <a:fillRect/>
           </a:stretch>
         </p:blipFill>
-        <p:spPr bwMode="auto">
+        <p:spPr>
           <a:xfrm>
-            <a:off x="689393" y="1036222"/>
-            <a:ext cx="10269892" cy="4005170"/>
+            <a:off x="862330" y="1198880"/>
+            <a:ext cx="5222875" cy="5189855"/>
           </a:xfrm>
           <a:prstGeom prst="rect">
             <a:avLst/>
           </a:prstGeom>
-          <a:noFill/>
-          <a:extLst>
-            <a:ext uri="{909E8E84-426E-40DD-AFC4-6F175D3DCCD1}">
-              <a14:hiddenFill xmlns:a14="http://schemas.microsoft.com/office/drawing/2010/main">
-                <a:solidFill>
-                  <a:srgbClr val="FFFFFF"/>
-                </a:solidFill>
-              </a14:hiddenFill>
-            </a:ext>
-          </a:extLst>
         </p:spPr>
       </p:pic>
     </p:spTree>
@@ -18977,14 +18983,309 @@
       </p:sp>
       <p:grpSp>
         <p:nvGrpSpPr>
+          <p:cNvPr id="4" name="组合 1"/>
+          <p:cNvGrpSpPr/>
+          <p:nvPr/>
+        </p:nvGrpSpPr>
+        <p:grpSpPr>
+          <a:xfrm>
+            <a:off x="1537970" y="5489575"/>
+            <a:ext cx="9116695" cy="1128395"/>
+            <a:chOff x="0" y="6227623"/>
+            <a:chExt cx="12192000" cy="630377"/>
+          </a:xfrm>
+        </p:grpSpPr>
+        <p:sp>
+          <p:nvSpPr>
+            <p:cNvPr id="5" name="矩形 4"/>
+            <p:cNvSpPr/>
+            <p:nvPr/>
+          </p:nvSpPr>
+          <p:spPr>
+            <a:xfrm>
+              <a:off x="0" y="6256185"/>
+              <a:ext cx="12192000" cy="601815"/>
+            </a:xfrm>
+            <a:prstGeom prst="rect">
+              <a:avLst/>
+            </a:prstGeom>
+            <a:solidFill>
+              <a:srgbClr val="F5A61C"/>
+            </a:solidFill>
+            <a:ln>
+              <a:noFill/>
+            </a:ln>
+          </p:spPr>
+          <p:style>
+            <a:lnRef idx="2">
+              <a:schemeClr val="accent1">
+                <a:shade val="50000"/>
+              </a:schemeClr>
+            </a:lnRef>
+            <a:fillRef idx="1">
+              <a:schemeClr val="accent1"/>
+            </a:fillRef>
+            <a:effectRef idx="0">
+              <a:schemeClr val="accent1"/>
+            </a:effectRef>
+            <a:fontRef idx="minor">
+              <a:schemeClr val="lt1"/>
+            </a:fontRef>
+          </p:style>
+          <p:txBody>
+            <a:bodyPr rtlCol="0" anchor="ctr"/>
+            <a:lstStyle/>
+            <a:p>
+              <a:pPr algn="ctr" fontAlgn="auto"/>
+              <a:endParaRPr lang="zh-CN" altLang="en-US" strike="noStrike" noProof="1"/>
+            </a:p>
+          </p:txBody>
+        </p:sp>
+        <p:sp>
+          <p:nvSpPr>
+            <p:cNvPr id="6" name="矩形 5"/>
+            <p:cNvSpPr/>
+            <p:nvPr/>
+          </p:nvSpPr>
+          <p:spPr>
+            <a:xfrm>
+              <a:off x="0" y="6227623"/>
+              <a:ext cx="12192000" cy="28562"/>
+            </a:xfrm>
+            <a:prstGeom prst="rect">
+              <a:avLst/>
+            </a:prstGeom>
+            <a:solidFill>
+              <a:schemeClr val="tx1">
+                <a:lumMod val="75000"/>
+                <a:lumOff val="25000"/>
+              </a:schemeClr>
+            </a:solidFill>
+            <a:ln>
+              <a:noFill/>
+            </a:ln>
+          </p:spPr>
+          <p:style>
+            <a:lnRef idx="2">
+              <a:schemeClr val="accent1">
+                <a:shade val="50000"/>
+              </a:schemeClr>
+            </a:lnRef>
+            <a:fillRef idx="1">
+              <a:schemeClr val="accent1"/>
+            </a:fillRef>
+            <a:effectRef idx="0">
+              <a:schemeClr val="accent1"/>
+            </a:effectRef>
+            <a:fontRef idx="minor">
+              <a:schemeClr val="lt1"/>
+            </a:fontRef>
+          </p:style>
+          <p:txBody>
+            <a:bodyPr rtlCol="0" anchor="ctr"/>
+            <a:lstStyle/>
+            <a:p>
+              <a:pPr algn="ctr" fontAlgn="auto"/>
+              <a:endParaRPr lang="zh-CN" altLang="en-US" strike="noStrike" noProof="1"/>
+            </a:p>
+          </p:txBody>
+        </p:sp>
+      </p:grpSp>
+      <p:sp>
+        <p:nvSpPr>
+          <p:cNvPr id="7" name="TextBox 15"/>
+          <p:cNvSpPr txBox="1"/>
+          <p:nvPr/>
+        </p:nvSpPr>
+        <p:spPr>
+          <a:xfrm>
+            <a:off x="1670685" y="5523230"/>
+            <a:ext cx="8341995" cy="1060450"/>
+          </a:xfrm>
+          <a:prstGeom prst="rect">
+            <a:avLst/>
+          </a:prstGeom>
+          <a:noFill/>
+          <a:ln w="9525">
+            <a:noFill/>
+          </a:ln>
+        </p:spPr>
+        <p:txBody>
+          <a:bodyPr wrap="square" anchor="t" anchorCtr="0">
+            <a:spAutoFit/>
+          </a:bodyPr>
+          <a:lstStyle/>
+          <a:p>
+            <a:pPr>
+              <a:lnSpc>
+                <a:spcPct val="150000"/>
+              </a:lnSpc>
+            </a:pPr>
+            <a:r>
+              <a:rPr lang="en-US" altLang="zh-CN" sz="1400" dirty="0" smtClean="0">
+                <a:solidFill>
+                  <a:srgbClr val="262626"/>
+                </a:solidFill>
+                <a:latin typeface="Arial" panose="020B0604020202020204" pitchFamily="34" charset="0"/>
+                <a:cs typeface="Arial" panose="020B0604020202020204" pitchFamily="34" charset="0"/>
+              </a:rPr>
+              <a:t>This graph shows</a:t>
+            </a:r>
+            <a:r>
+              <a:rPr lang="en-US" altLang="zh-CN" sz="1400" dirty="0">
+                <a:solidFill>
+                  <a:srgbClr val="262626"/>
+                </a:solidFill>
+                <a:latin typeface="Arial" panose="020B0604020202020204" pitchFamily="34" charset="0"/>
+                <a:cs typeface="Arial" panose="020B0604020202020204" pitchFamily="34" charset="0"/>
+              </a:rPr>
+              <a:t> that LintEater has the best review per product ratio in the dataset. And most of the brands are not in the top ranking of the number of products, which again proves that offering more products doesn't imply more sales and revenue.</a:t>
+            </a:r>
+            <a:endParaRPr lang="en-US" altLang="zh-CN" sz="1400" dirty="0">
+              <a:solidFill>
+                <a:srgbClr val="262626"/>
+              </a:solidFill>
+              <a:latin typeface="Arial" panose="020B0604020202020204" pitchFamily="34" charset="0"/>
+              <a:cs typeface="Arial" panose="020B0604020202020204" pitchFamily="34" charset="0"/>
+            </a:endParaRPr>
+          </a:p>
+        </p:txBody>
+      </p:sp>
+      <p:pic>
+        <p:nvPicPr>
+          <p:cNvPr id="3" name="Picture 2"/>
+          <p:cNvPicPr>
+            <a:picLocks noChangeAspect="1"/>
+          </p:cNvPicPr>
+          <p:nvPr/>
+        </p:nvPicPr>
+        <p:blipFill>
+          <a:blip r:embed="rId1"/>
+          <a:stretch>
+            <a:fillRect/>
+          </a:stretch>
+        </p:blipFill>
+        <p:spPr>
+          <a:xfrm>
+            <a:off x="2383790" y="1049655"/>
+            <a:ext cx="6915150" cy="4381500"/>
+          </a:xfrm>
+          <a:prstGeom prst="rect">
+            <a:avLst/>
+          </a:prstGeom>
+        </p:spPr>
+      </p:pic>
+    </p:spTree>
+  </p:cSld>
+  <p:clrMapOvr>
+    <a:masterClrMapping/>
+  </p:clrMapOvr>
+  <mc:AlternateContent xmlns:mc="http://schemas.openxmlformats.org/markup-compatibility/2006">
+    <mc:Choice xmlns:p14="http://schemas.microsoft.com/office/powerpoint/2010/main" Requires="p14">
+      <p:transition spd="med" p14:dur="700">
+        <p:fade/>
+      </p:transition>
+    </mc:Choice>
+    <mc:Fallback>
+      <p:transition spd="med">
+        <p:fade/>
+      </p:transition>
+    </mc:Fallback>
+  </mc:AlternateContent>
+  <p:timing>
+    <p:tnLst>
+      <p:par>
+        <p:cTn id="1" dur="indefinite" restart="never" nodeType="tmRoot"/>
+      </p:par>
+    </p:tnLst>
+  </p:timing>
+</p:sld>
+</file>
+
+<file path=ppt/slides/slide27.xml><?xml version="1.0" encoding="utf-8"?>
+<p:sld xmlns:a="http://schemas.openxmlformats.org/drawingml/2006/main" xmlns:r="http://schemas.openxmlformats.org/officeDocument/2006/relationships" xmlns:p="http://schemas.openxmlformats.org/presentationml/2006/main">
+  <p:cSld>
+    <p:spTree>
+      <p:nvGrpSpPr>
+        <p:cNvPr id="1" name=""/>
+        <p:cNvGrpSpPr/>
+        <p:nvPr/>
+      </p:nvGrpSpPr>
+      <p:grpSpPr>
+        <a:xfrm>
+          <a:off x="0" y="0"/>
+          <a:ext cx="0" cy="0"/>
+          <a:chOff x="0" y="0"/>
+          <a:chExt cx="0" cy="0"/>
+        </a:xfrm>
+      </p:grpSpPr>
+      <p:sp>
+        <p:nvSpPr>
+          <p:cNvPr id="2" name="文本框 48"/>
+          <p:cNvSpPr txBox="1"/>
+          <p:nvPr/>
+        </p:nvSpPr>
+        <p:spPr>
+          <a:xfrm>
+            <a:off x="266303" y="283984"/>
+            <a:ext cx="9473407" cy="707886"/>
+          </a:xfrm>
+          <a:prstGeom prst="rect">
+            <a:avLst/>
+          </a:prstGeom>
+          <a:solidFill>
+            <a:schemeClr val="bg1"/>
+          </a:solidFill>
+          <a:ln w="9525">
+            <a:noFill/>
+          </a:ln>
+        </p:spPr>
+        <p:txBody>
+          <a:bodyPr wrap="square" anchor="t" anchorCtr="0">
+            <a:spAutoFit/>
+          </a:bodyPr>
+          <a:lstStyle/>
+          <a:p>
+            <a:r>
+              <a:rPr lang="en-US" altLang="zh-CN" sz="4000" dirty="0" smtClean="0">
+                <a:solidFill>
+                  <a:srgbClr val="141214"/>
+                </a:solidFill>
+                <a:latin typeface="Arial" panose="020B0604020202020204" pitchFamily="34" charset="0"/>
+                <a:cs typeface="Arial" panose="020B0604020202020204" pitchFamily="34" charset="0"/>
+              </a:rPr>
+              <a:t>EDA </a:t>
+            </a:r>
+            <a:r>
+              <a:rPr lang="en-US" altLang="zh-CN" sz="4000" dirty="0">
+                <a:solidFill>
+                  <a:srgbClr val="141214"/>
+                </a:solidFill>
+                <a:latin typeface="Arial" panose="020B0604020202020204" pitchFamily="34" charset="0"/>
+                <a:cs typeface="Arial" panose="020B0604020202020204" pitchFamily="34" charset="0"/>
+              </a:rPr>
+              <a:t>– Merged Data</a:t>
+            </a:r>
+            <a:endParaRPr lang="en-US" altLang="zh-CN" sz="4000" dirty="0" smtClean="0">
+              <a:solidFill>
+                <a:srgbClr val="141214"/>
+              </a:solidFill>
+              <a:latin typeface="Arial" panose="020B0604020202020204" pitchFamily="34" charset="0"/>
+              <a:cs typeface="Arial" panose="020B0604020202020204" pitchFamily="34" charset="0"/>
+            </a:endParaRPr>
+          </a:p>
+        </p:txBody>
+      </p:sp>
+      <p:grpSp>
+        <p:nvGrpSpPr>
           <p:cNvPr id="4" name="组合 8"/>
           <p:cNvGrpSpPr/>
           <p:nvPr/>
         </p:nvGrpSpPr>
         <p:grpSpPr>
           <a:xfrm>
-            <a:off x="1552178" y="5455758"/>
-            <a:ext cx="8544322" cy="1244817"/>
+            <a:off x="6593840" y="2604135"/>
+            <a:ext cx="5076825" cy="2305050"/>
             <a:chOff x="0" y="6227622"/>
             <a:chExt cx="12192000" cy="388602"/>
           </a:xfrm>
@@ -19093,8 +19394,8 @@
         </p:nvSpPr>
         <p:spPr>
           <a:xfrm>
-            <a:off x="1876425" y="5547243"/>
-            <a:ext cx="7863285" cy="1061829"/>
+            <a:off x="6809105" y="3036570"/>
+            <a:ext cx="4645660" cy="1383665"/>
           </a:xfrm>
           <a:prstGeom prst="rect">
             <a:avLst/>
@@ -19179,28 +19480,22 @@
       </p:sp>
       <p:pic>
         <p:nvPicPr>
-          <p:cNvPr id="3" name="图片 2"/>
+          <p:cNvPr id="8" name="Picture 7"/>
           <p:cNvPicPr>
             <a:picLocks noChangeAspect="1"/>
           </p:cNvPicPr>
           <p:nvPr/>
         </p:nvPicPr>
         <p:blipFill>
-          <a:blip r:embed="rId1">
-            <a:extLst>
-              <a:ext uri="{28A0092B-C50C-407E-A947-70E740481C1C}">
-                <a14:useLocalDpi xmlns:a14="http://schemas.microsoft.com/office/drawing/2010/main" val="0"/>
-              </a:ext>
-            </a:extLst>
-          </a:blip>
+          <a:blip r:embed="rId1"/>
           <a:stretch>
             <a:fillRect/>
           </a:stretch>
         </p:blipFill>
         <p:spPr>
           <a:xfrm>
-            <a:off x="0" y="1036816"/>
-            <a:ext cx="12192000" cy="4418934"/>
+            <a:off x="266065" y="1440180"/>
+            <a:ext cx="6327775" cy="5043170"/>
           </a:xfrm>
           <a:prstGeom prst="rect">
             <a:avLst/>
@@ -19234,7 +19529,7 @@
 </p:sld>
 </file>
 
-<file path=ppt/slides/slide27.xml><?xml version="1.0" encoding="utf-8"?>
+<file path=ppt/slides/slide28.xml><?xml version="1.0" encoding="utf-8"?>
 <p:sld xmlns:a="http://schemas.openxmlformats.org/drawingml/2006/main" xmlns:r="http://schemas.openxmlformats.org/officeDocument/2006/relationships" xmlns:p="http://schemas.openxmlformats.org/presentationml/2006/main">
   <p:cSld>
     <p:spTree>
@@ -19362,7 +19657,7 @@
 </p:sld>
 </file>
 
-<file path=ppt/slides/slide28.xml><?xml version="1.0" encoding="utf-8"?>
+<file path=ppt/slides/slide29.xml><?xml version="1.0" encoding="utf-8"?>
 <p:sld xmlns:a="http://schemas.openxmlformats.org/drawingml/2006/main" xmlns:r="http://schemas.openxmlformats.org/officeDocument/2006/relationships" xmlns:p="http://schemas.openxmlformats.org/presentationml/2006/main">
   <p:cSld>
     <p:spTree>
@@ -19707,7 +20002,136 @@
 </p:sld>
 </file>
 
-<file path=ppt/slides/slide29.xml><?xml version="1.0" encoding="utf-8"?>
+<file path=ppt/slides/slide3.xml><?xml version="1.0" encoding="utf-8"?>
+<p:sld xmlns:a="http://schemas.openxmlformats.org/drawingml/2006/main" xmlns:r="http://schemas.openxmlformats.org/officeDocument/2006/relationships" xmlns:p="http://schemas.openxmlformats.org/presentationml/2006/main">
+  <p:cSld>
+    <p:spTree>
+      <p:nvGrpSpPr>
+        <p:cNvPr id="1" name=""/>
+        <p:cNvGrpSpPr/>
+        <p:nvPr/>
+      </p:nvGrpSpPr>
+      <p:grpSpPr>
+        <a:xfrm>
+          <a:off x="0" y="0"/>
+          <a:ext cx="0" cy="0"/>
+          <a:chOff x="0" y="0"/>
+          <a:chExt cx="0" cy="0"/>
+        </a:xfrm>
+      </p:grpSpPr>
+      <p:sp>
+        <p:nvSpPr>
+          <p:cNvPr id="10241" name="矩形 11"/>
+          <p:cNvSpPr/>
+          <p:nvPr/>
+        </p:nvSpPr>
+        <p:spPr>
+          <a:xfrm>
+            <a:off x="4368506" y="4916488"/>
+            <a:ext cx="3475631" cy="769441"/>
+          </a:xfrm>
+          <a:prstGeom prst="rect">
+            <a:avLst/>
+          </a:prstGeom>
+          <a:noFill/>
+          <a:ln w="9525">
+            <a:noFill/>
+          </a:ln>
+        </p:spPr>
+        <p:txBody>
+          <a:bodyPr wrap="none" anchor="t" anchorCtr="0">
+            <a:spAutoFit/>
+          </a:bodyPr>
+          <a:lstStyle/>
+          <a:p>
+            <a:pPr algn="ctr"/>
+            <a:r>
+              <a:rPr lang="en-US" altLang="zh-CN" sz="4400" b="1" dirty="0" smtClean="0">
+                <a:solidFill>
+                  <a:srgbClr val="262626"/>
+                </a:solidFill>
+                <a:latin typeface="Arial" panose="020B0604020202020204" pitchFamily="34" charset="0"/>
+                <a:ea typeface="宋体" panose="02010600030101010101" pitchFamily="2" charset="-122"/>
+                <a:cs typeface="Arial" panose="020B0604020202020204" pitchFamily="34" charset="0"/>
+              </a:rPr>
+              <a:t>Introduction</a:t>
+            </a:r>
+            <a:endParaRPr lang="en-US" altLang="zh-CN" sz="4400" b="1" dirty="0">
+              <a:solidFill>
+                <a:srgbClr val="262626"/>
+              </a:solidFill>
+              <a:latin typeface="Arial" panose="020B0604020202020204" pitchFamily="34" charset="0"/>
+              <a:ea typeface="Arial" panose="020B0604020202020204" pitchFamily="34" charset="0"/>
+            </a:endParaRPr>
+          </a:p>
+        </p:txBody>
+      </p:sp>
+      <p:sp>
+        <p:nvSpPr>
+          <p:cNvPr id="10243" name="矩形 1"/>
+          <p:cNvSpPr/>
+          <p:nvPr/>
+        </p:nvSpPr>
+        <p:spPr>
+          <a:xfrm>
+            <a:off x="5364163" y="869950"/>
+            <a:ext cx="1463675" cy="3154363"/>
+          </a:xfrm>
+          <a:prstGeom prst="rect">
+            <a:avLst/>
+          </a:prstGeom>
+          <a:noFill/>
+          <a:ln w="9525">
+            <a:noFill/>
+          </a:ln>
+        </p:spPr>
+        <p:txBody>
+          <a:bodyPr wrap="none" anchor="t" anchorCtr="0">
+            <a:spAutoFit/>
+          </a:bodyPr>
+          <a:lstStyle/>
+          <a:p>
+            <a:pPr algn="ctr"/>
+            <a:r>
+              <a:rPr lang="en-US" altLang="zh-CN" sz="19900" b="1" dirty="0">
+                <a:solidFill>
+                  <a:srgbClr val="262626"/>
+                </a:solidFill>
+                <a:latin typeface="Arial" panose="020B0604020202020204" pitchFamily="34" charset="0"/>
+                <a:ea typeface="宋体" panose="02010600030101010101" pitchFamily="2" charset="-122"/>
+                <a:cs typeface="Arial" panose="020B0604020202020204" pitchFamily="34" charset="0"/>
+              </a:rPr>
+              <a:t>1</a:t>
+            </a:r>
+            <a:endParaRPr lang="zh-CN" altLang="en-US" sz="19900" b="1" dirty="0">
+              <a:solidFill>
+                <a:srgbClr val="262626"/>
+              </a:solidFill>
+              <a:latin typeface="Arial" panose="020B0604020202020204" pitchFamily="34" charset="0"/>
+              <a:ea typeface="Arial" panose="020B0604020202020204" pitchFamily="34" charset="0"/>
+            </a:endParaRPr>
+          </a:p>
+        </p:txBody>
+      </p:sp>
+    </p:spTree>
+  </p:cSld>
+  <p:clrMapOvr>
+    <a:masterClrMapping/>
+  </p:clrMapOvr>
+  <p:transition spd="med">
+    <p:fade/>
+  </p:transition>
+  <p:timing>
+    <p:tnLst>
+      <p:par>
+        <p:cTn id="1" dur="indefinite" restart="never" nodeType="tmRoot"/>
+      </p:par>
+    </p:tnLst>
+  </p:timing>
+</p:sld>
+</file>
+
+<file path=ppt/slides/slide30.xml><?xml version="1.0" encoding="utf-8"?>
 <p:sld xmlns:a="http://schemas.openxmlformats.org/drawingml/2006/main" xmlns:r="http://schemas.openxmlformats.org/officeDocument/2006/relationships" xmlns:p="http://schemas.openxmlformats.org/presentationml/2006/main">
   <p:cSld>
     <p:spTree>
@@ -28316,136 +28740,7 @@
 </p:sld>
 </file>
 
-<file path=ppt/slides/slide3.xml><?xml version="1.0" encoding="utf-8"?>
-<p:sld xmlns:a="http://schemas.openxmlformats.org/drawingml/2006/main" xmlns:r="http://schemas.openxmlformats.org/officeDocument/2006/relationships" xmlns:p="http://schemas.openxmlformats.org/presentationml/2006/main">
-  <p:cSld>
-    <p:spTree>
-      <p:nvGrpSpPr>
-        <p:cNvPr id="1" name=""/>
-        <p:cNvGrpSpPr/>
-        <p:nvPr/>
-      </p:nvGrpSpPr>
-      <p:grpSpPr>
-        <a:xfrm>
-          <a:off x="0" y="0"/>
-          <a:ext cx="0" cy="0"/>
-          <a:chOff x="0" y="0"/>
-          <a:chExt cx="0" cy="0"/>
-        </a:xfrm>
-      </p:grpSpPr>
-      <p:sp>
-        <p:nvSpPr>
-          <p:cNvPr id="10241" name="矩形 11"/>
-          <p:cNvSpPr/>
-          <p:nvPr/>
-        </p:nvSpPr>
-        <p:spPr>
-          <a:xfrm>
-            <a:off x="4368506" y="4916488"/>
-            <a:ext cx="3475631" cy="769441"/>
-          </a:xfrm>
-          <a:prstGeom prst="rect">
-            <a:avLst/>
-          </a:prstGeom>
-          <a:noFill/>
-          <a:ln w="9525">
-            <a:noFill/>
-          </a:ln>
-        </p:spPr>
-        <p:txBody>
-          <a:bodyPr wrap="none" anchor="t" anchorCtr="0">
-            <a:spAutoFit/>
-          </a:bodyPr>
-          <a:lstStyle/>
-          <a:p>
-            <a:pPr algn="ctr"/>
-            <a:r>
-              <a:rPr lang="en-US" altLang="zh-CN" sz="4400" b="1" dirty="0" smtClean="0">
-                <a:solidFill>
-                  <a:srgbClr val="262626"/>
-                </a:solidFill>
-                <a:latin typeface="Arial" panose="020B0604020202020204" pitchFamily="34" charset="0"/>
-                <a:ea typeface="宋体" panose="02010600030101010101" pitchFamily="2" charset="-122"/>
-                <a:cs typeface="Arial" panose="020B0604020202020204" pitchFamily="34" charset="0"/>
-              </a:rPr>
-              <a:t>Introduction</a:t>
-            </a:r>
-            <a:endParaRPr lang="en-US" altLang="zh-CN" sz="4400" b="1" dirty="0">
-              <a:solidFill>
-                <a:srgbClr val="262626"/>
-              </a:solidFill>
-              <a:latin typeface="Arial" panose="020B0604020202020204" pitchFamily="34" charset="0"/>
-              <a:ea typeface="Arial" panose="020B0604020202020204" pitchFamily="34" charset="0"/>
-            </a:endParaRPr>
-          </a:p>
-        </p:txBody>
-      </p:sp>
-      <p:sp>
-        <p:nvSpPr>
-          <p:cNvPr id="10243" name="矩形 1"/>
-          <p:cNvSpPr/>
-          <p:nvPr/>
-        </p:nvSpPr>
-        <p:spPr>
-          <a:xfrm>
-            <a:off x="5364163" y="869950"/>
-            <a:ext cx="1463675" cy="3154363"/>
-          </a:xfrm>
-          <a:prstGeom prst="rect">
-            <a:avLst/>
-          </a:prstGeom>
-          <a:noFill/>
-          <a:ln w="9525">
-            <a:noFill/>
-          </a:ln>
-        </p:spPr>
-        <p:txBody>
-          <a:bodyPr wrap="none" anchor="t" anchorCtr="0">
-            <a:spAutoFit/>
-          </a:bodyPr>
-          <a:lstStyle/>
-          <a:p>
-            <a:pPr algn="ctr"/>
-            <a:r>
-              <a:rPr lang="en-US" altLang="zh-CN" sz="19900" b="1" dirty="0">
-                <a:solidFill>
-                  <a:srgbClr val="262626"/>
-                </a:solidFill>
-                <a:latin typeface="Arial" panose="020B0604020202020204" pitchFamily="34" charset="0"/>
-                <a:ea typeface="宋体" panose="02010600030101010101" pitchFamily="2" charset="-122"/>
-                <a:cs typeface="Arial" panose="020B0604020202020204" pitchFamily="34" charset="0"/>
-              </a:rPr>
-              <a:t>1</a:t>
-            </a:r>
-            <a:endParaRPr lang="zh-CN" altLang="en-US" sz="19900" b="1" dirty="0">
-              <a:solidFill>
-                <a:srgbClr val="262626"/>
-              </a:solidFill>
-              <a:latin typeface="Arial" panose="020B0604020202020204" pitchFamily="34" charset="0"/>
-              <a:ea typeface="Arial" panose="020B0604020202020204" pitchFamily="34" charset="0"/>
-            </a:endParaRPr>
-          </a:p>
-        </p:txBody>
-      </p:sp>
-    </p:spTree>
-  </p:cSld>
-  <p:clrMapOvr>
-    <a:masterClrMapping/>
-  </p:clrMapOvr>
-  <p:transition spd="med">
-    <p:fade/>
-  </p:transition>
-  <p:timing>
-    <p:tnLst>
-      <p:par>
-        <p:cTn id="1" dur="indefinite" restart="never" nodeType="tmRoot"/>
-      </p:par>
-    </p:tnLst>
-  </p:timing>
-</p:sld>
-</file>
-
-<file path=ppt/slides/slide30.xml><?xml version="1.0" encoding="utf-8"?>
+<file path=ppt/slides/slide31.xml><?xml version="1.0" encoding="utf-8"?>
 <p:sld xmlns:a="http://schemas.openxmlformats.org/drawingml/2006/main" xmlns:r="http://schemas.openxmlformats.org/officeDocument/2006/relationships" xmlns:p="http://schemas.openxmlformats.org/presentationml/2006/main">
   <p:cSld>
     <p:spTree>
@@ -29039,7 +29334,7 @@
 </p:sld>
 </file>
 
-<file path=ppt/slides/slide31.xml><?xml version="1.0" encoding="utf-8"?>
+<file path=ppt/slides/slide32.xml><?xml version="1.0" encoding="utf-8"?>
 <p:sld xmlns:a="http://schemas.openxmlformats.org/drawingml/2006/main" xmlns:r="http://schemas.openxmlformats.org/officeDocument/2006/relationships" xmlns:p="http://schemas.openxmlformats.org/presentationml/2006/main">
   <p:cSld>
     <p:spTree>
@@ -29378,7 +29673,7 @@
 </p:sld>
 </file>
 
-<file path=ppt/slides/slide32.xml><?xml version="1.0" encoding="utf-8"?>
+<file path=ppt/slides/slide33.xml><?xml version="1.0" encoding="utf-8"?>
 <p:sld xmlns:a="http://schemas.openxmlformats.org/drawingml/2006/main" xmlns:r="http://schemas.openxmlformats.org/officeDocument/2006/relationships" xmlns:p="http://schemas.openxmlformats.org/presentationml/2006/main">
   <p:cSld>
     <p:spTree>
@@ -29506,7 +29801,7 @@
 </p:sld>
 </file>
 
-<file path=ppt/slides/slide33.xml><?xml version="1.0" encoding="utf-8"?>
+<file path=ppt/slides/slide34.xml><?xml version="1.0" encoding="utf-8"?>
 <p:sld xmlns:a="http://schemas.openxmlformats.org/drawingml/2006/main" xmlns:r="http://schemas.openxmlformats.org/officeDocument/2006/relationships" xmlns:p="http://schemas.openxmlformats.org/presentationml/2006/main">
   <p:cSld>
     <p:spTree>
@@ -30106,7 +30401,7 @@
 </p:sld>
 </file>
 
-<file path=ppt/slides/slide34.xml><?xml version="1.0" encoding="utf-8"?>
+<file path=ppt/slides/slide35.xml><?xml version="1.0" encoding="utf-8"?>
 <p:sld xmlns:a="http://schemas.openxmlformats.org/drawingml/2006/main" xmlns:r="http://schemas.openxmlformats.org/officeDocument/2006/relationships" xmlns:p="http://schemas.openxmlformats.org/presentationml/2006/main">
   <p:cSld>
     <p:spTree>
@@ -30437,7 +30732,7 @@
 </p:sld>
 </file>
 
-<file path=ppt/slides/slide35.xml><?xml version="1.0" encoding="utf-8"?>
+<file path=ppt/slides/slide36.xml><?xml version="1.0" encoding="utf-8"?>
 <p:sld xmlns:a="http://schemas.openxmlformats.org/drawingml/2006/main" xmlns:r="http://schemas.openxmlformats.org/officeDocument/2006/relationships" xmlns:p="http://schemas.openxmlformats.org/presentationml/2006/main">
   <p:cSld>
     <p:spTree>
